--- a/assets/img/vision/fusion/nvautonet/nvautonet.pptx
+++ b/assets/img/vision/fusion/nvautonet/nvautonet.pptx
@@ -9,6 +9,11 @@
     <p:sldId id="257" r:id="rId3"/>
     <p:sldId id="258" r:id="rId4"/>
     <p:sldId id="259" r:id="rId5"/>
+    <p:sldId id="260" r:id="rId6"/>
+    <p:sldId id="261" r:id="rId7"/>
+    <p:sldId id="262" r:id="rId8"/>
+    <p:sldId id="263" r:id="rId9"/>
+    <p:sldId id="264" r:id="rId10"/>
   </p:sldIdLst>
   <p:sldSz cx="12192000" cy="6858000"/>
   <p:notesSz cx="6858000" cy="9144000"/>
@@ -107,7 +112,3302 @@
       </a:defRPr>
     </a:lvl9pPr>
   </p:defaultTextStyle>
+  <p:extLst>
+    <p:ext uri="{EFAFB233-063F-42B5-8137-9DF3F51BA10A}">
+      <p15:sldGuideLst xmlns:p15="http://schemas.microsoft.com/office/powerpoint/2012/main"/>
+    </p:ext>
+  </p:extLst>
 </p:presentation>
+</file>
+
+<file path=ppt/ink/ink1.xml><?xml version="1.0" encoding="utf-8"?>
+<inkml:ink xmlns:inkml="http://www.w3.org/2003/InkML">
+  <inkml:definitions>
+    <inkml:context xml:id="ctx0">
+      <inkml:inkSource xml:id="inkSrc0">
+        <inkml:traceFormat>
+          <inkml:channel name="X" type="integer" min="-2.14748E9" max="2.14748E9" units="cm"/>
+          <inkml:channel name="Y" type="integer" min="-2.14748E9" max="2.14748E9" units="cm"/>
+          <inkml:channel name="F" type="integer" max="32767" units="dev"/>
+        </inkml:traceFormat>
+        <inkml:channelProperties>
+          <inkml:channelProperty channel="X" name="resolution" value="1000" units="1/cm"/>
+          <inkml:channelProperty channel="Y" name="resolution" value="1000" units="1/cm"/>
+          <inkml:channelProperty channel="F" name="resolution" value="0" units="1/dev"/>
+        </inkml:channelProperties>
+      </inkml:inkSource>
+      <inkml:timestamp xml:id="ts0" timeString="2023-05-29T07:23:56.369"/>
+    </inkml:context>
+    <inkml:brush xml:id="br0">
+      <inkml:brushProperty name="width" value="0.05" units="cm"/>
+      <inkml:brushProperty name="height" value="0.05" units="cm"/>
+      <inkml:brushProperty name="color" value="#E71224"/>
+    </inkml:brush>
+  </inkml:definitions>
+  <inkml:trace contextRef="#ctx0" brushRef="#br0">0 0 24575,'0'0'-8191</inkml:trace>
+</inkml:ink>
+</file>
+
+<file path=ppt/ink/ink10.xml><?xml version="1.0" encoding="utf-8"?>
+<inkml:ink xmlns:inkml="http://www.w3.org/2003/InkML">
+  <inkml:definitions>
+    <inkml:context xml:id="ctx0">
+      <inkml:inkSource xml:id="inkSrc0">
+        <inkml:traceFormat>
+          <inkml:channel name="X" type="integer" min="-2.14748E9" max="2.14748E9" units="cm"/>
+          <inkml:channel name="Y" type="integer" min="-2.14748E9" max="2.14748E9" units="cm"/>
+          <inkml:channel name="F" type="integer" max="32767" units="dev"/>
+        </inkml:traceFormat>
+        <inkml:channelProperties>
+          <inkml:channelProperty channel="X" name="resolution" value="1000" units="1/cm"/>
+          <inkml:channelProperty channel="Y" name="resolution" value="1000" units="1/cm"/>
+          <inkml:channelProperty channel="F" name="resolution" value="0" units="1/dev"/>
+        </inkml:channelProperties>
+      </inkml:inkSource>
+      <inkml:timestamp xml:id="ts0" timeString="2023-05-29T07:24:01.757"/>
+    </inkml:context>
+    <inkml:brush xml:id="br0">
+      <inkml:brushProperty name="width" value="0.05" units="cm"/>
+      <inkml:brushProperty name="height" value="0.05" units="cm"/>
+      <inkml:brushProperty name="color" value="#E71224"/>
+    </inkml:brush>
+  </inkml:definitions>
+  <inkml:trace contextRef="#ctx0" brushRef="#br0">0 1 24575,'0'0'-8191</inkml:trace>
+</inkml:ink>
+</file>
+
+<file path=ppt/ink/ink100.xml><?xml version="1.0" encoding="utf-8"?>
+<inkml:ink xmlns:inkml="http://www.w3.org/2003/InkML">
+  <inkml:definitions>
+    <inkml:context xml:id="ctx0">
+      <inkml:inkSource xml:id="inkSrc0">
+        <inkml:traceFormat>
+          <inkml:channel name="X" type="integer" min="-2.14748E9" max="2.14748E9" units="cm"/>
+          <inkml:channel name="Y" type="integer" min="-2.14748E9" max="2.14748E9" units="cm"/>
+          <inkml:channel name="F" type="integer" max="32767" units="dev"/>
+        </inkml:traceFormat>
+        <inkml:channelProperties>
+          <inkml:channelProperty channel="X" name="resolution" value="1000" units="1/cm"/>
+          <inkml:channelProperty channel="Y" name="resolution" value="1000" units="1/cm"/>
+          <inkml:channelProperty channel="F" name="resolution" value="0" units="1/dev"/>
+        </inkml:channelProperties>
+      </inkml:inkSource>
+      <inkml:timestamp xml:id="ts0" timeString="2023-05-29T07:25:47.101"/>
+    </inkml:context>
+    <inkml:brush xml:id="br0">
+      <inkml:brushProperty name="width" value="0.1" units="cm"/>
+      <inkml:brushProperty name="height" value="0.1" units="cm"/>
+      <inkml:brushProperty name="color" value="#AE198D"/>
+      <inkml:brushProperty name="inkEffects" value="galaxy"/>
+      <inkml:brushProperty name="anchorX" value="-62284.88281"/>
+      <inkml:brushProperty name="anchorY" value="-62222.90234"/>
+      <inkml:brushProperty name="scaleFactor" value="0.5"/>
+    </inkml:brush>
+  </inkml:definitions>
+  <inkml:trace contextRef="#ctx0" brushRef="#br0">1 8 24575,'0'0'0,"0"-3"0,0-1 0</inkml:trace>
+</inkml:ink>
+</file>
+
+<file path=ppt/ink/ink101.xml><?xml version="1.0" encoding="utf-8"?>
+<inkml:ink xmlns:inkml="http://www.w3.org/2003/InkML">
+  <inkml:definitions>
+    <inkml:context xml:id="ctx0">
+      <inkml:inkSource xml:id="inkSrc0">
+        <inkml:traceFormat>
+          <inkml:channel name="X" type="integer" min="-2.14748E9" max="2.14748E9" units="cm"/>
+          <inkml:channel name="Y" type="integer" min="-2.14748E9" max="2.14748E9" units="cm"/>
+        </inkml:traceFormat>
+        <inkml:channelProperties>
+          <inkml:channelProperty channel="X" name="resolution" value="1000" units="1/cm"/>
+          <inkml:channelProperty channel="Y" name="resolution" value="1000" units="1/cm"/>
+        </inkml:channelProperties>
+      </inkml:inkSource>
+      <inkml:timestamp xml:id="ts0" timeString="2023-05-29T07:25:53.162"/>
+    </inkml:context>
+    <inkml:brush xml:id="br0">
+      <inkml:brushProperty name="width" value="0.3" units="cm"/>
+      <inkml:brushProperty name="height" value="0.6" units="cm"/>
+      <inkml:brushProperty name="color" value="#FFFC00"/>
+      <inkml:brushProperty name="tip" value="rectangle"/>
+      <inkml:brushProperty name="rasterOp" value="maskPen"/>
+      <inkml:brushProperty name="ignorePressure" value="1"/>
+    </inkml:brush>
+  </inkml:definitions>
+  <inkml:trace contextRef="#ctx0" brushRef="#br0">1 0,'0'0</inkml:trace>
+</inkml:ink>
+</file>
+
+<file path=ppt/ink/ink102.xml><?xml version="1.0" encoding="utf-8"?>
+<inkml:ink xmlns:inkml="http://www.w3.org/2003/InkML">
+  <inkml:definitions>
+    <inkml:context xml:id="ctx0">
+      <inkml:inkSource xml:id="inkSrc0">
+        <inkml:traceFormat>
+          <inkml:channel name="X" type="integer" min="-2.14748E9" max="2.14748E9" units="cm"/>
+          <inkml:channel name="Y" type="integer" min="-2.14748E9" max="2.14748E9" units="cm"/>
+        </inkml:traceFormat>
+        <inkml:channelProperties>
+          <inkml:channelProperty channel="X" name="resolution" value="1000" units="1/cm"/>
+          <inkml:channelProperty channel="Y" name="resolution" value="1000" units="1/cm"/>
+        </inkml:channelProperties>
+      </inkml:inkSource>
+      <inkml:timestamp xml:id="ts0" timeString="2023-05-29T07:25:54.799"/>
+    </inkml:context>
+    <inkml:brush xml:id="br0">
+      <inkml:brushProperty name="width" value="0.3" units="cm"/>
+      <inkml:brushProperty name="height" value="0.6" units="cm"/>
+      <inkml:brushProperty name="color" value="#FFFC00"/>
+      <inkml:brushProperty name="tip" value="rectangle"/>
+      <inkml:brushProperty name="rasterOp" value="maskPen"/>
+      <inkml:brushProperty name="ignorePressure" value="1"/>
+    </inkml:brush>
+  </inkml:definitions>
+  <inkml:trace contextRef="#ctx0" brushRef="#br0">0 8,'0'-3,"0"-1</inkml:trace>
+</inkml:ink>
+</file>
+
+<file path=ppt/ink/ink103.xml><?xml version="1.0" encoding="utf-8"?>
+<inkml:ink xmlns:inkml="http://www.w3.org/2003/InkML">
+  <inkml:definitions>
+    <inkml:context xml:id="ctx0">
+      <inkml:inkSource xml:id="inkSrc0">
+        <inkml:traceFormat>
+          <inkml:channel name="X" type="integer" min="-2.14748E9" max="2.14748E9" units="cm"/>
+          <inkml:channel name="Y" type="integer" min="-2.14748E9" max="2.14748E9" units="cm"/>
+        </inkml:traceFormat>
+        <inkml:channelProperties>
+          <inkml:channelProperty channel="X" name="resolution" value="1000" units="1/cm"/>
+          <inkml:channelProperty channel="Y" name="resolution" value="1000" units="1/cm"/>
+        </inkml:channelProperties>
+      </inkml:inkSource>
+      <inkml:timestamp xml:id="ts0" timeString="2023-05-29T07:25:56.467"/>
+    </inkml:context>
+    <inkml:brush xml:id="br0">
+      <inkml:brushProperty name="width" value="0.3" units="cm"/>
+      <inkml:brushProperty name="height" value="0.6" units="cm"/>
+      <inkml:brushProperty name="color" value="#FFFC00"/>
+      <inkml:brushProperty name="tip" value="rectangle"/>
+      <inkml:brushProperty name="rasterOp" value="maskPen"/>
+      <inkml:brushProperty name="ignorePressure" value="1"/>
+    </inkml:brush>
+  </inkml:definitions>
+  <inkml:trace contextRef="#ctx0" brushRef="#br0">1 1,'0'0</inkml:trace>
+</inkml:ink>
+</file>
+
+<file path=ppt/ink/ink104.xml><?xml version="1.0" encoding="utf-8"?>
+<inkml:ink xmlns:inkml="http://www.w3.org/2003/InkML">
+  <inkml:definitions>
+    <inkml:context xml:id="ctx0">
+      <inkml:inkSource xml:id="inkSrc0">
+        <inkml:traceFormat>
+          <inkml:channel name="X" type="integer" min="-2.14748E9" max="2.14748E9" units="cm"/>
+          <inkml:channel name="Y" type="integer" min="-2.14748E9" max="2.14748E9" units="cm"/>
+        </inkml:traceFormat>
+        <inkml:channelProperties>
+          <inkml:channelProperty channel="X" name="resolution" value="1000" units="1/cm"/>
+          <inkml:channelProperty channel="Y" name="resolution" value="1000" units="1/cm"/>
+        </inkml:channelProperties>
+      </inkml:inkSource>
+      <inkml:timestamp xml:id="ts0" timeString="2023-05-29T07:25:58.028"/>
+    </inkml:context>
+    <inkml:brush xml:id="br0">
+      <inkml:brushProperty name="width" value="0.3" units="cm"/>
+      <inkml:brushProperty name="height" value="0.6" units="cm"/>
+      <inkml:brushProperty name="color" value="#FFFC00"/>
+      <inkml:brushProperty name="tip" value="rectangle"/>
+      <inkml:brushProperty name="rasterOp" value="maskPen"/>
+      <inkml:brushProperty name="ignorePressure" value="1"/>
+    </inkml:brush>
+  </inkml:definitions>
+  <inkml:trace contextRef="#ctx0" brushRef="#br0">0 0,'0'0</inkml:trace>
+</inkml:ink>
+</file>
+
+<file path=ppt/ink/ink105.xml><?xml version="1.0" encoding="utf-8"?>
+<inkml:ink xmlns:inkml="http://www.w3.org/2003/InkML">
+  <inkml:definitions>
+    <inkml:context xml:id="ctx0">
+      <inkml:inkSource xml:id="inkSrc0">
+        <inkml:traceFormat>
+          <inkml:channel name="X" type="integer" min="-2.14748E9" max="2.14748E9" units="cm"/>
+          <inkml:channel name="Y" type="integer" min="-2.14748E9" max="2.14748E9" units="cm"/>
+        </inkml:traceFormat>
+        <inkml:channelProperties>
+          <inkml:channelProperty channel="X" name="resolution" value="1000" units="1/cm"/>
+          <inkml:channelProperty channel="Y" name="resolution" value="1000" units="1/cm"/>
+        </inkml:channelProperties>
+      </inkml:inkSource>
+      <inkml:timestamp xml:id="ts0" timeString="2023-05-29T07:26:00.145"/>
+    </inkml:context>
+    <inkml:brush xml:id="br0">
+      <inkml:brushProperty name="width" value="0.3" units="cm"/>
+      <inkml:brushProperty name="height" value="0.6" units="cm"/>
+      <inkml:brushProperty name="color" value="#FFFC00"/>
+      <inkml:brushProperty name="tip" value="rectangle"/>
+      <inkml:brushProperty name="rasterOp" value="maskPen"/>
+      <inkml:brushProperty name="ignorePressure" value="1"/>
+    </inkml:brush>
+  </inkml:definitions>
+  <inkml:trace contextRef="#ctx0" brushRef="#br0">1 1,'3'2,"0"2</inkml:trace>
+</inkml:ink>
+</file>
+
+<file path=ppt/ink/ink106.xml><?xml version="1.0" encoding="utf-8"?>
+<inkml:ink xmlns:inkml="http://www.w3.org/2003/InkML">
+  <inkml:definitions>
+    <inkml:context xml:id="ctx0">
+      <inkml:inkSource xml:id="inkSrc0">
+        <inkml:traceFormat>
+          <inkml:channel name="X" type="integer" min="-2.14748E9" max="2.14748E9" units="cm"/>
+          <inkml:channel name="Y" type="integer" min="-2.14748E9" max="2.14748E9" units="cm"/>
+        </inkml:traceFormat>
+        <inkml:channelProperties>
+          <inkml:channelProperty channel="X" name="resolution" value="1000" units="1/cm"/>
+          <inkml:channelProperty channel="Y" name="resolution" value="1000" units="1/cm"/>
+        </inkml:channelProperties>
+      </inkml:inkSource>
+      <inkml:timestamp xml:id="ts0" timeString="2023-05-29T07:26:01.690"/>
+    </inkml:context>
+    <inkml:brush xml:id="br0">
+      <inkml:brushProperty name="width" value="0.3" units="cm"/>
+      <inkml:brushProperty name="height" value="0.6" units="cm"/>
+      <inkml:brushProperty name="color" value="#FFFC00"/>
+      <inkml:brushProperty name="tip" value="rectangle"/>
+      <inkml:brushProperty name="rasterOp" value="maskPen"/>
+      <inkml:brushProperty name="ignorePressure" value="1"/>
+    </inkml:brush>
+  </inkml:definitions>
+  <inkml:trace contextRef="#ctx0" brushRef="#br0">0 1,'0'0</inkml:trace>
+</inkml:ink>
+</file>
+
+<file path=ppt/ink/ink107.xml><?xml version="1.0" encoding="utf-8"?>
+<inkml:ink xmlns:inkml="http://www.w3.org/2003/InkML">
+  <inkml:definitions>
+    <inkml:context xml:id="ctx0">
+      <inkml:inkSource xml:id="inkSrc0">
+        <inkml:traceFormat>
+          <inkml:channel name="X" type="integer" min="-2.14748E9" max="2.14748E9" units="cm"/>
+          <inkml:channel name="Y" type="integer" min="-2.14748E9" max="2.14748E9" units="cm"/>
+        </inkml:traceFormat>
+        <inkml:channelProperties>
+          <inkml:channelProperty channel="X" name="resolution" value="1000" units="1/cm"/>
+          <inkml:channelProperty channel="Y" name="resolution" value="1000" units="1/cm"/>
+        </inkml:channelProperties>
+      </inkml:inkSource>
+      <inkml:timestamp xml:id="ts0" timeString="2023-05-29T07:26:03.299"/>
+    </inkml:context>
+    <inkml:brush xml:id="br0">
+      <inkml:brushProperty name="width" value="0.3" units="cm"/>
+      <inkml:brushProperty name="height" value="0.6" units="cm"/>
+      <inkml:brushProperty name="color" value="#FFFC00"/>
+      <inkml:brushProperty name="tip" value="rectangle"/>
+      <inkml:brushProperty name="rasterOp" value="maskPen"/>
+      <inkml:brushProperty name="ignorePressure" value="1"/>
+    </inkml:brush>
+  </inkml:definitions>
+  <inkml:trace contextRef="#ctx0" brushRef="#br0">1 1,'0'0</inkml:trace>
+</inkml:ink>
+</file>
+
+<file path=ppt/ink/ink108.xml><?xml version="1.0" encoding="utf-8"?>
+<inkml:ink xmlns:inkml="http://www.w3.org/2003/InkML">
+  <inkml:definitions>
+    <inkml:context xml:id="ctx0">
+      <inkml:inkSource xml:id="inkSrc0">
+        <inkml:traceFormat>
+          <inkml:channel name="X" type="integer" min="-2.14748E9" max="2.14748E9" units="cm"/>
+          <inkml:channel name="Y" type="integer" min="-2.14748E9" max="2.14748E9" units="cm"/>
+        </inkml:traceFormat>
+        <inkml:channelProperties>
+          <inkml:channelProperty channel="X" name="resolution" value="1000" units="1/cm"/>
+          <inkml:channelProperty channel="Y" name="resolution" value="1000" units="1/cm"/>
+        </inkml:channelProperties>
+      </inkml:inkSource>
+      <inkml:timestamp xml:id="ts0" timeString="2023-05-29T07:26:04.986"/>
+    </inkml:context>
+    <inkml:brush xml:id="br0">
+      <inkml:brushProperty name="width" value="0.3" units="cm"/>
+      <inkml:brushProperty name="height" value="0.6" units="cm"/>
+      <inkml:brushProperty name="color" value="#FFFC00"/>
+      <inkml:brushProperty name="tip" value="rectangle"/>
+      <inkml:brushProperty name="rasterOp" value="maskPen"/>
+      <inkml:brushProperty name="ignorePressure" value="1"/>
+    </inkml:brush>
+  </inkml:definitions>
+  <inkml:trace contextRef="#ctx0" brushRef="#br0">1 0,'0'0</inkml:trace>
+</inkml:ink>
+</file>
+
+<file path=ppt/ink/ink109.xml><?xml version="1.0" encoding="utf-8"?>
+<inkml:ink xmlns:inkml="http://www.w3.org/2003/InkML">
+  <inkml:definitions>
+    <inkml:context xml:id="ctx0">
+      <inkml:inkSource xml:id="inkSrc0">
+        <inkml:traceFormat>
+          <inkml:channel name="X" type="integer" min="-2.14748E9" max="2.14748E9" units="cm"/>
+          <inkml:channel name="Y" type="integer" min="-2.14748E9" max="2.14748E9" units="cm"/>
+        </inkml:traceFormat>
+        <inkml:channelProperties>
+          <inkml:channelProperty channel="X" name="resolution" value="1000" units="1/cm"/>
+          <inkml:channelProperty channel="Y" name="resolution" value="1000" units="1/cm"/>
+        </inkml:channelProperties>
+      </inkml:inkSource>
+      <inkml:timestamp xml:id="ts0" timeString="2023-05-29T07:26:06.234"/>
+    </inkml:context>
+    <inkml:brush xml:id="br0">
+      <inkml:brushProperty name="width" value="0.3" units="cm"/>
+      <inkml:brushProperty name="height" value="0.6" units="cm"/>
+      <inkml:brushProperty name="color" value="#FFFC00"/>
+      <inkml:brushProperty name="tip" value="rectangle"/>
+      <inkml:brushProperty name="rasterOp" value="maskPen"/>
+      <inkml:brushProperty name="ignorePressure" value="1"/>
+    </inkml:brush>
+  </inkml:definitions>
+  <inkml:trace contextRef="#ctx0" brushRef="#br0">1 0</inkml:trace>
+</inkml:ink>
+</file>
+
+<file path=ppt/ink/ink11.xml><?xml version="1.0" encoding="utf-8"?>
+<inkml:ink xmlns:inkml="http://www.w3.org/2003/InkML">
+  <inkml:definitions>
+    <inkml:context xml:id="ctx0">
+      <inkml:inkSource xml:id="inkSrc0">
+        <inkml:traceFormat>
+          <inkml:channel name="X" type="integer" min="-2.14748E9" max="2.14748E9" units="cm"/>
+          <inkml:channel name="Y" type="integer" min="-2.14748E9" max="2.14748E9" units="cm"/>
+          <inkml:channel name="F" type="integer" max="32767" units="dev"/>
+        </inkml:traceFormat>
+        <inkml:channelProperties>
+          <inkml:channelProperty channel="X" name="resolution" value="1000" units="1/cm"/>
+          <inkml:channelProperty channel="Y" name="resolution" value="1000" units="1/cm"/>
+          <inkml:channelProperty channel="F" name="resolution" value="0" units="1/dev"/>
+        </inkml:channelProperties>
+      </inkml:inkSource>
+      <inkml:timestamp xml:id="ts0" timeString="2023-05-29T07:24:06.439"/>
+    </inkml:context>
+    <inkml:brush xml:id="br0">
+      <inkml:brushProperty name="width" value="0.1" units="cm"/>
+      <inkml:brushProperty name="height" value="0.1" units="cm"/>
+      <inkml:brushProperty name="color" value="#AE198D"/>
+      <inkml:brushProperty name="inkEffects" value="galaxy"/>
+      <inkml:brushProperty name="anchorX" value="0"/>
+      <inkml:brushProperty name="anchorY" value="0"/>
+      <inkml:brushProperty name="scaleFactor" value="0.5"/>
+    </inkml:brush>
+  </inkml:definitions>
+  <inkml:trace contextRef="#ctx0" brushRef="#br0">1 0 24575,'0'0'0,"3"0"0,1 0 0</inkml:trace>
+</inkml:ink>
+</file>
+
+<file path=ppt/ink/ink110.xml><?xml version="1.0" encoding="utf-8"?>
+<inkml:ink xmlns:inkml="http://www.w3.org/2003/InkML">
+  <inkml:definitions>
+    <inkml:context xml:id="ctx0">
+      <inkml:inkSource xml:id="inkSrc0">
+        <inkml:traceFormat>
+          <inkml:channel name="X" type="integer" min="-2.14748E9" max="2.14748E9" units="cm"/>
+          <inkml:channel name="Y" type="integer" min="-2.14748E9" max="2.14748E9" units="cm"/>
+        </inkml:traceFormat>
+        <inkml:channelProperties>
+          <inkml:channelProperty channel="X" name="resolution" value="1000" units="1/cm"/>
+          <inkml:channelProperty channel="Y" name="resolution" value="1000" units="1/cm"/>
+        </inkml:channelProperties>
+      </inkml:inkSource>
+      <inkml:timestamp xml:id="ts0" timeString="2023-05-29T07:26:08.756"/>
+    </inkml:context>
+    <inkml:brush xml:id="br0">
+      <inkml:brushProperty name="width" value="0.3" units="cm"/>
+      <inkml:brushProperty name="height" value="0.6" units="cm"/>
+      <inkml:brushProperty name="color" value="#FFFC00"/>
+      <inkml:brushProperty name="tip" value="rectangle"/>
+      <inkml:brushProperty name="rasterOp" value="maskPen"/>
+      <inkml:brushProperty name="ignorePressure" value="1"/>
+    </inkml:brush>
+  </inkml:definitions>
+  <inkml:trace contextRef="#ctx0" brushRef="#br0">0 1,'3'5,"4"6,6 6,2 1</inkml:trace>
+</inkml:ink>
+</file>
+
+<file path=ppt/ink/ink12.xml><?xml version="1.0" encoding="utf-8"?>
+<inkml:ink xmlns:inkml="http://www.w3.org/2003/InkML">
+  <inkml:definitions>
+    <inkml:context xml:id="ctx0">
+      <inkml:inkSource xml:id="inkSrc0">
+        <inkml:traceFormat>
+          <inkml:channel name="X" type="integer" min="-2.14748E9" max="2.14748E9" units="cm"/>
+          <inkml:channel name="Y" type="integer" min="-2.14748E9" max="2.14748E9" units="cm"/>
+          <inkml:channel name="F" type="integer" max="32767" units="dev"/>
+        </inkml:traceFormat>
+        <inkml:channelProperties>
+          <inkml:channelProperty channel="X" name="resolution" value="1000" units="1/cm"/>
+          <inkml:channelProperty channel="Y" name="resolution" value="1000" units="1/cm"/>
+          <inkml:channelProperty channel="F" name="resolution" value="0" units="1/dev"/>
+        </inkml:channelProperties>
+      </inkml:inkSource>
+      <inkml:timestamp xml:id="ts0" timeString="2023-05-29T07:24:07.218"/>
+    </inkml:context>
+    <inkml:brush xml:id="br0">
+      <inkml:brushProperty name="width" value="0.1" units="cm"/>
+      <inkml:brushProperty name="height" value="0.1" units="cm"/>
+      <inkml:brushProperty name="color" value="#AE198D"/>
+      <inkml:brushProperty name="inkEffects" value="galaxy"/>
+      <inkml:brushProperty name="anchorX" value="-1276.83752"/>
+      <inkml:brushProperty name="anchorY" value="-1270"/>
+      <inkml:brushProperty name="scaleFactor" value="0.5"/>
+    </inkml:brush>
+  </inkml:definitions>
+  <inkml:trace contextRef="#ctx0" brushRef="#br0">0 8 24575,'0'0'0,"0"-3"0,0-1 0</inkml:trace>
+</inkml:ink>
+</file>
+
+<file path=ppt/ink/ink13.xml><?xml version="1.0" encoding="utf-8"?>
+<inkml:ink xmlns:inkml="http://www.w3.org/2003/InkML">
+  <inkml:definitions>
+    <inkml:context xml:id="ctx0">
+      <inkml:inkSource xml:id="inkSrc0">
+        <inkml:traceFormat>
+          <inkml:channel name="X" type="integer" min="-2.14748E9" max="2.14748E9" units="cm"/>
+          <inkml:channel name="Y" type="integer" min="-2.14748E9" max="2.14748E9" units="cm"/>
+          <inkml:channel name="F" type="integer" max="32767" units="dev"/>
+        </inkml:traceFormat>
+        <inkml:channelProperties>
+          <inkml:channelProperty channel="X" name="resolution" value="1000" units="1/cm"/>
+          <inkml:channelProperty channel="Y" name="resolution" value="1000" units="1/cm"/>
+          <inkml:channelProperty channel="F" name="resolution" value="0" units="1/dev"/>
+        </inkml:channelProperties>
+      </inkml:inkSource>
+      <inkml:timestamp xml:id="ts0" timeString="2023-05-29T07:24:07.727"/>
+    </inkml:context>
+    <inkml:brush xml:id="br0">
+      <inkml:brushProperty name="width" value="0.1" units="cm"/>
+      <inkml:brushProperty name="height" value="0.1" units="cm"/>
+      <inkml:brushProperty name="color" value="#AE198D"/>
+      <inkml:brushProperty name="inkEffects" value="galaxy"/>
+      <inkml:brushProperty name="anchorX" value="-2546.8374"/>
+      <inkml:brushProperty name="anchorY" value="-2533.1626"/>
+      <inkml:brushProperty name="scaleFactor" value="0.5"/>
+    </inkml:brush>
+  </inkml:definitions>
+  <inkml:trace contextRef="#ctx0" brushRef="#br0">0 1 24575,'0'0'0</inkml:trace>
+</inkml:ink>
+</file>
+
+<file path=ppt/ink/ink14.xml><?xml version="1.0" encoding="utf-8"?>
+<inkml:ink xmlns:inkml="http://www.w3.org/2003/InkML">
+  <inkml:definitions>
+    <inkml:context xml:id="ctx0">
+      <inkml:inkSource xml:id="inkSrc0">
+        <inkml:traceFormat>
+          <inkml:channel name="X" type="integer" min="-2.14748E9" max="2.14748E9" units="cm"/>
+          <inkml:channel name="Y" type="integer" min="-2.14748E9" max="2.14748E9" units="cm"/>
+          <inkml:channel name="F" type="integer" max="32767" units="dev"/>
+        </inkml:traceFormat>
+        <inkml:channelProperties>
+          <inkml:channelProperty channel="X" name="resolution" value="1000" units="1/cm"/>
+          <inkml:channelProperty channel="Y" name="resolution" value="1000" units="1/cm"/>
+          <inkml:channelProperty channel="F" name="resolution" value="0" units="1/dev"/>
+        </inkml:channelProperties>
+      </inkml:inkSource>
+      <inkml:timestamp xml:id="ts0" timeString="2023-05-29T07:24:08.941"/>
+    </inkml:context>
+    <inkml:brush xml:id="br0">
+      <inkml:brushProperty name="width" value="0.1" units="cm"/>
+      <inkml:brushProperty name="height" value="0.1" units="cm"/>
+      <inkml:brushProperty name="color" value="#AE198D"/>
+      <inkml:brushProperty name="inkEffects" value="galaxy"/>
+      <inkml:brushProperty name="anchorX" value="-3816.83765"/>
+      <inkml:brushProperty name="anchorY" value="-3803.1626"/>
+      <inkml:brushProperty name="scaleFactor" value="0.5"/>
+    </inkml:brush>
+  </inkml:definitions>
+  <inkml:trace contextRef="#ctx0" brushRef="#br0">0 0 24575,'0'0'0</inkml:trace>
+</inkml:ink>
+</file>
+
+<file path=ppt/ink/ink15.xml><?xml version="1.0" encoding="utf-8"?>
+<inkml:ink xmlns:inkml="http://www.w3.org/2003/InkML">
+  <inkml:definitions>
+    <inkml:context xml:id="ctx0">
+      <inkml:inkSource xml:id="inkSrc0">
+        <inkml:traceFormat>
+          <inkml:channel name="X" type="integer" min="-2.14748E9" max="2.14748E9" units="cm"/>
+          <inkml:channel name="Y" type="integer" min="-2.14748E9" max="2.14748E9" units="cm"/>
+          <inkml:channel name="F" type="integer" max="32767" units="dev"/>
+        </inkml:traceFormat>
+        <inkml:channelProperties>
+          <inkml:channelProperty channel="X" name="resolution" value="1000" units="1/cm"/>
+          <inkml:channelProperty channel="Y" name="resolution" value="1000" units="1/cm"/>
+          <inkml:channelProperty channel="F" name="resolution" value="0" units="1/dev"/>
+        </inkml:channelProperties>
+      </inkml:inkSource>
+      <inkml:timestamp xml:id="ts0" timeString="2023-05-29T07:24:12.303"/>
+    </inkml:context>
+    <inkml:brush xml:id="br0">
+      <inkml:brushProperty name="width" value="0.1" units="cm"/>
+      <inkml:brushProperty name="height" value="0.1" units="cm"/>
+      <inkml:brushProperty name="color" value="#AE198D"/>
+      <inkml:brushProperty name="inkEffects" value="galaxy"/>
+      <inkml:brushProperty name="anchorX" value="-5086.8374"/>
+      <inkml:brushProperty name="anchorY" value="-5073.1626"/>
+      <inkml:brushProperty name="scaleFactor" value="0.5"/>
+    </inkml:brush>
+  </inkml:definitions>
+  <inkml:trace contextRef="#ctx0" brushRef="#br0">1 1 24575,'0'0'0</inkml:trace>
+</inkml:ink>
+</file>
+
+<file path=ppt/ink/ink16.xml><?xml version="1.0" encoding="utf-8"?>
+<inkml:ink xmlns:inkml="http://www.w3.org/2003/InkML">
+  <inkml:definitions>
+    <inkml:context xml:id="ctx0">
+      <inkml:inkSource xml:id="inkSrc0">
+        <inkml:traceFormat>
+          <inkml:channel name="X" type="integer" min="-2.14748E9" max="2.14748E9" units="cm"/>
+          <inkml:channel name="Y" type="integer" min="-2.14748E9" max="2.14748E9" units="cm"/>
+          <inkml:channel name="F" type="integer" max="32767" units="dev"/>
+        </inkml:traceFormat>
+        <inkml:channelProperties>
+          <inkml:channelProperty channel="X" name="resolution" value="1000" units="1/cm"/>
+          <inkml:channelProperty channel="Y" name="resolution" value="1000" units="1/cm"/>
+          <inkml:channelProperty channel="F" name="resolution" value="0" units="1/dev"/>
+        </inkml:channelProperties>
+      </inkml:inkSource>
+      <inkml:timestamp xml:id="ts0" timeString="2023-05-29T07:24:13.197"/>
+    </inkml:context>
+    <inkml:brush xml:id="br0">
+      <inkml:brushProperty name="width" value="0.1" units="cm"/>
+      <inkml:brushProperty name="height" value="0.1" units="cm"/>
+      <inkml:brushProperty name="color" value="#AE198D"/>
+      <inkml:brushProperty name="inkEffects" value="galaxy"/>
+      <inkml:brushProperty name="anchorX" value="-6356.8374"/>
+      <inkml:brushProperty name="anchorY" value="-6343.1626"/>
+      <inkml:brushProperty name="scaleFactor" value="0.5"/>
+    </inkml:brush>
+  </inkml:definitions>
+  <inkml:trace contextRef="#ctx0" brushRef="#br0">0 0 24575,'0'0'0</inkml:trace>
+</inkml:ink>
+</file>
+
+<file path=ppt/ink/ink17.xml><?xml version="1.0" encoding="utf-8"?>
+<inkml:ink xmlns:inkml="http://www.w3.org/2003/InkML">
+  <inkml:definitions>
+    <inkml:context xml:id="ctx0">
+      <inkml:inkSource xml:id="inkSrc0">
+        <inkml:traceFormat>
+          <inkml:channel name="X" type="integer" min="-2.14748E9" max="2.14748E9" units="cm"/>
+          <inkml:channel name="Y" type="integer" min="-2.14748E9" max="2.14748E9" units="cm"/>
+          <inkml:channel name="F" type="integer" max="32767" units="dev"/>
+        </inkml:traceFormat>
+        <inkml:channelProperties>
+          <inkml:channelProperty channel="X" name="resolution" value="1000" units="1/cm"/>
+          <inkml:channelProperty channel="Y" name="resolution" value="1000" units="1/cm"/>
+          <inkml:channelProperty channel="F" name="resolution" value="0" units="1/dev"/>
+        </inkml:channelProperties>
+      </inkml:inkSource>
+      <inkml:timestamp xml:id="ts0" timeString="2023-05-29T07:24:13.721"/>
+    </inkml:context>
+    <inkml:brush xml:id="br0">
+      <inkml:brushProperty name="width" value="0.1" units="cm"/>
+      <inkml:brushProperty name="height" value="0.1" units="cm"/>
+      <inkml:brushProperty name="color" value="#AE198D"/>
+      <inkml:brushProperty name="inkEffects" value="galaxy"/>
+      <inkml:brushProperty name="anchorX" value="-7626.8374"/>
+      <inkml:brushProperty name="anchorY" value="-7613.1626"/>
+      <inkml:brushProperty name="scaleFactor" value="0.5"/>
+    </inkml:brush>
+  </inkml:definitions>
+  <inkml:trace contextRef="#ctx0" brushRef="#br0">0 1 24575,'0'0'0</inkml:trace>
+</inkml:ink>
+</file>
+
+<file path=ppt/ink/ink18.xml><?xml version="1.0" encoding="utf-8"?>
+<inkml:ink xmlns:inkml="http://www.w3.org/2003/InkML">
+  <inkml:definitions>
+    <inkml:context xml:id="ctx0">
+      <inkml:inkSource xml:id="inkSrc0">
+        <inkml:traceFormat>
+          <inkml:channel name="X" type="integer" min="-2.14748E9" max="2.14748E9" units="cm"/>
+          <inkml:channel name="Y" type="integer" min="-2.14748E9" max="2.14748E9" units="cm"/>
+          <inkml:channel name="F" type="integer" max="32767" units="dev"/>
+        </inkml:traceFormat>
+        <inkml:channelProperties>
+          <inkml:channelProperty channel="X" name="resolution" value="1000" units="1/cm"/>
+          <inkml:channelProperty channel="Y" name="resolution" value="1000" units="1/cm"/>
+          <inkml:channelProperty channel="F" name="resolution" value="0" units="1/dev"/>
+        </inkml:channelProperties>
+      </inkml:inkSource>
+      <inkml:timestamp xml:id="ts0" timeString="2023-05-29T07:24:14.324"/>
+    </inkml:context>
+    <inkml:brush xml:id="br0">
+      <inkml:brushProperty name="width" value="0.1" units="cm"/>
+      <inkml:brushProperty name="height" value="0.1" units="cm"/>
+      <inkml:brushProperty name="color" value="#AE198D"/>
+      <inkml:brushProperty name="inkEffects" value="galaxy"/>
+      <inkml:brushProperty name="anchorX" value="-8896.83789"/>
+      <inkml:brushProperty name="anchorY" value="-8883.16309"/>
+      <inkml:brushProperty name="scaleFactor" value="0.5"/>
+    </inkml:brush>
+  </inkml:definitions>
+  <inkml:trace contextRef="#ctx0" brushRef="#br0">1 0 24575,'0'0'0</inkml:trace>
+</inkml:ink>
+</file>
+
+<file path=ppt/ink/ink19.xml><?xml version="1.0" encoding="utf-8"?>
+<inkml:ink xmlns:inkml="http://www.w3.org/2003/InkML">
+  <inkml:definitions>
+    <inkml:context xml:id="ctx0">
+      <inkml:inkSource xml:id="inkSrc0">
+        <inkml:traceFormat>
+          <inkml:channel name="X" type="integer" min="-2.14748E9" max="2.14748E9" units="cm"/>
+          <inkml:channel name="Y" type="integer" min="-2.14748E9" max="2.14748E9" units="cm"/>
+          <inkml:channel name="F" type="integer" max="32767" units="dev"/>
+        </inkml:traceFormat>
+        <inkml:channelProperties>
+          <inkml:channelProperty channel="X" name="resolution" value="1000" units="1/cm"/>
+          <inkml:channelProperty channel="Y" name="resolution" value="1000" units="1/cm"/>
+          <inkml:channelProperty channel="F" name="resolution" value="0" units="1/dev"/>
+        </inkml:channelProperties>
+      </inkml:inkSource>
+      <inkml:timestamp xml:id="ts0" timeString="2023-05-29T07:24:14.941"/>
+    </inkml:context>
+    <inkml:brush xml:id="br0">
+      <inkml:brushProperty name="width" value="0.1" units="cm"/>
+      <inkml:brushProperty name="height" value="0.1" units="cm"/>
+      <inkml:brushProperty name="color" value="#AE198D"/>
+      <inkml:brushProperty name="inkEffects" value="galaxy"/>
+      <inkml:brushProperty name="anchorX" value="-10166.83789"/>
+      <inkml:brushProperty name="anchorY" value="-10153.16309"/>
+      <inkml:brushProperty name="scaleFactor" value="0.5"/>
+    </inkml:brush>
+  </inkml:definitions>
+  <inkml:trace contextRef="#ctx0" brushRef="#br0">1 0 24575,'0'0'0</inkml:trace>
+</inkml:ink>
+</file>
+
+<file path=ppt/ink/ink2.xml><?xml version="1.0" encoding="utf-8"?>
+<inkml:ink xmlns:inkml="http://www.w3.org/2003/InkML">
+  <inkml:definitions>
+    <inkml:context xml:id="ctx0">
+      <inkml:inkSource xml:id="inkSrc0">
+        <inkml:traceFormat>
+          <inkml:channel name="X" type="integer" min="-2.14748E9" max="2.14748E9" units="cm"/>
+          <inkml:channel name="Y" type="integer" min="-2.14748E9" max="2.14748E9" units="cm"/>
+          <inkml:channel name="F" type="integer" max="32767" units="dev"/>
+        </inkml:traceFormat>
+        <inkml:channelProperties>
+          <inkml:channelProperty channel="X" name="resolution" value="1000" units="1/cm"/>
+          <inkml:channelProperty channel="Y" name="resolution" value="1000" units="1/cm"/>
+          <inkml:channelProperty channel="F" name="resolution" value="0" units="1/dev"/>
+        </inkml:channelProperties>
+      </inkml:inkSource>
+      <inkml:timestamp xml:id="ts0" timeString="2023-05-29T07:23:57.238"/>
+    </inkml:context>
+    <inkml:brush xml:id="br0">
+      <inkml:brushProperty name="width" value="0.05" units="cm"/>
+      <inkml:brushProperty name="height" value="0.05" units="cm"/>
+      <inkml:brushProperty name="color" value="#E71224"/>
+    </inkml:brush>
+  </inkml:definitions>
+  <inkml:trace contextRef="#ctx0" brushRef="#br0">0 0 24575,'0'0'-8191</inkml:trace>
+</inkml:ink>
+</file>
+
+<file path=ppt/ink/ink20.xml><?xml version="1.0" encoding="utf-8"?>
+<inkml:ink xmlns:inkml="http://www.w3.org/2003/InkML">
+  <inkml:definitions>
+    <inkml:context xml:id="ctx0">
+      <inkml:inkSource xml:id="inkSrc0">
+        <inkml:traceFormat>
+          <inkml:channel name="X" type="integer" min="-2.14748E9" max="2.14748E9" units="cm"/>
+          <inkml:channel name="Y" type="integer" min="-2.14748E9" max="2.14748E9" units="cm"/>
+          <inkml:channel name="F" type="integer" max="32767" units="dev"/>
+        </inkml:traceFormat>
+        <inkml:channelProperties>
+          <inkml:channelProperty channel="X" name="resolution" value="1000" units="1/cm"/>
+          <inkml:channelProperty channel="Y" name="resolution" value="1000" units="1/cm"/>
+          <inkml:channelProperty channel="F" name="resolution" value="0" units="1/dev"/>
+        </inkml:channelProperties>
+      </inkml:inkSource>
+      <inkml:timestamp xml:id="ts0" timeString="2023-05-29T07:24:15.570"/>
+    </inkml:context>
+    <inkml:brush xml:id="br0">
+      <inkml:brushProperty name="width" value="0.1" units="cm"/>
+      <inkml:brushProperty name="height" value="0.1" units="cm"/>
+      <inkml:brushProperty name="color" value="#AE198D"/>
+      <inkml:brushProperty name="inkEffects" value="galaxy"/>
+      <inkml:brushProperty name="anchorX" value="-11436.83789"/>
+      <inkml:brushProperty name="anchorY" value="-11423.16309"/>
+      <inkml:brushProperty name="scaleFactor" value="0.5"/>
+    </inkml:brush>
+  </inkml:definitions>
+  <inkml:trace contextRef="#ctx0" brushRef="#br0">0 0 24575,'0'0'0</inkml:trace>
+</inkml:ink>
+</file>
+
+<file path=ppt/ink/ink21.xml><?xml version="1.0" encoding="utf-8"?>
+<inkml:ink xmlns:inkml="http://www.w3.org/2003/InkML">
+  <inkml:definitions>
+    <inkml:context xml:id="ctx0">
+      <inkml:inkSource xml:id="inkSrc0">
+        <inkml:traceFormat>
+          <inkml:channel name="X" type="integer" min="-2.14748E9" max="2.14748E9" units="cm"/>
+          <inkml:channel name="Y" type="integer" min="-2.14748E9" max="2.14748E9" units="cm"/>
+          <inkml:channel name="F" type="integer" max="32767" units="dev"/>
+        </inkml:traceFormat>
+        <inkml:channelProperties>
+          <inkml:channelProperty channel="X" name="resolution" value="1000" units="1/cm"/>
+          <inkml:channelProperty channel="Y" name="resolution" value="1000" units="1/cm"/>
+          <inkml:channelProperty channel="F" name="resolution" value="0" units="1/dev"/>
+        </inkml:channelProperties>
+      </inkml:inkSource>
+      <inkml:timestamp xml:id="ts0" timeString="2023-05-29T07:24:22.071"/>
+    </inkml:context>
+    <inkml:brush xml:id="br0">
+      <inkml:brushProperty name="width" value="0.05" units="cm"/>
+      <inkml:brushProperty name="height" value="0.05" units="cm"/>
+      <inkml:brushProperty name="color" value="#E71224"/>
+    </inkml:brush>
+  </inkml:definitions>
+  <inkml:trace contextRef="#ctx0" brushRef="#br0">0 0 24575,'0'0'-8191</inkml:trace>
+</inkml:ink>
+</file>
+
+<file path=ppt/ink/ink22.xml><?xml version="1.0" encoding="utf-8"?>
+<inkml:ink xmlns:inkml="http://www.w3.org/2003/InkML">
+  <inkml:definitions>
+    <inkml:context xml:id="ctx0">
+      <inkml:inkSource xml:id="inkSrc0">
+        <inkml:traceFormat>
+          <inkml:channel name="X" type="integer" min="-2.14748E9" max="2.14748E9" units="cm"/>
+          <inkml:channel name="Y" type="integer" min="-2.14748E9" max="2.14748E9" units="cm"/>
+          <inkml:channel name="F" type="integer" max="32767" units="dev"/>
+        </inkml:traceFormat>
+        <inkml:channelProperties>
+          <inkml:channelProperty channel="X" name="resolution" value="1000" units="1/cm"/>
+          <inkml:channelProperty channel="Y" name="resolution" value="1000" units="1/cm"/>
+          <inkml:channelProperty channel="F" name="resolution" value="0" units="1/dev"/>
+        </inkml:channelProperties>
+      </inkml:inkSource>
+      <inkml:timestamp xml:id="ts0" timeString="2023-05-29T07:24:22.893"/>
+    </inkml:context>
+    <inkml:brush xml:id="br0">
+      <inkml:brushProperty name="width" value="0.05" units="cm"/>
+      <inkml:brushProperty name="height" value="0.05" units="cm"/>
+      <inkml:brushProperty name="color" value="#E71224"/>
+    </inkml:brush>
+  </inkml:definitions>
+  <inkml:trace contextRef="#ctx0" brushRef="#br0">0 1 24575,'0'0'-8191</inkml:trace>
+</inkml:ink>
+</file>
+
+<file path=ppt/ink/ink23.xml><?xml version="1.0" encoding="utf-8"?>
+<inkml:ink xmlns:inkml="http://www.w3.org/2003/InkML">
+  <inkml:definitions>
+    <inkml:context xml:id="ctx0">
+      <inkml:inkSource xml:id="inkSrc0">
+        <inkml:traceFormat>
+          <inkml:channel name="X" type="integer" min="-2.14748E9" max="2.14748E9" units="cm"/>
+          <inkml:channel name="Y" type="integer" min="-2.14748E9" max="2.14748E9" units="cm"/>
+          <inkml:channel name="F" type="integer" max="32767" units="dev"/>
+        </inkml:traceFormat>
+        <inkml:channelProperties>
+          <inkml:channelProperty channel="X" name="resolution" value="1000" units="1/cm"/>
+          <inkml:channelProperty channel="Y" name="resolution" value="1000" units="1/cm"/>
+          <inkml:channelProperty channel="F" name="resolution" value="0" units="1/dev"/>
+        </inkml:channelProperties>
+      </inkml:inkSource>
+      <inkml:timestamp xml:id="ts0" timeString="2023-05-29T07:24:23.723"/>
+    </inkml:context>
+    <inkml:brush xml:id="br0">
+      <inkml:brushProperty name="width" value="0.05" units="cm"/>
+      <inkml:brushProperty name="height" value="0.05" units="cm"/>
+      <inkml:brushProperty name="color" value="#E71224"/>
+    </inkml:brush>
+  </inkml:definitions>
+  <inkml:trace contextRef="#ctx0" brushRef="#br0">1 1 24575,'0'0'-8191</inkml:trace>
+</inkml:ink>
+</file>
+
+<file path=ppt/ink/ink24.xml><?xml version="1.0" encoding="utf-8"?>
+<inkml:ink xmlns:inkml="http://www.w3.org/2003/InkML">
+  <inkml:definitions>
+    <inkml:context xml:id="ctx0">
+      <inkml:inkSource xml:id="inkSrc0">
+        <inkml:traceFormat>
+          <inkml:channel name="X" type="integer" min="-2.14748E9" max="2.14748E9" units="cm"/>
+          <inkml:channel name="Y" type="integer" min="-2.14748E9" max="2.14748E9" units="cm"/>
+          <inkml:channel name="F" type="integer" max="32767" units="dev"/>
+        </inkml:traceFormat>
+        <inkml:channelProperties>
+          <inkml:channelProperty channel="X" name="resolution" value="1000" units="1/cm"/>
+          <inkml:channelProperty channel="Y" name="resolution" value="1000" units="1/cm"/>
+          <inkml:channelProperty channel="F" name="resolution" value="0" units="1/dev"/>
+        </inkml:channelProperties>
+      </inkml:inkSource>
+      <inkml:timestamp xml:id="ts0" timeString="2023-05-29T07:24:25.533"/>
+    </inkml:context>
+    <inkml:brush xml:id="br0">
+      <inkml:brushProperty name="width" value="0.05" units="cm"/>
+      <inkml:brushProperty name="height" value="0.05" units="cm"/>
+      <inkml:brushProperty name="color" value="#E71224"/>
+    </inkml:brush>
+  </inkml:definitions>
+  <inkml:trace contextRef="#ctx0" brushRef="#br0">1 1 24575</inkml:trace>
+</inkml:ink>
+</file>
+
+<file path=ppt/ink/ink25.xml><?xml version="1.0" encoding="utf-8"?>
+<inkml:ink xmlns:inkml="http://www.w3.org/2003/InkML">
+  <inkml:definitions>
+    <inkml:context xml:id="ctx0">
+      <inkml:inkSource xml:id="inkSrc0">
+        <inkml:traceFormat>
+          <inkml:channel name="X" type="integer" min="-2.14748E9" max="2.14748E9" units="cm"/>
+          <inkml:channel name="Y" type="integer" min="-2.14748E9" max="2.14748E9" units="cm"/>
+          <inkml:channel name="F" type="integer" max="32767" units="dev"/>
+        </inkml:traceFormat>
+        <inkml:channelProperties>
+          <inkml:channelProperty channel="X" name="resolution" value="1000" units="1/cm"/>
+          <inkml:channelProperty channel="Y" name="resolution" value="1000" units="1/cm"/>
+          <inkml:channelProperty channel="F" name="resolution" value="0" units="1/dev"/>
+        </inkml:channelProperties>
+      </inkml:inkSource>
+      <inkml:timestamp xml:id="ts0" timeString="2023-05-29T07:24:26.172"/>
+    </inkml:context>
+    <inkml:brush xml:id="br0">
+      <inkml:brushProperty name="width" value="0.05" units="cm"/>
+      <inkml:brushProperty name="height" value="0.05" units="cm"/>
+      <inkml:brushProperty name="color" value="#E71224"/>
+    </inkml:brush>
+  </inkml:definitions>
+  <inkml:trace contextRef="#ctx0" brushRef="#br0">0 1 24575,'0'0'-8191</inkml:trace>
+</inkml:ink>
+</file>
+
+<file path=ppt/ink/ink26.xml><?xml version="1.0" encoding="utf-8"?>
+<inkml:ink xmlns:inkml="http://www.w3.org/2003/InkML">
+  <inkml:definitions>
+    <inkml:context xml:id="ctx0">
+      <inkml:inkSource xml:id="inkSrc0">
+        <inkml:traceFormat>
+          <inkml:channel name="X" type="integer" min="-2.14748E9" max="2.14748E9" units="cm"/>
+          <inkml:channel name="Y" type="integer" min="-2.14748E9" max="2.14748E9" units="cm"/>
+          <inkml:channel name="F" type="integer" max="32767" units="dev"/>
+        </inkml:traceFormat>
+        <inkml:channelProperties>
+          <inkml:channelProperty channel="X" name="resolution" value="1000" units="1/cm"/>
+          <inkml:channelProperty channel="Y" name="resolution" value="1000" units="1/cm"/>
+          <inkml:channelProperty channel="F" name="resolution" value="0" units="1/dev"/>
+        </inkml:channelProperties>
+      </inkml:inkSource>
+      <inkml:timestamp xml:id="ts0" timeString="2023-05-29T07:24:26.738"/>
+    </inkml:context>
+    <inkml:brush xml:id="br0">
+      <inkml:brushProperty name="width" value="0.05" units="cm"/>
+      <inkml:brushProperty name="height" value="0.05" units="cm"/>
+      <inkml:brushProperty name="color" value="#E71224"/>
+    </inkml:brush>
+  </inkml:definitions>
+  <inkml:trace contextRef="#ctx0" brushRef="#br0">1 0 24575,'0'0'-8191</inkml:trace>
+</inkml:ink>
+</file>
+
+<file path=ppt/ink/ink27.xml><?xml version="1.0" encoding="utf-8"?>
+<inkml:ink xmlns:inkml="http://www.w3.org/2003/InkML">
+  <inkml:definitions>
+    <inkml:context xml:id="ctx0">
+      <inkml:inkSource xml:id="inkSrc0">
+        <inkml:traceFormat>
+          <inkml:channel name="X" type="integer" min="-2.14748E9" max="2.14748E9" units="cm"/>
+          <inkml:channel name="Y" type="integer" min="-2.14748E9" max="2.14748E9" units="cm"/>
+          <inkml:channel name="F" type="integer" max="32767" units="dev"/>
+        </inkml:traceFormat>
+        <inkml:channelProperties>
+          <inkml:channelProperty channel="X" name="resolution" value="1000" units="1/cm"/>
+          <inkml:channelProperty channel="Y" name="resolution" value="1000" units="1/cm"/>
+          <inkml:channelProperty channel="F" name="resolution" value="0" units="1/dev"/>
+        </inkml:channelProperties>
+      </inkml:inkSource>
+      <inkml:timestamp xml:id="ts0" timeString="2023-05-29T07:24:27.361"/>
+    </inkml:context>
+    <inkml:brush xml:id="br0">
+      <inkml:brushProperty name="width" value="0.05" units="cm"/>
+      <inkml:brushProperty name="height" value="0.05" units="cm"/>
+      <inkml:brushProperty name="color" value="#E71224"/>
+    </inkml:brush>
+  </inkml:definitions>
+  <inkml:trace contextRef="#ctx0" brushRef="#br0">0 0 24575</inkml:trace>
+</inkml:ink>
+</file>
+
+<file path=ppt/ink/ink28.xml><?xml version="1.0" encoding="utf-8"?>
+<inkml:ink xmlns:inkml="http://www.w3.org/2003/InkML">
+  <inkml:definitions>
+    <inkml:context xml:id="ctx0">
+      <inkml:inkSource xml:id="inkSrc0">
+        <inkml:traceFormat>
+          <inkml:channel name="X" type="integer" min="-2.14748E9" max="2.14748E9" units="cm"/>
+          <inkml:channel name="Y" type="integer" min="-2.14748E9" max="2.14748E9" units="cm"/>
+          <inkml:channel name="F" type="integer" max="32767" units="dev"/>
+        </inkml:traceFormat>
+        <inkml:channelProperties>
+          <inkml:channelProperty channel="X" name="resolution" value="1000" units="1/cm"/>
+          <inkml:channelProperty channel="Y" name="resolution" value="1000" units="1/cm"/>
+          <inkml:channelProperty channel="F" name="resolution" value="0" units="1/dev"/>
+        </inkml:channelProperties>
+      </inkml:inkSource>
+      <inkml:timestamp xml:id="ts0" timeString="2023-05-29T07:24:28.084"/>
+    </inkml:context>
+    <inkml:brush xml:id="br0">
+      <inkml:brushProperty name="width" value="0.05" units="cm"/>
+      <inkml:brushProperty name="height" value="0.05" units="cm"/>
+      <inkml:brushProperty name="color" value="#E71224"/>
+    </inkml:brush>
+  </inkml:definitions>
+  <inkml:trace contextRef="#ctx0" brushRef="#br0">0 0 24575,'0'0'-8191</inkml:trace>
+</inkml:ink>
+</file>
+
+<file path=ppt/ink/ink29.xml><?xml version="1.0" encoding="utf-8"?>
+<inkml:ink xmlns:inkml="http://www.w3.org/2003/InkML">
+  <inkml:definitions>
+    <inkml:context xml:id="ctx0">
+      <inkml:inkSource xml:id="inkSrc0">
+        <inkml:traceFormat>
+          <inkml:channel name="X" type="integer" min="-2.14748E9" max="2.14748E9" units="cm"/>
+          <inkml:channel name="Y" type="integer" min="-2.14748E9" max="2.14748E9" units="cm"/>
+          <inkml:channel name="F" type="integer" max="32767" units="dev"/>
+        </inkml:traceFormat>
+        <inkml:channelProperties>
+          <inkml:channelProperty channel="X" name="resolution" value="1000" units="1/cm"/>
+          <inkml:channelProperty channel="Y" name="resolution" value="1000" units="1/cm"/>
+          <inkml:channelProperty channel="F" name="resolution" value="0" units="1/dev"/>
+        </inkml:channelProperties>
+      </inkml:inkSource>
+      <inkml:timestamp xml:id="ts0" timeString="2023-05-29T07:24:28.635"/>
+    </inkml:context>
+    <inkml:brush xml:id="br0">
+      <inkml:brushProperty name="width" value="0.05" units="cm"/>
+      <inkml:brushProperty name="height" value="0.05" units="cm"/>
+      <inkml:brushProperty name="color" value="#E71224"/>
+    </inkml:brush>
+  </inkml:definitions>
+  <inkml:trace contextRef="#ctx0" brushRef="#br0">1 0 24575,'0'0'-8191</inkml:trace>
+</inkml:ink>
+</file>
+
+<file path=ppt/ink/ink3.xml><?xml version="1.0" encoding="utf-8"?>
+<inkml:ink xmlns:inkml="http://www.w3.org/2003/InkML">
+  <inkml:definitions>
+    <inkml:context xml:id="ctx0">
+      <inkml:inkSource xml:id="inkSrc0">
+        <inkml:traceFormat>
+          <inkml:channel name="X" type="integer" min="-2.14748E9" max="2.14748E9" units="cm"/>
+          <inkml:channel name="Y" type="integer" min="-2.14748E9" max="2.14748E9" units="cm"/>
+          <inkml:channel name="F" type="integer" max="32767" units="dev"/>
+        </inkml:traceFormat>
+        <inkml:channelProperties>
+          <inkml:channelProperty channel="X" name="resolution" value="1000" units="1/cm"/>
+          <inkml:channelProperty channel="Y" name="resolution" value="1000" units="1/cm"/>
+          <inkml:channelProperty channel="F" name="resolution" value="0" units="1/dev"/>
+        </inkml:channelProperties>
+      </inkml:inkSource>
+      <inkml:timestamp xml:id="ts0" timeString="2023-05-29T07:23:57.693"/>
+    </inkml:context>
+    <inkml:brush xml:id="br0">
+      <inkml:brushProperty name="width" value="0.05" units="cm"/>
+      <inkml:brushProperty name="height" value="0.05" units="cm"/>
+      <inkml:brushProperty name="color" value="#E71224"/>
+    </inkml:brush>
+  </inkml:definitions>
+  <inkml:trace contextRef="#ctx0" brushRef="#br0">0 1 24575,'0'0'-8191</inkml:trace>
+</inkml:ink>
+</file>
+
+<file path=ppt/ink/ink30.xml><?xml version="1.0" encoding="utf-8"?>
+<inkml:ink xmlns:inkml="http://www.w3.org/2003/InkML">
+  <inkml:definitions>
+    <inkml:context xml:id="ctx0">
+      <inkml:inkSource xml:id="inkSrc0">
+        <inkml:traceFormat>
+          <inkml:channel name="X" type="integer" min="-2.14748E9" max="2.14748E9" units="cm"/>
+          <inkml:channel name="Y" type="integer" min="-2.14748E9" max="2.14748E9" units="cm"/>
+          <inkml:channel name="F" type="integer" max="32767" units="dev"/>
+        </inkml:traceFormat>
+        <inkml:channelProperties>
+          <inkml:channelProperty channel="X" name="resolution" value="1000" units="1/cm"/>
+          <inkml:channelProperty channel="Y" name="resolution" value="1000" units="1/cm"/>
+          <inkml:channelProperty channel="F" name="resolution" value="0" units="1/dev"/>
+        </inkml:channelProperties>
+      </inkml:inkSource>
+      <inkml:timestamp xml:id="ts0" timeString="2023-05-29T07:24:29.306"/>
+    </inkml:context>
+    <inkml:brush xml:id="br0">
+      <inkml:brushProperty name="width" value="0.05" units="cm"/>
+      <inkml:brushProperty name="height" value="0.05" units="cm"/>
+      <inkml:brushProperty name="color" value="#E71224"/>
+    </inkml:brush>
+  </inkml:definitions>
+  <inkml:trace contextRef="#ctx0" brushRef="#br0">0 1 24575,'0'0'-8191</inkml:trace>
+</inkml:ink>
+</file>
+
+<file path=ppt/ink/ink31.xml><?xml version="1.0" encoding="utf-8"?>
+<inkml:ink xmlns:inkml="http://www.w3.org/2003/InkML">
+  <inkml:definitions>
+    <inkml:context xml:id="ctx0">
+      <inkml:inkSource xml:id="inkSrc0">
+        <inkml:traceFormat>
+          <inkml:channel name="X" type="integer" min="-2.14748E9" max="2.14748E9" units="cm"/>
+          <inkml:channel name="Y" type="integer" min="-2.14748E9" max="2.14748E9" units="cm"/>
+          <inkml:channel name="F" type="integer" max="32767" units="dev"/>
+        </inkml:traceFormat>
+        <inkml:channelProperties>
+          <inkml:channelProperty channel="X" name="resolution" value="1000" units="1/cm"/>
+          <inkml:channelProperty channel="Y" name="resolution" value="1000" units="1/cm"/>
+          <inkml:channelProperty channel="F" name="resolution" value="0" units="1/dev"/>
+        </inkml:channelProperties>
+      </inkml:inkSource>
+      <inkml:timestamp xml:id="ts0" timeString="2023-05-29T07:24:33.016"/>
+    </inkml:context>
+    <inkml:brush xml:id="br0">
+      <inkml:brushProperty name="width" value="0.1" units="cm"/>
+      <inkml:brushProperty name="height" value="0.1" units="cm"/>
+      <inkml:brushProperty name="color" value="#AE198D"/>
+      <inkml:brushProperty name="inkEffects" value="galaxy"/>
+      <inkml:brushProperty name="anchorX" value="-12706.83789"/>
+      <inkml:brushProperty name="anchorY" value="-12693.16309"/>
+      <inkml:brushProperty name="scaleFactor" value="0.5"/>
+    </inkml:brush>
+  </inkml:definitions>
+  <inkml:trace contextRef="#ctx0" brushRef="#br0">1 7 24575,'0'0'0,"0"-3"0,0-1 0</inkml:trace>
+</inkml:ink>
+</file>
+
+<file path=ppt/ink/ink32.xml><?xml version="1.0" encoding="utf-8"?>
+<inkml:ink xmlns:inkml="http://www.w3.org/2003/InkML">
+  <inkml:definitions>
+    <inkml:context xml:id="ctx0">
+      <inkml:inkSource xml:id="inkSrc0">
+        <inkml:traceFormat>
+          <inkml:channel name="X" type="integer" min="-2.14748E9" max="2.14748E9" units="cm"/>
+          <inkml:channel name="Y" type="integer" min="-2.14748E9" max="2.14748E9" units="cm"/>
+          <inkml:channel name="F" type="integer" max="32767" units="dev"/>
+        </inkml:traceFormat>
+        <inkml:channelProperties>
+          <inkml:channelProperty channel="X" name="resolution" value="1000" units="1/cm"/>
+          <inkml:channelProperty channel="Y" name="resolution" value="1000" units="1/cm"/>
+          <inkml:channelProperty channel="F" name="resolution" value="0" units="1/dev"/>
+        </inkml:channelProperties>
+      </inkml:inkSource>
+      <inkml:timestamp xml:id="ts0" timeString="2023-05-29T07:24:33.775"/>
+    </inkml:context>
+    <inkml:brush xml:id="br0">
+      <inkml:brushProperty name="width" value="0.1" units="cm"/>
+      <inkml:brushProperty name="height" value="0.1" units="cm"/>
+      <inkml:brushProperty name="color" value="#AE198D"/>
+      <inkml:brushProperty name="inkEffects" value="galaxy"/>
+      <inkml:brushProperty name="anchorX" value="-13976.83789"/>
+      <inkml:brushProperty name="anchorY" value="-13956.3252"/>
+      <inkml:brushProperty name="scaleFactor" value="0.5"/>
+    </inkml:brush>
+  </inkml:definitions>
+  <inkml:trace contextRef="#ctx0" brushRef="#br0">0 0 24575,'0'0'0</inkml:trace>
+</inkml:ink>
+</file>
+
+<file path=ppt/ink/ink33.xml><?xml version="1.0" encoding="utf-8"?>
+<inkml:ink xmlns:inkml="http://www.w3.org/2003/InkML">
+  <inkml:definitions>
+    <inkml:context xml:id="ctx0">
+      <inkml:inkSource xml:id="inkSrc0">
+        <inkml:traceFormat>
+          <inkml:channel name="X" type="integer" min="-2.14748E9" max="2.14748E9" units="cm"/>
+          <inkml:channel name="Y" type="integer" min="-2.14748E9" max="2.14748E9" units="cm"/>
+          <inkml:channel name="F" type="integer" max="32767" units="dev"/>
+        </inkml:traceFormat>
+        <inkml:channelProperties>
+          <inkml:channelProperty channel="X" name="resolution" value="1000" units="1/cm"/>
+          <inkml:channelProperty channel="Y" name="resolution" value="1000" units="1/cm"/>
+          <inkml:channelProperty channel="F" name="resolution" value="0" units="1/dev"/>
+        </inkml:channelProperties>
+      </inkml:inkSource>
+      <inkml:timestamp xml:id="ts0" timeString="2023-05-29T07:24:34.591"/>
+    </inkml:context>
+    <inkml:brush xml:id="br0">
+      <inkml:brushProperty name="width" value="0.1" units="cm"/>
+      <inkml:brushProperty name="height" value="0.1" units="cm"/>
+      <inkml:brushProperty name="color" value="#AE198D"/>
+      <inkml:brushProperty name="inkEffects" value="galaxy"/>
+      <inkml:brushProperty name="anchorX" value="-15246.83789"/>
+      <inkml:brushProperty name="anchorY" value="-15226.3252"/>
+      <inkml:brushProperty name="scaleFactor" value="0.5"/>
+    </inkml:brush>
+  </inkml:definitions>
+  <inkml:trace contextRef="#ctx0" brushRef="#br0">1 1 24575,'0'0'0</inkml:trace>
+</inkml:ink>
+</file>
+
+<file path=ppt/ink/ink34.xml><?xml version="1.0" encoding="utf-8"?>
+<inkml:ink xmlns:inkml="http://www.w3.org/2003/InkML">
+  <inkml:definitions>
+    <inkml:context xml:id="ctx0">
+      <inkml:inkSource xml:id="inkSrc0">
+        <inkml:traceFormat>
+          <inkml:channel name="X" type="integer" min="-2.14748E9" max="2.14748E9" units="cm"/>
+          <inkml:channel name="Y" type="integer" min="-2.14748E9" max="2.14748E9" units="cm"/>
+          <inkml:channel name="F" type="integer" max="32767" units="dev"/>
+        </inkml:traceFormat>
+        <inkml:channelProperties>
+          <inkml:channelProperty channel="X" name="resolution" value="1000" units="1/cm"/>
+          <inkml:channelProperty channel="Y" name="resolution" value="1000" units="1/cm"/>
+          <inkml:channelProperty channel="F" name="resolution" value="0" units="1/dev"/>
+        </inkml:channelProperties>
+      </inkml:inkSource>
+      <inkml:timestamp xml:id="ts0" timeString="2023-05-29T07:24:35.116"/>
+    </inkml:context>
+    <inkml:brush xml:id="br0">
+      <inkml:brushProperty name="width" value="0.1" units="cm"/>
+      <inkml:brushProperty name="height" value="0.1" units="cm"/>
+      <inkml:brushProperty name="color" value="#AE198D"/>
+      <inkml:brushProperty name="inkEffects" value="galaxy"/>
+      <inkml:brushProperty name="anchorX" value="-16516.83789"/>
+      <inkml:brushProperty name="anchorY" value="-16496.32617"/>
+      <inkml:brushProperty name="scaleFactor" value="0.5"/>
+    </inkml:brush>
+  </inkml:definitions>
+  <inkml:trace contextRef="#ctx0" brushRef="#br0">0 1 24575,'0'0'0</inkml:trace>
+</inkml:ink>
+</file>
+
+<file path=ppt/ink/ink35.xml><?xml version="1.0" encoding="utf-8"?>
+<inkml:ink xmlns:inkml="http://www.w3.org/2003/InkML">
+  <inkml:definitions>
+    <inkml:context xml:id="ctx0">
+      <inkml:inkSource xml:id="inkSrc0">
+        <inkml:traceFormat>
+          <inkml:channel name="X" type="integer" min="-2.14748E9" max="2.14748E9" units="cm"/>
+          <inkml:channel name="Y" type="integer" min="-2.14748E9" max="2.14748E9" units="cm"/>
+          <inkml:channel name="F" type="integer" max="32767" units="dev"/>
+        </inkml:traceFormat>
+        <inkml:channelProperties>
+          <inkml:channelProperty channel="X" name="resolution" value="1000" units="1/cm"/>
+          <inkml:channelProperty channel="Y" name="resolution" value="1000" units="1/cm"/>
+          <inkml:channelProperty channel="F" name="resolution" value="0" units="1/dev"/>
+        </inkml:channelProperties>
+      </inkml:inkSource>
+      <inkml:timestamp xml:id="ts0" timeString="2023-05-29T07:24:35.688"/>
+    </inkml:context>
+    <inkml:brush xml:id="br0">
+      <inkml:brushProperty name="width" value="0.1" units="cm"/>
+      <inkml:brushProperty name="height" value="0.1" units="cm"/>
+      <inkml:brushProperty name="color" value="#AE198D"/>
+      <inkml:brushProperty name="inkEffects" value="galaxy"/>
+      <inkml:brushProperty name="anchorX" value="-17786.83789"/>
+      <inkml:brushProperty name="anchorY" value="-17766.32617"/>
+      <inkml:brushProperty name="scaleFactor" value="0.5"/>
+    </inkml:brush>
+  </inkml:definitions>
+  <inkml:trace contextRef="#ctx0" brushRef="#br0">0 7 24575,'0'0'0,"0"-3"0,0-1 0</inkml:trace>
+</inkml:ink>
+</file>
+
+<file path=ppt/ink/ink36.xml><?xml version="1.0" encoding="utf-8"?>
+<inkml:ink xmlns:inkml="http://www.w3.org/2003/InkML">
+  <inkml:definitions>
+    <inkml:context xml:id="ctx0">
+      <inkml:inkSource xml:id="inkSrc0">
+        <inkml:traceFormat>
+          <inkml:channel name="X" type="integer" min="-2.14748E9" max="2.14748E9" units="cm"/>
+          <inkml:channel name="Y" type="integer" min="-2.14748E9" max="2.14748E9" units="cm"/>
+          <inkml:channel name="F" type="integer" max="32767" units="dev"/>
+        </inkml:traceFormat>
+        <inkml:channelProperties>
+          <inkml:channelProperty channel="X" name="resolution" value="1000" units="1/cm"/>
+          <inkml:channelProperty channel="Y" name="resolution" value="1000" units="1/cm"/>
+          <inkml:channelProperty channel="F" name="resolution" value="0" units="1/dev"/>
+        </inkml:channelProperties>
+      </inkml:inkSource>
+      <inkml:timestamp xml:id="ts0" timeString="2023-05-29T07:24:36.268"/>
+    </inkml:context>
+    <inkml:brush xml:id="br0">
+      <inkml:brushProperty name="width" value="0.1" units="cm"/>
+      <inkml:brushProperty name="height" value="0.1" units="cm"/>
+      <inkml:brushProperty name="color" value="#AE198D"/>
+      <inkml:brushProperty name="inkEffects" value="galaxy"/>
+      <inkml:brushProperty name="anchorX" value="-19056.83789"/>
+      <inkml:brushProperty name="anchorY" value="-19029.22266"/>
+      <inkml:brushProperty name="scaleFactor" value="0.5"/>
+    </inkml:brush>
+  </inkml:definitions>
+  <inkml:trace contextRef="#ctx0" brushRef="#br0">1 1 24575,'0'0'0</inkml:trace>
+</inkml:ink>
+</file>
+
+<file path=ppt/ink/ink37.xml><?xml version="1.0" encoding="utf-8"?>
+<inkml:ink xmlns:inkml="http://www.w3.org/2003/InkML">
+  <inkml:definitions>
+    <inkml:context xml:id="ctx0">
+      <inkml:inkSource xml:id="inkSrc0">
+        <inkml:traceFormat>
+          <inkml:channel name="X" type="integer" min="-2.14748E9" max="2.14748E9" units="cm"/>
+          <inkml:channel name="Y" type="integer" min="-2.14748E9" max="2.14748E9" units="cm"/>
+          <inkml:channel name="F" type="integer" max="32767" units="dev"/>
+        </inkml:traceFormat>
+        <inkml:channelProperties>
+          <inkml:channelProperty channel="X" name="resolution" value="1000" units="1/cm"/>
+          <inkml:channelProperty channel="Y" name="resolution" value="1000" units="1/cm"/>
+          <inkml:channelProperty channel="F" name="resolution" value="0" units="1/dev"/>
+        </inkml:channelProperties>
+      </inkml:inkSource>
+      <inkml:timestamp xml:id="ts0" timeString="2023-05-29T07:24:36.746"/>
+    </inkml:context>
+    <inkml:brush xml:id="br0">
+      <inkml:brushProperty name="width" value="0.1" units="cm"/>
+      <inkml:brushProperty name="height" value="0.1" units="cm"/>
+      <inkml:brushProperty name="color" value="#AE198D"/>
+      <inkml:brushProperty name="inkEffects" value="galaxy"/>
+      <inkml:brushProperty name="anchorX" value="-20326.83789"/>
+      <inkml:brushProperty name="anchorY" value="-20299.22266"/>
+      <inkml:brushProperty name="scaleFactor" value="0.5"/>
+    </inkml:brush>
+  </inkml:definitions>
+  <inkml:trace contextRef="#ctx0" brushRef="#br0">1 11 24575,'0'0'0,"0"-3"0,3-1 0,1 0 0</inkml:trace>
+</inkml:ink>
+</file>
+
+<file path=ppt/ink/ink38.xml><?xml version="1.0" encoding="utf-8"?>
+<inkml:ink xmlns:inkml="http://www.w3.org/2003/InkML">
+  <inkml:definitions>
+    <inkml:context xml:id="ctx0">
+      <inkml:inkSource xml:id="inkSrc0">
+        <inkml:traceFormat>
+          <inkml:channel name="X" type="integer" min="-2.14748E9" max="2.14748E9" units="cm"/>
+          <inkml:channel name="Y" type="integer" min="-2.14748E9" max="2.14748E9" units="cm"/>
+          <inkml:channel name="F" type="integer" max="32767" units="dev"/>
+        </inkml:traceFormat>
+        <inkml:channelProperties>
+          <inkml:channelProperty channel="X" name="resolution" value="1000" units="1/cm"/>
+          <inkml:channelProperty channel="Y" name="resolution" value="1000" units="1/cm"/>
+          <inkml:channelProperty channel="F" name="resolution" value="0" units="1/dev"/>
+        </inkml:channelProperties>
+      </inkml:inkSource>
+      <inkml:timestamp xml:id="ts0" timeString="2023-05-29T07:24:37.272"/>
+    </inkml:context>
+    <inkml:brush xml:id="br0">
+      <inkml:brushProperty name="width" value="0.1" units="cm"/>
+      <inkml:brushProperty name="height" value="0.1" units="cm"/>
+      <inkml:brushProperty name="color" value="#AE198D"/>
+      <inkml:brushProperty name="inkEffects" value="galaxy"/>
+      <inkml:brushProperty name="anchorX" value="-21603.93945"/>
+      <inkml:brushProperty name="anchorY" value="-21558.53906"/>
+      <inkml:brushProperty name="scaleFactor" value="0.5"/>
+    </inkml:brush>
+  </inkml:definitions>
+  <inkml:trace contextRef="#ctx0" brushRef="#br0">1 0 24575,'0'0'0</inkml:trace>
+</inkml:ink>
+</file>
+
+<file path=ppt/ink/ink39.xml><?xml version="1.0" encoding="utf-8"?>
+<inkml:ink xmlns:inkml="http://www.w3.org/2003/InkML">
+  <inkml:definitions>
+    <inkml:context xml:id="ctx0">
+      <inkml:inkSource xml:id="inkSrc0">
+        <inkml:traceFormat>
+          <inkml:channel name="X" type="integer" min="-2.14748E9" max="2.14748E9" units="cm"/>
+          <inkml:channel name="Y" type="integer" min="-2.14748E9" max="2.14748E9" units="cm"/>
+          <inkml:channel name="F" type="integer" max="32767" units="dev"/>
+        </inkml:traceFormat>
+        <inkml:channelProperties>
+          <inkml:channelProperty channel="X" name="resolution" value="1000" units="1/cm"/>
+          <inkml:channelProperty channel="Y" name="resolution" value="1000" units="1/cm"/>
+          <inkml:channelProperty channel="F" name="resolution" value="0" units="1/dev"/>
+        </inkml:channelProperties>
+      </inkml:inkSource>
+      <inkml:timestamp xml:id="ts0" timeString="2023-05-29T07:24:37.913"/>
+    </inkml:context>
+    <inkml:brush xml:id="br0">
+      <inkml:brushProperty name="width" value="0.1" units="cm"/>
+      <inkml:brushProperty name="height" value="0.1" units="cm"/>
+      <inkml:brushProperty name="color" value="#AE198D"/>
+      <inkml:brushProperty name="inkEffects" value="galaxy"/>
+      <inkml:brushProperty name="anchorX" value="-22873.93945"/>
+      <inkml:brushProperty name="anchorY" value="-22828.53906"/>
+      <inkml:brushProperty name="scaleFactor" value="0.5"/>
+    </inkml:brush>
+  </inkml:definitions>
+  <inkml:trace contextRef="#ctx0" brushRef="#br0">1 0 24575,'0'0'0</inkml:trace>
+</inkml:ink>
+</file>
+
+<file path=ppt/ink/ink4.xml><?xml version="1.0" encoding="utf-8"?>
+<inkml:ink xmlns:inkml="http://www.w3.org/2003/InkML">
+  <inkml:definitions>
+    <inkml:context xml:id="ctx0">
+      <inkml:inkSource xml:id="inkSrc0">
+        <inkml:traceFormat>
+          <inkml:channel name="X" type="integer" min="-2.14748E9" max="2.14748E9" units="cm"/>
+          <inkml:channel name="Y" type="integer" min="-2.14748E9" max="2.14748E9" units="cm"/>
+          <inkml:channel name="F" type="integer" max="32767" units="dev"/>
+        </inkml:traceFormat>
+        <inkml:channelProperties>
+          <inkml:channelProperty channel="X" name="resolution" value="1000" units="1/cm"/>
+          <inkml:channelProperty channel="Y" name="resolution" value="1000" units="1/cm"/>
+          <inkml:channelProperty channel="F" name="resolution" value="0" units="1/dev"/>
+        </inkml:channelProperties>
+      </inkml:inkSource>
+      <inkml:timestamp xml:id="ts0" timeString="2023-05-29T07:23:58.151"/>
+    </inkml:context>
+    <inkml:brush xml:id="br0">
+      <inkml:brushProperty name="width" value="0.05" units="cm"/>
+      <inkml:brushProperty name="height" value="0.05" units="cm"/>
+      <inkml:brushProperty name="color" value="#E71224"/>
+    </inkml:brush>
+  </inkml:definitions>
+  <inkml:trace contextRef="#ctx0" brushRef="#br0">0 1 24575,'0'0'-8191</inkml:trace>
+</inkml:ink>
+</file>
+
+<file path=ppt/ink/ink40.xml><?xml version="1.0" encoding="utf-8"?>
+<inkml:ink xmlns:inkml="http://www.w3.org/2003/InkML">
+  <inkml:definitions>
+    <inkml:context xml:id="ctx0">
+      <inkml:inkSource xml:id="inkSrc0">
+        <inkml:traceFormat>
+          <inkml:channel name="X" type="integer" min="-2.14748E9" max="2.14748E9" units="cm"/>
+          <inkml:channel name="Y" type="integer" min="-2.14748E9" max="2.14748E9" units="cm"/>
+          <inkml:channel name="F" type="integer" max="32767" units="dev"/>
+        </inkml:traceFormat>
+        <inkml:channelProperties>
+          <inkml:channelProperty channel="X" name="resolution" value="1000" units="1/cm"/>
+          <inkml:channelProperty channel="Y" name="resolution" value="1000" units="1/cm"/>
+          <inkml:channelProperty channel="F" name="resolution" value="0" units="1/dev"/>
+        </inkml:channelProperties>
+      </inkml:inkSource>
+      <inkml:timestamp xml:id="ts0" timeString="2023-05-29T07:24:38.414"/>
+    </inkml:context>
+    <inkml:brush xml:id="br0">
+      <inkml:brushProperty name="width" value="0.1" units="cm"/>
+      <inkml:brushProperty name="height" value="0.1" units="cm"/>
+      <inkml:brushProperty name="color" value="#AE198D"/>
+      <inkml:brushProperty name="inkEffects" value="galaxy"/>
+      <inkml:brushProperty name="anchorX" value="-24143.93945"/>
+      <inkml:brushProperty name="anchorY" value="-24098.53906"/>
+      <inkml:brushProperty name="scaleFactor" value="0.5"/>
+    </inkml:brush>
+  </inkml:definitions>
+  <inkml:trace contextRef="#ctx0" brushRef="#br0">1 0 24575,'0'0'0</inkml:trace>
+</inkml:ink>
+</file>
+
+<file path=ppt/ink/ink41.xml><?xml version="1.0" encoding="utf-8"?>
+<inkml:ink xmlns:inkml="http://www.w3.org/2003/InkML">
+  <inkml:definitions>
+    <inkml:context xml:id="ctx0">
+      <inkml:inkSource xml:id="inkSrc0">
+        <inkml:traceFormat>
+          <inkml:channel name="X" type="integer" min="-2.14748E9" max="2.14748E9" units="cm"/>
+          <inkml:channel name="Y" type="integer" min="-2.14748E9" max="2.14748E9" units="cm"/>
+          <inkml:channel name="F" type="integer" max="32767" units="dev"/>
+        </inkml:traceFormat>
+        <inkml:channelProperties>
+          <inkml:channelProperty channel="X" name="resolution" value="1000" units="1/cm"/>
+          <inkml:channelProperty channel="Y" name="resolution" value="1000" units="1/cm"/>
+          <inkml:channelProperty channel="F" name="resolution" value="0" units="1/dev"/>
+        </inkml:channelProperties>
+      </inkml:inkSource>
+      <inkml:timestamp xml:id="ts0" timeString="2023-05-29T07:24:41.498"/>
+    </inkml:context>
+    <inkml:brush xml:id="br0">
+      <inkml:brushProperty name="width" value="0.05" units="cm"/>
+      <inkml:brushProperty name="height" value="0.05" units="cm"/>
+      <inkml:brushProperty name="color" value="#E71224"/>
+    </inkml:brush>
+  </inkml:definitions>
+  <inkml:trace contextRef="#ctx0" brushRef="#br0">1 1 24575,'0'0'-8191</inkml:trace>
+</inkml:ink>
+</file>
+
+<file path=ppt/ink/ink42.xml><?xml version="1.0" encoding="utf-8"?>
+<inkml:ink xmlns:inkml="http://www.w3.org/2003/InkML">
+  <inkml:definitions>
+    <inkml:context xml:id="ctx0">
+      <inkml:inkSource xml:id="inkSrc0">
+        <inkml:traceFormat>
+          <inkml:channel name="X" type="integer" min="-2.14748E9" max="2.14748E9" units="cm"/>
+          <inkml:channel name="Y" type="integer" min="-2.14748E9" max="2.14748E9" units="cm"/>
+          <inkml:channel name="F" type="integer" max="32767" units="dev"/>
+        </inkml:traceFormat>
+        <inkml:channelProperties>
+          <inkml:channelProperty channel="X" name="resolution" value="1000" units="1/cm"/>
+          <inkml:channelProperty channel="Y" name="resolution" value="1000" units="1/cm"/>
+          <inkml:channelProperty channel="F" name="resolution" value="0" units="1/dev"/>
+        </inkml:channelProperties>
+      </inkml:inkSource>
+      <inkml:timestamp xml:id="ts0" timeString="2023-05-29T07:24:42.158"/>
+    </inkml:context>
+    <inkml:brush xml:id="br0">
+      <inkml:brushProperty name="width" value="0.05" units="cm"/>
+      <inkml:brushProperty name="height" value="0.05" units="cm"/>
+      <inkml:brushProperty name="color" value="#E71224"/>
+    </inkml:brush>
+  </inkml:definitions>
+  <inkml:trace contextRef="#ctx0" brushRef="#br0">0 1 24575,'0'0'-8191</inkml:trace>
+</inkml:ink>
+</file>
+
+<file path=ppt/ink/ink43.xml><?xml version="1.0" encoding="utf-8"?>
+<inkml:ink xmlns:inkml="http://www.w3.org/2003/InkML">
+  <inkml:definitions>
+    <inkml:context xml:id="ctx0">
+      <inkml:inkSource xml:id="inkSrc0">
+        <inkml:traceFormat>
+          <inkml:channel name="X" type="integer" min="-2.14748E9" max="2.14748E9" units="cm"/>
+          <inkml:channel name="Y" type="integer" min="-2.14748E9" max="2.14748E9" units="cm"/>
+          <inkml:channel name="F" type="integer" max="32767" units="dev"/>
+        </inkml:traceFormat>
+        <inkml:channelProperties>
+          <inkml:channelProperty channel="X" name="resolution" value="1000" units="1/cm"/>
+          <inkml:channelProperty channel="Y" name="resolution" value="1000" units="1/cm"/>
+          <inkml:channelProperty channel="F" name="resolution" value="0" units="1/dev"/>
+        </inkml:channelProperties>
+      </inkml:inkSource>
+      <inkml:timestamp xml:id="ts0" timeString="2023-05-29T07:24:42.601"/>
+    </inkml:context>
+    <inkml:brush xml:id="br0">
+      <inkml:brushProperty name="width" value="0.05" units="cm"/>
+      <inkml:brushProperty name="height" value="0.05" units="cm"/>
+      <inkml:brushProperty name="color" value="#E71224"/>
+    </inkml:brush>
+  </inkml:definitions>
+  <inkml:trace contextRef="#ctx0" brushRef="#br0">1 1 24575,'0'0'-8191</inkml:trace>
+</inkml:ink>
+</file>
+
+<file path=ppt/ink/ink44.xml><?xml version="1.0" encoding="utf-8"?>
+<inkml:ink xmlns:inkml="http://www.w3.org/2003/InkML">
+  <inkml:definitions>
+    <inkml:context xml:id="ctx0">
+      <inkml:inkSource xml:id="inkSrc0">
+        <inkml:traceFormat>
+          <inkml:channel name="X" type="integer" min="-2.14748E9" max="2.14748E9" units="cm"/>
+          <inkml:channel name="Y" type="integer" min="-2.14748E9" max="2.14748E9" units="cm"/>
+          <inkml:channel name="F" type="integer" max="32767" units="dev"/>
+        </inkml:traceFormat>
+        <inkml:channelProperties>
+          <inkml:channelProperty channel="X" name="resolution" value="1000" units="1/cm"/>
+          <inkml:channelProperty channel="Y" name="resolution" value="1000" units="1/cm"/>
+          <inkml:channelProperty channel="F" name="resolution" value="0" units="1/dev"/>
+        </inkml:channelProperties>
+      </inkml:inkSource>
+      <inkml:timestamp xml:id="ts0" timeString="2023-05-29T07:24:43.353"/>
+    </inkml:context>
+    <inkml:brush xml:id="br0">
+      <inkml:brushProperty name="width" value="0.05" units="cm"/>
+      <inkml:brushProperty name="height" value="0.05" units="cm"/>
+      <inkml:brushProperty name="color" value="#E71224"/>
+    </inkml:brush>
+  </inkml:definitions>
+  <inkml:trace contextRef="#ctx0" brushRef="#br0">0 1 24575,'0'0'-8191</inkml:trace>
+</inkml:ink>
+</file>
+
+<file path=ppt/ink/ink45.xml><?xml version="1.0" encoding="utf-8"?>
+<inkml:ink xmlns:inkml="http://www.w3.org/2003/InkML">
+  <inkml:definitions>
+    <inkml:context xml:id="ctx0">
+      <inkml:inkSource xml:id="inkSrc0">
+        <inkml:traceFormat>
+          <inkml:channel name="X" type="integer" min="-2.14748E9" max="2.14748E9" units="cm"/>
+          <inkml:channel name="Y" type="integer" min="-2.14748E9" max="2.14748E9" units="cm"/>
+          <inkml:channel name="F" type="integer" max="32767" units="dev"/>
+        </inkml:traceFormat>
+        <inkml:channelProperties>
+          <inkml:channelProperty channel="X" name="resolution" value="1000" units="1/cm"/>
+          <inkml:channelProperty channel="Y" name="resolution" value="1000" units="1/cm"/>
+          <inkml:channelProperty channel="F" name="resolution" value="0" units="1/dev"/>
+        </inkml:channelProperties>
+      </inkml:inkSource>
+      <inkml:timestamp xml:id="ts0" timeString="2023-05-29T07:24:43.852"/>
+    </inkml:context>
+    <inkml:brush xml:id="br0">
+      <inkml:brushProperty name="width" value="0.05" units="cm"/>
+      <inkml:brushProperty name="height" value="0.05" units="cm"/>
+      <inkml:brushProperty name="color" value="#E71224"/>
+    </inkml:brush>
+  </inkml:definitions>
+  <inkml:trace contextRef="#ctx0" brushRef="#br0">1 1 24575,'0'0'-8191</inkml:trace>
+</inkml:ink>
+</file>
+
+<file path=ppt/ink/ink46.xml><?xml version="1.0" encoding="utf-8"?>
+<inkml:ink xmlns:inkml="http://www.w3.org/2003/InkML">
+  <inkml:definitions>
+    <inkml:context xml:id="ctx0">
+      <inkml:inkSource xml:id="inkSrc0">
+        <inkml:traceFormat>
+          <inkml:channel name="X" type="integer" min="-2.14748E9" max="2.14748E9" units="cm"/>
+          <inkml:channel name="Y" type="integer" min="-2.14748E9" max="2.14748E9" units="cm"/>
+          <inkml:channel name="F" type="integer" max="32767" units="dev"/>
+        </inkml:traceFormat>
+        <inkml:channelProperties>
+          <inkml:channelProperty channel="X" name="resolution" value="1000" units="1/cm"/>
+          <inkml:channelProperty channel="Y" name="resolution" value="1000" units="1/cm"/>
+          <inkml:channelProperty channel="F" name="resolution" value="0" units="1/dev"/>
+        </inkml:channelProperties>
+      </inkml:inkSource>
+      <inkml:timestamp xml:id="ts0" timeString="2023-05-29T07:24:44.524"/>
+    </inkml:context>
+    <inkml:brush xml:id="br0">
+      <inkml:brushProperty name="width" value="0.05" units="cm"/>
+      <inkml:brushProperty name="height" value="0.05" units="cm"/>
+      <inkml:brushProperty name="color" value="#E71224"/>
+    </inkml:brush>
+  </inkml:definitions>
+  <inkml:trace contextRef="#ctx0" brushRef="#br0">0 1 24575,'0'0'-8191</inkml:trace>
+</inkml:ink>
+</file>
+
+<file path=ppt/ink/ink47.xml><?xml version="1.0" encoding="utf-8"?>
+<inkml:ink xmlns:inkml="http://www.w3.org/2003/InkML">
+  <inkml:definitions>
+    <inkml:context xml:id="ctx0">
+      <inkml:inkSource xml:id="inkSrc0">
+        <inkml:traceFormat>
+          <inkml:channel name="X" type="integer" min="-2.14748E9" max="2.14748E9" units="cm"/>
+          <inkml:channel name="Y" type="integer" min="-2.14748E9" max="2.14748E9" units="cm"/>
+          <inkml:channel name="F" type="integer" max="32767" units="dev"/>
+        </inkml:traceFormat>
+        <inkml:channelProperties>
+          <inkml:channelProperty channel="X" name="resolution" value="1000" units="1/cm"/>
+          <inkml:channelProperty channel="Y" name="resolution" value="1000" units="1/cm"/>
+          <inkml:channelProperty channel="F" name="resolution" value="0" units="1/dev"/>
+        </inkml:channelProperties>
+      </inkml:inkSource>
+      <inkml:timestamp xml:id="ts0" timeString="2023-05-29T07:24:45.027"/>
+    </inkml:context>
+    <inkml:brush xml:id="br0">
+      <inkml:brushProperty name="width" value="0.05" units="cm"/>
+      <inkml:brushProperty name="height" value="0.05" units="cm"/>
+      <inkml:brushProperty name="color" value="#E71224"/>
+    </inkml:brush>
+  </inkml:definitions>
+  <inkml:trace contextRef="#ctx0" brushRef="#br0">0 0 24575,'0'0'-8191</inkml:trace>
+</inkml:ink>
+</file>
+
+<file path=ppt/ink/ink48.xml><?xml version="1.0" encoding="utf-8"?>
+<inkml:ink xmlns:inkml="http://www.w3.org/2003/InkML">
+  <inkml:definitions>
+    <inkml:context xml:id="ctx0">
+      <inkml:inkSource xml:id="inkSrc0">
+        <inkml:traceFormat>
+          <inkml:channel name="X" type="integer" min="-2.14748E9" max="2.14748E9" units="cm"/>
+          <inkml:channel name="Y" type="integer" min="-2.14748E9" max="2.14748E9" units="cm"/>
+          <inkml:channel name="F" type="integer" max="32767" units="dev"/>
+        </inkml:traceFormat>
+        <inkml:channelProperties>
+          <inkml:channelProperty channel="X" name="resolution" value="1000" units="1/cm"/>
+          <inkml:channelProperty channel="Y" name="resolution" value="1000" units="1/cm"/>
+          <inkml:channelProperty channel="F" name="resolution" value="0" units="1/dev"/>
+        </inkml:channelProperties>
+      </inkml:inkSource>
+      <inkml:timestamp xml:id="ts0" timeString="2023-05-29T07:24:45.581"/>
+    </inkml:context>
+    <inkml:brush xml:id="br0">
+      <inkml:brushProperty name="width" value="0.05" units="cm"/>
+      <inkml:brushProperty name="height" value="0.05" units="cm"/>
+      <inkml:brushProperty name="color" value="#E71224"/>
+    </inkml:brush>
+  </inkml:definitions>
+  <inkml:trace contextRef="#ctx0" brushRef="#br0">1 0 24575,'0'0'-8191</inkml:trace>
+</inkml:ink>
+</file>
+
+<file path=ppt/ink/ink49.xml><?xml version="1.0" encoding="utf-8"?>
+<inkml:ink xmlns:inkml="http://www.w3.org/2003/InkML">
+  <inkml:definitions>
+    <inkml:context xml:id="ctx0">
+      <inkml:inkSource xml:id="inkSrc0">
+        <inkml:traceFormat>
+          <inkml:channel name="X" type="integer" min="-2.14748E9" max="2.14748E9" units="cm"/>
+          <inkml:channel name="Y" type="integer" min="-2.14748E9" max="2.14748E9" units="cm"/>
+          <inkml:channel name="F" type="integer" max="32767" units="dev"/>
+        </inkml:traceFormat>
+        <inkml:channelProperties>
+          <inkml:channelProperty channel="X" name="resolution" value="1000" units="1/cm"/>
+          <inkml:channelProperty channel="Y" name="resolution" value="1000" units="1/cm"/>
+          <inkml:channelProperty channel="F" name="resolution" value="0" units="1/dev"/>
+        </inkml:channelProperties>
+      </inkml:inkSource>
+      <inkml:timestamp xml:id="ts0" timeString="2023-05-29T07:24:46.115"/>
+    </inkml:context>
+    <inkml:brush xml:id="br0">
+      <inkml:brushProperty name="width" value="0.05" units="cm"/>
+      <inkml:brushProperty name="height" value="0.05" units="cm"/>
+      <inkml:brushProperty name="color" value="#E71224"/>
+    </inkml:brush>
+  </inkml:definitions>
+  <inkml:trace contextRef="#ctx0" brushRef="#br0">1 1 24575,'0'0'-8191</inkml:trace>
+</inkml:ink>
+</file>
+
+<file path=ppt/ink/ink5.xml><?xml version="1.0" encoding="utf-8"?>
+<inkml:ink xmlns:inkml="http://www.w3.org/2003/InkML">
+  <inkml:definitions>
+    <inkml:context xml:id="ctx0">
+      <inkml:inkSource xml:id="inkSrc0">
+        <inkml:traceFormat>
+          <inkml:channel name="X" type="integer" min="-2.14748E9" max="2.14748E9" units="cm"/>
+          <inkml:channel name="Y" type="integer" min="-2.14748E9" max="2.14748E9" units="cm"/>
+          <inkml:channel name="F" type="integer" max="32767" units="dev"/>
+        </inkml:traceFormat>
+        <inkml:channelProperties>
+          <inkml:channelProperty channel="X" name="resolution" value="1000" units="1/cm"/>
+          <inkml:channelProperty channel="Y" name="resolution" value="1000" units="1/cm"/>
+          <inkml:channelProperty channel="F" name="resolution" value="0" units="1/dev"/>
+        </inkml:channelProperties>
+      </inkml:inkSource>
+      <inkml:timestamp xml:id="ts0" timeString="2023-05-29T07:23:58.656"/>
+    </inkml:context>
+    <inkml:brush xml:id="br0">
+      <inkml:brushProperty name="width" value="0.05" units="cm"/>
+      <inkml:brushProperty name="height" value="0.05" units="cm"/>
+      <inkml:brushProperty name="color" value="#E71224"/>
+    </inkml:brush>
+  </inkml:definitions>
+  <inkml:trace contextRef="#ctx0" brushRef="#br0">1 0 24575,'0'0'-8191</inkml:trace>
+</inkml:ink>
+</file>
+
+<file path=ppt/ink/ink50.xml><?xml version="1.0" encoding="utf-8"?>
+<inkml:ink xmlns:inkml="http://www.w3.org/2003/InkML">
+  <inkml:definitions>
+    <inkml:context xml:id="ctx0">
+      <inkml:inkSource xml:id="inkSrc0">
+        <inkml:traceFormat>
+          <inkml:channel name="X" type="integer" min="-2.14748E9" max="2.14748E9" units="cm"/>
+          <inkml:channel name="Y" type="integer" min="-2.14748E9" max="2.14748E9" units="cm"/>
+          <inkml:channel name="F" type="integer" max="32767" units="dev"/>
+        </inkml:traceFormat>
+        <inkml:channelProperties>
+          <inkml:channelProperty channel="X" name="resolution" value="1000" units="1/cm"/>
+          <inkml:channelProperty channel="Y" name="resolution" value="1000" units="1/cm"/>
+          <inkml:channelProperty channel="F" name="resolution" value="0" units="1/dev"/>
+        </inkml:channelProperties>
+      </inkml:inkSource>
+      <inkml:timestamp xml:id="ts0" timeString="2023-05-29T07:24:46.678"/>
+    </inkml:context>
+    <inkml:brush xml:id="br0">
+      <inkml:brushProperty name="width" value="0.05" units="cm"/>
+      <inkml:brushProperty name="height" value="0.05" units="cm"/>
+      <inkml:brushProperty name="color" value="#E71224"/>
+    </inkml:brush>
+  </inkml:definitions>
+  <inkml:trace contextRef="#ctx0" brushRef="#br0">1 0 24575,'0'0'-8191</inkml:trace>
+</inkml:ink>
+</file>
+
+<file path=ppt/ink/ink51.xml><?xml version="1.0" encoding="utf-8"?>
+<inkml:ink xmlns:inkml="http://www.w3.org/2003/InkML">
+  <inkml:definitions>
+    <inkml:context xml:id="ctx0">
+      <inkml:inkSource xml:id="inkSrc0">
+        <inkml:traceFormat>
+          <inkml:channel name="X" type="integer" min="-2.14748E9" max="2.14748E9" units="cm"/>
+          <inkml:channel name="Y" type="integer" min="-2.14748E9" max="2.14748E9" units="cm"/>
+          <inkml:channel name="F" type="integer" max="32767" units="dev"/>
+        </inkml:traceFormat>
+        <inkml:channelProperties>
+          <inkml:channelProperty channel="X" name="resolution" value="1000" units="1/cm"/>
+          <inkml:channelProperty channel="Y" name="resolution" value="1000" units="1/cm"/>
+          <inkml:channelProperty channel="F" name="resolution" value="0" units="1/dev"/>
+        </inkml:channelProperties>
+      </inkml:inkSource>
+      <inkml:timestamp xml:id="ts0" timeString="2023-05-29T07:24:54.817"/>
+    </inkml:context>
+    <inkml:brush xml:id="br0">
+      <inkml:brushProperty name="width" value="0.1" units="cm"/>
+      <inkml:brushProperty name="height" value="0.1" units="cm"/>
+      <inkml:brushProperty name="color" value="#AE198D"/>
+      <inkml:brushProperty name="inkEffects" value="galaxy"/>
+      <inkml:brushProperty name="anchorX" value="-25413.93945"/>
+      <inkml:brushProperty name="anchorY" value="-25368.53906"/>
+      <inkml:brushProperty name="scaleFactor" value="0.5"/>
+    </inkml:brush>
+  </inkml:definitions>
+  <inkml:trace contextRef="#ctx0" brushRef="#br0">0 1 24575,'0'0'0</inkml:trace>
+</inkml:ink>
+</file>
+
+<file path=ppt/ink/ink52.xml><?xml version="1.0" encoding="utf-8"?>
+<inkml:ink xmlns:inkml="http://www.w3.org/2003/InkML">
+  <inkml:definitions>
+    <inkml:context xml:id="ctx0">
+      <inkml:inkSource xml:id="inkSrc0">
+        <inkml:traceFormat>
+          <inkml:channel name="X" type="integer" min="-2.14748E9" max="2.14748E9" units="cm"/>
+          <inkml:channel name="Y" type="integer" min="-2.14748E9" max="2.14748E9" units="cm"/>
+          <inkml:channel name="F" type="integer" max="32767" units="dev"/>
+        </inkml:traceFormat>
+        <inkml:channelProperties>
+          <inkml:channelProperty channel="X" name="resolution" value="1000" units="1/cm"/>
+          <inkml:channelProperty channel="Y" name="resolution" value="1000" units="1/cm"/>
+          <inkml:channelProperty channel="F" name="resolution" value="0" units="1/dev"/>
+        </inkml:channelProperties>
+      </inkml:inkSource>
+      <inkml:timestamp xml:id="ts0" timeString="2023-05-29T07:24:55.466"/>
+    </inkml:context>
+    <inkml:brush xml:id="br0">
+      <inkml:brushProperty name="width" value="0.1" units="cm"/>
+      <inkml:brushProperty name="height" value="0.1" units="cm"/>
+      <inkml:brushProperty name="color" value="#AE198D"/>
+      <inkml:brushProperty name="inkEffects" value="galaxy"/>
+      <inkml:brushProperty name="anchorX" value="-26683.93945"/>
+      <inkml:brushProperty name="anchorY" value="-26638.53906"/>
+      <inkml:brushProperty name="scaleFactor" value="0.5"/>
+    </inkml:brush>
+  </inkml:definitions>
+  <inkml:trace contextRef="#ctx0" brushRef="#br0">0 0 24575,'0'0'0</inkml:trace>
+</inkml:ink>
+</file>
+
+<file path=ppt/ink/ink53.xml><?xml version="1.0" encoding="utf-8"?>
+<inkml:ink xmlns:inkml="http://www.w3.org/2003/InkML">
+  <inkml:definitions>
+    <inkml:context xml:id="ctx0">
+      <inkml:inkSource xml:id="inkSrc0">
+        <inkml:traceFormat>
+          <inkml:channel name="X" type="integer" min="-2.14748E9" max="2.14748E9" units="cm"/>
+          <inkml:channel name="Y" type="integer" min="-2.14748E9" max="2.14748E9" units="cm"/>
+          <inkml:channel name="F" type="integer" max="32767" units="dev"/>
+        </inkml:traceFormat>
+        <inkml:channelProperties>
+          <inkml:channelProperty channel="X" name="resolution" value="1000" units="1/cm"/>
+          <inkml:channelProperty channel="Y" name="resolution" value="1000" units="1/cm"/>
+          <inkml:channelProperty channel="F" name="resolution" value="0" units="1/dev"/>
+        </inkml:channelProperties>
+      </inkml:inkSource>
+      <inkml:timestamp xml:id="ts0" timeString="2023-05-29T07:24:55.944"/>
+    </inkml:context>
+    <inkml:brush xml:id="br0">
+      <inkml:brushProperty name="width" value="0.1" units="cm"/>
+      <inkml:brushProperty name="height" value="0.1" units="cm"/>
+      <inkml:brushProperty name="color" value="#AE198D"/>
+      <inkml:brushProperty name="inkEffects" value="galaxy"/>
+      <inkml:brushProperty name="anchorX" value="-27953.93945"/>
+      <inkml:brushProperty name="anchorY" value="-27908.53906"/>
+      <inkml:brushProperty name="scaleFactor" value="0.5"/>
+    </inkml:brush>
+  </inkml:definitions>
+  <inkml:trace contextRef="#ctx0" brushRef="#br0">0 0 24575,'0'0'0</inkml:trace>
+</inkml:ink>
+</file>
+
+<file path=ppt/ink/ink54.xml><?xml version="1.0" encoding="utf-8"?>
+<inkml:ink xmlns:inkml="http://www.w3.org/2003/InkML">
+  <inkml:definitions>
+    <inkml:context xml:id="ctx0">
+      <inkml:inkSource xml:id="inkSrc0">
+        <inkml:traceFormat>
+          <inkml:channel name="X" type="integer" min="-2.14748E9" max="2.14748E9" units="cm"/>
+          <inkml:channel name="Y" type="integer" min="-2.14748E9" max="2.14748E9" units="cm"/>
+          <inkml:channel name="F" type="integer" max="32767" units="dev"/>
+        </inkml:traceFormat>
+        <inkml:channelProperties>
+          <inkml:channelProperty channel="X" name="resolution" value="1000" units="1/cm"/>
+          <inkml:channelProperty channel="Y" name="resolution" value="1000" units="1/cm"/>
+          <inkml:channelProperty channel="F" name="resolution" value="0" units="1/dev"/>
+        </inkml:channelProperties>
+      </inkml:inkSource>
+      <inkml:timestamp xml:id="ts0" timeString="2023-05-29T07:24:56.491"/>
+    </inkml:context>
+    <inkml:brush xml:id="br0">
+      <inkml:brushProperty name="width" value="0.1" units="cm"/>
+      <inkml:brushProperty name="height" value="0.1" units="cm"/>
+      <inkml:brushProperty name="color" value="#AE198D"/>
+      <inkml:brushProperty name="inkEffects" value="galaxy"/>
+      <inkml:brushProperty name="anchorX" value="-29223.93945"/>
+      <inkml:brushProperty name="anchorY" value="-29178.53906"/>
+      <inkml:brushProperty name="scaleFactor" value="0.5"/>
+    </inkml:brush>
+  </inkml:definitions>
+  <inkml:trace contextRef="#ctx0" brushRef="#br0">0 1 24575,'0'0'0</inkml:trace>
+</inkml:ink>
+</file>
+
+<file path=ppt/ink/ink55.xml><?xml version="1.0" encoding="utf-8"?>
+<inkml:ink xmlns:inkml="http://www.w3.org/2003/InkML">
+  <inkml:definitions>
+    <inkml:context xml:id="ctx0">
+      <inkml:inkSource xml:id="inkSrc0">
+        <inkml:traceFormat>
+          <inkml:channel name="X" type="integer" min="-2.14748E9" max="2.14748E9" units="cm"/>
+          <inkml:channel name="Y" type="integer" min="-2.14748E9" max="2.14748E9" units="cm"/>
+          <inkml:channel name="F" type="integer" max="32767" units="dev"/>
+        </inkml:traceFormat>
+        <inkml:channelProperties>
+          <inkml:channelProperty channel="X" name="resolution" value="1000" units="1/cm"/>
+          <inkml:channelProperty channel="Y" name="resolution" value="1000" units="1/cm"/>
+          <inkml:channelProperty channel="F" name="resolution" value="0" units="1/dev"/>
+        </inkml:channelProperties>
+      </inkml:inkSource>
+      <inkml:timestamp xml:id="ts0" timeString="2023-05-29T07:24:56.939"/>
+    </inkml:context>
+    <inkml:brush xml:id="br0">
+      <inkml:brushProperty name="width" value="0.1" units="cm"/>
+      <inkml:brushProperty name="height" value="0.1" units="cm"/>
+      <inkml:brushProperty name="color" value="#AE198D"/>
+      <inkml:brushProperty name="inkEffects" value="galaxy"/>
+      <inkml:brushProperty name="anchorX" value="-30493.94141"/>
+      <inkml:brushProperty name="anchorY" value="-30448.53906"/>
+      <inkml:brushProperty name="scaleFactor" value="0.5"/>
+    </inkml:brush>
+  </inkml:definitions>
+  <inkml:trace contextRef="#ctx0" brushRef="#br0">0 0 24575,'0'0'0</inkml:trace>
+</inkml:ink>
+</file>
+
+<file path=ppt/ink/ink56.xml><?xml version="1.0" encoding="utf-8"?>
+<inkml:ink xmlns:inkml="http://www.w3.org/2003/InkML">
+  <inkml:definitions>
+    <inkml:context xml:id="ctx0">
+      <inkml:inkSource xml:id="inkSrc0">
+        <inkml:traceFormat>
+          <inkml:channel name="X" type="integer" min="-2.14748E9" max="2.14748E9" units="cm"/>
+          <inkml:channel name="Y" type="integer" min="-2.14748E9" max="2.14748E9" units="cm"/>
+          <inkml:channel name="F" type="integer" max="32767" units="dev"/>
+        </inkml:traceFormat>
+        <inkml:channelProperties>
+          <inkml:channelProperty channel="X" name="resolution" value="1000" units="1/cm"/>
+          <inkml:channelProperty channel="Y" name="resolution" value="1000" units="1/cm"/>
+          <inkml:channelProperty channel="F" name="resolution" value="0" units="1/dev"/>
+        </inkml:channelProperties>
+      </inkml:inkSource>
+      <inkml:timestamp xml:id="ts0" timeString="2023-05-29T07:24:57.465"/>
+    </inkml:context>
+    <inkml:brush xml:id="br0">
+      <inkml:brushProperty name="width" value="0.1" units="cm"/>
+      <inkml:brushProperty name="height" value="0.1" units="cm"/>
+      <inkml:brushProperty name="color" value="#AE198D"/>
+      <inkml:brushProperty name="inkEffects" value="galaxy"/>
+      <inkml:brushProperty name="anchorX" value="-31763.94141"/>
+      <inkml:brushProperty name="anchorY" value="-31718.53906"/>
+      <inkml:brushProperty name="scaleFactor" value="0.5"/>
+    </inkml:brush>
+  </inkml:definitions>
+  <inkml:trace contextRef="#ctx0" brushRef="#br0">1 1 24575,'0'0'0</inkml:trace>
+</inkml:ink>
+</file>
+
+<file path=ppt/ink/ink57.xml><?xml version="1.0" encoding="utf-8"?>
+<inkml:ink xmlns:inkml="http://www.w3.org/2003/InkML">
+  <inkml:definitions>
+    <inkml:context xml:id="ctx0">
+      <inkml:inkSource xml:id="inkSrc0">
+        <inkml:traceFormat>
+          <inkml:channel name="X" type="integer" min="-2.14748E9" max="2.14748E9" units="cm"/>
+          <inkml:channel name="Y" type="integer" min="-2.14748E9" max="2.14748E9" units="cm"/>
+          <inkml:channel name="F" type="integer" max="32767" units="dev"/>
+        </inkml:traceFormat>
+        <inkml:channelProperties>
+          <inkml:channelProperty channel="X" name="resolution" value="1000" units="1/cm"/>
+          <inkml:channelProperty channel="Y" name="resolution" value="1000" units="1/cm"/>
+          <inkml:channelProperty channel="F" name="resolution" value="0" units="1/dev"/>
+        </inkml:channelProperties>
+      </inkml:inkSource>
+      <inkml:timestamp xml:id="ts0" timeString="2023-05-29T07:24:57.935"/>
+    </inkml:context>
+    <inkml:brush xml:id="br0">
+      <inkml:brushProperty name="width" value="0.1" units="cm"/>
+      <inkml:brushProperty name="height" value="0.1" units="cm"/>
+      <inkml:brushProperty name="color" value="#AE198D"/>
+      <inkml:brushProperty name="inkEffects" value="galaxy"/>
+      <inkml:brushProperty name="anchorX" value="-33033.94141"/>
+      <inkml:brushProperty name="anchorY" value="-32988.53906"/>
+      <inkml:brushProperty name="scaleFactor" value="0.5"/>
+    </inkml:brush>
+  </inkml:definitions>
+  <inkml:trace contextRef="#ctx0" brushRef="#br0">0 0 24575,'0'0'0</inkml:trace>
+</inkml:ink>
+</file>
+
+<file path=ppt/ink/ink58.xml><?xml version="1.0" encoding="utf-8"?>
+<inkml:ink xmlns:inkml="http://www.w3.org/2003/InkML">
+  <inkml:definitions>
+    <inkml:context xml:id="ctx0">
+      <inkml:inkSource xml:id="inkSrc0">
+        <inkml:traceFormat>
+          <inkml:channel name="X" type="integer" min="-2.14748E9" max="2.14748E9" units="cm"/>
+          <inkml:channel name="Y" type="integer" min="-2.14748E9" max="2.14748E9" units="cm"/>
+          <inkml:channel name="F" type="integer" max="32767" units="dev"/>
+        </inkml:traceFormat>
+        <inkml:channelProperties>
+          <inkml:channelProperty channel="X" name="resolution" value="1000" units="1/cm"/>
+          <inkml:channelProperty channel="Y" name="resolution" value="1000" units="1/cm"/>
+          <inkml:channelProperty channel="F" name="resolution" value="0" units="1/dev"/>
+        </inkml:channelProperties>
+      </inkml:inkSource>
+      <inkml:timestamp xml:id="ts0" timeString="2023-05-29T07:24:58.471"/>
+    </inkml:context>
+    <inkml:brush xml:id="br0">
+      <inkml:brushProperty name="width" value="0.1" units="cm"/>
+      <inkml:brushProperty name="height" value="0.1" units="cm"/>
+      <inkml:brushProperty name="color" value="#AE198D"/>
+      <inkml:brushProperty name="inkEffects" value="galaxy"/>
+      <inkml:brushProperty name="anchorX" value="-34303.94141"/>
+      <inkml:brushProperty name="anchorY" value="-34258.53906"/>
+      <inkml:brushProperty name="scaleFactor" value="0.5"/>
+    </inkml:brush>
+  </inkml:definitions>
+  <inkml:trace contextRef="#ctx0" brushRef="#br0">0 1 24575,'0'0'0</inkml:trace>
+</inkml:ink>
+</file>
+
+<file path=ppt/ink/ink59.xml><?xml version="1.0" encoding="utf-8"?>
+<inkml:ink xmlns:inkml="http://www.w3.org/2003/InkML">
+  <inkml:definitions>
+    <inkml:context xml:id="ctx0">
+      <inkml:inkSource xml:id="inkSrc0">
+        <inkml:traceFormat>
+          <inkml:channel name="X" type="integer" min="-2.14748E9" max="2.14748E9" units="cm"/>
+          <inkml:channel name="Y" type="integer" min="-2.14748E9" max="2.14748E9" units="cm"/>
+          <inkml:channel name="F" type="integer" max="32767" units="dev"/>
+        </inkml:traceFormat>
+        <inkml:channelProperties>
+          <inkml:channelProperty channel="X" name="resolution" value="1000" units="1/cm"/>
+          <inkml:channelProperty channel="Y" name="resolution" value="1000" units="1/cm"/>
+          <inkml:channelProperty channel="F" name="resolution" value="0" units="1/dev"/>
+        </inkml:channelProperties>
+      </inkml:inkSource>
+      <inkml:timestamp xml:id="ts0" timeString="2023-05-29T07:24:58.924"/>
+    </inkml:context>
+    <inkml:brush xml:id="br0">
+      <inkml:brushProperty name="width" value="0.1" units="cm"/>
+      <inkml:brushProperty name="height" value="0.1" units="cm"/>
+      <inkml:brushProperty name="color" value="#AE198D"/>
+      <inkml:brushProperty name="inkEffects" value="galaxy"/>
+      <inkml:brushProperty name="anchorX" value="-35573.94141"/>
+      <inkml:brushProperty name="anchorY" value="-35528.53906"/>
+      <inkml:brushProperty name="scaleFactor" value="0.5"/>
+    </inkml:brush>
+  </inkml:definitions>
+  <inkml:trace contextRef="#ctx0" brushRef="#br0">0 0 24575,'0'0'0</inkml:trace>
+</inkml:ink>
+</file>
+
+<file path=ppt/ink/ink6.xml><?xml version="1.0" encoding="utf-8"?>
+<inkml:ink xmlns:inkml="http://www.w3.org/2003/InkML">
+  <inkml:definitions>
+    <inkml:context xml:id="ctx0">
+      <inkml:inkSource xml:id="inkSrc0">
+        <inkml:traceFormat>
+          <inkml:channel name="X" type="integer" min="-2.14748E9" max="2.14748E9" units="cm"/>
+          <inkml:channel name="Y" type="integer" min="-2.14748E9" max="2.14748E9" units="cm"/>
+          <inkml:channel name="F" type="integer" max="32767" units="dev"/>
+        </inkml:traceFormat>
+        <inkml:channelProperties>
+          <inkml:channelProperty channel="X" name="resolution" value="1000" units="1/cm"/>
+          <inkml:channelProperty channel="Y" name="resolution" value="1000" units="1/cm"/>
+          <inkml:channelProperty channel="F" name="resolution" value="0" units="1/dev"/>
+        </inkml:channelProperties>
+      </inkml:inkSource>
+      <inkml:timestamp xml:id="ts0" timeString="2023-05-29T07:23:59.316"/>
+    </inkml:context>
+    <inkml:brush xml:id="br0">
+      <inkml:brushProperty name="width" value="0.05" units="cm"/>
+      <inkml:brushProperty name="height" value="0.05" units="cm"/>
+      <inkml:brushProperty name="color" value="#E71224"/>
+    </inkml:brush>
+  </inkml:definitions>
+  <inkml:trace contextRef="#ctx0" brushRef="#br0">0 1 24575,'0'0'-8191</inkml:trace>
+</inkml:ink>
+</file>
+
+<file path=ppt/ink/ink60.xml><?xml version="1.0" encoding="utf-8"?>
+<inkml:ink xmlns:inkml="http://www.w3.org/2003/InkML">
+  <inkml:definitions>
+    <inkml:context xml:id="ctx0">
+      <inkml:inkSource xml:id="inkSrc0">
+        <inkml:traceFormat>
+          <inkml:channel name="X" type="integer" min="-2.14748E9" max="2.14748E9" units="cm"/>
+          <inkml:channel name="Y" type="integer" min="-2.14748E9" max="2.14748E9" units="cm"/>
+          <inkml:channel name="F" type="integer" max="32767" units="dev"/>
+        </inkml:traceFormat>
+        <inkml:channelProperties>
+          <inkml:channelProperty channel="X" name="resolution" value="1000" units="1/cm"/>
+          <inkml:channelProperty channel="Y" name="resolution" value="1000" units="1/cm"/>
+          <inkml:channelProperty channel="F" name="resolution" value="0" units="1/dev"/>
+        </inkml:channelProperties>
+      </inkml:inkSource>
+      <inkml:timestamp xml:id="ts0" timeString="2023-05-29T07:24:59.529"/>
+    </inkml:context>
+    <inkml:brush xml:id="br0">
+      <inkml:brushProperty name="width" value="0.1" units="cm"/>
+      <inkml:brushProperty name="height" value="0.1" units="cm"/>
+      <inkml:brushProperty name="color" value="#AE198D"/>
+      <inkml:brushProperty name="inkEffects" value="galaxy"/>
+      <inkml:brushProperty name="anchorX" value="-36843.94141"/>
+      <inkml:brushProperty name="anchorY" value="-36798.53906"/>
+      <inkml:brushProperty name="scaleFactor" value="0.5"/>
+    </inkml:brush>
+  </inkml:definitions>
+  <inkml:trace contextRef="#ctx0" brushRef="#br0">0 0 24575,'0'0'0</inkml:trace>
+</inkml:ink>
+</file>
+
+<file path=ppt/ink/ink61.xml><?xml version="1.0" encoding="utf-8"?>
+<inkml:ink xmlns:inkml="http://www.w3.org/2003/InkML">
+  <inkml:definitions>
+    <inkml:context xml:id="ctx0">
+      <inkml:inkSource xml:id="inkSrc0">
+        <inkml:traceFormat>
+          <inkml:channel name="X" type="integer" min="-2.14748E9" max="2.14748E9" units="cm"/>
+          <inkml:channel name="Y" type="integer" min="-2.14748E9" max="2.14748E9" units="cm"/>
+          <inkml:channel name="F" type="integer" max="32767" units="dev"/>
+        </inkml:traceFormat>
+        <inkml:channelProperties>
+          <inkml:channelProperty channel="X" name="resolution" value="1000" units="1/cm"/>
+          <inkml:channelProperty channel="Y" name="resolution" value="1000" units="1/cm"/>
+          <inkml:channelProperty channel="F" name="resolution" value="0" units="1/dev"/>
+        </inkml:channelProperties>
+      </inkml:inkSource>
+      <inkml:timestamp xml:id="ts0" timeString="2023-05-29T07:25:03.173"/>
+    </inkml:context>
+    <inkml:brush xml:id="br0">
+      <inkml:brushProperty name="width" value="0.05" units="cm"/>
+      <inkml:brushProperty name="height" value="0.05" units="cm"/>
+      <inkml:brushProperty name="color" value="#E71224"/>
+    </inkml:brush>
+  </inkml:definitions>
+  <inkml:trace contextRef="#ctx0" brushRef="#br0">0 0 24575,'0'0'-8191</inkml:trace>
+</inkml:ink>
+</file>
+
+<file path=ppt/ink/ink62.xml><?xml version="1.0" encoding="utf-8"?>
+<inkml:ink xmlns:inkml="http://www.w3.org/2003/InkML">
+  <inkml:definitions>
+    <inkml:context xml:id="ctx0">
+      <inkml:inkSource xml:id="inkSrc0">
+        <inkml:traceFormat>
+          <inkml:channel name="X" type="integer" min="-2.14748E9" max="2.14748E9" units="cm"/>
+          <inkml:channel name="Y" type="integer" min="-2.14748E9" max="2.14748E9" units="cm"/>
+          <inkml:channel name="F" type="integer" max="32767" units="dev"/>
+        </inkml:traceFormat>
+        <inkml:channelProperties>
+          <inkml:channelProperty channel="X" name="resolution" value="1000" units="1/cm"/>
+          <inkml:channelProperty channel="Y" name="resolution" value="1000" units="1/cm"/>
+          <inkml:channelProperty channel="F" name="resolution" value="0" units="1/dev"/>
+        </inkml:channelProperties>
+      </inkml:inkSource>
+      <inkml:timestamp xml:id="ts0" timeString="2023-05-29T07:25:03.661"/>
+    </inkml:context>
+    <inkml:brush xml:id="br0">
+      <inkml:brushProperty name="width" value="0.05" units="cm"/>
+      <inkml:brushProperty name="height" value="0.05" units="cm"/>
+      <inkml:brushProperty name="color" value="#E71224"/>
+    </inkml:brush>
+  </inkml:definitions>
+  <inkml:trace contextRef="#ctx0" brushRef="#br0">1 1 24575,'0'0'-8191</inkml:trace>
+</inkml:ink>
+</file>
+
+<file path=ppt/ink/ink63.xml><?xml version="1.0" encoding="utf-8"?>
+<inkml:ink xmlns:inkml="http://www.w3.org/2003/InkML">
+  <inkml:definitions>
+    <inkml:context xml:id="ctx0">
+      <inkml:inkSource xml:id="inkSrc0">
+        <inkml:traceFormat>
+          <inkml:channel name="X" type="integer" min="-2.14748E9" max="2.14748E9" units="cm"/>
+          <inkml:channel name="Y" type="integer" min="-2.14748E9" max="2.14748E9" units="cm"/>
+          <inkml:channel name="F" type="integer" max="32767" units="dev"/>
+        </inkml:traceFormat>
+        <inkml:channelProperties>
+          <inkml:channelProperty channel="X" name="resolution" value="1000" units="1/cm"/>
+          <inkml:channelProperty channel="Y" name="resolution" value="1000" units="1/cm"/>
+          <inkml:channelProperty channel="F" name="resolution" value="0" units="1/dev"/>
+        </inkml:channelProperties>
+      </inkml:inkSource>
+      <inkml:timestamp xml:id="ts0" timeString="2023-05-29T07:25:04.415"/>
+    </inkml:context>
+    <inkml:brush xml:id="br0">
+      <inkml:brushProperty name="width" value="0.05" units="cm"/>
+      <inkml:brushProperty name="height" value="0.05" units="cm"/>
+      <inkml:brushProperty name="color" value="#E71224"/>
+    </inkml:brush>
+  </inkml:definitions>
+  <inkml:trace contextRef="#ctx0" brushRef="#br0">0 0 24575,'0'0'-8191</inkml:trace>
+</inkml:ink>
+</file>
+
+<file path=ppt/ink/ink64.xml><?xml version="1.0" encoding="utf-8"?>
+<inkml:ink xmlns:inkml="http://www.w3.org/2003/InkML">
+  <inkml:definitions>
+    <inkml:context xml:id="ctx0">
+      <inkml:inkSource xml:id="inkSrc0">
+        <inkml:traceFormat>
+          <inkml:channel name="X" type="integer" min="-2.14748E9" max="2.14748E9" units="cm"/>
+          <inkml:channel name="Y" type="integer" min="-2.14748E9" max="2.14748E9" units="cm"/>
+          <inkml:channel name="F" type="integer" max="32767" units="dev"/>
+        </inkml:traceFormat>
+        <inkml:channelProperties>
+          <inkml:channelProperty channel="X" name="resolution" value="1000" units="1/cm"/>
+          <inkml:channelProperty channel="Y" name="resolution" value="1000" units="1/cm"/>
+          <inkml:channelProperty channel="F" name="resolution" value="0" units="1/dev"/>
+        </inkml:channelProperties>
+      </inkml:inkSource>
+      <inkml:timestamp xml:id="ts0" timeString="2023-05-29T07:25:05.139"/>
+    </inkml:context>
+    <inkml:brush xml:id="br0">
+      <inkml:brushProperty name="width" value="0.05" units="cm"/>
+      <inkml:brushProperty name="height" value="0.05" units="cm"/>
+      <inkml:brushProperty name="color" value="#E71224"/>
+    </inkml:brush>
+  </inkml:definitions>
+  <inkml:trace contextRef="#ctx0" brushRef="#br0">1 1 24575,'0'0'-8191</inkml:trace>
+</inkml:ink>
+</file>
+
+<file path=ppt/ink/ink65.xml><?xml version="1.0" encoding="utf-8"?>
+<inkml:ink xmlns:inkml="http://www.w3.org/2003/InkML">
+  <inkml:definitions>
+    <inkml:context xml:id="ctx0">
+      <inkml:inkSource xml:id="inkSrc0">
+        <inkml:traceFormat>
+          <inkml:channel name="X" type="integer" min="-2.14748E9" max="2.14748E9" units="cm"/>
+          <inkml:channel name="Y" type="integer" min="-2.14748E9" max="2.14748E9" units="cm"/>
+          <inkml:channel name="F" type="integer" max="32767" units="dev"/>
+        </inkml:traceFormat>
+        <inkml:channelProperties>
+          <inkml:channelProperty channel="X" name="resolution" value="1000" units="1/cm"/>
+          <inkml:channelProperty channel="Y" name="resolution" value="1000" units="1/cm"/>
+          <inkml:channelProperty channel="F" name="resolution" value="0" units="1/dev"/>
+        </inkml:channelProperties>
+      </inkml:inkSource>
+      <inkml:timestamp xml:id="ts0" timeString="2023-05-29T07:25:05.973"/>
+    </inkml:context>
+    <inkml:brush xml:id="br0">
+      <inkml:brushProperty name="width" value="0.05" units="cm"/>
+      <inkml:brushProperty name="height" value="0.05" units="cm"/>
+      <inkml:brushProperty name="color" value="#E71224"/>
+    </inkml:brush>
+  </inkml:definitions>
+  <inkml:trace contextRef="#ctx0" brushRef="#br0">0 0 24575,'0'0'-8191</inkml:trace>
+</inkml:ink>
+</file>
+
+<file path=ppt/ink/ink66.xml><?xml version="1.0" encoding="utf-8"?>
+<inkml:ink xmlns:inkml="http://www.w3.org/2003/InkML">
+  <inkml:definitions>
+    <inkml:context xml:id="ctx0">
+      <inkml:inkSource xml:id="inkSrc0">
+        <inkml:traceFormat>
+          <inkml:channel name="X" type="integer" min="-2.14748E9" max="2.14748E9" units="cm"/>
+          <inkml:channel name="Y" type="integer" min="-2.14748E9" max="2.14748E9" units="cm"/>
+          <inkml:channel name="F" type="integer" max="32767" units="dev"/>
+        </inkml:traceFormat>
+        <inkml:channelProperties>
+          <inkml:channelProperty channel="X" name="resolution" value="1000" units="1/cm"/>
+          <inkml:channelProperty channel="Y" name="resolution" value="1000" units="1/cm"/>
+          <inkml:channelProperty channel="F" name="resolution" value="0" units="1/dev"/>
+        </inkml:channelProperties>
+      </inkml:inkSource>
+      <inkml:timestamp xml:id="ts0" timeString="2023-05-29T07:25:06.774"/>
+    </inkml:context>
+    <inkml:brush xml:id="br0">
+      <inkml:brushProperty name="width" value="0.05" units="cm"/>
+      <inkml:brushProperty name="height" value="0.05" units="cm"/>
+      <inkml:brushProperty name="color" value="#E71224"/>
+    </inkml:brush>
+  </inkml:definitions>
+  <inkml:trace contextRef="#ctx0" brushRef="#br0">0 0 24575,'0'0'-8191</inkml:trace>
+</inkml:ink>
+</file>
+
+<file path=ppt/ink/ink67.xml><?xml version="1.0" encoding="utf-8"?>
+<inkml:ink xmlns:inkml="http://www.w3.org/2003/InkML">
+  <inkml:definitions>
+    <inkml:context xml:id="ctx0">
+      <inkml:inkSource xml:id="inkSrc0">
+        <inkml:traceFormat>
+          <inkml:channel name="X" type="integer" min="-2.14748E9" max="2.14748E9" units="cm"/>
+          <inkml:channel name="Y" type="integer" min="-2.14748E9" max="2.14748E9" units="cm"/>
+          <inkml:channel name="F" type="integer" max="32767" units="dev"/>
+        </inkml:traceFormat>
+        <inkml:channelProperties>
+          <inkml:channelProperty channel="X" name="resolution" value="1000" units="1/cm"/>
+          <inkml:channelProperty channel="Y" name="resolution" value="1000" units="1/cm"/>
+          <inkml:channelProperty channel="F" name="resolution" value="0" units="1/dev"/>
+        </inkml:channelProperties>
+      </inkml:inkSource>
+      <inkml:timestamp xml:id="ts0" timeString="2023-05-29T07:25:07.436"/>
+    </inkml:context>
+    <inkml:brush xml:id="br0">
+      <inkml:brushProperty name="width" value="0.05" units="cm"/>
+      <inkml:brushProperty name="height" value="0.05" units="cm"/>
+      <inkml:brushProperty name="color" value="#E71224"/>
+    </inkml:brush>
+  </inkml:definitions>
+  <inkml:trace contextRef="#ctx0" brushRef="#br0">0 0 24575,'0'0'-8191</inkml:trace>
+</inkml:ink>
+</file>
+
+<file path=ppt/ink/ink68.xml><?xml version="1.0" encoding="utf-8"?>
+<inkml:ink xmlns:inkml="http://www.w3.org/2003/InkML">
+  <inkml:definitions>
+    <inkml:context xml:id="ctx0">
+      <inkml:inkSource xml:id="inkSrc0">
+        <inkml:traceFormat>
+          <inkml:channel name="X" type="integer" min="-2.14748E9" max="2.14748E9" units="cm"/>
+          <inkml:channel name="Y" type="integer" min="-2.14748E9" max="2.14748E9" units="cm"/>
+          <inkml:channel name="F" type="integer" max="32767" units="dev"/>
+        </inkml:traceFormat>
+        <inkml:channelProperties>
+          <inkml:channelProperty channel="X" name="resolution" value="1000" units="1/cm"/>
+          <inkml:channelProperty channel="Y" name="resolution" value="1000" units="1/cm"/>
+          <inkml:channelProperty channel="F" name="resolution" value="0" units="1/dev"/>
+        </inkml:channelProperties>
+      </inkml:inkSource>
+      <inkml:timestamp xml:id="ts0" timeString="2023-05-29T07:25:08.054"/>
+    </inkml:context>
+    <inkml:brush xml:id="br0">
+      <inkml:brushProperty name="width" value="0.05" units="cm"/>
+      <inkml:brushProperty name="height" value="0.05" units="cm"/>
+      <inkml:brushProperty name="color" value="#E71224"/>
+    </inkml:brush>
+  </inkml:definitions>
+  <inkml:trace contextRef="#ctx0" brushRef="#br0">1 1 24575,'0'0'-8191</inkml:trace>
+</inkml:ink>
+</file>
+
+<file path=ppt/ink/ink69.xml><?xml version="1.0" encoding="utf-8"?>
+<inkml:ink xmlns:inkml="http://www.w3.org/2003/InkML">
+  <inkml:definitions>
+    <inkml:context xml:id="ctx0">
+      <inkml:inkSource xml:id="inkSrc0">
+        <inkml:traceFormat>
+          <inkml:channel name="X" type="integer" min="-2.14748E9" max="2.14748E9" units="cm"/>
+          <inkml:channel name="Y" type="integer" min="-2.14748E9" max="2.14748E9" units="cm"/>
+          <inkml:channel name="F" type="integer" max="32767" units="dev"/>
+        </inkml:traceFormat>
+        <inkml:channelProperties>
+          <inkml:channelProperty channel="X" name="resolution" value="1000" units="1/cm"/>
+          <inkml:channelProperty channel="Y" name="resolution" value="1000" units="1/cm"/>
+          <inkml:channelProperty channel="F" name="resolution" value="0" units="1/dev"/>
+        </inkml:channelProperties>
+      </inkml:inkSource>
+      <inkml:timestamp xml:id="ts0" timeString="2023-05-29T07:25:08.589"/>
+    </inkml:context>
+    <inkml:brush xml:id="br0">
+      <inkml:brushProperty name="width" value="0.05" units="cm"/>
+      <inkml:brushProperty name="height" value="0.05" units="cm"/>
+      <inkml:brushProperty name="color" value="#E71224"/>
+    </inkml:brush>
+  </inkml:definitions>
+  <inkml:trace contextRef="#ctx0" brushRef="#br0">1 0 24575,'0'0'-8191</inkml:trace>
+</inkml:ink>
+</file>
+
+<file path=ppt/ink/ink7.xml><?xml version="1.0" encoding="utf-8"?>
+<inkml:ink xmlns:inkml="http://www.w3.org/2003/InkML">
+  <inkml:definitions>
+    <inkml:context xml:id="ctx0">
+      <inkml:inkSource xml:id="inkSrc0">
+        <inkml:traceFormat>
+          <inkml:channel name="X" type="integer" min="-2.14748E9" max="2.14748E9" units="cm"/>
+          <inkml:channel name="Y" type="integer" min="-2.14748E9" max="2.14748E9" units="cm"/>
+          <inkml:channel name="F" type="integer" max="32767" units="dev"/>
+        </inkml:traceFormat>
+        <inkml:channelProperties>
+          <inkml:channelProperty channel="X" name="resolution" value="1000" units="1/cm"/>
+          <inkml:channelProperty channel="Y" name="resolution" value="1000" units="1/cm"/>
+          <inkml:channelProperty channel="F" name="resolution" value="0" units="1/dev"/>
+        </inkml:channelProperties>
+      </inkml:inkSource>
+      <inkml:timestamp xml:id="ts0" timeString="2023-05-29T07:24:00.058"/>
+    </inkml:context>
+    <inkml:brush xml:id="br0">
+      <inkml:brushProperty name="width" value="0.05" units="cm"/>
+      <inkml:brushProperty name="height" value="0.05" units="cm"/>
+      <inkml:brushProperty name="color" value="#E71224"/>
+    </inkml:brush>
+  </inkml:definitions>
+  <inkml:trace contextRef="#ctx0" brushRef="#br0">1 0 24575,'0'0'-8191</inkml:trace>
+</inkml:ink>
+</file>
+
+<file path=ppt/ink/ink70.xml><?xml version="1.0" encoding="utf-8"?>
+<inkml:ink xmlns:inkml="http://www.w3.org/2003/InkML">
+  <inkml:definitions>
+    <inkml:context xml:id="ctx0">
+      <inkml:inkSource xml:id="inkSrc0">
+        <inkml:traceFormat>
+          <inkml:channel name="X" type="integer" min="-2.14748E9" max="2.14748E9" units="cm"/>
+          <inkml:channel name="Y" type="integer" min="-2.14748E9" max="2.14748E9" units="cm"/>
+          <inkml:channel name="F" type="integer" max="32767" units="dev"/>
+        </inkml:traceFormat>
+        <inkml:channelProperties>
+          <inkml:channelProperty channel="X" name="resolution" value="1000" units="1/cm"/>
+          <inkml:channelProperty channel="Y" name="resolution" value="1000" units="1/cm"/>
+          <inkml:channelProperty channel="F" name="resolution" value="0" units="1/dev"/>
+        </inkml:channelProperties>
+      </inkml:inkSource>
+      <inkml:timestamp xml:id="ts0" timeString="2023-05-29T07:25:09.188"/>
+    </inkml:context>
+    <inkml:brush xml:id="br0">
+      <inkml:brushProperty name="width" value="0.05" units="cm"/>
+      <inkml:brushProperty name="height" value="0.05" units="cm"/>
+      <inkml:brushProperty name="color" value="#E71224"/>
+    </inkml:brush>
+  </inkml:definitions>
+  <inkml:trace contextRef="#ctx0" brushRef="#br0">1 1 24575,'0'0'-8191</inkml:trace>
+</inkml:ink>
+</file>
+
+<file path=ppt/ink/ink71.xml><?xml version="1.0" encoding="utf-8"?>
+<inkml:ink xmlns:inkml="http://www.w3.org/2003/InkML">
+  <inkml:definitions>
+    <inkml:context xml:id="ctx0">
+      <inkml:inkSource xml:id="inkSrc0">
+        <inkml:traceFormat>
+          <inkml:channel name="X" type="integer" min="-2.14748E9" max="2.14748E9" units="cm"/>
+          <inkml:channel name="Y" type="integer" min="-2.14748E9" max="2.14748E9" units="cm"/>
+          <inkml:channel name="F" type="integer" max="32767" units="dev"/>
+        </inkml:traceFormat>
+        <inkml:channelProperties>
+          <inkml:channelProperty channel="X" name="resolution" value="1000" units="1/cm"/>
+          <inkml:channelProperty channel="Y" name="resolution" value="1000" units="1/cm"/>
+          <inkml:channelProperty channel="F" name="resolution" value="0" units="1/dev"/>
+        </inkml:channelProperties>
+      </inkml:inkSource>
+      <inkml:timestamp xml:id="ts0" timeString="2023-05-29T07:25:14.960"/>
+    </inkml:context>
+    <inkml:brush xml:id="br0">
+      <inkml:brushProperty name="width" value="0.1" units="cm"/>
+      <inkml:brushProperty name="height" value="0.1" units="cm"/>
+      <inkml:brushProperty name="color" value="#AE198D"/>
+      <inkml:brushProperty name="inkEffects" value="galaxy"/>
+      <inkml:brushProperty name="anchorX" value="-38113.94141"/>
+      <inkml:brushProperty name="anchorY" value="-38068.53906"/>
+      <inkml:brushProperty name="scaleFactor" value="0.5"/>
+    </inkml:brush>
+  </inkml:definitions>
+  <inkml:trace contextRef="#ctx0" brushRef="#br0">0 1 24575,'0'0'0</inkml:trace>
+</inkml:ink>
+</file>
+
+<file path=ppt/ink/ink72.xml><?xml version="1.0" encoding="utf-8"?>
+<inkml:ink xmlns:inkml="http://www.w3.org/2003/InkML">
+  <inkml:definitions>
+    <inkml:context xml:id="ctx0">
+      <inkml:inkSource xml:id="inkSrc0">
+        <inkml:traceFormat>
+          <inkml:channel name="X" type="integer" min="-2.14748E9" max="2.14748E9" units="cm"/>
+          <inkml:channel name="Y" type="integer" min="-2.14748E9" max="2.14748E9" units="cm"/>
+          <inkml:channel name="F" type="integer" max="32767" units="dev"/>
+        </inkml:traceFormat>
+        <inkml:channelProperties>
+          <inkml:channelProperty channel="X" name="resolution" value="1000" units="1/cm"/>
+          <inkml:channelProperty channel="Y" name="resolution" value="1000" units="1/cm"/>
+          <inkml:channelProperty channel="F" name="resolution" value="0" units="1/dev"/>
+        </inkml:channelProperties>
+      </inkml:inkSource>
+      <inkml:timestamp xml:id="ts0" timeString="2023-05-29T07:25:15.758"/>
+    </inkml:context>
+    <inkml:brush xml:id="br0">
+      <inkml:brushProperty name="width" value="0.1" units="cm"/>
+      <inkml:brushProperty name="height" value="0.1" units="cm"/>
+      <inkml:brushProperty name="color" value="#AE198D"/>
+      <inkml:brushProperty name="inkEffects" value="galaxy"/>
+      <inkml:brushProperty name="anchorX" value="-39383.94141"/>
+      <inkml:brushProperty name="anchorY" value="-39338.53906"/>
+      <inkml:brushProperty name="scaleFactor" value="0.5"/>
+    </inkml:brush>
+  </inkml:definitions>
+  <inkml:trace contextRef="#ctx0" brushRef="#br0">1 1 24575,'0'0'0</inkml:trace>
+</inkml:ink>
+</file>
+
+<file path=ppt/ink/ink73.xml><?xml version="1.0" encoding="utf-8"?>
+<inkml:ink xmlns:inkml="http://www.w3.org/2003/InkML">
+  <inkml:definitions>
+    <inkml:context xml:id="ctx0">
+      <inkml:inkSource xml:id="inkSrc0">
+        <inkml:traceFormat>
+          <inkml:channel name="X" type="integer" min="-2.14748E9" max="2.14748E9" units="cm"/>
+          <inkml:channel name="Y" type="integer" min="-2.14748E9" max="2.14748E9" units="cm"/>
+          <inkml:channel name="F" type="integer" max="32767" units="dev"/>
+        </inkml:traceFormat>
+        <inkml:channelProperties>
+          <inkml:channelProperty channel="X" name="resolution" value="1000" units="1/cm"/>
+          <inkml:channelProperty channel="Y" name="resolution" value="1000" units="1/cm"/>
+          <inkml:channelProperty channel="F" name="resolution" value="0" units="1/dev"/>
+        </inkml:channelProperties>
+      </inkml:inkSource>
+      <inkml:timestamp xml:id="ts0" timeString="2023-05-29T07:25:16.261"/>
+    </inkml:context>
+    <inkml:brush xml:id="br0">
+      <inkml:brushProperty name="width" value="0.1" units="cm"/>
+      <inkml:brushProperty name="height" value="0.1" units="cm"/>
+      <inkml:brushProperty name="color" value="#AE198D"/>
+      <inkml:brushProperty name="inkEffects" value="galaxy"/>
+      <inkml:brushProperty name="anchorX" value="-40653.94141"/>
+      <inkml:brushProperty name="anchorY" value="-40608.53906"/>
+      <inkml:brushProperty name="scaleFactor" value="0.5"/>
+    </inkml:brush>
+  </inkml:definitions>
+  <inkml:trace contextRef="#ctx0" brushRef="#br0">0 1 24575,'0'0'0</inkml:trace>
+</inkml:ink>
+</file>
+
+<file path=ppt/ink/ink74.xml><?xml version="1.0" encoding="utf-8"?>
+<inkml:ink xmlns:inkml="http://www.w3.org/2003/InkML">
+  <inkml:definitions>
+    <inkml:context xml:id="ctx0">
+      <inkml:inkSource xml:id="inkSrc0">
+        <inkml:traceFormat>
+          <inkml:channel name="X" type="integer" min="-2.14748E9" max="2.14748E9" units="cm"/>
+          <inkml:channel name="Y" type="integer" min="-2.14748E9" max="2.14748E9" units="cm"/>
+          <inkml:channel name="F" type="integer" max="32767" units="dev"/>
+        </inkml:traceFormat>
+        <inkml:channelProperties>
+          <inkml:channelProperty channel="X" name="resolution" value="1000" units="1/cm"/>
+          <inkml:channelProperty channel="Y" name="resolution" value="1000" units="1/cm"/>
+          <inkml:channelProperty channel="F" name="resolution" value="0" units="1/dev"/>
+        </inkml:channelProperties>
+      </inkml:inkSource>
+      <inkml:timestamp xml:id="ts0" timeString="2023-05-29T07:25:16.815"/>
+    </inkml:context>
+    <inkml:brush xml:id="br0">
+      <inkml:brushProperty name="width" value="0.1" units="cm"/>
+      <inkml:brushProperty name="height" value="0.1" units="cm"/>
+      <inkml:brushProperty name="color" value="#AE198D"/>
+      <inkml:brushProperty name="inkEffects" value="galaxy"/>
+      <inkml:brushProperty name="anchorX" value="-41923.94141"/>
+      <inkml:brushProperty name="anchorY" value="-41878.53906"/>
+      <inkml:brushProperty name="scaleFactor" value="0.5"/>
+    </inkml:brush>
+  </inkml:definitions>
+  <inkml:trace contextRef="#ctx0" brushRef="#br0">1 1 24575,'0'0'0</inkml:trace>
+</inkml:ink>
+</file>
+
+<file path=ppt/ink/ink75.xml><?xml version="1.0" encoding="utf-8"?>
+<inkml:ink xmlns:inkml="http://www.w3.org/2003/InkML">
+  <inkml:definitions>
+    <inkml:context xml:id="ctx0">
+      <inkml:inkSource xml:id="inkSrc0">
+        <inkml:traceFormat>
+          <inkml:channel name="X" type="integer" min="-2.14748E9" max="2.14748E9" units="cm"/>
+          <inkml:channel name="Y" type="integer" min="-2.14748E9" max="2.14748E9" units="cm"/>
+          <inkml:channel name="F" type="integer" max="32767" units="dev"/>
+        </inkml:traceFormat>
+        <inkml:channelProperties>
+          <inkml:channelProperty channel="X" name="resolution" value="1000" units="1/cm"/>
+          <inkml:channelProperty channel="Y" name="resolution" value="1000" units="1/cm"/>
+          <inkml:channelProperty channel="F" name="resolution" value="0" units="1/dev"/>
+        </inkml:channelProperties>
+      </inkml:inkSource>
+      <inkml:timestamp xml:id="ts0" timeString="2023-05-29T07:25:17.666"/>
+    </inkml:context>
+    <inkml:brush xml:id="br0">
+      <inkml:brushProperty name="width" value="0.1" units="cm"/>
+      <inkml:brushProperty name="height" value="0.1" units="cm"/>
+      <inkml:brushProperty name="color" value="#AE198D"/>
+      <inkml:brushProperty name="inkEffects" value="galaxy"/>
+      <inkml:brushProperty name="anchorX" value="-43193.94141"/>
+      <inkml:brushProperty name="anchorY" value="-43148.53906"/>
+      <inkml:brushProperty name="scaleFactor" value="0.5"/>
+    </inkml:brush>
+  </inkml:definitions>
+  <inkml:trace contextRef="#ctx0" brushRef="#br0">1 1 24575,'0'0'0</inkml:trace>
+</inkml:ink>
+</file>
+
+<file path=ppt/ink/ink76.xml><?xml version="1.0" encoding="utf-8"?>
+<inkml:ink xmlns:inkml="http://www.w3.org/2003/InkML">
+  <inkml:definitions>
+    <inkml:context xml:id="ctx0">
+      <inkml:inkSource xml:id="inkSrc0">
+        <inkml:traceFormat>
+          <inkml:channel name="X" type="integer" min="-2.14748E9" max="2.14748E9" units="cm"/>
+          <inkml:channel name="Y" type="integer" min="-2.14748E9" max="2.14748E9" units="cm"/>
+          <inkml:channel name="F" type="integer" max="32767" units="dev"/>
+        </inkml:traceFormat>
+        <inkml:channelProperties>
+          <inkml:channelProperty channel="X" name="resolution" value="1000" units="1/cm"/>
+          <inkml:channelProperty channel="Y" name="resolution" value="1000" units="1/cm"/>
+          <inkml:channelProperty channel="F" name="resolution" value="0" units="1/dev"/>
+        </inkml:channelProperties>
+      </inkml:inkSource>
+      <inkml:timestamp xml:id="ts0" timeString="2023-05-29T07:25:18.244"/>
+    </inkml:context>
+    <inkml:brush xml:id="br0">
+      <inkml:brushProperty name="width" value="0.1" units="cm"/>
+      <inkml:brushProperty name="height" value="0.1" units="cm"/>
+      <inkml:brushProperty name="color" value="#AE198D"/>
+      <inkml:brushProperty name="inkEffects" value="galaxy"/>
+      <inkml:brushProperty name="anchorX" value="-44463.94141"/>
+      <inkml:brushProperty name="anchorY" value="-44418.53906"/>
+      <inkml:brushProperty name="scaleFactor" value="0.5"/>
+    </inkml:brush>
+  </inkml:definitions>
+  <inkml:trace contextRef="#ctx0" brushRef="#br0">0 1 24575,'0'0'0</inkml:trace>
+</inkml:ink>
+</file>
+
+<file path=ppt/ink/ink77.xml><?xml version="1.0" encoding="utf-8"?>
+<inkml:ink xmlns:inkml="http://www.w3.org/2003/InkML">
+  <inkml:definitions>
+    <inkml:context xml:id="ctx0">
+      <inkml:inkSource xml:id="inkSrc0">
+        <inkml:traceFormat>
+          <inkml:channel name="X" type="integer" min="-2.14748E9" max="2.14748E9" units="cm"/>
+          <inkml:channel name="Y" type="integer" min="-2.14748E9" max="2.14748E9" units="cm"/>
+          <inkml:channel name="F" type="integer" max="32767" units="dev"/>
+        </inkml:traceFormat>
+        <inkml:channelProperties>
+          <inkml:channelProperty channel="X" name="resolution" value="1000" units="1/cm"/>
+          <inkml:channelProperty channel="Y" name="resolution" value="1000" units="1/cm"/>
+          <inkml:channelProperty channel="F" name="resolution" value="0" units="1/dev"/>
+        </inkml:channelProperties>
+      </inkml:inkSource>
+      <inkml:timestamp xml:id="ts0" timeString="2023-05-29T07:25:18.769"/>
+    </inkml:context>
+    <inkml:brush xml:id="br0">
+      <inkml:brushProperty name="width" value="0.1" units="cm"/>
+      <inkml:brushProperty name="height" value="0.1" units="cm"/>
+      <inkml:brushProperty name="color" value="#AE198D"/>
+      <inkml:brushProperty name="inkEffects" value="galaxy"/>
+      <inkml:brushProperty name="anchorX" value="-45733.94141"/>
+      <inkml:brushProperty name="anchorY" value="-45688.53906"/>
+      <inkml:brushProperty name="scaleFactor" value="0.5"/>
+    </inkml:brush>
+  </inkml:definitions>
+  <inkml:trace contextRef="#ctx0" brushRef="#br0">1 1 24575,'0'0'0</inkml:trace>
+</inkml:ink>
+</file>
+
+<file path=ppt/ink/ink78.xml><?xml version="1.0" encoding="utf-8"?>
+<inkml:ink xmlns:inkml="http://www.w3.org/2003/InkML">
+  <inkml:definitions>
+    <inkml:context xml:id="ctx0">
+      <inkml:inkSource xml:id="inkSrc0">
+        <inkml:traceFormat>
+          <inkml:channel name="X" type="integer" min="-2.14748E9" max="2.14748E9" units="cm"/>
+          <inkml:channel name="Y" type="integer" min="-2.14748E9" max="2.14748E9" units="cm"/>
+          <inkml:channel name="F" type="integer" max="32767" units="dev"/>
+        </inkml:traceFormat>
+        <inkml:channelProperties>
+          <inkml:channelProperty channel="X" name="resolution" value="1000" units="1/cm"/>
+          <inkml:channelProperty channel="Y" name="resolution" value="1000" units="1/cm"/>
+          <inkml:channelProperty channel="F" name="resolution" value="0" units="1/dev"/>
+        </inkml:channelProperties>
+      </inkml:inkSource>
+      <inkml:timestamp xml:id="ts0" timeString="2023-05-29T07:25:19.305"/>
+    </inkml:context>
+    <inkml:brush xml:id="br0">
+      <inkml:brushProperty name="width" value="0.1" units="cm"/>
+      <inkml:brushProperty name="height" value="0.1" units="cm"/>
+      <inkml:brushProperty name="color" value="#AE198D"/>
+      <inkml:brushProperty name="inkEffects" value="galaxy"/>
+      <inkml:brushProperty name="anchorX" value="-47003.94141"/>
+      <inkml:brushProperty name="anchorY" value="-46958.53906"/>
+      <inkml:brushProperty name="scaleFactor" value="0.5"/>
+    </inkml:brush>
+  </inkml:definitions>
+  <inkml:trace contextRef="#ctx0" brushRef="#br0">0 0 24575,'0'0'0</inkml:trace>
+</inkml:ink>
+</file>
+
+<file path=ppt/ink/ink79.xml><?xml version="1.0" encoding="utf-8"?>
+<inkml:ink xmlns:inkml="http://www.w3.org/2003/InkML">
+  <inkml:definitions>
+    <inkml:context xml:id="ctx0">
+      <inkml:inkSource xml:id="inkSrc0">
+        <inkml:traceFormat>
+          <inkml:channel name="X" type="integer" min="-2.14748E9" max="2.14748E9" units="cm"/>
+          <inkml:channel name="Y" type="integer" min="-2.14748E9" max="2.14748E9" units="cm"/>
+          <inkml:channel name="F" type="integer" max="32767" units="dev"/>
+        </inkml:traceFormat>
+        <inkml:channelProperties>
+          <inkml:channelProperty channel="X" name="resolution" value="1000" units="1/cm"/>
+          <inkml:channelProperty channel="Y" name="resolution" value="1000" units="1/cm"/>
+          <inkml:channelProperty channel="F" name="resolution" value="0" units="1/dev"/>
+        </inkml:channelProperties>
+      </inkml:inkSource>
+      <inkml:timestamp xml:id="ts0" timeString="2023-05-29T07:25:19.946"/>
+    </inkml:context>
+    <inkml:brush xml:id="br0">
+      <inkml:brushProperty name="width" value="0.1" units="cm"/>
+      <inkml:brushProperty name="height" value="0.1" units="cm"/>
+      <inkml:brushProperty name="color" value="#AE198D"/>
+      <inkml:brushProperty name="inkEffects" value="galaxy"/>
+      <inkml:brushProperty name="anchorX" value="-48273.94141"/>
+      <inkml:brushProperty name="anchorY" value="-48228.53906"/>
+      <inkml:brushProperty name="scaleFactor" value="0.5"/>
+    </inkml:brush>
+  </inkml:definitions>
+  <inkml:trace contextRef="#ctx0" brushRef="#br0">0 0 24575,'0'0'0</inkml:trace>
+</inkml:ink>
+</file>
+
+<file path=ppt/ink/ink8.xml><?xml version="1.0" encoding="utf-8"?>
+<inkml:ink xmlns:inkml="http://www.w3.org/2003/InkML">
+  <inkml:definitions>
+    <inkml:context xml:id="ctx0">
+      <inkml:inkSource xml:id="inkSrc0">
+        <inkml:traceFormat>
+          <inkml:channel name="X" type="integer" min="-2.14748E9" max="2.14748E9" units="cm"/>
+          <inkml:channel name="Y" type="integer" min="-2.14748E9" max="2.14748E9" units="cm"/>
+          <inkml:channel name="F" type="integer" max="32767" units="dev"/>
+        </inkml:traceFormat>
+        <inkml:channelProperties>
+          <inkml:channelProperty channel="X" name="resolution" value="1000" units="1/cm"/>
+          <inkml:channelProperty channel="Y" name="resolution" value="1000" units="1/cm"/>
+          <inkml:channelProperty channel="F" name="resolution" value="0" units="1/dev"/>
+        </inkml:channelProperties>
+      </inkml:inkSource>
+      <inkml:timestamp xml:id="ts0" timeString="2023-05-29T07:24:00.625"/>
+    </inkml:context>
+    <inkml:brush xml:id="br0">
+      <inkml:brushProperty name="width" value="0.05" units="cm"/>
+      <inkml:brushProperty name="height" value="0.05" units="cm"/>
+      <inkml:brushProperty name="color" value="#E71224"/>
+    </inkml:brush>
+  </inkml:definitions>
+  <inkml:trace contextRef="#ctx0" brushRef="#br0">0 0 24575,'0'0'-8191</inkml:trace>
+</inkml:ink>
+</file>
+
+<file path=ppt/ink/ink80.xml><?xml version="1.0" encoding="utf-8"?>
+<inkml:ink xmlns:inkml="http://www.w3.org/2003/InkML">
+  <inkml:definitions>
+    <inkml:context xml:id="ctx0">
+      <inkml:inkSource xml:id="inkSrc0">
+        <inkml:traceFormat>
+          <inkml:channel name="X" type="integer" min="-2.14748E9" max="2.14748E9" units="cm"/>
+          <inkml:channel name="Y" type="integer" min="-2.14748E9" max="2.14748E9" units="cm"/>
+          <inkml:channel name="F" type="integer" max="32767" units="dev"/>
+        </inkml:traceFormat>
+        <inkml:channelProperties>
+          <inkml:channelProperty channel="X" name="resolution" value="1000" units="1/cm"/>
+          <inkml:channelProperty channel="Y" name="resolution" value="1000" units="1/cm"/>
+          <inkml:channelProperty channel="F" name="resolution" value="0" units="1/dev"/>
+        </inkml:channelProperties>
+      </inkml:inkSource>
+      <inkml:timestamp xml:id="ts0" timeString="2023-05-29T07:25:20.646"/>
+    </inkml:context>
+    <inkml:brush xml:id="br0">
+      <inkml:brushProperty name="width" value="0.1" units="cm"/>
+      <inkml:brushProperty name="height" value="0.1" units="cm"/>
+      <inkml:brushProperty name="color" value="#AE198D"/>
+      <inkml:brushProperty name="inkEffects" value="galaxy"/>
+      <inkml:brushProperty name="anchorX" value="-49543.94141"/>
+      <inkml:brushProperty name="anchorY" value="-49498.53906"/>
+      <inkml:brushProperty name="scaleFactor" value="0.5"/>
+    </inkml:brush>
+  </inkml:definitions>
+  <inkml:trace contextRef="#ctx0" brushRef="#br0">1 1 24575,'0'0'0</inkml:trace>
+</inkml:ink>
+</file>
+
+<file path=ppt/ink/ink81.xml><?xml version="1.0" encoding="utf-8"?>
+<inkml:ink xmlns:inkml="http://www.w3.org/2003/InkML">
+  <inkml:definitions>
+    <inkml:context xml:id="ctx0">
+      <inkml:inkSource xml:id="inkSrc0">
+        <inkml:traceFormat>
+          <inkml:channel name="X" type="integer" min="-2.14748E9" max="2.14748E9" units="cm"/>
+          <inkml:channel name="Y" type="integer" min="-2.14748E9" max="2.14748E9" units="cm"/>
+          <inkml:channel name="F" type="integer" max="32767" units="dev"/>
+        </inkml:traceFormat>
+        <inkml:channelProperties>
+          <inkml:channelProperty channel="X" name="resolution" value="1000" units="1/cm"/>
+          <inkml:channelProperty channel="Y" name="resolution" value="1000" units="1/cm"/>
+          <inkml:channelProperty channel="F" name="resolution" value="0" units="1/dev"/>
+        </inkml:channelProperties>
+      </inkml:inkSource>
+      <inkml:timestamp xml:id="ts0" timeString="2023-05-29T07:25:28.052"/>
+    </inkml:context>
+    <inkml:brush xml:id="br0">
+      <inkml:brushProperty name="width" value="0.05" units="cm"/>
+      <inkml:brushProperty name="height" value="0.05" units="cm"/>
+      <inkml:brushProperty name="color" value="#E71224"/>
+    </inkml:brush>
+  </inkml:definitions>
+  <inkml:trace contextRef="#ctx0" brushRef="#br0">1 1 24575,'0'0'-8191</inkml:trace>
+</inkml:ink>
+</file>
+
+<file path=ppt/ink/ink82.xml><?xml version="1.0" encoding="utf-8"?>
+<inkml:ink xmlns:inkml="http://www.w3.org/2003/InkML">
+  <inkml:definitions>
+    <inkml:context xml:id="ctx0">
+      <inkml:inkSource xml:id="inkSrc0">
+        <inkml:traceFormat>
+          <inkml:channel name="X" type="integer" min="-2.14748E9" max="2.14748E9" units="cm"/>
+          <inkml:channel name="Y" type="integer" min="-2.14748E9" max="2.14748E9" units="cm"/>
+          <inkml:channel name="F" type="integer" max="32767" units="dev"/>
+        </inkml:traceFormat>
+        <inkml:channelProperties>
+          <inkml:channelProperty channel="X" name="resolution" value="1000" units="1/cm"/>
+          <inkml:channelProperty channel="Y" name="resolution" value="1000" units="1/cm"/>
+          <inkml:channelProperty channel="F" name="resolution" value="0" units="1/dev"/>
+        </inkml:channelProperties>
+      </inkml:inkSource>
+      <inkml:timestamp xml:id="ts0" timeString="2023-05-29T07:25:28.741"/>
+    </inkml:context>
+    <inkml:brush xml:id="br0">
+      <inkml:brushProperty name="width" value="0.05" units="cm"/>
+      <inkml:brushProperty name="height" value="0.05" units="cm"/>
+      <inkml:brushProperty name="color" value="#E71224"/>
+    </inkml:brush>
+  </inkml:definitions>
+  <inkml:trace contextRef="#ctx0" brushRef="#br0">0 1 24575,'3'0'0</inkml:trace>
+</inkml:ink>
+</file>
+
+<file path=ppt/ink/ink83.xml><?xml version="1.0" encoding="utf-8"?>
+<inkml:ink xmlns:inkml="http://www.w3.org/2003/InkML">
+  <inkml:definitions>
+    <inkml:context xml:id="ctx0">
+      <inkml:inkSource xml:id="inkSrc0">
+        <inkml:traceFormat>
+          <inkml:channel name="X" type="integer" min="-2.14748E9" max="2.14748E9" units="cm"/>
+          <inkml:channel name="Y" type="integer" min="-2.14748E9" max="2.14748E9" units="cm"/>
+          <inkml:channel name="F" type="integer" max="32767" units="dev"/>
+        </inkml:traceFormat>
+        <inkml:channelProperties>
+          <inkml:channelProperty channel="X" name="resolution" value="1000" units="1/cm"/>
+          <inkml:channelProperty channel="Y" name="resolution" value="1000" units="1/cm"/>
+          <inkml:channelProperty channel="F" name="resolution" value="0" units="1/dev"/>
+        </inkml:channelProperties>
+      </inkml:inkSource>
+      <inkml:timestamp xml:id="ts0" timeString="2023-05-29T07:25:29.321"/>
+    </inkml:context>
+    <inkml:brush xml:id="br0">
+      <inkml:brushProperty name="width" value="0.05" units="cm"/>
+      <inkml:brushProperty name="height" value="0.05" units="cm"/>
+      <inkml:brushProperty name="color" value="#E71224"/>
+    </inkml:brush>
+  </inkml:definitions>
+  <inkml:trace contextRef="#ctx0" brushRef="#br0">1 0 24575,'2'0'0</inkml:trace>
+</inkml:ink>
+</file>
+
+<file path=ppt/ink/ink84.xml><?xml version="1.0" encoding="utf-8"?>
+<inkml:ink xmlns:inkml="http://www.w3.org/2003/InkML">
+  <inkml:definitions>
+    <inkml:context xml:id="ctx0">
+      <inkml:inkSource xml:id="inkSrc0">
+        <inkml:traceFormat>
+          <inkml:channel name="X" type="integer" min="-2.14748E9" max="2.14748E9" units="cm"/>
+          <inkml:channel name="Y" type="integer" min="-2.14748E9" max="2.14748E9" units="cm"/>
+          <inkml:channel name="F" type="integer" max="32767" units="dev"/>
+        </inkml:traceFormat>
+        <inkml:channelProperties>
+          <inkml:channelProperty channel="X" name="resolution" value="1000" units="1/cm"/>
+          <inkml:channelProperty channel="Y" name="resolution" value="1000" units="1/cm"/>
+          <inkml:channelProperty channel="F" name="resolution" value="0" units="1/dev"/>
+        </inkml:channelProperties>
+      </inkml:inkSource>
+      <inkml:timestamp xml:id="ts0" timeString="2023-05-29T07:25:30.853"/>
+    </inkml:context>
+    <inkml:brush xml:id="br0">
+      <inkml:brushProperty name="width" value="0.05" units="cm"/>
+      <inkml:brushProperty name="height" value="0.05" units="cm"/>
+      <inkml:brushProperty name="color" value="#E71224"/>
+    </inkml:brush>
+  </inkml:definitions>
+  <inkml:trace contextRef="#ctx0" brushRef="#br0">0 0 24575,'0'0'-8191</inkml:trace>
+</inkml:ink>
+</file>
+
+<file path=ppt/ink/ink85.xml><?xml version="1.0" encoding="utf-8"?>
+<inkml:ink xmlns:inkml="http://www.w3.org/2003/InkML">
+  <inkml:definitions>
+    <inkml:context xml:id="ctx0">
+      <inkml:inkSource xml:id="inkSrc0">
+        <inkml:traceFormat>
+          <inkml:channel name="X" type="integer" min="-2.14748E9" max="2.14748E9" units="cm"/>
+          <inkml:channel name="Y" type="integer" min="-2.14748E9" max="2.14748E9" units="cm"/>
+          <inkml:channel name="F" type="integer" max="32767" units="dev"/>
+        </inkml:traceFormat>
+        <inkml:channelProperties>
+          <inkml:channelProperty channel="X" name="resolution" value="1000" units="1/cm"/>
+          <inkml:channelProperty channel="Y" name="resolution" value="1000" units="1/cm"/>
+          <inkml:channelProperty channel="F" name="resolution" value="0" units="1/dev"/>
+        </inkml:channelProperties>
+      </inkml:inkSource>
+      <inkml:timestamp xml:id="ts0" timeString="2023-05-29T07:25:31.559"/>
+    </inkml:context>
+    <inkml:brush xml:id="br0">
+      <inkml:brushProperty name="width" value="0.05" units="cm"/>
+      <inkml:brushProperty name="height" value="0.05" units="cm"/>
+      <inkml:brushProperty name="color" value="#E71224"/>
+    </inkml:brush>
+  </inkml:definitions>
+  <inkml:trace contextRef="#ctx0" brushRef="#br0">0 0 24575,'0'0'-8191</inkml:trace>
+</inkml:ink>
+</file>
+
+<file path=ppt/ink/ink86.xml><?xml version="1.0" encoding="utf-8"?>
+<inkml:ink xmlns:inkml="http://www.w3.org/2003/InkML">
+  <inkml:definitions>
+    <inkml:context xml:id="ctx0">
+      <inkml:inkSource xml:id="inkSrc0">
+        <inkml:traceFormat>
+          <inkml:channel name="X" type="integer" min="-2.14748E9" max="2.14748E9" units="cm"/>
+          <inkml:channel name="Y" type="integer" min="-2.14748E9" max="2.14748E9" units="cm"/>
+          <inkml:channel name="F" type="integer" max="32767" units="dev"/>
+        </inkml:traceFormat>
+        <inkml:channelProperties>
+          <inkml:channelProperty channel="X" name="resolution" value="1000" units="1/cm"/>
+          <inkml:channelProperty channel="Y" name="resolution" value="1000" units="1/cm"/>
+          <inkml:channelProperty channel="F" name="resolution" value="0" units="1/dev"/>
+        </inkml:channelProperties>
+      </inkml:inkSource>
+      <inkml:timestamp xml:id="ts0" timeString="2023-05-29T07:25:32.017"/>
+    </inkml:context>
+    <inkml:brush xml:id="br0">
+      <inkml:brushProperty name="width" value="0.05" units="cm"/>
+      <inkml:brushProperty name="height" value="0.05" units="cm"/>
+      <inkml:brushProperty name="color" value="#E71224"/>
+    </inkml:brush>
+  </inkml:definitions>
+  <inkml:trace contextRef="#ctx0" brushRef="#br0">1 1 24575,'0'0'-8191</inkml:trace>
+</inkml:ink>
+</file>
+
+<file path=ppt/ink/ink87.xml><?xml version="1.0" encoding="utf-8"?>
+<inkml:ink xmlns:inkml="http://www.w3.org/2003/InkML">
+  <inkml:definitions>
+    <inkml:context xml:id="ctx0">
+      <inkml:inkSource xml:id="inkSrc0">
+        <inkml:traceFormat>
+          <inkml:channel name="X" type="integer" min="-2.14748E9" max="2.14748E9" units="cm"/>
+          <inkml:channel name="Y" type="integer" min="-2.14748E9" max="2.14748E9" units="cm"/>
+          <inkml:channel name="F" type="integer" max="32767" units="dev"/>
+        </inkml:traceFormat>
+        <inkml:channelProperties>
+          <inkml:channelProperty channel="X" name="resolution" value="1000" units="1/cm"/>
+          <inkml:channelProperty channel="Y" name="resolution" value="1000" units="1/cm"/>
+          <inkml:channelProperty channel="F" name="resolution" value="0" units="1/dev"/>
+        </inkml:channelProperties>
+      </inkml:inkSource>
+      <inkml:timestamp xml:id="ts0" timeString="2023-05-29T07:25:32.475"/>
+    </inkml:context>
+    <inkml:brush xml:id="br0">
+      <inkml:brushProperty name="width" value="0.05" units="cm"/>
+      <inkml:brushProperty name="height" value="0.05" units="cm"/>
+      <inkml:brushProperty name="color" value="#E71224"/>
+    </inkml:brush>
+  </inkml:definitions>
+  <inkml:trace contextRef="#ctx0" brushRef="#br0">1 0 24575,'0'0'-8191</inkml:trace>
+</inkml:ink>
+</file>
+
+<file path=ppt/ink/ink88.xml><?xml version="1.0" encoding="utf-8"?>
+<inkml:ink xmlns:inkml="http://www.w3.org/2003/InkML">
+  <inkml:definitions>
+    <inkml:context xml:id="ctx0">
+      <inkml:inkSource xml:id="inkSrc0">
+        <inkml:traceFormat>
+          <inkml:channel name="X" type="integer" min="-2.14748E9" max="2.14748E9" units="cm"/>
+          <inkml:channel name="Y" type="integer" min="-2.14748E9" max="2.14748E9" units="cm"/>
+          <inkml:channel name="F" type="integer" max="32767" units="dev"/>
+        </inkml:traceFormat>
+        <inkml:channelProperties>
+          <inkml:channelProperty channel="X" name="resolution" value="1000" units="1/cm"/>
+          <inkml:channelProperty channel="Y" name="resolution" value="1000" units="1/cm"/>
+          <inkml:channelProperty channel="F" name="resolution" value="0" units="1/dev"/>
+        </inkml:channelProperties>
+      </inkml:inkSource>
+      <inkml:timestamp xml:id="ts0" timeString="2023-05-29T07:25:32.883"/>
+    </inkml:context>
+    <inkml:brush xml:id="br0">
+      <inkml:brushProperty name="width" value="0.05" units="cm"/>
+      <inkml:brushProperty name="height" value="0.05" units="cm"/>
+      <inkml:brushProperty name="color" value="#E71224"/>
+    </inkml:brush>
+  </inkml:definitions>
+  <inkml:trace contextRef="#ctx0" brushRef="#br0">1 1 24575,'0'0'-8191</inkml:trace>
+</inkml:ink>
+</file>
+
+<file path=ppt/ink/ink89.xml><?xml version="1.0" encoding="utf-8"?>
+<inkml:ink xmlns:inkml="http://www.w3.org/2003/InkML">
+  <inkml:definitions>
+    <inkml:context xml:id="ctx0">
+      <inkml:inkSource xml:id="inkSrc0">
+        <inkml:traceFormat>
+          <inkml:channel name="X" type="integer" min="-2.14748E9" max="2.14748E9" units="cm"/>
+          <inkml:channel name="Y" type="integer" min="-2.14748E9" max="2.14748E9" units="cm"/>
+          <inkml:channel name="F" type="integer" max="32767" units="dev"/>
+        </inkml:traceFormat>
+        <inkml:channelProperties>
+          <inkml:channelProperty channel="X" name="resolution" value="1000" units="1/cm"/>
+          <inkml:channelProperty channel="Y" name="resolution" value="1000" units="1/cm"/>
+          <inkml:channelProperty channel="F" name="resolution" value="0" units="1/dev"/>
+        </inkml:channelProperties>
+      </inkml:inkSource>
+      <inkml:timestamp xml:id="ts0" timeString="2023-05-29T07:25:37.431"/>
+    </inkml:context>
+    <inkml:brush xml:id="br0">
+      <inkml:brushProperty name="width" value="0.05" units="cm"/>
+      <inkml:brushProperty name="height" value="0.05" units="cm"/>
+      <inkml:brushProperty name="color" value="#E71224"/>
+    </inkml:brush>
+  </inkml:definitions>
+  <inkml:trace contextRef="#ctx0" brushRef="#br0">0 1 24575,'0'0'-8191</inkml:trace>
+</inkml:ink>
+</file>
+
+<file path=ppt/ink/ink9.xml><?xml version="1.0" encoding="utf-8"?>
+<inkml:ink xmlns:inkml="http://www.w3.org/2003/InkML">
+  <inkml:definitions>
+    <inkml:context xml:id="ctx0">
+      <inkml:inkSource xml:id="inkSrc0">
+        <inkml:traceFormat>
+          <inkml:channel name="X" type="integer" min="-2.14748E9" max="2.14748E9" units="cm"/>
+          <inkml:channel name="Y" type="integer" min="-2.14748E9" max="2.14748E9" units="cm"/>
+          <inkml:channel name="F" type="integer" max="32767" units="dev"/>
+        </inkml:traceFormat>
+        <inkml:channelProperties>
+          <inkml:channelProperty channel="X" name="resolution" value="1000" units="1/cm"/>
+          <inkml:channelProperty channel="Y" name="resolution" value="1000" units="1/cm"/>
+          <inkml:channelProperty channel="F" name="resolution" value="0" units="1/dev"/>
+        </inkml:channelProperties>
+      </inkml:inkSource>
+      <inkml:timestamp xml:id="ts0" timeString="2023-05-29T07:24:01.096"/>
+    </inkml:context>
+    <inkml:brush xml:id="br0">
+      <inkml:brushProperty name="width" value="0.05" units="cm"/>
+      <inkml:brushProperty name="height" value="0.05" units="cm"/>
+      <inkml:brushProperty name="color" value="#E71224"/>
+    </inkml:brush>
+  </inkml:definitions>
+  <inkml:trace contextRef="#ctx0" brushRef="#br0">0 0 24575,'0'0'-8191</inkml:trace>
+</inkml:ink>
+</file>
+
+<file path=ppt/ink/ink90.xml><?xml version="1.0" encoding="utf-8"?>
+<inkml:ink xmlns:inkml="http://www.w3.org/2003/InkML">
+  <inkml:definitions>
+    <inkml:context xml:id="ctx0">
+      <inkml:inkSource xml:id="inkSrc0">
+        <inkml:traceFormat>
+          <inkml:channel name="X" type="integer" min="-2.14748E9" max="2.14748E9" units="cm"/>
+          <inkml:channel name="Y" type="integer" min="-2.14748E9" max="2.14748E9" units="cm"/>
+          <inkml:channel name="F" type="integer" max="32767" units="dev"/>
+        </inkml:traceFormat>
+        <inkml:channelProperties>
+          <inkml:channelProperty channel="X" name="resolution" value="1000" units="1/cm"/>
+          <inkml:channelProperty channel="Y" name="resolution" value="1000" units="1/cm"/>
+          <inkml:channelProperty channel="F" name="resolution" value="0" units="1/dev"/>
+        </inkml:channelProperties>
+      </inkml:inkSource>
+      <inkml:timestamp xml:id="ts0" timeString="2023-05-29T07:25:38.138"/>
+    </inkml:context>
+    <inkml:brush xml:id="br0">
+      <inkml:brushProperty name="width" value="0.05" units="cm"/>
+      <inkml:brushProperty name="height" value="0.05" units="cm"/>
+      <inkml:brushProperty name="color" value="#E71224"/>
+    </inkml:brush>
+  </inkml:definitions>
+  <inkml:trace contextRef="#ctx0" brushRef="#br0">0 1 24575,'0'0'-8191</inkml:trace>
+</inkml:ink>
+</file>
+
+<file path=ppt/ink/ink91.xml><?xml version="1.0" encoding="utf-8"?>
+<inkml:ink xmlns:inkml="http://www.w3.org/2003/InkML">
+  <inkml:definitions>
+    <inkml:context xml:id="ctx0">
+      <inkml:inkSource xml:id="inkSrc0">
+        <inkml:traceFormat>
+          <inkml:channel name="X" type="integer" min="-2.14748E9" max="2.14748E9" units="cm"/>
+          <inkml:channel name="Y" type="integer" min="-2.14748E9" max="2.14748E9" units="cm"/>
+          <inkml:channel name="F" type="integer" max="32767" units="dev"/>
+        </inkml:traceFormat>
+        <inkml:channelProperties>
+          <inkml:channelProperty channel="X" name="resolution" value="1000" units="1/cm"/>
+          <inkml:channelProperty channel="Y" name="resolution" value="1000" units="1/cm"/>
+          <inkml:channelProperty channel="F" name="resolution" value="0" units="1/dev"/>
+        </inkml:channelProperties>
+      </inkml:inkSource>
+      <inkml:timestamp xml:id="ts0" timeString="2023-05-29T07:25:42.516"/>
+    </inkml:context>
+    <inkml:brush xml:id="br0">
+      <inkml:brushProperty name="width" value="0.1" units="cm"/>
+      <inkml:brushProperty name="height" value="0.1" units="cm"/>
+      <inkml:brushProperty name="color" value="#AE198D"/>
+      <inkml:brushProperty name="inkEffects" value="galaxy"/>
+      <inkml:brushProperty name="anchorX" value="-50813.94141"/>
+      <inkml:brushProperty name="anchorY" value="-50768.53906"/>
+      <inkml:brushProperty name="scaleFactor" value="0.5"/>
+    </inkml:brush>
+  </inkml:definitions>
+  <inkml:trace contextRef="#ctx0" brushRef="#br0">1 1 24575,'0'0'0</inkml:trace>
+</inkml:ink>
+</file>
+
+<file path=ppt/ink/ink92.xml><?xml version="1.0" encoding="utf-8"?>
+<inkml:ink xmlns:inkml="http://www.w3.org/2003/InkML">
+  <inkml:definitions>
+    <inkml:context xml:id="ctx0">
+      <inkml:inkSource xml:id="inkSrc0">
+        <inkml:traceFormat>
+          <inkml:channel name="X" type="integer" min="-2.14748E9" max="2.14748E9" units="cm"/>
+          <inkml:channel name="Y" type="integer" min="-2.14748E9" max="2.14748E9" units="cm"/>
+          <inkml:channel name="F" type="integer" max="32767" units="dev"/>
+        </inkml:traceFormat>
+        <inkml:channelProperties>
+          <inkml:channelProperty channel="X" name="resolution" value="1000" units="1/cm"/>
+          <inkml:channelProperty channel="Y" name="resolution" value="1000" units="1/cm"/>
+          <inkml:channelProperty channel="F" name="resolution" value="0" units="1/dev"/>
+        </inkml:channelProperties>
+      </inkml:inkSource>
+      <inkml:timestamp xml:id="ts0" timeString="2023-05-29T07:25:43.068"/>
+    </inkml:context>
+    <inkml:brush xml:id="br0">
+      <inkml:brushProperty name="width" value="0.1" units="cm"/>
+      <inkml:brushProperty name="height" value="0.1" units="cm"/>
+      <inkml:brushProperty name="color" value="#AE198D"/>
+      <inkml:brushProperty name="inkEffects" value="galaxy"/>
+      <inkml:brushProperty name="anchorX" value="-52083.94141"/>
+      <inkml:brushProperty name="anchorY" value="-52038.53906"/>
+      <inkml:brushProperty name="scaleFactor" value="0.5"/>
+    </inkml:brush>
+  </inkml:definitions>
+  <inkml:trace contextRef="#ctx0" brushRef="#br0">0 1 24575,'0'0'0</inkml:trace>
+</inkml:ink>
+</file>
+
+<file path=ppt/ink/ink93.xml><?xml version="1.0" encoding="utf-8"?>
+<inkml:ink xmlns:inkml="http://www.w3.org/2003/InkML">
+  <inkml:definitions>
+    <inkml:context xml:id="ctx0">
+      <inkml:inkSource xml:id="inkSrc0">
+        <inkml:traceFormat>
+          <inkml:channel name="X" type="integer" min="-2.14748E9" max="2.14748E9" units="cm"/>
+          <inkml:channel name="Y" type="integer" min="-2.14748E9" max="2.14748E9" units="cm"/>
+          <inkml:channel name="F" type="integer" max="32767" units="dev"/>
+        </inkml:traceFormat>
+        <inkml:channelProperties>
+          <inkml:channelProperty channel="X" name="resolution" value="1000" units="1/cm"/>
+          <inkml:channelProperty channel="Y" name="resolution" value="1000" units="1/cm"/>
+          <inkml:channelProperty channel="F" name="resolution" value="0" units="1/dev"/>
+        </inkml:channelProperties>
+      </inkml:inkSource>
+      <inkml:timestamp xml:id="ts0" timeString="2023-05-29T07:25:43.497"/>
+    </inkml:context>
+    <inkml:brush xml:id="br0">
+      <inkml:brushProperty name="width" value="0.1" units="cm"/>
+      <inkml:brushProperty name="height" value="0.1" units="cm"/>
+      <inkml:brushProperty name="color" value="#AE198D"/>
+      <inkml:brushProperty name="inkEffects" value="galaxy"/>
+      <inkml:brushProperty name="anchorX" value="-53353.94141"/>
+      <inkml:brushProperty name="anchorY" value="-53308.53906"/>
+      <inkml:brushProperty name="scaleFactor" value="0.5"/>
+    </inkml:brush>
+  </inkml:definitions>
+  <inkml:trace contextRef="#ctx0" brushRef="#br0">0 0 24575,'0'0'0,"3"0"0,1 4 0,0-1 0</inkml:trace>
+</inkml:ink>
+</file>
+
+<file path=ppt/ink/ink94.xml><?xml version="1.0" encoding="utf-8"?>
+<inkml:ink xmlns:inkml="http://www.w3.org/2003/InkML">
+  <inkml:definitions>
+    <inkml:context xml:id="ctx0">
+      <inkml:inkSource xml:id="inkSrc0">
+        <inkml:traceFormat>
+          <inkml:channel name="X" type="integer" min="-2.14748E9" max="2.14748E9" units="cm"/>
+          <inkml:channel name="Y" type="integer" min="-2.14748E9" max="2.14748E9" units="cm"/>
+          <inkml:channel name="F" type="integer" max="32767" units="dev"/>
+        </inkml:traceFormat>
+        <inkml:channelProperties>
+          <inkml:channelProperty channel="X" name="resolution" value="1000" units="1/cm"/>
+          <inkml:channelProperty channel="Y" name="resolution" value="1000" units="1/cm"/>
+          <inkml:channelProperty channel="F" name="resolution" value="0" units="1/dev"/>
+        </inkml:channelProperties>
+      </inkml:inkSource>
+      <inkml:timestamp xml:id="ts0" timeString="2023-05-29T07:25:43.969"/>
+    </inkml:context>
+    <inkml:brush xml:id="br0">
+      <inkml:brushProperty name="width" value="0.1" units="cm"/>
+      <inkml:brushProperty name="height" value="0.1" units="cm"/>
+      <inkml:brushProperty name="color" value="#AE198D"/>
+      <inkml:brushProperty name="inkEffects" value="galaxy"/>
+      <inkml:brushProperty name="anchorX" value="-54634.23047"/>
+      <inkml:brushProperty name="anchorY" value="-54585.37891"/>
+      <inkml:brushProperty name="scaleFactor" value="0.5"/>
+    </inkml:brush>
+  </inkml:definitions>
+  <inkml:trace contextRef="#ctx0" brushRef="#br0">0 0 24575,'0'0'0</inkml:trace>
+</inkml:ink>
+</file>
+
+<file path=ppt/ink/ink95.xml><?xml version="1.0" encoding="utf-8"?>
+<inkml:ink xmlns:inkml="http://www.w3.org/2003/InkML">
+  <inkml:definitions>
+    <inkml:context xml:id="ctx0">
+      <inkml:inkSource xml:id="inkSrc0">
+        <inkml:traceFormat>
+          <inkml:channel name="X" type="integer" min="-2.14748E9" max="2.14748E9" units="cm"/>
+          <inkml:channel name="Y" type="integer" min="-2.14748E9" max="2.14748E9" units="cm"/>
+          <inkml:channel name="F" type="integer" max="32767" units="dev"/>
+        </inkml:traceFormat>
+        <inkml:channelProperties>
+          <inkml:channelProperty channel="X" name="resolution" value="1000" units="1/cm"/>
+          <inkml:channelProperty channel="Y" name="resolution" value="1000" units="1/cm"/>
+          <inkml:channelProperty channel="F" name="resolution" value="0" units="1/dev"/>
+        </inkml:channelProperties>
+      </inkml:inkSource>
+      <inkml:timestamp xml:id="ts0" timeString="2023-05-29T07:25:44.486"/>
+    </inkml:context>
+    <inkml:brush xml:id="br0">
+      <inkml:brushProperty name="width" value="0.1" units="cm"/>
+      <inkml:brushProperty name="height" value="0.1" units="cm"/>
+      <inkml:brushProperty name="color" value="#AE198D"/>
+      <inkml:brushProperty name="inkEffects" value="galaxy"/>
+      <inkml:brushProperty name="anchorX" value="-55904.23047"/>
+      <inkml:brushProperty name="anchorY" value="-55855.37891"/>
+      <inkml:brushProperty name="scaleFactor" value="0.5"/>
+    </inkml:brush>
+  </inkml:definitions>
+  <inkml:trace contextRef="#ctx0" brushRef="#br0">1 1 24575,'0'0'0,"3"0"0,4 3 0,4 4 0,-1 0 0</inkml:trace>
+</inkml:ink>
+</file>
+
+<file path=ppt/ink/ink96.xml><?xml version="1.0" encoding="utf-8"?>
+<inkml:ink xmlns:inkml="http://www.w3.org/2003/InkML">
+  <inkml:definitions>
+    <inkml:context xml:id="ctx0">
+      <inkml:inkSource xml:id="inkSrc0">
+        <inkml:traceFormat>
+          <inkml:channel name="X" type="integer" min="-2.14748E9" max="2.14748E9" units="cm"/>
+          <inkml:channel name="Y" type="integer" min="-2.14748E9" max="2.14748E9" units="cm"/>
+          <inkml:channel name="F" type="integer" max="32767" units="dev"/>
+        </inkml:traceFormat>
+        <inkml:channelProperties>
+          <inkml:channelProperty channel="X" name="resolution" value="1000" units="1/cm"/>
+          <inkml:channelProperty channel="Y" name="resolution" value="1000" units="1/cm"/>
+          <inkml:channelProperty channel="F" name="resolution" value="0" units="1/dev"/>
+        </inkml:channelProperties>
+      </inkml:inkSource>
+      <inkml:timestamp xml:id="ts0" timeString="2023-05-29T07:25:44.968"/>
+    </inkml:context>
+    <inkml:brush xml:id="br0">
+      <inkml:brushProperty name="width" value="0.1" units="cm"/>
+      <inkml:brushProperty name="height" value="0.1" units="cm"/>
+      <inkml:brushProperty name="color" value="#AE198D"/>
+      <inkml:brushProperty name="inkEffects" value="galaxy"/>
+      <inkml:brushProperty name="anchorX" value="-57204.88281"/>
+      <inkml:brushProperty name="anchorY" value="-57142.90234"/>
+      <inkml:brushProperty name="scaleFactor" value="0.5"/>
+    </inkml:brush>
+  </inkml:definitions>
+  <inkml:trace contextRef="#ctx0" brushRef="#br0">1 0 24575,'0'0'0</inkml:trace>
+</inkml:ink>
+</file>
+
+<file path=ppt/ink/ink97.xml><?xml version="1.0" encoding="utf-8"?>
+<inkml:ink xmlns:inkml="http://www.w3.org/2003/InkML">
+  <inkml:definitions>
+    <inkml:context xml:id="ctx0">
+      <inkml:inkSource xml:id="inkSrc0">
+        <inkml:traceFormat>
+          <inkml:channel name="X" type="integer" min="-2.14748E9" max="2.14748E9" units="cm"/>
+          <inkml:channel name="Y" type="integer" min="-2.14748E9" max="2.14748E9" units="cm"/>
+          <inkml:channel name="F" type="integer" max="32767" units="dev"/>
+        </inkml:traceFormat>
+        <inkml:channelProperties>
+          <inkml:channelProperty channel="X" name="resolution" value="1000" units="1/cm"/>
+          <inkml:channelProperty channel="Y" name="resolution" value="1000" units="1/cm"/>
+          <inkml:channelProperty channel="F" name="resolution" value="0" units="1/dev"/>
+        </inkml:channelProperties>
+      </inkml:inkSource>
+      <inkml:timestamp xml:id="ts0" timeString="2023-05-29T07:25:45.435"/>
+    </inkml:context>
+    <inkml:brush xml:id="br0">
+      <inkml:brushProperty name="width" value="0.1" units="cm"/>
+      <inkml:brushProperty name="height" value="0.1" units="cm"/>
+      <inkml:brushProperty name="color" value="#AE198D"/>
+      <inkml:brushProperty name="inkEffects" value="galaxy"/>
+      <inkml:brushProperty name="anchorX" value="-58474.88281"/>
+      <inkml:brushProperty name="anchorY" value="-58412.90234"/>
+      <inkml:brushProperty name="scaleFactor" value="0.5"/>
+    </inkml:brush>
+  </inkml:definitions>
+  <inkml:trace contextRef="#ctx0" brushRef="#br0">0 1 24575,'0'0'0</inkml:trace>
+</inkml:ink>
+</file>
+
+<file path=ppt/ink/ink98.xml><?xml version="1.0" encoding="utf-8"?>
+<inkml:ink xmlns:inkml="http://www.w3.org/2003/InkML">
+  <inkml:definitions>
+    <inkml:context xml:id="ctx0">
+      <inkml:inkSource xml:id="inkSrc0">
+        <inkml:traceFormat>
+          <inkml:channel name="X" type="integer" min="-2.14748E9" max="2.14748E9" units="cm"/>
+          <inkml:channel name="Y" type="integer" min="-2.14748E9" max="2.14748E9" units="cm"/>
+          <inkml:channel name="F" type="integer" max="32767" units="dev"/>
+        </inkml:traceFormat>
+        <inkml:channelProperties>
+          <inkml:channelProperty channel="X" name="resolution" value="1000" units="1/cm"/>
+          <inkml:channelProperty channel="Y" name="resolution" value="1000" units="1/cm"/>
+          <inkml:channelProperty channel="F" name="resolution" value="0" units="1/dev"/>
+        </inkml:channelProperties>
+      </inkml:inkSource>
+      <inkml:timestamp xml:id="ts0" timeString="2023-05-29T07:25:45.960"/>
+    </inkml:context>
+    <inkml:brush xml:id="br0">
+      <inkml:brushProperty name="width" value="0.1" units="cm"/>
+      <inkml:brushProperty name="height" value="0.1" units="cm"/>
+      <inkml:brushProperty name="color" value="#AE198D"/>
+      <inkml:brushProperty name="inkEffects" value="galaxy"/>
+      <inkml:brushProperty name="anchorX" value="-59744.88281"/>
+      <inkml:brushProperty name="anchorY" value="-59682.90234"/>
+      <inkml:brushProperty name="scaleFactor" value="0.5"/>
+    </inkml:brush>
+  </inkml:definitions>
+  <inkml:trace contextRef="#ctx0" brushRef="#br0">0 1 24575,'0'0'0</inkml:trace>
+</inkml:ink>
+</file>
+
+<file path=ppt/ink/ink99.xml><?xml version="1.0" encoding="utf-8"?>
+<inkml:ink xmlns:inkml="http://www.w3.org/2003/InkML">
+  <inkml:definitions>
+    <inkml:context xml:id="ctx0">
+      <inkml:inkSource xml:id="inkSrc0">
+        <inkml:traceFormat>
+          <inkml:channel name="X" type="integer" min="-2.14748E9" max="2.14748E9" units="cm"/>
+          <inkml:channel name="Y" type="integer" min="-2.14748E9" max="2.14748E9" units="cm"/>
+          <inkml:channel name="F" type="integer" max="32767" units="dev"/>
+        </inkml:traceFormat>
+        <inkml:channelProperties>
+          <inkml:channelProperty channel="X" name="resolution" value="1000" units="1/cm"/>
+          <inkml:channelProperty channel="Y" name="resolution" value="1000" units="1/cm"/>
+          <inkml:channelProperty channel="F" name="resolution" value="0" units="1/dev"/>
+        </inkml:channelProperties>
+      </inkml:inkSource>
+      <inkml:timestamp xml:id="ts0" timeString="2023-05-29T07:25:46.569"/>
+    </inkml:context>
+    <inkml:brush xml:id="br0">
+      <inkml:brushProperty name="width" value="0.1" units="cm"/>
+      <inkml:brushProperty name="height" value="0.1" units="cm"/>
+      <inkml:brushProperty name="color" value="#AE198D"/>
+      <inkml:brushProperty name="inkEffects" value="galaxy"/>
+      <inkml:brushProperty name="anchorX" value="-61014.88281"/>
+      <inkml:brushProperty name="anchorY" value="-60952.90234"/>
+      <inkml:brushProperty name="scaleFactor" value="0.5"/>
+    </inkml:brush>
+  </inkml:definitions>
+  <inkml:trace contextRef="#ctx0" brushRef="#br0">1 1 24575,'0'0'0</inkml:trace>
+</inkml:ink>
 </file>
 
 <file path=ppt/slideLayouts/slideLayout1.xml><?xml version="1.0" encoding="utf-8"?>
@@ -257,7 +3557,7 @@
           <a:p>
             <a:fld id="{42848ED9-695E-490D-A33C-2C6987144002}" type="datetimeFigureOut">
               <a:rPr lang="ko-KR" altLang="en-US" smtClean="0"/>
-              <a:t>2023-05-26</a:t>
+              <a:t>2023-05-29</a:t>
             </a:fld>
             <a:endParaRPr lang="ko-KR" altLang="en-US"/>
           </a:p>
@@ -455,7 +3755,7 @@
           <a:p>
             <a:fld id="{42848ED9-695E-490D-A33C-2C6987144002}" type="datetimeFigureOut">
               <a:rPr lang="ko-KR" altLang="en-US" smtClean="0"/>
-              <a:t>2023-05-26</a:t>
+              <a:t>2023-05-29</a:t>
             </a:fld>
             <a:endParaRPr lang="ko-KR" altLang="en-US"/>
           </a:p>
@@ -663,7 +3963,7 @@
           <a:p>
             <a:fld id="{42848ED9-695E-490D-A33C-2C6987144002}" type="datetimeFigureOut">
               <a:rPr lang="ko-KR" altLang="en-US" smtClean="0"/>
-              <a:t>2023-05-26</a:t>
+              <a:t>2023-05-29</a:t>
             </a:fld>
             <a:endParaRPr lang="ko-KR" altLang="en-US"/>
           </a:p>
@@ -861,7 +4161,7 @@
           <a:p>
             <a:fld id="{42848ED9-695E-490D-A33C-2C6987144002}" type="datetimeFigureOut">
               <a:rPr lang="ko-KR" altLang="en-US" smtClean="0"/>
-              <a:t>2023-05-26</a:t>
+              <a:t>2023-05-29</a:t>
             </a:fld>
             <a:endParaRPr lang="ko-KR" altLang="en-US"/>
           </a:p>
@@ -1136,7 +4436,7 @@
           <a:p>
             <a:fld id="{42848ED9-695E-490D-A33C-2C6987144002}" type="datetimeFigureOut">
               <a:rPr lang="ko-KR" altLang="en-US" smtClean="0"/>
-              <a:t>2023-05-26</a:t>
+              <a:t>2023-05-29</a:t>
             </a:fld>
             <a:endParaRPr lang="ko-KR" altLang="en-US"/>
           </a:p>
@@ -1401,7 +4701,7 @@
           <a:p>
             <a:fld id="{42848ED9-695E-490D-A33C-2C6987144002}" type="datetimeFigureOut">
               <a:rPr lang="ko-KR" altLang="en-US" smtClean="0"/>
-              <a:t>2023-05-26</a:t>
+              <a:t>2023-05-29</a:t>
             </a:fld>
             <a:endParaRPr lang="ko-KR" altLang="en-US"/>
           </a:p>
@@ -1813,7 +5113,7 @@
           <a:p>
             <a:fld id="{42848ED9-695E-490D-A33C-2C6987144002}" type="datetimeFigureOut">
               <a:rPr lang="ko-KR" altLang="en-US" smtClean="0"/>
-              <a:t>2023-05-26</a:t>
+              <a:t>2023-05-29</a:t>
             </a:fld>
             <a:endParaRPr lang="ko-KR" altLang="en-US"/>
           </a:p>
@@ -1954,7 +5254,7 @@
           <a:p>
             <a:fld id="{42848ED9-695E-490D-A33C-2C6987144002}" type="datetimeFigureOut">
               <a:rPr lang="ko-KR" altLang="en-US" smtClean="0"/>
-              <a:t>2023-05-26</a:t>
+              <a:t>2023-05-29</a:t>
             </a:fld>
             <a:endParaRPr lang="ko-KR" altLang="en-US"/>
           </a:p>
@@ -2067,7 +5367,7 @@
           <a:p>
             <a:fld id="{42848ED9-695E-490D-A33C-2C6987144002}" type="datetimeFigureOut">
               <a:rPr lang="ko-KR" altLang="en-US" smtClean="0"/>
-              <a:t>2023-05-26</a:t>
+              <a:t>2023-05-29</a:t>
             </a:fld>
             <a:endParaRPr lang="ko-KR" altLang="en-US"/>
           </a:p>
@@ -2378,7 +5678,7 @@
           <a:p>
             <a:fld id="{42848ED9-695E-490D-A33C-2C6987144002}" type="datetimeFigureOut">
               <a:rPr lang="ko-KR" altLang="en-US" smtClean="0"/>
-              <a:t>2023-05-26</a:t>
+              <a:t>2023-05-29</a:t>
             </a:fld>
             <a:endParaRPr lang="ko-KR" altLang="en-US"/>
           </a:p>
@@ -2666,7 +5966,7 @@
           <a:p>
             <a:fld id="{42848ED9-695E-490D-A33C-2C6987144002}" type="datetimeFigureOut">
               <a:rPr lang="ko-KR" altLang="en-US" smtClean="0"/>
-              <a:t>2023-05-26</a:t>
+              <a:t>2023-05-29</a:t>
             </a:fld>
             <a:endParaRPr lang="ko-KR" altLang="en-US"/>
           </a:p>
@@ -2907,7 +6207,7 @@
           <a:p>
             <a:fld id="{42848ED9-695E-490D-A33C-2C6987144002}" type="datetimeFigureOut">
               <a:rPr lang="ko-KR" altLang="en-US" smtClean="0"/>
-              <a:t>2023-05-26</a:t>
+              <a:t>2023-05-29</a:t>
             </a:fld>
             <a:endParaRPr lang="ko-KR" altLang="en-US"/>
           </a:p>
@@ -3606,10 +6906,6352 @@
           <a:chExt cx="0" cy="0"/>
         </a:xfrm>
       </p:grpSpPr>
+      <p:grpSp>
+        <p:nvGrpSpPr>
+          <p:cNvPr id="10" name="그룹 9">
+            <a:extLst>
+              <a:ext uri="{FF2B5EF4-FFF2-40B4-BE49-F238E27FC236}">
+                <a16:creationId xmlns:a16="http://schemas.microsoft.com/office/drawing/2014/main" id="{8FB6C35E-8715-5AC7-6260-4AE29ECADF1C}"/>
+              </a:ext>
+            </a:extLst>
+          </p:cNvPr>
+          <p:cNvGrpSpPr/>
+          <p:nvPr/>
+        </p:nvGrpSpPr>
+        <p:grpSpPr>
+          <a:xfrm>
+            <a:off x="707350" y="1132522"/>
+            <a:ext cx="6397786" cy="2241204"/>
+            <a:chOff x="83333" y="2071635"/>
+            <a:chExt cx="6397786" cy="2241204"/>
+          </a:xfrm>
+        </p:grpSpPr>
+        <p:pic>
+          <p:nvPicPr>
+            <p:cNvPr id="3" name="그림 2">
+              <a:extLst>
+                <a:ext uri="{FF2B5EF4-FFF2-40B4-BE49-F238E27FC236}">
+                  <a16:creationId xmlns:a16="http://schemas.microsoft.com/office/drawing/2014/main" id="{F79A47E4-9D21-13EE-7B8E-6FD5B3388D6F}"/>
+                </a:ext>
+              </a:extLst>
+            </p:cNvPr>
+            <p:cNvPicPr>
+              <a:picLocks noChangeAspect="1"/>
+            </p:cNvPicPr>
+            <p:nvPr/>
+          </p:nvPicPr>
+          <p:blipFill>
+            <a:blip r:embed="rId2"/>
+            <a:stretch>
+              <a:fillRect/>
+            </a:stretch>
+          </p:blipFill>
+          <p:spPr>
+            <a:xfrm>
+              <a:off x="1618861" y="2071635"/>
+              <a:ext cx="1886213" cy="1295581"/>
+            </a:xfrm>
+            <a:prstGeom prst="rect">
+              <a:avLst/>
+            </a:prstGeom>
+          </p:spPr>
+        </p:pic>
+        <p:pic>
+          <p:nvPicPr>
+            <p:cNvPr id="5" name="그림 4">
+              <a:extLst>
+                <a:ext uri="{FF2B5EF4-FFF2-40B4-BE49-F238E27FC236}">
+                  <a16:creationId xmlns:a16="http://schemas.microsoft.com/office/drawing/2014/main" id="{57CB2234-9473-797A-DA32-F7F4FA27959D}"/>
+                </a:ext>
+              </a:extLst>
+            </p:cNvPr>
+            <p:cNvPicPr>
+              <a:picLocks noChangeAspect="1"/>
+            </p:cNvPicPr>
+            <p:nvPr/>
+          </p:nvPicPr>
+          <p:blipFill>
+            <a:blip r:embed="rId3"/>
+            <a:stretch>
+              <a:fillRect/>
+            </a:stretch>
+          </p:blipFill>
+          <p:spPr>
+            <a:xfrm>
+              <a:off x="83333" y="3429000"/>
+              <a:ext cx="6397786" cy="883839"/>
+            </a:xfrm>
+            <a:prstGeom prst="rect">
+              <a:avLst/>
+            </a:prstGeom>
+          </p:spPr>
+        </p:pic>
+        <p:pic>
+          <p:nvPicPr>
+            <p:cNvPr id="6" name="그림 5">
+              <a:extLst>
+                <a:ext uri="{FF2B5EF4-FFF2-40B4-BE49-F238E27FC236}">
+                  <a16:creationId xmlns:a16="http://schemas.microsoft.com/office/drawing/2014/main" id="{59284FAC-4E08-9CF8-ED20-403B88A9DC20}"/>
+                </a:ext>
+              </a:extLst>
+            </p:cNvPr>
+            <p:cNvPicPr>
+              <a:picLocks noChangeAspect="1"/>
+            </p:cNvPicPr>
+            <p:nvPr/>
+          </p:nvPicPr>
+          <p:blipFill rotWithShape="1">
+            <a:blip r:embed="rId2"/>
+            <a:srcRect l="51976" t="39877" r="5999" b="19393"/>
+            <a:stretch/>
+          </p:blipFill>
+          <p:spPr>
+            <a:xfrm>
+              <a:off x="3873718" y="2202432"/>
+              <a:ext cx="1674340" cy="1114619"/>
+            </a:xfrm>
+            <a:prstGeom prst="rect">
+              <a:avLst/>
+            </a:prstGeom>
+          </p:spPr>
+        </p:pic>
+        <p:sp>
+          <p:nvSpPr>
+            <p:cNvPr id="8" name="화살표: 오른쪽 7">
+              <a:extLst>
+                <a:ext uri="{FF2B5EF4-FFF2-40B4-BE49-F238E27FC236}">
+                  <a16:creationId xmlns:a16="http://schemas.microsoft.com/office/drawing/2014/main" id="{BBB67C1B-0786-29F9-4FF7-D6E7F9DDCC48}"/>
+                </a:ext>
+              </a:extLst>
+            </p:cNvPr>
+            <p:cNvSpPr/>
+            <p:nvPr/>
+          </p:nvSpPr>
+          <p:spPr>
+            <a:xfrm>
+              <a:off x="3578185" y="2242751"/>
+              <a:ext cx="222422" cy="1033983"/>
+            </a:xfrm>
+            <a:prstGeom prst="rightArrow">
+              <a:avLst/>
+            </a:prstGeom>
+          </p:spPr>
+          <p:style>
+            <a:lnRef idx="1">
+              <a:schemeClr val="accent1"/>
+            </a:lnRef>
+            <a:fillRef idx="2">
+              <a:schemeClr val="accent1"/>
+            </a:fillRef>
+            <a:effectRef idx="1">
+              <a:schemeClr val="accent1"/>
+            </a:effectRef>
+            <a:fontRef idx="minor">
+              <a:schemeClr val="dk1"/>
+            </a:fontRef>
+          </p:style>
+          <p:txBody>
+            <a:bodyPr rtlCol="0" anchor="ctr"/>
+            <a:lstStyle/>
+            <a:p>
+              <a:pPr algn="ctr"/>
+              <a:endParaRPr lang="ko-KR" altLang="en-US"/>
+            </a:p>
+          </p:txBody>
+        </p:sp>
+        <p:sp>
+          <p:nvSpPr>
+            <p:cNvPr id="9" name="직사각형 8">
+              <a:extLst>
+                <a:ext uri="{FF2B5EF4-FFF2-40B4-BE49-F238E27FC236}">
+                  <a16:creationId xmlns:a16="http://schemas.microsoft.com/office/drawing/2014/main" id="{6C1763C1-D7BF-9C3E-AAC0-6B797941DBAA}"/>
+                </a:ext>
+              </a:extLst>
+            </p:cNvPr>
+            <p:cNvSpPr/>
+            <p:nvPr/>
+          </p:nvSpPr>
+          <p:spPr>
+            <a:xfrm>
+              <a:off x="5208373" y="3484605"/>
+              <a:ext cx="1229497" cy="654909"/>
+            </a:xfrm>
+            <a:prstGeom prst="rect">
+              <a:avLst/>
+            </a:prstGeom>
+            <a:noFill/>
+            <a:ln w="28575">
+              <a:solidFill>
+                <a:srgbClr val="FF0000"/>
+              </a:solidFill>
+            </a:ln>
+          </p:spPr>
+          <p:style>
+            <a:lnRef idx="2">
+              <a:schemeClr val="accent1">
+                <a:shade val="50000"/>
+              </a:schemeClr>
+            </a:lnRef>
+            <a:fillRef idx="1">
+              <a:schemeClr val="accent1"/>
+            </a:fillRef>
+            <a:effectRef idx="0">
+              <a:schemeClr val="accent1"/>
+            </a:effectRef>
+            <a:fontRef idx="minor">
+              <a:schemeClr val="lt1"/>
+            </a:fontRef>
+          </p:style>
+          <p:txBody>
+            <a:bodyPr rtlCol="0" anchor="ctr"/>
+            <a:lstStyle/>
+            <a:p>
+              <a:pPr algn="ctr"/>
+              <a:endParaRPr lang="ko-KR" altLang="en-US"/>
+            </a:p>
+          </p:txBody>
+        </p:sp>
+      </p:grpSp>
     </p:spTree>
     <p:extLst>
       <p:ext uri="{BB962C8B-B14F-4D97-AF65-F5344CB8AC3E}">
         <p14:creationId xmlns:p14="http://schemas.microsoft.com/office/powerpoint/2010/main" val="2557758605"/>
+      </p:ext>
+    </p:extLst>
+  </p:cSld>
+  <p:clrMapOvr>
+    <a:masterClrMapping/>
+  </p:clrMapOvr>
+</p:sld>
+</file>
+
+<file path=ppt/slides/slide5.xml><?xml version="1.0" encoding="utf-8"?>
+<p:sld xmlns:a="http://schemas.openxmlformats.org/drawingml/2006/main" xmlns:r="http://schemas.openxmlformats.org/officeDocument/2006/relationships" xmlns:p="http://schemas.openxmlformats.org/presentationml/2006/main">
+  <p:cSld>
+    <p:spTree>
+      <p:nvGrpSpPr>
+        <p:cNvPr id="1" name=""/>
+        <p:cNvGrpSpPr/>
+        <p:nvPr/>
+      </p:nvGrpSpPr>
+      <p:grpSpPr>
+        <a:xfrm>
+          <a:off x="0" y="0"/>
+          <a:ext cx="0" cy="0"/>
+          <a:chOff x="0" y="0"/>
+          <a:chExt cx="0" cy="0"/>
+        </a:xfrm>
+      </p:grpSpPr>
+      <p:pic>
+        <p:nvPicPr>
+          <p:cNvPr id="5" name="그림 4">
+            <a:extLst>
+              <a:ext uri="{FF2B5EF4-FFF2-40B4-BE49-F238E27FC236}">
+                <a16:creationId xmlns:a16="http://schemas.microsoft.com/office/drawing/2014/main" id="{65D114C2-B60A-FDA9-BA0D-AC1342EE976A}"/>
+              </a:ext>
+            </a:extLst>
+          </p:cNvPr>
+          <p:cNvPicPr>
+            <a:picLocks noChangeAspect="1"/>
+          </p:cNvPicPr>
+          <p:nvPr/>
+        </p:nvPicPr>
+        <p:blipFill>
+          <a:blip r:embed="rId2"/>
+          <a:stretch>
+            <a:fillRect/>
+          </a:stretch>
+        </p:blipFill>
+        <p:spPr>
+          <a:xfrm>
+            <a:off x="-799476" y="201456"/>
+            <a:ext cx="12999714" cy="5908960"/>
+          </a:xfrm>
+          <a:prstGeom prst="rect">
+            <a:avLst/>
+          </a:prstGeom>
+        </p:spPr>
+      </p:pic>
+      <mc:AlternateContent xmlns:mc="http://schemas.openxmlformats.org/markup-compatibility/2006">
+        <mc:Choice xmlns:p14="http://schemas.microsoft.com/office/powerpoint/2010/main" Requires="p14">
+          <p:contentPart p14:bwMode="auto" r:id="rId3">
+            <p14:nvContentPartPr>
+              <p14:cNvPr id="8" name="잉크 7">
+                <a:extLst>
+                  <a:ext uri="{FF2B5EF4-FFF2-40B4-BE49-F238E27FC236}">
+                    <a16:creationId xmlns:a16="http://schemas.microsoft.com/office/drawing/2014/main" id="{2B3CEB47-3B1E-78C0-996D-0290B122951E}"/>
+                  </a:ext>
+                </a:extLst>
+              </p14:cNvPr>
+              <p14:cNvContentPartPr/>
+              <p14:nvPr/>
+            </p14:nvContentPartPr>
+            <p14:xfrm>
+              <a:off x="253226" y="5616039"/>
+              <a:ext cx="360" cy="360"/>
+            </p14:xfrm>
+          </p:contentPart>
+        </mc:Choice>
+        <mc:Fallback>
+          <p:pic>
+            <p:nvPicPr>
+              <p:cNvPr id="8" name="잉크 7">
+                <a:extLst>
+                  <a:ext uri="{FF2B5EF4-FFF2-40B4-BE49-F238E27FC236}">
+                    <a16:creationId xmlns:a16="http://schemas.microsoft.com/office/drawing/2014/main" id="{2B3CEB47-3B1E-78C0-996D-0290B122951E}"/>
+                  </a:ext>
+                </a:extLst>
+              </p:cNvPr>
+              <p:cNvPicPr/>
+              <p:nvPr/>
+            </p:nvPicPr>
+            <p:blipFill>
+              <a:blip r:embed="rId4"/>
+              <a:stretch>
+                <a:fillRect/>
+              </a:stretch>
+            </p:blipFill>
+            <p:spPr>
+              <a:xfrm>
+                <a:off x="244226" y="5607039"/>
+                <a:ext cx="18000" cy="18000"/>
+              </a:xfrm>
+              <a:prstGeom prst="rect">
+                <a:avLst/>
+              </a:prstGeom>
+            </p:spPr>
+          </p:pic>
+        </mc:Fallback>
+      </mc:AlternateContent>
+      <mc:AlternateContent xmlns:mc="http://schemas.openxmlformats.org/markup-compatibility/2006">
+        <mc:Choice xmlns:p14="http://schemas.microsoft.com/office/powerpoint/2010/main" Requires="p14">
+          <p:contentPart p14:bwMode="auto" r:id="rId5">
+            <p14:nvContentPartPr>
+              <p14:cNvPr id="9" name="잉크 8">
+                <a:extLst>
+                  <a:ext uri="{FF2B5EF4-FFF2-40B4-BE49-F238E27FC236}">
+                    <a16:creationId xmlns:a16="http://schemas.microsoft.com/office/drawing/2014/main" id="{EFF36691-C845-69CC-BC22-18EA1B72A1F5}"/>
+                  </a:ext>
+                </a:extLst>
+              </p14:cNvPr>
+              <p14:cNvContentPartPr/>
+              <p14:nvPr/>
+            </p14:nvContentPartPr>
+            <p14:xfrm>
+              <a:off x="364466" y="5344239"/>
+              <a:ext cx="360" cy="360"/>
+            </p14:xfrm>
+          </p:contentPart>
+        </mc:Choice>
+        <mc:Fallback>
+          <p:pic>
+            <p:nvPicPr>
+              <p:cNvPr id="9" name="잉크 8">
+                <a:extLst>
+                  <a:ext uri="{FF2B5EF4-FFF2-40B4-BE49-F238E27FC236}">
+                    <a16:creationId xmlns:a16="http://schemas.microsoft.com/office/drawing/2014/main" id="{EFF36691-C845-69CC-BC22-18EA1B72A1F5}"/>
+                  </a:ext>
+                </a:extLst>
+              </p:cNvPr>
+              <p:cNvPicPr/>
+              <p:nvPr/>
+            </p:nvPicPr>
+            <p:blipFill>
+              <a:blip r:embed="rId4"/>
+              <a:stretch>
+                <a:fillRect/>
+              </a:stretch>
+            </p:blipFill>
+            <p:spPr>
+              <a:xfrm>
+                <a:off x="355466" y="5335239"/>
+                <a:ext cx="18000" cy="18000"/>
+              </a:xfrm>
+              <a:prstGeom prst="rect">
+                <a:avLst/>
+              </a:prstGeom>
+            </p:spPr>
+          </p:pic>
+        </mc:Fallback>
+      </mc:AlternateContent>
+      <mc:AlternateContent xmlns:mc="http://schemas.openxmlformats.org/markup-compatibility/2006">
+        <mc:Choice xmlns:p14="http://schemas.microsoft.com/office/powerpoint/2010/main" Requires="p14">
+          <p:contentPart p14:bwMode="auto" r:id="rId6">
+            <p14:nvContentPartPr>
+              <p14:cNvPr id="10" name="잉크 9">
+                <a:extLst>
+                  <a:ext uri="{FF2B5EF4-FFF2-40B4-BE49-F238E27FC236}">
+                    <a16:creationId xmlns:a16="http://schemas.microsoft.com/office/drawing/2014/main" id="{73A26B51-9685-FA3A-AFBB-003FA46491AA}"/>
+                  </a:ext>
+                </a:extLst>
+              </p14:cNvPr>
+              <p14:cNvContentPartPr/>
+              <p14:nvPr/>
+            </p14:nvContentPartPr>
+            <p14:xfrm>
+              <a:off x="481826" y="5146239"/>
+              <a:ext cx="360" cy="360"/>
+            </p14:xfrm>
+          </p:contentPart>
+        </mc:Choice>
+        <mc:Fallback>
+          <p:pic>
+            <p:nvPicPr>
+              <p:cNvPr id="10" name="잉크 9">
+                <a:extLst>
+                  <a:ext uri="{FF2B5EF4-FFF2-40B4-BE49-F238E27FC236}">
+                    <a16:creationId xmlns:a16="http://schemas.microsoft.com/office/drawing/2014/main" id="{73A26B51-9685-FA3A-AFBB-003FA46491AA}"/>
+                  </a:ext>
+                </a:extLst>
+              </p:cNvPr>
+              <p:cNvPicPr/>
+              <p:nvPr/>
+            </p:nvPicPr>
+            <p:blipFill>
+              <a:blip r:embed="rId4"/>
+              <a:stretch>
+                <a:fillRect/>
+              </a:stretch>
+            </p:blipFill>
+            <p:spPr>
+              <a:xfrm>
+                <a:off x="472826" y="5137599"/>
+                <a:ext cx="18000" cy="18000"/>
+              </a:xfrm>
+              <a:prstGeom prst="rect">
+                <a:avLst/>
+              </a:prstGeom>
+            </p:spPr>
+          </p:pic>
+        </mc:Fallback>
+      </mc:AlternateContent>
+      <mc:AlternateContent xmlns:mc="http://schemas.openxmlformats.org/markup-compatibility/2006">
+        <mc:Choice xmlns:p14="http://schemas.microsoft.com/office/powerpoint/2010/main" Requires="p14">
+          <p:contentPart p14:bwMode="auto" r:id="rId7">
+            <p14:nvContentPartPr>
+              <p14:cNvPr id="11" name="잉크 10">
+                <a:extLst>
+                  <a:ext uri="{FF2B5EF4-FFF2-40B4-BE49-F238E27FC236}">
+                    <a16:creationId xmlns:a16="http://schemas.microsoft.com/office/drawing/2014/main" id="{8CA2BF7B-99A5-34C9-5923-D61524250D2A}"/>
+                  </a:ext>
+                </a:extLst>
+              </p14:cNvPr>
+              <p14:cNvContentPartPr/>
+              <p14:nvPr/>
+            </p14:nvContentPartPr>
+            <p14:xfrm>
+              <a:off x="599186" y="4936359"/>
+              <a:ext cx="360" cy="360"/>
+            </p14:xfrm>
+          </p:contentPart>
+        </mc:Choice>
+        <mc:Fallback>
+          <p:pic>
+            <p:nvPicPr>
+              <p:cNvPr id="11" name="잉크 10">
+                <a:extLst>
+                  <a:ext uri="{FF2B5EF4-FFF2-40B4-BE49-F238E27FC236}">
+                    <a16:creationId xmlns:a16="http://schemas.microsoft.com/office/drawing/2014/main" id="{8CA2BF7B-99A5-34C9-5923-D61524250D2A}"/>
+                  </a:ext>
+                </a:extLst>
+              </p:cNvPr>
+              <p:cNvPicPr/>
+              <p:nvPr/>
+            </p:nvPicPr>
+            <p:blipFill>
+              <a:blip r:embed="rId4"/>
+              <a:stretch>
+                <a:fillRect/>
+              </a:stretch>
+            </p:blipFill>
+            <p:spPr>
+              <a:xfrm>
+                <a:off x="590186" y="4927719"/>
+                <a:ext cx="18000" cy="18000"/>
+              </a:xfrm>
+              <a:prstGeom prst="rect">
+                <a:avLst/>
+              </a:prstGeom>
+            </p:spPr>
+          </p:pic>
+        </mc:Fallback>
+      </mc:AlternateContent>
+      <mc:AlternateContent xmlns:mc="http://schemas.openxmlformats.org/markup-compatibility/2006">
+        <mc:Choice xmlns:p14="http://schemas.microsoft.com/office/powerpoint/2010/main" Requires="p14">
+          <p:contentPart p14:bwMode="auto" r:id="rId8">
+            <p14:nvContentPartPr>
+              <p14:cNvPr id="12" name="잉크 11">
+                <a:extLst>
+                  <a:ext uri="{FF2B5EF4-FFF2-40B4-BE49-F238E27FC236}">
+                    <a16:creationId xmlns:a16="http://schemas.microsoft.com/office/drawing/2014/main" id="{C7E6C1F2-000E-9982-4299-0587E8FA7C03}"/>
+                  </a:ext>
+                </a:extLst>
+              </p14:cNvPr>
+              <p14:cNvContentPartPr/>
+              <p14:nvPr/>
+            </p14:nvContentPartPr>
+            <p14:xfrm>
+              <a:off x="691706" y="4744839"/>
+              <a:ext cx="360" cy="360"/>
+            </p14:xfrm>
+          </p:contentPart>
+        </mc:Choice>
+        <mc:Fallback>
+          <p:pic>
+            <p:nvPicPr>
+              <p:cNvPr id="12" name="잉크 11">
+                <a:extLst>
+                  <a:ext uri="{FF2B5EF4-FFF2-40B4-BE49-F238E27FC236}">
+                    <a16:creationId xmlns:a16="http://schemas.microsoft.com/office/drawing/2014/main" id="{C7E6C1F2-000E-9982-4299-0587E8FA7C03}"/>
+                  </a:ext>
+                </a:extLst>
+              </p:cNvPr>
+              <p:cNvPicPr/>
+              <p:nvPr/>
+            </p:nvPicPr>
+            <p:blipFill>
+              <a:blip r:embed="rId4"/>
+              <a:stretch>
+                <a:fillRect/>
+              </a:stretch>
+            </p:blipFill>
+            <p:spPr>
+              <a:xfrm>
+                <a:off x="683066" y="4735839"/>
+                <a:ext cx="18000" cy="18000"/>
+              </a:xfrm>
+              <a:prstGeom prst="rect">
+                <a:avLst/>
+              </a:prstGeom>
+            </p:spPr>
+          </p:pic>
+        </mc:Fallback>
+      </mc:AlternateContent>
+      <mc:AlternateContent xmlns:mc="http://schemas.openxmlformats.org/markup-compatibility/2006">
+        <mc:Choice xmlns:p14="http://schemas.microsoft.com/office/powerpoint/2010/main" Requires="p14">
+          <p:contentPart p14:bwMode="auto" r:id="rId9">
+            <p14:nvContentPartPr>
+              <p14:cNvPr id="13" name="잉크 12">
+                <a:extLst>
+                  <a:ext uri="{FF2B5EF4-FFF2-40B4-BE49-F238E27FC236}">
+                    <a16:creationId xmlns:a16="http://schemas.microsoft.com/office/drawing/2014/main" id="{5E863B77-4576-A561-BE8C-BBCD24C4D814}"/>
+                  </a:ext>
+                </a:extLst>
+              </p14:cNvPr>
+              <p14:cNvContentPartPr/>
+              <p14:nvPr/>
+            </p14:nvContentPartPr>
+            <p14:xfrm>
+              <a:off x="870986" y="4565559"/>
+              <a:ext cx="360" cy="360"/>
+            </p14:xfrm>
+          </p:contentPart>
+        </mc:Choice>
+        <mc:Fallback>
+          <p:pic>
+            <p:nvPicPr>
+              <p:cNvPr id="13" name="잉크 12">
+                <a:extLst>
+                  <a:ext uri="{FF2B5EF4-FFF2-40B4-BE49-F238E27FC236}">
+                    <a16:creationId xmlns:a16="http://schemas.microsoft.com/office/drawing/2014/main" id="{5E863B77-4576-A561-BE8C-BBCD24C4D814}"/>
+                  </a:ext>
+                </a:extLst>
+              </p:cNvPr>
+              <p:cNvPicPr/>
+              <p:nvPr/>
+            </p:nvPicPr>
+            <p:blipFill>
+              <a:blip r:embed="rId4"/>
+              <a:stretch>
+                <a:fillRect/>
+              </a:stretch>
+            </p:blipFill>
+            <p:spPr>
+              <a:xfrm>
+                <a:off x="861986" y="4556919"/>
+                <a:ext cx="18000" cy="18000"/>
+              </a:xfrm>
+              <a:prstGeom prst="rect">
+                <a:avLst/>
+              </a:prstGeom>
+            </p:spPr>
+          </p:pic>
+        </mc:Fallback>
+      </mc:AlternateContent>
+      <mc:AlternateContent xmlns:mc="http://schemas.openxmlformats.org/markup-compatibility/2006">
+        <mc:Choice xmlns:p14="http://schemas.microsoft.com/office/powerpoint/2010/main" Requires="p14">
+          <p:contentPart p14:bwMode="auto" r:id="rId10">
+            <p14:nvContentPartPr>
+              <p14:cNvPr id="14" name="잉크 13">
+                <a:extLst>
+                  <a:ext uri="{FF2B5EF4-FFF2-40B4-BE49-F238E27FC236}">
+                    <a16:creationId xmlns:a16="http://schemas.microsoft.com/office/drawing/2014/main" id="{15323A61-39AC-7455-BF82-A855B12DE2DA}"/>
+                  </a:ext>
+                </a:extLst>
+              </p14:cNvPr>
+              <p14:cNvContentPartPr/>
+              <p14:nvPr/>
+            </p14:nvContentPartPr>
+            <p14:xfrm>
+              <a:off x="994466" y="4423719"/>
+              <a:ext cx="360" cy="360"/>
+            </p14:xfrm>
+          </p:contentPart>
+        </mc:Choice>
+        <mc:Fallback>
+          <p:pic>
+            <p:nvPicPr>
+              <p:cNvPr id="14" name="잉크 13">
+                <a:extLst>
+                  <a:ext uri="{FF2B5EF4-FFF2-40B4-BE49-F238E27FC236}">
+                    <a16:creationId xmlns:a16="http://schemas.microsoft.com/office/drawing/2014/main" id="{15323A61-39AC-7455-BF82-A855B12DE2DA}"/>
+                  </a:ext>
+                </a:extLst>
+              </p:cNvPr>
+              <p:cNvPicPr/>
+              <p:nvPr/>
+            </p:nvPicPr>
+            <p:blipFill>
+              <a:blip r:embed="rId4"/>
+              <a:stretch>
+                <a:fillRect/>
+              </a:stretch>
+            </p:blipFill>
+            <p:spPr>
+              <a:xfrm>
+                <a:off x="985826" y="4414719"/>
+                <a:ext cx="18000" cy="18000"/>
+              </a:xfrm>
+              <a:prstGeom prst="rect">
+                <a:avLst/>
+              </a:prstGeom>
+            </p:spPr>
+          </p:pic>
+        </mc:Fallback>
+      </mc:AlternateContent>
+      <mc:AlternateContent xmlns:mc="http://schemas.openxmlformats.org/markup-compatibility/2006">
+        <mc:Choice xmlns:p14="http://schemas.microsoft.com/office/powerpoint/2010/main" Requires="p14">
+          <p:contentPart p14:bwMode="auto" r:id="rId11">
+            <p14:nvContentPartPr>
+              <p14:cNvPr id="15" name="잉크 14">
+                <a:extLst>
+                  <a:ext uri="{FF2B5EF4-FFF2-40B4-BE49-F238E27FC236}">
+                    <a16:creationId xmlns:a16="http://schemas.microsoft.com/office/drawing/2014/main" id="{9B29D3C2-01D3-DACB-4C3E-6E0F8FF7696A}"/>
+                  </a:ext>
+                </a:extLst>
+              </p14:cNvPr>
+              <p14:cNvContentPartPr/>
+              <p14:nvPr/>
+            </p14:nvContentPartPr>
+            <p14:xfrm>
+              <a:off x="1087346" y="4238319"/>
+              <a:ext cx="360" cy="360"/>
+            </p14:xfrm>
+          </p:contentPart>
+        </mc:Choice>
+        <mc:Fallback>
+          <p:pic>
+            <p:nvPicPr>
+              <p:cNvPr id="15" name="잉크 14">
+                <a:extLst>
+                  <a:ext uri="{FF2B5EF4-FFF2-40B4-BE49-F238E27FC236}">
+                    <a16:creationId xmlns:a16="http://schemas.microsoft.com/office/drawing/2014/main" id="{9B29D3C2-01D3-DACB-4C3E-6E0F8FF7696A}"/>
+                  </a:ext>
+                </a:extLst>
+              </p:cNvPr>
+              <p:cNvPicPr/>
+              <p:nvPr/>
+            </p:nvPicPr>
+            <p:blipFill>
+              <a:blip r:embed="rId4"/>
+              <a:stretch>
+                <a:fillRect/>
+              </a:stretch>
+            </p:blipFill>
+            <p:spPr>
+              <a:xfrm>
+                <a:off x="1078346" y="4229319"/>
+                <a:ext cx="18000" cy="18000"/>
+              </a:xfrm>
+              <a:prstGeom prst="rect">
+                <a:avLst/>
+              </a:prstGeom>
+            </p:spPr>
+          </p:pic>
+        </mc:Fallback>
+      </mc:AlternateContent>
+      <mc:AlternateContent xmlns:mc="http://schemas.openxmlformats.org/markup-compatibility/2006">
+        <mc:Choice xmlns:p14="http://schemas.microsoft.com/office/powerpoint/2010/main" Requires="p14">
+          <p:contentPart p14:bwMode="auto" r:id="rId12">
+            <p14:nvContentPartPr>
+              <p14:cNvPr id="16" name="잉크 15">
+                <a:extLst>
+                  <a:ext uri="{FF2B5EF4-FFF2-40B4-BE49-F238E27FC236}">
+                    <a16:creationId xmlns:a16="http://schemas.microsoft.com/office/drawing/2014/main" id="{75553254-9A86-F641-AC0E-77EEAE54E3F2}"/>
+                  </a:ext>
+                </a:extLst>
+              </p14:cNvPr>
+              <p14:cNvContentPartPr/>
+              <p14:nvPr/>
+            </p14:nvContentPartPr>
+            <p14:xfrm>
+              <a:off x="1204706" y="4127079"/>
+              <a:ext cx="360" cy="360"/>
+            </p14:xfrm>
+          </p:contentPart>
+        </mc:Choice>
+        <mc:Fallback>
+          <p:pic>
+            <p:nvPicPr>
+              <p:cNvPr id="16" name="잉크 15">
+                <a:extLst>
+                  <a:ext uri="{FF2B5EF4-FFF2-40B4-BE49-F238E27FC236}">
+                    <a16:creationId xmlns:a16="http://schemas.microsoft.com/office/drawing/2014/main" id="{75553254-9A86-F641-AC0E-77EEAE54E3F2}"/>
+                  </a:ext>
+                </a:extLst>
+              </p:cNvPr>
+              <p:cNvPicPr/>
+              <p:nvPr/>
+            </p:nvPicPr>
+            <p:blipFill>
+              <a:blip r:embed="rId4"/>
+              <a:stretch>
+                <a:fillRect/>
+              </a:stretch>
+            </p:blipFill>
+            <p:spPr>
+              <a:xfrm>
+                <a:off x="1195706" y="4118079"/>
+                <a:ext cx="18000" cy="18000"/>
+              </a:xfrm>
+              <a:prstGeom prst="rect">
+                <a:avLst/>
+              </a:prstGeom>
+            </p:spPr>
+          </p:pic>
+        </mc:Fallback>
+      </mc:AlternateContent>
+      <mc:AlternateContent xmlns:mc="http://schemas.openxmlformats.org/markup-compatibility/2006">
+        <mc:Choice xmlns:p14="http://schemas.microsoft.com/office/powerpoint/2010/main" Requires="p14">
+          <p:contentPart p14:bwMode="auto" r:id="rId13">
+            <p14:nvContentPartPr>
+              <p14:cNvPr id="17" name="잉크 16">
+                <a:extLst>
+                  <a:ext uri="{FF2B5EF4-FFF2-40B4-BE49-F238E27FC236}">
+                    <a16:creationId xmlns:a16="http://schemas.microsoft.com/office/drawing/2014/main" id="{DF25CD99-A8D5-F2FE-3CE3-10FE91DB9458}"/>
+                  </a:ext>
+                </a:extLst>
+              </p14:cNvPr>
+              <p14:cNvContentPartPr/>
+              <p14:nvPr/>
+            </p14:nvContentPartPr>
+            <p14:xfrm>
+              <a:off x="1291106" y="3953919"/>
+              <a:ext cx="360" cy="360"/>
+            </p14:xfrm>
+          </p:contentPart>
+        </mc:Choice>
+        <mc:Fallback>
+          <p:pic>
+            <p:nvPicPr>
+              <p:cNvPr id="17" name="잉크 16">
+                <a:extLst>
+                  <a:ext uri="{FF2B5EF4-FFF2-40B4-BE49-F238E27FC236}">
+                    <a16:creationId xmlns:a16="http://schemas.microsoft.com/office/drawing/2014/main" id="{DF25CD99-A8D5-F2FE-3CE3-10FE91DB9458}"/>
+                  </a:ext>
+                </a:extLst>
+              </p:cNvPr>
+              <p:cNvPicPr/>
+              <p:nvPr/>
+            </p:nvPicPr>
+            <p:blipFill>
+              <a:blip r:embed="rId4"/>
+              <a:stretch>
+                <a:fillRect/>
+              </a:stretch>
+            </p:blipFill>
+            <p:spPr>
+              <a:xfrm>
+                <a:off x="1282106" y="3945279"/>
+                <a:ext cx="18000" cy="18000"/>
+              </a:xfrm>
+              <a:prstGeom prst="rect">
+                <a:avLst/>
+              </a:prstGeom>
+            </p:spPr>
+          </p:pic>
+        </mc:Fallback>
+      </mc:AlternateContent>
+      <mc:AlternateContent xmlns:mc="http://schemas.openxmlformats.org/markup-compatibility/2006">
+        <mc:Choice xmlns:p14="http://schemas.microsoft.com/office/powerpoint/2010/main" xmlns:aink="http://schemas.microsoft.com/office/drawing/2016/ink" Requires="p14 aink">
+          <p:contentPart p14:bwMode="auto" r:id="rId14">
+            <p14:nvContentPartPr>
+              <p14:cNvPr id="18" name="잉크 17">
+                <a:extLst>
+                  <a:ext uri="{FF2B5EF4-FFF2-40B4-BE49-F238E27FC236}">
+                    <a16:creationId xmlns:a16="http://schemas.microsoft.com/office/drawing/2014/main" id="{E135367C-2041-A170-7A54-A0E133FCC8CD}"/>
+                  </a:ext>
+                </a:extLst>
+              </p14:cNvPr>
+              <p14:cNvContentPartPr/>
+              <p14:nvPr/>
+            </p14:nvContentPartPr>
+            <p14:xfrm>
+              <a:off x="1402346" y="3744039"/>
+              <a:ext cx="2880" cy="360"/>
+            </p14:xfrm>
+          </p:contentPart>
+        </mc:Choice>
+        <mc:Fallback>
+          <p:pic>
+            <p:nvPicPr>
+              <p:cNvPr id="18" name="잉크 17">
+                <a:extLst>
+                  <a:ext uri="{FF2B5EF4-FFF2-40B4-BE49-F238E27FC236}">
+                    <a16:creationId xmlns:a16="http://schemas.microsoft.com/office/drawing/2014/main" id="{E135367C-2041-A170-7A54-A0E133FCC8CD}"/>
+                  </a:ext>
+                </a:extLst>
+              </p:cNvPr>
+              <p:cNvPicPr/>
+              <p:nvPr/>
+            </p:nvPicPr>
+            <p:blipFill>
+              <a:blip r:embed="rId15"/>
+              <a:stretch>
+                <a:fillRect/>
+              </a:stretch>
+            </p:blipFill>
+            <p:spPr>
+              <a:xfrm>
+                <a:off x="1384706" y="3726039"/>
+                <a:ext cx="38520" cy="36000"/>
+              </a:xfrm>
+              <a:prstGeom prst="rect">
+                <a:avLst/>
+              </a:prstGeom>
+            </p:spPr>
+          </p:pic>
+        </mc:Fallback>
+      </mc:AlternateContent>
+      <mc:AlternateContent xmlns:mc="http://schemas.openxmlformats.org/markup-compatibility/2006">
+        <mc:Choice xmlns:p14="http://schemas.microsoft.com/office/powerpoint/2010/main" xmlns:aink="http://schemas.microsoft.com/office/drawing/2016/ink" Requires="p14 aink">
+          <p:contentPart p14:bwMode="auto" r:id="rId16">
+            <p14:nvContentPartPr>
+              <p14:cNvPr id="19" name="잉크 18">
+                <a:extLst>
+                  <a:ext uri="{FF2B5EF4-FFF2-40B4-BE49-F238E27FC236}">
+                    <a16:creationId xmlns:a16="http://schemas.microsoft.com/office/drawing/2014/main" id="{A45E442A-D0FF-2326-670A-1A2F858134B3}"/>
+                  </a:ext>
+                </a:extLst>
+              </p14:cNvPr>
+              <p14:cNvContentPartPr/>
+              <p14:nvPr/>
+            </p14:nvContentPartPr>
+            <p14:xfrm>
+              <a:off x="1519706" y="3623799"/>
+              <a:ext cx="360" cy="2880"/>
+            </p14:xfrm>
+          </p:contentPart>
+        </mc:Choice>
+        <mc:Fallback>
+          <p:pic>
+            <p:nvPicPr>
+              <p:cNvPr id="19" name="잉크 18">
+                <a:extLst>
+                  <a:ext uri="{FF2B5EF4-FFF2-40B4-BE49-F238E27FC236}">
+                    <a16:creationId xmlns:a16="http://schemas.microsoft.com/office/drawing/2014/main" id="{A45E442A-D0FF-2326-670A-1A2F858134B3}"/>
+                  </a:ext>
+                </a:extLst>
+              </p:cNvPr>
+              <p:cNvPicPr/>
+              <p:nvPr/>
+            </p:nvPicPr>
+            <p:blipFill>
+              <a:blip r:embed="rId17"/>
+              <a:stretch>
+                <a:fillRect/>
+              </a:stretch>
+            </p:blipFill>
+            <p:spPr>
+              <a:xfrm>
+                <a:off x="1501706" y="3606159"/>
+                <a:ext cx="36000" cy="38520"/>
+              </a:xfrm>
+              <a:prstGeom prst="rect">
+                <a:avLst/>
+              </a:prstGeom>
+            </p:spPr>
+          </p:pic>
+        </mc:Fallback>
+      </mc:AlternateContent>
+      <mc:AlternateContent xmlns:mc="http://schemas.openxmlformats.org/markup-compatibility/2006">
+        <mc:Choice xmlns:p14="http://schemas.microsoft.com/office/powerpoint/2010/main" xmlns:aink="http://schemas.microsoft.com/office/drawing/2016/ink" Requires="p14 aink">
+          <p:contentPart p14:bwMode="auto" r:id="rId18">
+            <p14:nvContentPartPr>
+              <p14:cNvPr id="20" name="잉크 19">
+                <a:extLst>
+                  <a:ext uri="{FF2B5EF4-FFF2-40B4-BE49-F238E27FC236}">
+                    <a16:creationId xmlns:a16="http://schemas.microsoft.com/office/drawing/2014/main" id="{D196AEA9-4569-BCEF-5C50-F905C0FB32F9}"/>
+                  </a:ext>
+                </a:extLst>
+              </p14:cNvPr>
+              <p14:cNvContentPartPr/>
+              <p14:nvPr/>
+            </p14:nvContentPartPr>
+            <p14:xfrm>
+              <a:off x="1668026" y="3459639"/>
+              <a:ext cx="360" cy="360"/>
+            </p14:xfrm>
+          </p:contentPart>
+        </mc:Choice>
+        <mc:Fallback>
+          <p:pic>
+            <p:nvPicPr>
+              <p:cNvPr id="20" name="잉크 19">
+                <a:extLst>
+                  <a:ext uri="{FF2B5EF4-FFF2-40B4-BE49-F238E27FC236}">
+                    <a16:creationId xmlns:a16="http://schemas.microsoft.com/office/drawing/2014/main" id="{D196AEA9-4569-BCEF-5C50-F905C0FB32F9}"/>
+                  </a:ext>
+                </a:extLst>
+              </p:cNvPr>
+              <p:cNvPicPr/>
+              <p:nvPr/>
+            </p:nvPicPr>
+            <p:blipFill>
+              <a:blip r:embed="rId19"/>
+              <a:stretch>
+                <a:fillRect/>
+              </a:stretch>
+            </p:blipFill>
+            <p:spPr>
+              <a:xfrm>
+                <a:off x="1650026" y="3441999"/>
+                <a:ext cx="36000" cy="36000"/>
+              </a:xfrm>
+              <a:prstGeom prst="rect">
+                <a:avLst/>
+              </a:prstGeom>
+            </p:spPr>
+          </p:pic>
+        </mc:Fallback>
+      </mc:AlternateContent>
+      <mc:AlternateContent xmlns:mc="http://schemas.openxmlformats.org/markup-compatibility/2006">
+        <mc:Choice xmlns:p14="http://schemas.microsoft.com/office/powerpoint/2010/main" xmlns:aink="http://schemas.microsoft.com/office/drawing/2016/ink" Requires="p14 aink">
+          <p:contentPart p14:bwMode="auto" r:id="rId20">
+            <p14:nvContentPartPr>
+              <p14:cNvPr id="21" name="잉크 20">
+                <a:extLst>
+                  <a:ext uri="{FF2B5EF4-FFF2-40B4-BE49-F238E27FC236}">
+                    <a16:creationId xmlns:a16="http://schemas.microsoft.com/office/drawing/2014/main" id="{BD5F1088-74BE-6435-D311-F3F3D55D752D}"/>
+                  </a:ext>
+                </a:extLst>
+              </p14:cNvPr>
+              <p14:cNvContentPartPr/>
+              <p14:nvPr/>
+            </p14:nvContentPartPr>
+            <p14:xfrm>
+              <a:off x="1767026" y="3360999"/>
+              <a:ext cx="360" cy="360"/>
+            </p14:xfrm>
+          </p:contentPart>
+        </mc:Choice>
+        <mc:Fallback>
+          <p:pic>
+            <p:nvPicPr>
+              <p:cNvPr id="21" name="잉크 20">
+                <a:extLst>
+                  <a:ext uri="{FF2B5EF4-FFF2-40B4-BE49-F238E27FC236}">
+                    <a16:creationId xmlns:a16="http://schemas.microsoft.com/office/drawing/2014/main" id="{BD5F1088-74BE-6435-D311-F3F3D55D752D}"/>
+                  </a:ext>
+                </a:extLst>
+              </p:cNvPr>
+              <p:cNvPicPr/>
+              <p:nvPr/>
+            </p:nvPicPr>
+            <p:blipFill>
+              <a:blip r:embed="rId21"/>
+              <a:stretch>
+                <a:fillRect/>
+              </a:stretch>
+            </p:blipFill>
+            <p:spPr>
+              <a:xfrm>
+                <a:off x="1749026" y="3342999"/>
+                <a:ext cx="36000" cy="36000"/>
+              </a:xfrm>
+              <a:prstGeom prst="rect">
+                <a:avLst/>
+              </a:prstGeom>
+            </p:spPr>
+          </p:pic>
+        </mc:Fallback>
+      </mc:AlternateContent>
+      <mc:AlternateContent xmlns:mc="http://schemas.openxmlformats.org/markup-compatibility/2006">
+        <mc:Choice xmlns:p14="http://schemas.microsoft.com/office/powerpoint/2010/main" xmlns:aink="http://schemas.microsoft.com/office/drawing/2016/ink" Requires="p14 aink">
+          <p:contentPart p14:bwMode="auto" r:id="rId22">
+            <p14:nvContentPartPr>
+              <p14:cNvPr id="22" name="잉크 21">
+                <a:extLst>
+                  <a:ext uri="{FF2B5EF4-FFF2-40B4-BE49-F238E27FC236}">
+                    <a16:creationId xmlns:a16="http://schemas.microsoft.com/office/drawing/2014/main" id="{219EA3F1-6B46-FA85-3102-71883A32F666}"/>
+                  </a:ext>
+                </a:extLst>
+              </p14:cNvPr>
+              <p14:cNvContentPartPr/>
+              <p14:nvPr/>
+            </p14:nvContentPartPr>
+            <p14:xfrm>
+              <a:off x="1884026" y="3249759"/>
+              <a:ext cx="360" cy="360"/>
+            </p14:xfrm>
+          </p:contentPart>
+        </mc:Choice>
+        <mc:Fallback>
+          <p:pic>
+            <p:nvPicPr>
+              <p:cNvPr id="22" name="잉크 21">
+                <a:extLst>
+                  <a:ext uri="{FF2B5EF4-FFF2-40B4-BE49-F238E27FC236}">
+                    <a16:creationId xmlns:a16="http://schemas.microsoft.com/office/drawing/2014/main" id="{219EA3F1-6B46-FA85-3102-71883A32F666}"/>
+                  </a:ext>
+                </a:extLst>
+              </p:cNvPr>
+              <p:cNvPicPr/>
+              <p:nvPr/>
+            </p:nvPicPr>
+            <p:blipFill>
+              <a:blip r:embed="rId23"/>
+              <a:stretch>
+                <a:fillRect/>
+              </a:stretch>
+            </p:blipFill>
+            <p:spPr>
+              <a:xfrm>
+                <a:off x="1866386" y="3232119"/>
+                <a:ext cx="36000" cy="36000"/>
+              </a:xfrm>
+              <a:prstGeom prst="rect">
+                <a:avLst/>
+              </a:prstGeom>
+            </p:spPr>
+          </p:pic>
+        </mc:Fallback>
+      </mc:AlternateContent>
+      <mc:AlternateContent xmlns:mc="http://schemas.openxmlformats.org/markup-compatibility/2006">
+        <mc:Choice xmlns:p14="http://schemas.microsoft.com/office/powerpoint/2010/main" xmlns:aink="http://schemas.microsoft.com/office/drawing/2016/ink" Requires="p14 aink">
+          <p:contentPart p14:bwMode="auto" r:id="rId24">
+            <p14:nvContentPartPr>
+              <p14:cNvPr id="23" name="잉크 22">
+                <a:extLst>
+                  <a:ext uri="{FF2B5EF4-FFF2-40B4-BE49-F238E27FC236}">
+                    <a16:creationId xmlns:a16="http://schemas.microsoft.com/office/drawing/2014/main" id="{638CA32D-F05F-9662-77A4-6C987240C2CC}"/>
+                  </a:ext>
+                </a:extLst>
+              </p14:cNvPr>
+              <p14:cNvContentPartPr/>
+              <p14:nvPr/>
+            </p14:nvContentPartPr>
+            <p14:xfrm>
+              <a:off x="1995626" y="3181719"/>
+              <a:ext cx="360" cy="360"/>
+            </p14:xfrm>
+          </p:contentPart>
+        </mc:Choice>
+        <mc:Fallback>
+          <p:pic>
+            <p:nvPicPr>
+              <p:cNvPr id="23" name="잉크 22">
+                <a:extLst>
+                  <a:ext uri="{FF2B5EF4-FFF2-40B4-BE49-F238E27FC236}">
+                    <a16:creationId xmlns:a16="http://schemas.microsoft.com/office/drawing/2014/main" id="{638CA32D-F05F-9662-77A4-6C987240C2CC}"/>
+                  </a:ext>
+                </a:extLst>
+              </p:cNvPr>
+              <p:cNvPicPr/>
+              <p:nvPr/>
+            </p:nvPicPr>
+            <p:blipFill>
+              <a:blip r:embed="rId25"/>
+              <a:stretch>
+                <a:fillRect/>
+              </a:stretch>
+            </p:blipFill>
+            <p:spPr>
+              <a:xfrm>
+                <a:off x="1977626" y="3163719"/>
+                <a:ext cx="36000" cy="36000"/>
+              </a:xfrm>
+              <a:prstGeom prst="rect">
+                <a:avLst/>
+              </a:prstGeom>
+            </p:spPr>
+          </p:pic>
+        </mc:Fallback>
+      </mc:AlternateContent>
+      <mc:AlternateContent xmlns:mc="http://schemas.openxmlformats.org/markup-compatibility/2006">
+        <mc:Choice xmlns:p14="http://schemas.microsoft.com/office/powerpoint/2010/main" xmlns:aink="http://schemas.microsoft.com/office/drawing/2016/ink" Requires="p14 aink">
+          <p:contentPart p14:bwMode="auto" r:id="rId26">
+            <p14:nvContentPartPr>
+              <p14:cNvPr id="24" name="잉크 23">
+                <a:extLst>
+                  <a:ext uri="{FF2B5EF4-FFF2-40B4-BE49-F238E27FC236}">
+                    <a16:creationId xmlns:a16="http://schemas.microsoft.com/office/drawing/2014/main" id="{EE66566A-DF30-6458-9C36-6A95D3C534B5}"/>
+                  </a:ext>
+                </a:extLst>
+              </p14:cNvPr>
+              <p14:cNvContentPartPr/>
+              <p14:nvPr/>
+            </p14:nvContentPartPr>
+            <p14:xfrm>
+              <a:off x="2125226" y="3057879"/>
+              <a:ext cx="360" cy="360"/>
+            </p14:xfrm>
+          </p:contentPart>
+        </mc:Choice>
+        <mc:Fallback>
+          <p:pic>
+            <p:nvPicPr>
+              <p:cNvPr id="24" name="잉크 23">
+                <a:extLst>
+                  <a:ext uri="{FF2B5EF4-FFF2-40B4-BE49-F238E27FC236}">
+                    <a16:creationId xmlns:a16="http://schemas.microsoft.com/office/drawing/2014/main" id="{EE66566A-DF30-6458-9C36-6A95D3C534B5}"/>
+                  </a:ext>
+                </a:extLst>
+              </p:cNvPr>
+              <p:cNvPicPr/>
+              <p:nvPr/>
+            </p:nvPicPr>
+            <p:blipFill>
+              <a:blip r:embed="rId27"/>
+              <a:stretch>
+                <a:fillRect/>
+              </a:stretch>
+            </p:blipFill>
+            <p:spPr>
+              <a:xfrm>
+                <a:off x="2107226" y="3040239"/>
+                <a:ext cx="36000" cy="36000"/>
+              </a:xfrm>
+              <a:prstGeom prst="rect">
+                <a:avLst/>
+              </a:prstGeom>
+            </p:spPr>
+          </p:pic>
+        </mc:Fallback>
+      </mc:AlternateContent>
+      <mc:AlternateContent xmlns:mc="http://schemas.openxmlformats.org/markup-compatibility/2006">
+        <mc:Choice xmlns:p14="http://schemas.microsoft.com/office/powerpoint/2010/main" xmlns:aink="http://schemas.microsoft.com/office/drawing/2016/ink" Requires="p14 aink">
+          <p:contentPart p14:bwMode="auto" r:id="rId28">
+            <p14:nvContentPartPr>
+              <p14:cNvPr id="25" name="잉크 24">
+                <a:extLst>
+                  <a:ext uri="{FF2B5EF4-FFF2-40B4-BE49-F238E27FC236}">
+                    <a16:creationId xmlns:a16="http://schemas.microsoft.com/office/drawing/2014/main" id="{472D6D56-9387-6ED9-5ECC-A36F6781C51D}"/>
+                  </a:ext>
+                </a:extLst>
+              </p14:cNvPr>
+              <p14:cNvContentPartPr/>
+              <p14:nvPr/>
+            </p14:nvContentPartPr>
+            <p14:xfrm>
+              <a:off x="2217746" y="2990199"/>
+              <a:ext cx="360" cy="360"/>
+            </p14:xfrm>
+          </p:contentPart>
+        </mc:Choice>
+        <mc:Fallback>
+          <p:pic>
+            <p:nvPicPr>
+              <p:cNvPr id="25" name="잉크 24">
+                <a:extLst>
+                  <a:ext uri="{FF2B5EF4-FFF2-40B4-BE49-F238E27FC236}">
+                    <a16:creationId xmlns:a16="http://schemas.microsoft.com/office/drawing/2014/main" id="{472D6D56-9387-6ED9-5ECC-A36F6781C51D}"/>
+                  </a:ext>
+                </a:extLst>
+              </p:cNvPr>
+              <p:cNvPicPr/>
+              <p:nvPr/>
+            </p:nvPicPr>
+            <p:blipFill>
+              <a:blip r:embed="rId29"/>
+              <a:stretch>
+                <a:fillRect/>
+              </a:stretch>
+            </p:blipFill>
+            <p:spPr>
+              <a:xfrm>
+                <a:off x="2200106" y="2972199"/>
+                <a:ext cx="36000" cy="36000"/>
+              </a:xfrm>
+              <a:prstGeom prst="rect">
+                <a:avLst/>
+              </a:prstGeom>
+            </p:spPr>
+          </p:pic>
+        </mc:Fallback>
+      </mc:AlternateContent>
+      <mc:AlternateContent xmlns:mc="http://schemas.openxmlformats.org/markup-compatibility/2006">
+        <mc:Choice xmlns:p14="http://schemas.microsoft.com/office/powerpoint/2010/main" xmlns:aink="http://schemas.microsoft.com/office/drawing/2016/ink" Requires="p14 aink">
+          <p:contentPart p14:bwMode="auto" r:id="rId30">
+            <p14:nvContentPartPr>
+              <p14:cNvPr id="26" name="잉크 25">
+                <a:extLst>
+                  <a:ext uri="{FF2B5EF4-FFF2-40B4-BE49-F238E27FC236}">
+                    <a16:creationId xmlns:a16="http://schemas.microsoft.com/office/drawing/2014/main" id="{0F40399E-1889-82B3-1233-2270F7DF492F}"/>
+                  </a:ext>
+                </a:extLst>
+              </p14:cNvPr>
+              <p14:cNvContentPartPr/>
+              <p14:nvPr/>
+            </p14:nvContentPartPr>
+            <p14:xfrm>
+              <a:off x="2322866" y="2878959"/>
+              <a:ext cx="360" cy="360"/>
+            </p14:xfrm>
+          </p:contentPart>
+        </mc:Choice>
+        <mc:Fallback>
+          <p:pic>
+            <p:nvPicPr>
+              <p:cNvPr id="26" name="잉크 25">
+                <a:extLst>
+                  <a:ext uri="{FF2B5EF4-FFF2-40B4-BE49-F238E27FC236}">
+                    <a16:creationId xmlns:a16="http://schemas.microsoft.com/office/drawing/2014/main" id="{0F40399E-1889-82B3-1233-2270F7DF492F}"/>
+                  </a:ext>
+                </a:extLst>
+              </p:cNvPr>
+              <p:cNvPicPr/>
+              <p:nvPr/>
+            </p:nvPicPr>
+            <p:blipFill>
+              <a:blip r:embed="rId31"/>
+              <a:stretch>
+                <a:fillRect/>
+              </a:stretch>
+            </p:blipFill>
+            <p:spPr>
+              <a:xfrm>
+                <a:off x="2305226" y="2860959"/>
+                <a:ext cx="36000" cy="36000"/>
+              </a:xfrm>
+              <a:prstGeom prst="rect">
+                <a:avLst/>
+              </a:prstGeom>
+            </p:spPr>
+          </p:pic>
+        </mc:Fallback>
+      </mc:AlternateContent>
+      <mc:AlternateContent xmlns:mc="http://schemas.openxmlformats.org/markup-compatibility/2006">
+        <mc:Choice xmlns:p14="http://schemas.microsoft.com/office/powerpoint/2010/main" xmlns:aink="http://schemas.microsoft.com/office/drawing/2016/ink" Requires="p14 aink">
+          <p:contentPart p14:bwMode="auto" r:id="rId32">
+            <p14:nvContentPartPr>
+              <p14:cNvPr id="27" name="잉크 26">
+                <a:extLst>
+                  <a:ext uri="{FF2B5EF4-FFF2-40B4-BE49-F238E27FC236}">
+                    <a16:creationId xmlns:a16="http://schemas.microsoft.com/office/drawing/2014/main" id="{B06A8761-FCF3-D6B4-1C62-CADEBACDE06E}"/>
+                  </a:ext>
+                </a:extLst>
+              </p14:cNvPr>
+              <p14:cNvContentPartPr/>
+              <p14:nvPr/>
+            </p14:nvContentPartPr>
+            <p14:xfrm>
+              <a:off x="2415746" y="2792559"/>
+              <a:ext cx="360" cy="360"/>
+            </p14:xfrm>
+          </p:contentPart>
+        </mc:Choice>
+        <mc:Fallback>
+          <p:pic>
+            <p:nvPicPr>
+              <p:cNvPr id="27" name="잉크 26">
+                <a:extLst>
+                  <a:ext uri="{FF2B5EF4-FFF2-40B4-BE49-F238E27FC236}">
+                    <a16:creationId xmlns:a16="http://schemas.microsoft.com/office/drawing/2014/main" id="{B06A8761-FCF3-D6B4-1C62-CADEBACDE06E}"/>
+                  </a:ext>
+                </a:extLst>
+              </p:cNvPr>
+              <p:cNvPicPr/>
+              <p:nvPr/>
+            </p:nvPicPr>
+            <p:blipFill>
+              <a:blip r:embed="rId33"/>
+              <a:stretch>
+                <a:fillRect/>
+              </a:stretch>
+            </p:blipFill>
+            <p:spPr>
+              <a:xfrm>
+                <a:off x="2397746" y="2774559"/>
+                <a:ext cx="36000" cy="36000"/>
+              </a:xfrm>
+              <a:prstGeom prst="rect">
+                <a:avLst/>
+              </a:prstGeom>
+            </p:spPr>
+          </p:pic>
+        </mc:Fallback>
+      </mc:AlternateContent>
+      <mc:AlternateContent xmlns:mc="http://schemas.openxmlformats.org/markup-compatibility/2006">
+        <mc:Choice xmlns:p14="http://schemas.microsoft.com/office/powerpoint/2010/main" Requires="p14">
+          <p:contentPart p14:bwMode="auto" r:id="rId34">
+            <p14:nvContentPartPr>
+              <p14:cNvPr id="28" name="잉크 27">
+                <a:extLst>
+                  <a:ext uri="{FF2B5EF4-FFF2-40B4-BE49-F238E27FC236}">
+                    <a16:creationId xmlns:a16="http://schemas.microsoft.com/office/drawing/2014/main" id="{E7E9B58C-FF6B-2FBD-189A-7E58FC265678}"/>
+                  </a:ext>
+                </a:extLst>
+              </p14:cNvPr>
+              <p14:cNvContentPartPr/>
+              <p14:nvPr/>
+            </p14:nvContentPartPr>
+            <p14:xfrm>
+              <a:off x="2545346" y="2693559"/>
+              <a:ext cx="360" cy="360"/>
+            </p14:xfrm>
+          </p:contentPart>
+        </mc:Choice>
+        <mc:Fallback>
+          <p:pic>
+            <p:nvPicPr>
+              <p:cNvPr id="28" name="잉크 27">
+                <a:extLst>
+                  <a:ext uri="{FF2B5EF4-FFF2-40B4-BE49-F238E27FC236}">
+                    <a16:creationId xmlns:a16="http://schemas.microsoft.com/office/drawing/2014/main" id="{E7E9B58C-FF6B-2FBD-189A-7E58FC265678}"/>
+                  </a:ext>
+                </a:extLst>
+              </p:cNvPr>
+              <p:cNvPicPr/>
+              <p:nvPr/>
+            </p:nvPicPr>
+            <p:blipFill>
+              <a:blip r:embed="rId4"/>
+              <a:stretch>
+                <a:fillRect/>
+              </a:stretch>
+            </p:blipFill>
+            <p:spPr>
+              <a:xfrm>
+                <a:off x="2536346" y="2684559"/>
+                <a:ext cx="18000" cy="18000"/>
+              </a:xfrm>
+              <a:prstGeom prst="rect">
+                <a:avLst/>
+              </a:prstGeom>
+            </p:spPr>
+          </p:pic>
+        </mc:Fallback>
+      </mc:AlternateContent>
+      <mc:AlternateContent xmlns:mc="http://schemas.openxmlformats.org/markup-compatibility/2006">
+        <mc:Choice xmlns:p14="http://schemas.microsoft.com/office/powerpoint/2010/main" Requires="p14">
+          <p:contentPart p14:bwMode="auto" r:id="rId35">
+            <p14:nvContentPartPr>
+              <p14:cNvPr id="29" name="잉크 28">
+                <a:extLst>
+                  <a:ext uri="{FF2B5EF4-FFF2-40B4-BE49-F238E27FC236}">
+                    <a16:creationId xmlns:a16="http://schemas.microsoft.com/office/drawing/2014/main" id="{A961689C-05D3-83A8-6ECD-AD66FA165E2E}"/>
+                  </a:ext>
+                </a:extLst>
+              </p14:cNvPr>
+              <p14:cNvContentPartPr/>
+              <p14:nvPr/>
+            </p14:nvContentPartPr>
+            <p14:xfrm>
+              <a:off x="2668826" y="2644239"/>
+              <a:ext cx="360" cy="360"/>
+            </p14:xfrm>
+          </p:contentPart>
+        </mc:Choice>
+        <mc:Fallback>
+          <p:pic>
+            <p:nvPicPr>
+              <p:cNvPr id="29" name="잉크 28">
+                <a:extLst>
+                  <a:ext uri="{FF2B5EF4-FFF2-40B4-BE49-F238E27FC236}">
+                    <a16:creationId xmlns:a16="http://schemas.microsoft.com/office/drawing/2014/main" id="{A961689C-05D3-83A8-6ECD-AD66FA165E2E}"/>
+                  </a:ext>
+                </a:extLst>
+              </p:cNvPr>
+              <p:cNvPicPr/>
+              <p:nvPr/>
+            </p:nvPicPr>
+            <p:blipFill>
+              <a:blip r:embed="rId4"/>
+              <a:stretch>
+                <a:fillRect/>
+              </a:stretch>
+            </p:blipFill>
+            <p:spPr>
+              <a:xfrm>
+                <a:off x="2659826" y="2635599"/>
+                <a:ext cx="18000" cy="18000"/>
+              </a:xfrm>
+              <a:prstGeom prst="rect">
+                <a:avLst/>
+              </a:prstGeom>
+            </p:spPr>
+          </p:pic>
+        </mc:Fallback>
+      </mc:AlternateContent>
+      <mc:AlternateContent xmlns:mc="http://schemas.openxmlformats.org/markup-compatibility/2006">
+        <mc:Choice xmlns:p14="http://schemas.microsoft.com/office/powerpoint/2010/main" Requires="p14">
+          <p:contentPart p14:bwMode="auto" r:id="rId36">
+            <p14:nvContentPartPr>
+              <p14:cNvPr id="30" name="잉크 29">
+                <a:extLst>
+                  <a:ext uri="{FF2B5EF4-FFF2-40B4-BE49-F238E27FC236}">
+                    <a16:creationId xmlns:a16="http://schemas.microsoft.com/office/drawing/2014/main" id="{D0381F5A-2984-13F8-9228-9368928AF956}"/>
+                  </a:ext>
+                </a:extLst>
+              </p14:cNvPr>
+              <p14:cNvContentPartPr/>
+              <p14:nvPr/>
+            </p14:nvContentPartPr>
+            <p14:xfrm>
+              <a:off x="2761346" y="2502039"/>
+              <a:ext cx="360" cy="360"/>
+            </p14:xfrm>
+          </p:contentPart>
+        </mc:Choice>
+        <mc:Fallback>
+          <p:pic>
+            <p:nvPicPr>
+              <p:cNvPr id="30" name="잉크 29">
+                <a:extLst>
+                  <a:ext uri="{FF2B5EF4-FFF2-40B4-BE49-F238E27FC236}">
+                    <a16:creationId xmlns:a16="http://schemas.microsoft.com/office/drawing/2014/main" id="{D0381F5A-2984-13F8-9228-9368928AF956}"/>
+                  </a:ext>
+                </a:extLst>
+              </p:cNvPr>
+              <p:cNvPicPr/>
+              <p:nvPr/>
+            </p:nvPicPr>
+            <p:blipFill>
+              <a:blip r:embed="rId4"/>
+              <a:stretch>
+                <a:fillRect/>
+              </a:stretch>
+            </p:blipFill>
+            <p:spPr>
+              <a:xfrm>
+                <a:off x="2752706" y="2493399"/>
+                <a:ext cx="18000" cy="18000"/>
+              </a:xfrm>
+              <a:prstGeom prst="rect">
+                <a:avLst/>
+              </a:prstGeom>
+            </p:spPr>
+          </p:pic>
+        </mc:Fallback>
+      </mc:AlternateContent>
+      <mc:AlternateContent xmlns:mc="http://schemas.openxmlformats.org/markup-compatibility/2006">
+        <mc:Choice xmlns:p14="http://schemas.microsoft.com/office/powerpoint/2010/main" Requires="p14">
+          <p:contentPart p14:bwMode="auto" r:id="rId37">
+            <p14:nvContentPartPr>
+              <p14:cNvPr id="31" name="잉크 30">
+                <a:extLst>
+                  <a:ext uri="{FF2B5EF4-FFF2-40B4-BE49-F238E27FC236}">
+                    <a16:creationId xmlns:a16="http://schemas.microsoft.com/office/drawing/2014/main" id="{08B4707F-2AC6-A33D-BDA0-0F8826D2D9E2}"/>
+                  </a:ext>
+                </a:extLst>
+              </p14:cNvPr>
+              <p14:cNvContentPartPr/>
+              <p14:nvPr/>
+            </p14:nvContentPartPr>
+            <p14:xfrm>
+              <a:off x="2891306" y="2477199"/>
+              <a:ext cx="360" cy="360"/>
+            </p14:xfrm>
+          </p:contentPart>
+        </mc:Choice>
+        <mc:Fallback>
+          <p:pic>
+            <p:nvPicPr>
+              <p:cNvPr id="31" name="잉크 30">
+                <a:extLst>
+                  <a:ext uri="{FF2B5EF4-FFF2-40B4-BE49-F238E27FC236}">
+                    <a16:creationId xmlns:a16="http://schemas.microsoft.com/office/drawing/2014/main" id="{08B4707F-2AC6-A33D-BDA0-0F8826D2D9E2}"/>
+                  </a:ext>
+                </a:extLst>
+              </p:cNvPr>
+              <p:cNvPicPr/>
+              <p:nvPr/>
+            </p:nvPicPr>
+            <p:blipFill>
+              <a:blip r:embed="rId4"/>
+              <a:stretch>
+                <a:fillRect/>
+              </a:stretch>
+            </p:blipFill>
+            <p:spPr>
+              <a:xfrm>
+                <a:off x="2882666" y="2468559"/>
+                <a:ext cx="18000" cy="18000"/>
+              </a:xfrm>
+              <a:prstGeom prst="rect">
+                <a:avLst/>
+              </a:prstGeom>
+            </p:spPr>
+          </p:pic>
+        </mc:Fallback>
+      </mc:AlternateContent>
+      <mc:AlternateContent xmlns:mc="http://schemas.openxmlformats.org/markup-compatibility/2006">
+        <mc:Choice xmlns:p14="http://schemas.microsoft.com/office/powerpoint/2010/main" Requires="p14">
+          <p:contentPart p14:bwMode="auto" r:id="rId38">
+            <p14:nvContentPartPr>
+              <p14:cNvPr id="32" name="잉크 31">
+                <a:extLst>
+                  <a:ext uri="{FF2B5EF4-FFF2-40B4-BE49-F238E27FC236}">
+                    <a16:creationId xmlns:a16="http://schemas.microsoft.com/office/drawing/2014/main" id="{A4E0FADB-7D24-59C0-1EA6-DF04BA8B3210}"/>
+                  </a:ext>
+                </a:extLst>
+              </p14:cNvPr>
+              <p14:cNvContentPartPr/>
+              <p14:nvPr/>
+            </p14:nvContentPartPr>
+            <p14:xfrm>
+              <a:off x="2996426" y="2433999"/>
+              <a:ext cx="360" cy="360"/>
+            </p14:xfrm>
+          </p:contentPart>
+        </mc:Choice>
+        <mc:Fallback>
+          <p:pic>
+            <p:nvPicPr>
+              <p:cNvPr id="32" name="잉크 31">
+                <a:extLst>
+                  <a:ext uri="{FF2B5EF4-FFF2-40B4-BE49-F238E27FC236}">
+                    <a16:creationId xmlns:a16="http://schemas.microsoft.com/office/drawing/2014/main" id="{A4E0FADB-7D24-59C0-1EA6-DF04BA8B3210}"/>
+                  </a:ext>
+                </a:extLst>
+              </p:cNvPr>
+              <p:cNvPicPr/>
+              <p:nvPr/>
+            </p:nvPicPr>
+            <p:blipFill>
+              <a:blip r:embed="rId4"/>
+              <a:stretch>
+                <a:fillRect/>
+              </a:stretch>
+            </p:blipFill>
+            <p:spPr>
+              <a:xfrm>
+                <a:off x="2987426" y="2425359"/>
+                <a:ext cx="18000" cy="18000"/>
+              </a:xfrm>
+              <a:prstGeom prst="rect">
+                <a:avLst/>
+              </a:prstGeom>
+            </p:spPr>
+          </p:pic>
+        </mc:Fallback>
+      </mc:AlternateContent>
+      <mc:AlternateContent xmlns:mc="http://schemas.openxmlformats.org/markup-compatibility/2006">
+        <mc:Choice xmlns:p14="http://schemas.microsoft.com/office/powerpoint/2010/main" Requires="p14">
+          <p:contentPart p14:bwMode="auto" r:id="rId39">
+            <p14:nvContentPartPr>
+              <p14:cNvPr id="33" name="잉크 32">
+                <a:extLst>
+                  <a:ext uri="{FF2B5EF4-FFF2-40B4-BE49-F238E27FC236}">
+                    <a16:creationId xmlns:a16="http://schemas.microsoft.com/office/drawing/2014/main" id="{3CE61C45-211E-2453-25D5-67D0A2652A5B}"/>
+                  </a:ext>
+                </a:extLst>
+              </p14:cNvPr>
+              <p14:cNvContentPartPr/>
+              <p14:nvPr/>
+            </p14:nvContentPartPr>
+            <p14:xfrm>
+              <a:off x="3132146" y="2335359"/>
+              <a:ext cx="360" cy="360"/>
+            </p14:xfrm>
+          </p:contentPart>
+        </mc:Choice>
+        <mc:Fallback>
+          <p:pic>
+            <p:nvPicPr>
+              <p:cNvPr id="33" name="잉크 32">
+                <a:extLst>
+                  <a:ext uri="{FF2B5EF4-FFF2-40B4-BE49-F238E27FC236}">
+                    <a16:creationId xmlns:a16="http://schemas.microsoft.com/office/drawing/2014/main" id="{3CE61C45-211E-2453-25D5-67D0A2652A5B}"/>
+                  </a:ext>
+                </a:extLst>
+              </p:cNvPr>
+              <p:cNvPicPr/>
+              <p:nvPr/>
+            </p:nvPicPr>
+            <p:blipFill>
+              <a:blip r:embed="rId4"/>
+              <a:stretch>
+                <a:fillRect/>
+              </a:stretch>
+            </p:blipFill>
+            <p:spPr>
+              <a:xfrm>
+                <a:off x="3123506" y="2326359"/>
+                <a:ext cx="18000" cy="18000"/>
+              </a:xfrm>
+              <a:prstGeom prst="rect">
+                <a:avLst/>
+              </a:prstGeom>
+            </p:spPr>
+          </p:pic>
+        </mc:Fallback>
+      </mc:AlternateContent>
+      <mc:AlternateContent xmlns:mc="http://schemas.openxmlformats.org/markup-compatibility/2006">
+        <mc:Choice xmlns:p14="http://schemas.microsoft.com/office/powerpoint/2010/main" Requires="p14">
+          <p:contentPart p14:bwMode="auto" r:id="rId40">
+            <p14:nvContentPartPr>
+              <p14:cNvPr id="34" name="잉크 33">
+                <a:extLst>
+                  <a:ext uri="{FF2B5EF4-FFF2-40B4-BE49-F238E27FC236}">
+                    <a16:creationId xmlns:a16="http://schemas.microsoft.com/office/drawing/2014/main" id="{6160FD90-D18C-84CD-C994-2553D78FC21A}"/>
+                  </a:ext>
+                </a:extLst>
+              </p14:cNvPr>
+              <p14:cNvContentPartPr/>
+              <p14:nvPr/>
+            </p14:nvContentPartPr>
+            <p14:xfrm>
+              <a:off x="3225026" y="2298279"/>
+              <a:ext cx="360" cy="360"/>
+            </p14:xfrm>
+          </p:contentPart>
+        </mc:Choice>
+        <mc:Fallback>
+          <p:pic>
+            <p:nvPicPr>
+              <p:cNvPr id="34" name="잉크 33">
+                <a:extLst>
+                  <a:ext uri="{FF2B5EF4-FFF2-40B4-BE49-F238E27FC236}">
+                    <a16:creationId xmlns:a16="http://schemas.microsoft.com/office/drawing/2014/main" id="{6160FD90-D18C-84CD-C994-2553D78FC21A}"/>
+                  </a:ext>
+                </a:extLst>
+              </p:cNvPr>
+              <p:cNvPicPr/>
+              <p:nvPr/>
+            </p:nvPicPr>
+            <p:blipFill>
+              <a:blip r:embed="rId4"/>
+              <a:stretch>
+                <a:fillRect/>
+              </a:stretch>
+            </p:blipFill>
+            <p:spPr>
+              <a:xfrm>
+                <a:off x="3216026" y="2289279"/>
+                <a:ext cx="18000" cy="18000"/>
+              </a:xfrm>
+              <a:prstGeom prst="rect">
+                <a:avLst/>
+              </a:prstGeom>
+            </p:spPr>
+          </p:pic>
+        </mc:Fallback>
+      </mc:AlternateContent>
+      <mc:AlternateContent xmlns:mc="http://schemas.openxmlformats.org/markup-compatibility/2006">
+        <mc:Choice xmlns:p14="http://schemas.microsoft.com/office/powerpoint/2010/main" Requires="p14">
+          <p:contentPart p14:bwMode="auto" r:id="rId41">
+            <p14:nvContentPartPr>
+              <p14:cNvPr id="35" name="잉크 34">
+                <a:extLst>
+                  <a:ext uri="{FF2B5EF4-FFF2-40B4-BE49-F238E27FC236}">
+                    <a16:creationId xmlns:a16="http://schemas.microsoft.com/office/drawing/2014/main" id="{DCAF451F-5C90-5EB0-6E74-09748C8DF1F3}"/>
+                  </a:ext>
+                </a:extLst>
+              </p14:cNvPr>
+              <p14:cNvContentPartPr/>
+              <p14:nvPr/>
+            </p14:nvContentPartPr>
+            <p14:xfrm>
+              <a:off x="3342386" y="2224119"/>
+              <a:ext cx="360" cy="360"/>
+            </p14:xfrm>
+          </p:contentPart>
+        </mc:Choice>
+        <mc:Fallback>
+          <p:pic>
+            <p:nvPicPr>
+              <p:cNvPr id="35" name="잉크 34">
+                <a:extLst>
+                  <a:ext uri="{FF2B5EF4-FFF2-40B4-BE49-F238E27FC236}">
+                    <a16:creationId xmlns:a16="http://schemas.microsoft.com/office/drawing/2014/main" id="{DCAF451F-5C90-5EB0-6E74-09748C8DF1F3}"/>
+                  </a:ext>
+                </a:extLst>
+              </p:cNvPr>
+              <p:cNvPicPr/>
+              <p:nvPr/>
+            </p:nvPicPr>
+            <p:blipFill>
+              <a:blip r:embed="rId4"/>
+              <a:stretch>
+                <a:fillRect/>
+              </a:stretch>
+            </p:blipFill>
+            <p:spPr>
+              <a:xfrm>
+                <a:off x="3333386" y="2215119"/>
+                <a:ext cx="18000" cy="18000"/>
+              </a:xfrm>
+              <a:prstGeom prst="rect">
+                <a:avLst/>
+              </a:prstGeom>
+            </p:spPr>
+          </p:pic>
+        </mc:Fallback>
+      </mc:AlternateContent>
+      <mc:AlternateContent xmlns:mc="http://schemas.openxmlformats.org/markup-compatibility/2006">
+        <mc:Choice xmlns:p14="http://schemas.microsoft.com/office/powerpoint/2010/main" Requires="p14">
+          <p:contentPart p14:bwMode="auto" r:id="rId42">
+            <p14:nvContentPartPr>
+              <p14:cNvPr id="36" name="잉크 35">
+                <a:extLst>
+                  <a:ext uri="{FF2B5EF4-FFF2-40B4-BE49-F238E27FC236}">
+                    <a16:creationId xmlns:a16="http://schemas.microsoft.com/office/drawing/2014/main" id="{6838CE09-F82E-3D47-08FF-C7EDB946F1E2}"/>
+                  </a:ext>
+                </a:extLst>
+              </p14:cNvPr>
+              <p14:cNvContentPartPr/>
+              <p14:nvPr/>
+            </p14:nvContentPartPr>
+            <p14:xfrm>
+              <a:off x="3447146" y="2180919"/>
+              <a:ext cx="360" cy="360"/>
+            </p14:xfrm>
+          </p:contentPart>
+        </mc:Choice>
+        <mc:Fallback>
+          <p:pic>
+            <p:nvPicPr>
+              <p:cNvPr id="36" name="잉크 35">
+                <a:extLst>
+                  <a:ext uri="{FF2B5EF4-FFF2-40B4-BE49-F238E27FC236}">
+                    <a16:creationId xmlns:a16="http://schemas.microsoft.com/office/drawing/2014/main" id="{6838CE09-F82E-3D47-08FF-C7EDB946F1E2}"/>
+                  </a:ext>
+                </a:extLst>
+              </p:cNvPr>
+              <p:cNvPicPr/>
+              <p:nvPr/>
+            </p:nvPicPr>
+            <p:blipFill>
+              <a:blip r:embed="rId4"/>
+              <a:stretch>
+                <a:fillRect/>
+              </a:stretch>
+            </p:blipFill>
+            <p:spPr>
+              <a:xfrm>
+                <a:off x="3438506" y="2171919"/>
+                <a:ext cx="18000" cy="18000"/>
+              </a:xfrm>
+              <a:prstGeom prst="rect">
+                <a:avLst/>
+              </a:prstGeom>
+            </p:spPr>
+          </p:pic>
+        </mc:Fallback>
+      </mc:AlternateContent>
+      <mc:AlternateContent xmlns:mc="http://schemas.openxmlformats.org/markup-compatibility/2006">
+        <mc:Choice xmlns:p14="http://schemas.microsoft.com/office/powerpoint/2010/main" Requires="p14">
+          <p:contentPart p14:bwMode="auto" r:id="rId43">
+            <p14:nvContentPartPr>
+              <p14:cNvPr id="37" name="잉크 36">
+                <a:extLst>
+                  <a:ext uri="{FF2B5EF4-FFF2-40B4-BE49-F238E27FC236}">
+                    <a16:creationId xmlns:a16="http://schemas.microsoft.com/office/drawing/2014/main" id="{8F6F8981-12DB-3D1C-100E-59BFCA0199BB}"/>
+                  </a:ext>
+                </a:extLst>
+              </p14:cNvPr>
+              <p14:cNvContentPartPr/>
+              <p14:nvPr/>
+            </p14:nvContentPartPr>
+            <p14:xfrm>
+              <a:off x="3564866" y="2125119"/>
+              <a:ext cx="360" cy="360"/>
+            </p14:xfrm>
+          </p:contentPart>
+        </mc:Choice>
+        <mc:Fallback>
+          <p:pic>
+            <p:nvPicPr>
+              <p:cNvPr id="37" name="잉크 36">
+                <a:extLst>
+                  <a:ext uri="{FF2B5EF4-FFF2-40B4-BE49-F238E27FC236}">
+                    <a16:creationId xmlns:a16="http://schemas.microsoft.com/office/drawing/2014/main" id="{8F6F8981-12DB-3D1C-100E-59BFCA0199BB}"/>
+                  </a:ext>
+                </a:extLst>
+              </p:cNvPr>
+              <p:cNvPicPr/>
+              <p:nvPr/>
+            </p:nvPicPr>
+            <p:blipFill>
+              <a:blip r:embed="rId4"/>
+              <a:stretch>
+                <a:fillRect/>
+              </a:stretch>
+            </p:blipFill>
+            <p:spPr>
+              <a:xfrm>
+                <a:off x="3555866" y="2116479"/>
+                <a:ext cx="18000" cy="18000"/>
+              </a:xfrm>
+              <a:prstGeom prst="rect">
+                <a:avLst/>
+              </a:prstGeom>
+            </p:spPr>
+          </p:pic>
+        </mc:Fallback>
+      </mc:AlternateContent>
+      <mc:AlternateContent xmlns:mc="http://schemas.openxmlformats.org/markup-compatibility/2006">
+        <mc:Choice xmlns:p14="http://schemas.microsoft.com/office/powerpoint/2010/main" xmlns:aink="http://schemas.microsoft.com/office/drawing/2016/ink" Requires="p14 aink">
+          <p:contentPart p14:bwMode="auto" r:id="rId44">
+            <p14:nvContentPartPr>
+              <p14:cNvPr id="38" name="잉크 37">
+                <a:extLst>
+                  <a:ext uri="{FF2B5EF4-FFF2-40B4-BE49-F238E27FC236}">
+                    <a16:creationId xmlns:a16="http://schemas.microsoft.com/office/drawing/2014/main" id="{93634FD5-7A61-BE63-6CD2-EAEE3AD12860}"/>
+                  </a:ext>
+                </a:extLst>
+              </p14:cNvPr>
+              <p14:cNvContentPartPr/>
+              <p14:nvPr/>
+            </p14:nvContentPartPr>
+            <p14:xfrm>
+              <a:off x="3700586" y="2073279"/>
+              <a:ext cx="360" cy="2880"/>
+            </p14:xfrm>
+          </p:contentPart>
+        </mc:Choice>
+        <mc:Fallback>
+          <p:pic>
+            <p:nvPicPr>
+              <p:cNvPr id="38" name="잉크 37">
+                <a:extLst>
+                  <a:ext uri="{FF2B5EF4-FFF2-40B4-BE49-F238E27FC236}">
+                    <a16:creationId xmlns:a16="http://schemas.microsoft.com/office/drawing/2014/main" id="{93634FD5-7A61-BE63-6CD2-EAEE3AD12860}"/>
+                  </a:ext>
+                </a:extLst>
+              </p:cNvPr>
+              <p:cNvPicPr/>
+              <p:nvPr/>
+            </p:nvPicPr>
+            <p:blipFill>
+              <a:blip r:embed="rId45"/>
+              <a:stretch>
+                <a:fillRect/>
+              </a:stretch>
+            </p:blipFill>
+            <p:spPr>
+              <a:xfrm>
+                <a:off x="3682946" y="2055279"/>
+                <a:ext cx="36000" cy="38520"/>
+              </a:xfrm>
+              <a:prstGeom prst="rect">
+                <a:avLst/>
+              </a:prstGeom>
+            </p:spPr>
+          </p:pic>
+        </mc:Fallback>
+      </mc:AlternateContent>
+      <mc:AlternateContent xmlns:mc="http://schemas.openxmlformats.org/markup-compatibility/2006">
+        <mc:Choice xmlns:p14="http://schemas.microsoft.com/office/powerpoint/2010/main" xmlns:aink="http://schemas.microsoft.com/office/drawing/2016/ink" Requires="p14 aink">
+          <p:contentPart p14:bwMode="auto" r:id="rId46">
+            <p14:nvContentPartPr>
+              <p14:cNvPr id="39" name="잉크 38">
+                <a:extLst>
+                  <a:ext uri="{FF2B5EF4-FFF2-40B4-BE49-F238E27FC236}">
+                    <a16:creationId xmlns:a16="http://schemas.microsoft.com/office/drawing/2014/main" id="{C622014B-2E77-E9FE-4C31-76B578B4C345}"/>
+                  </a:ext>
+                </a:extLst>
+              </p14:cNvPr>
+              <p14:cNvContentPartPr/>
+              <p14:nvPr/>
+            </p14:nvContentPartPr>
+            <p14:xfrm>
+              <a:off x="3830546" y="2007759"/>
+              <a:ext cx="360" cy="360"/>
+            </p14:xfrm>
+          </p:contentPart>
+        </mc:Choice>
+        <mc:Fallback>
+          <p:pic>
+            <p:nvPicPr>
+              <p:cNvPr id="39" name="잉크 38">
+                <a:extLst>
+                  <a:ext uri="{FF2B5EF4-FFF2-40B4-BE49-F238E27FC236}">
+                    <a16:creationId xmlns:a16="http://schemas.microsoft.com/office/drawing/2014/main" id="{C622014B-2E77-E9FE-4C31-76B578B4C345}"/>
+                  </a:ext>
+                </a:extLst>
+              </p:cNvPr>
+              <p:cNvPicPr/>
+              <p:nvPr/>
+            </p:nvPicPr>
+            <p:blipFill>
+              <a:blip r:embed="rId47"/>
+              <a:stretch>
+                <a:fillRect/>
+              </a:stretch>
+            </p:blipFill>
+            <p:spPr>
+              <a:xfrm>
+                <a:off x="3812546" y="1989759"/>
+                <a:ext cx="36000" cy="36000"/>
+              </a:xfrm>
+              <a:prstGeom prst="rect">
+                <a:avLst/>
+              </a:prstGeom>
+            </p:spPr>
+          </p:pic>
+        </mc:Fallback>
+      </mc:AlternateContent>
+      <mc:AlternateContent xmlns:mc="http://schemas.openxmlformats.org/markup-compatibility/2006">
+        <mc:Choice xmlns:p14="http://schemas.microsoft.com/office/powerpoint/2010/main" xmlns:aink="http://schemas.microsoft.com/office/drawing/2016/ink" Requires="p14 aink">
+          <p:contentPart p14:bwMode="auto" r:id="rId48">
+            <p14:nvContentPartPr>
+              <p14:cNvPr id="40" name="잉크 39">
+                <a:extLst>
+                  <a:ext uri="{FF2B5EF4-FFF2-40B4-BE49-F238E27FC236}">
+                    <a16:creationId xmlns:a16="http://schemas.microsoft.com/office/drawing/2014/main" id="{C824C598-757A-EF98-BE5E-F3C1BADD9B65}"/>
+                  </a:ext>
+                </a:extLst>
+              </p14:cNvPr>
+              <p14:cNvContentPartPr/>
+              <p14:nvPr/>
+            </p14:nvContentPartPr>
+            <p14:xfrm>
+              <a:off x="3929186" y="1970679"/>
+              <a:ext cx="360" cy="360"/>
+            </p14:xfrm>
+          </p:contentPart>
+        </mc:Choice>
+        <mc:Fallback>
+          <p:pic>
+            <p:nvPicPr>
+              <p:cNvPr id="40" name="잉크 39">
+                <a:extLst>
+                  <a:ext uri="{FF2B5EF4-FFF2-40B4-BE49-F238E27FC236}">
+                    <a16:creationId xmlns:a16="http://schemas.microsoft.com/office/drawing/2014/main" id="{C824C598-757A-EF98-BE5E-F3C1BADD9B65}"/>
+                  </a:ext>
+                </a:extLst>
+              </p:cNvPr>
+              <p:cNvPicPr/>
+              <p:nvPr/>
+            </p:nvPicPr>
+            <p:blipFill>
+              <a:blip r:embed="rId49"/>
+              <a:stretch>
+                <a:fillRect/>
+              </a:stretch>
+            </p:blipFill>
+            <p:spPr>
+              <a:xfrm>
+                <a:off x="3911546" y="1953039"/>
+                <a:ext cx="36000" cy="36000"/>
+              </a:xfrm>
+              <a:prstGeom prst="rect">
+                <a:avLst/>
+              </a:prstGeom>
+            </p:spPr>
+          </p:pic>
+        </mc:Fallback>
+      </mc:AlternateContent>
+      <mc:AlternateContent xmlns:mc="http://schemas.openxmlformats.org/markup-compatibility/2006">
+        <mc:Choice xmlns:p14="http://schemas.microsoft.com/office/powerpoint/2010/main" xmlns:aink="http://schemas.microsoft.com/office/drawing/2016/ink" Requires="p14 aink">
+          <p:contentPart p14:bwMode="auto" r:id="rId50">
+            <p14:nvContentPartPr>
+              <p14:cNvPr id="41" name="잉크 40">
+                <a:extLst>
+                  <a:ext uri="{FF2B5EF4-FFF2-40B4-BE49-F238E27FC236}">
+                    <a16:creationId xmlns:a16="http://schemas.microsoft.com/office/drawing/2014/main" id="{9C47D327-B4CD-9BC3-1979-77E224D128F5}"/>
+                  </a:ext>
+                </a:extLst>
+              </p14:cNvPr>
+              <p14:cNvContentPartPr/>
+              <p14:nvPr/>
+            </p14:nvContentPartPr>
+            <p14:xfrm>
+              <a:off x="4046906" y="1896519"/>
+              <a:ext cx="360" cy="360"/>
+            </p14:xfrm>
+          </p:contentPart>
+        </mc:Choice>
+        <mc:Fallback>
+          <p:pic>
+            <p:nvPicPr>
+              <p:cNvPr id="41" name="잉크 40">
+                <a:extLst>
+                  <a:ext uri="{FF2B5EF4-FFF2-40B4-BE49-F238E27FC236}">
+                    <a16:creationId xmlns:a16="http://schemas.microsoft.com/office/drawing/2014/main" id="{9C47D327-B4CD-9BC3-1979-77E224D128F5}"/>
+                  </a:ext>
+                </a:extLst>
+              </p:cNvPr>
+              <p:cNvPicPr/>
+              <p:nvPr/>
+            </p:nvPicPr>
+            <p:blipFill>
+              <a:blip r:embed="rId51"/>
+              <a:stretch>
+                <a:fillRect/>
+              </a:stretch>
+            </p:blipFill>
+            <p:spPr>
+              <a:xfrm>
+                <a:off x="4028906" y="1878879"/>
+                <a:ext cx="36000" cy="36000"/>
+              </a:xfrm>
+              <a:prstGeom prst="rect">
+                <a:avLst/>
+              </a:prstGeom>
+            </p:spPr>
+          </p:pic>
+        </mc:Fallback>
+      </mc:AlternateContent>
+      <mc:AlternateContent xmlns:mc="http://schemas.openxmlformats.org/markup-compatibility/2006">
+        <mc:Choice xmlns:p14="http://schemas.microsoft.com/office/powerpoint/2010/main" xmlns:aink="http://schemas.microsoft.com/office/drawing/2016/ink" Requires="p14 aink">
+          <p:contentPart p14:bwMode="auto" r:id="rId52">
+            <p14:nvContentPartPr>
+              <p14:cNvPr id="42" name="잉크 41">
+                <a:extLst>
+                  <a:ext uri="{FF2B5EF4-FFF2-40B4-BE49-F238E27FC236}">
+                    <a16:creationId xmlns:a16="http://schemas.microsoft.com/office/drawing/2014/main" id="{2E259EC4-4324-13BB-B9D6-BA9AB1702511}"/>
+                  </a:ext>
+                </a:extLst>
+              </p14:cNvPr>
+              <p14:cNvContentPartPr/>
+              <p14:nvPr/>
+            </p14:nvContentPartPr>
+            <p14:xfrm>
+              <a:off x="4145546" y="1875639"/>
+              <a:ext cx="360" cy="2880"/>
+            </p14:xfrm>
+          </p:contentPart>
+        </mc:Choice>
+        <mc:Fallback>
+          <p:pic>
+            <p:nvPicPr>
+              <p:cNvPr id="42" name="잉크 41">
+                <a:extLst>
+                  <a:ext uri="{FF2B5EF4-FFF2-40B4-BE49-F238E27FC236}">
+                    <a16:creationId xmlns:a16="http://schemas.microsoft.com/office/drawing/2014/main" id="{2E259EC4-4324-13BB-B9D6-BA9AB1702511}"/>
+                  </a:ext>
+                </a:extLst>
+              </p:cNvPr>
+              <p:cNvPicPr/>
+              <p:nvPr/>
+            </p:nvPicPr>
+            <p:blipFill>
+              <a:blip r:embed="rId53"/>
+              <a:stretch>
+                <a:fillRect/>
+              </a:stretch>
+            </p:blipFill>
+            <p:spPr>
+              <a:xfrm>
+                <a:off x="4127546" y="1857639"/>
+                <a:ext cx="36000" cy="38520"/>
+              </a:xfrm>
+              <a:prstGeom prst="rect">
+                <a:avLst/>
+              </a:prstGeom>
+            </p:spPr>
+          </p:pic>
+        </mc:Fallback>
+      </mc:AlternateContent>
+      <mc:AlternateContent xmlns:mc="http://schemas.openxmlformats.org/markup-compatibility/2006">
+        <mc:Choice xmlns:p14="http://schemas.microsoft.com/office/powerpoint/2010/main" xmlns:aink="http://schemas.microsoft.com/office/drawing/2016/ink" Requires="p14 aink">
+          <p:contentPart p14:bwMode="auto" r:id="rId54">
+            <p14:nvContentPartPr>
+              <p14:cNvPr id="43" name="잉크 42">
+                <a:extLst>
+                  <a:ext uri="{FF2B5EF4-FFF2-40B4-BE49-F238E27FC236}">
+                    <a16:creationId xmlns:a16="http://schemas.microsoft.com/office/drawing/2014/main" id="{D0F74ABE-FE9E-D98F-4DCD-958B65606627}"/>
+                  </a:ext>
+                </a:extLst>
+              </p14:cNvPr>
+              <p14:cNvContentPartPr/>
+              <p14:nvPr/>
+            </p14:nvContentPartPr>
+            <p14:xfrm>
+              <a:off x="4269026" y="1828479"/>
+              <a:ext cx="360" cy="360"/>
+            </p14:xfrm>
+          </p:contentPart>
+        </mc:Choice>
+        <mc:Fallback>
+          <p:pic>
+            <p:nvPicPr>
+              <p:cNvPr id="43" name="잉크 42">
+                <a:extLst>
+                  <a:ext uri="{FF2B5EF4-FFF2-40B4-BE49-F238E27FC236}">
+                    <a16:creationId xmlns:a16="http://schemas.microsoft.com/office/drawing/2014/main" id="{D0F74ABE-FE9E-D98F-4DCD-958B65606627}"/>
+                  </a:ext>
+                </a:extLst>
+              </p:cNvPr>
+              <p:cNvPicPr/>
+              <p:nvPr/>
+            </p:nvPicPr>
+            <p:blipFill>
+              <a:blip r:embed="rId55"/>
+              <a:stretch>
+                <a:fillRect/>
+              </a:stretch>
+            </p:blipFill>
+            <p:spPr>
+              <a:xfrm>
+                <a:off x="4251386" y="1810839"/>
+                <a:ext cx="36000" cy="36000"/>
+              </a:xfrm>
+              <a:prstGeom prst="rect">
+                <a:avLst/>
+              </a:prstGeom>
+            </p:spPr>
+          </p:pic>
+        </mc:Fallback>
+      </mc:AlternateContent>
+      <mc:AlternateContent xmlns:mc="http://schemas.openxmlformats.org/markup-compatibility/2006">
+        <mc:Choice xmlns:p14="http://schemas.microsoft.com/office/powerpoint/2010/main" xmlns:aink="http://schemas.microsoft.com/office/drawing/2016/ink" Requires="p14 aink">
+          <p:contentPart p14:bwMode="auto" r:id="rId56">
+            <p14:nvContentPartPr>
+              <p14:cNvPr id="44" name="잉크 43">
+                <a:extLst>
+                  <a:ext uri="{FF2B5EF4-FFF2-40B4-BE49-F238E27FC236}">
+                    <a16:creationId xmlns:a16="http://schemas.microsoft.com/office/drawing/2014/main" id="{E60C147A-D93E-CABC-B0D9-A3385C70D43F}"/>
+                  </a:ext>
+                </a:extLst>
+              </p14:cNvPr>
+              <p14:cNvContentPartPr/>
+              <p14:nvPr/>
+            </p14:nvContentPartPr>
+            <p14:xfrm>
+              <a:off x="4367666" y="1818759"/>
+              <a:ext cx="2880" cy="4320"/>
+            </p14:xfrm>
+          </p:contentPart>
+        </mc:Choice>
+        <mc:Fallback>
+          <p:pic>
+            <p:nvPicPr>
+              <p:cNvPr id="44" name="잉크 43">
+                <a:extLst>
+                  <a:ext uri="{FF2B5EF4-FFF2-40B4-BE49-F238E27FC236}">
+                    <a16:creationId xmlns:a16="http://schemas.microsoft.com/office/drawing/2014/main" id="{E60C147A-D93E-CABC-B0D9-A3385C70D43F}"/>
+                  </a:ext>
+                </a:extLst>
+              </p:cNvPr>
+              <p:cNvPicPr/>
+              <p:nvPr/>
+            </p:nvPicPr>
+            <p:blipFill>
+              <a:blip r:embed="rId57"/>
+              <a:stretch>
+                <a:fillRect/>
+              </a:stretch>
+            </p:blipFill>
+            <p:spPr>
+              <a:xfrm>
+                <a:off x="4350026" y="1800759"/>
+                <a:ext cx="38520" cy="39960"/>
+              </a:xfrm>
+              <a:prstGeom prst="rect">
+                <a:avLst/>
+              </a:prstGeom>
+            </p:spPr>
+          </p:pic>
+        </mc:Fallback>
+      </mc:AlternateContent>
+      <mc:AlternateContent xmlns:mc="http://schemas.openxmlformats.org/markup-compatibility/2006">
+        <mc:Choice xmlns:p14="http://schemas.microsoft.com/office/powerpoint/2010/main" xmlns:aink="http://schemas.microsoft.com/office/drawing/2016/ink" Requires="p14 aink">
+          <p:contentPart p14:bwMode="auto" r:id="rId58">
+            <p14:nvContentPartPr>
+              <p14:cNvPr id="45" name="잉크 44">
+                <a:extLst>
+                  <a:ext uri="{FF2B5EF4-FFF2-40B4-BE49-F238E27FC236}">
+                    <a16:creationId xmlns:a16="http://schemas.microsoft.com/office/drawing/2014/main" id="{9C7D9DC1-2FFC-0356-356F-0C415A81CF29}"/>
+                  </a:ext>
+                </a:extLst>
+              </p14:cNvPr>
+              <p14:cNvContentPartPr/>
+              <p14:nvPr/>
+            </p14:nvContentPartPr>
+            <p14:xfrm>
+              <a:off x="4497626" y="1760799"/>
+              <a:ext cx="360" cy="360"/>
+            </p14:xfrm>
+          </p:contentPart>
+        </mc:Choice>
+        <mc:Fallback>
+          <p:pic>
+            <p:nvPicPr>
+              <p:cNvPr id="45" name="잉크 44">
+                <a:extLst>
+                  <a:ext uri="{FF2B5EF4-FFF2-40B4-BE49-F238E27FC236}">
+                    <a16:creationId xmlns:a16="http://schemas.microsoft.com/office/drawing/2014/main" id="{9C7D9DC1-2FFC-0356-356F-0C415A81CF29}"/>
+                  </a:ext>
+                </a:extLst>
+              </p:cNvPr>
+              <p:cNvPicPr/>
+              <p:nvPr/>
+            </p:nvPicPr>
+            <p:blipFill>
+              <a:blip r:embed="rId59"/>
+              <a:stretch>
+                <a:fillRect/>
+              </a:stretch>
+            </p:blipFill>
+            <p:spPr>
+              <a:xfrm>
+                <a:off x="4479986" y="1742799"/>
+                <a:ext cx="36000" cy="36000"/>
+              </a:xfrm>
+              <a:prstGeom prst="rect">
+                <a:avLst/>
+              </a:prstGeom>
+            </p:spPr>
+          </p:pic>
+        </mc:Fallback>
+      </mc:AlternateContent>
+      <mc:AlternateContent xmlns:mc="http://schemas.openxmlformats.org/markup-compatibility/2006">
+        <mc:Choice xmlns:p14="http://schemas.microsoft.com/office/powerpoint/2010/main" xmlns:aink="http://schemas.microsoft.com/office/drawing/2016/ink" Requires="p14 aink">
+          <p:contentPart p14:bwMode="auto" r:id="rId60">
+            <p14:nvContentPartPr>
+              <p14:cNvPr id="46" name="잉크 45">
+                <a:extLst>
+                  <a:ext uri="{FF2B5EF4-FFF2-40B4-BE49-F238E27FC236}">
+                    <a16:creationId xmlns:a16="http://schemas.microsoft.com/office/drawing/2014/main" id="{A5B01A5D-B201-D87F-C996-7FD20C848F5C}"/>
+                  </a:ext>
+                </a:extLst>
+              </p14:cNvPr>
+              <p14:cNvContentPartPr/>
+              <p14:nvPr/>
+            </p14:nvContentPartPr>
+            <p14:xfrm>
+              <a:off x="4621106" y="1735959"/>
+              <a:ext cx="360" cy="360"/>
+            </p14:xfrm>
+          </p:contentPart>
+        </mc:Choice>
+        <mc:Fallback>
+          <p:pic>
+            <p:nvPicPr>
+              <p:cNvPr id="46" name="잉크 45">
+                <a:extLst>
+                  <a:ext uri="{FF2B5EF4-FFF2-40B4-BE49-F238E27FC236}">
+                    <a16:creationId xmlns:a16="http://schemas.microsoft.com/office/drawing/2014/main" id="{A5B01A5D-B201-D87F-C996-7FD20C848F5C}"/>
+                  </a:ext>
+                </a:extLst>
+              </p:cNvPr>
+              <p:cNvPicPr/>
+              <p:nvPr/>
+            </p:nvPicPr>
+            <p:blipFill>
+              <a:blip r:embed="rId61"/>
+              <a:stretch>
+                <a:fillRect/>
+              </a:stretch>
+            </p:blipFill>
+            <p:spPr>
+              <a:xfrm>
+                <a:off x="4603466" y="1717959"/>
+                <a:ext cx="36000" cy="36000"/>
+              </a:xfrm>
+              <a:prstGeom prst="rect">
+                <a:avLst/>
+              </a:prstGeom>
+            </p:spPr>
+          </p:pic>
+        </mc:Fallback>
+      </mc:AlternateContent>
+      <mc:AlternateContent xmlns:mc="http://schemas.openxmlformats.org/markup-compatibility/2006">
+        <mc:Choice xmlns:p14="http://schemas.microsoft.com/office/powerpoint/2010/main" xmlns:aink="http://schemas.microsoft.com/office/drawing/2016/ink" Requires="p14 aink">
+          <p:contentPart p14:bwMode="auto" r:id="rId62">
+            <p14:nvContentPartPr>
+              <p14:cNvPr id="47" name="잉크 46">
+                <a:extLst>
+                  <a:ext uri="{FF2B5EF4-FFF2-40B4-BE49-F238E27FC236}">
+                    <a16:creationId xmlns:a16="http://schemas.microsoft.com/office/drawing/2014/main" id="{276460DC-A877-ABF8-BB9C-C0F0C4B6B1E0}"/>
+                  </a:ext>
+                </a:extLst>
+              </p14:cNvPr>
+              <p14:cNvContentPartPr/>
+              <p14:nvPr/>
+            </p14:nvContentPartPr>
+            <p14:xfrm>
+              <a:off x="4701386" y="1717599"/>
+              <a:ext cx="360" cy="360"/>
+            </p14:xfrm>
+          </p:contentPart>
+        </mc:Choice>
+        <mc:Fallback>
+          <p:pic>
+            <p:nvPicPr>
+              <p:cNvPr id="47" name="잉크 46">
+                <a:extLst>
+                  <a:ext uri="{FF2B5EF4-FFF2-40B4-BE49-F238E27FC236}">
+                    <a16:creationId xmlns:a16="http://schemas.microsoft.com/office/drawing/2014/main" id="{276460DC-A877-ABF8-BB9C-C0F0C4B6B1E0}"/>
+                  </a:ext>
+                </a:extLst>
+              </p:cNvPr>
+              <p:cNvPicPr/>
+              <p:nvPr/>
+            </p:nvPicPr>
+            <p:blipFill>
+              <a:blip r:embed="rId63"/>
+              <a:stretch>
+                <a:fillRect/>
+              </a:stretch>
+            </p:blipFill>
+            <p:spPr>
+              <a:xfrm>
+                <a:off x="4683746" y="1699599"/>
+                <a:ext cx="36000" cy="36000"/>
+              </a:xfrm>
+              <a:prstGeom prst="rect">
+                <a:avLst/>
+              </a:prstGeom>
+            </p:spPr>
+          </p:pic>
+        </mc:Fallback>
+      </mc:AlternateContent>
+      <mc:AlternateContent xmlns:mc="http://schemas.openxmlformats.org/markup-compatibility/2006">
+        <mc:Choice xmlns:p14="http://schemas.microsoft.com/office/powerpoint/2010/main" Requires="p14">
+          <p:contentPart p14:bwMode="auto" r:id="rId64">
+            <p14:nvContentPartPr>
+              <p14:cNvPr id="48" name="잉크 47">
+                <a:extLst>
+                  <a:ext uri="{FF2B5EF4-FFF2-40B4-BE49-F238E27FC236}">
+                    <a16:creationId xmlns:a16="http://schemas.microsoft.com/office/drawing/2014/main" id="{DF49A30C-5572-7161-CB32-67298D48C0B1}"/>
+                  </a:ext>
+                </a:extLst>
+              </p14:cNvPr>
+              <p14:cNvContentPartPr/>
+              <p14:nvPr/>
+            </p14:nvContentPartPr>
+            <p14:xfrm>
+              <a:off x="4831346" y="1680159"/>
+              <a:ext cx="360" cy="360"/>
+            </p14:xfrm>
+          </p:contentPart>
+        </mc:Choice>
+        <mc:Fallback>
+          <p:pic>
+            <p:nvPicPr>
+              <p:cNvPr id="48" name="잉크 47">
+                <a:extLst>
+                  <a:ext uri="{FF2B5EF4-FFF2-40B4-BE49-F238E27FC236}">
+                    <a16:creationId xmlns:a16="http://schemas.microsoft.com/office/drawing/2014/main" id="{DF49A30C-5572-7161-CB32-67298D48C0B1}"/>
+                  </a:ext>
+                </a:extLst>
+              </p:cNvPr>
+              <p:cNvPicPr/>
+              <p:nvPr/>
+            </p:nvPicPr>
+            <p:blipFill>
+              <a:blip r:embed="rId4"/>
+              <a:stretch>
+                <a:fillRect/>
+              </a:stretch>
+            </p:blipFill>
+            <p:spPr>
+              <a:xfrm>
+                <a:off x="4822706" y="1671519"/>
+                <a:ext cx="18000" cy="18000"/>
+              </a:xfrm>
+              <a:prstGeom prst="rect">
+                <a:avLst/>
+              </a:prstGeom>
+            </p:spPr>
+          </p:pic>
+        </mc:Fallback>
+      </mc:AlternateContent>
+      <mc:AlternateContent xmlns:mc="http://schemas.openxmlformats.org/markup-compatibility/2006">
+        <mc:Choice xmlns:p14="http://schemas.microsoft.com/office/powerpoint/2010/main" Requires="p14">
+          <p:contentPart p14:bwMode="auto" r:id="rId65">
+            <p14:nvContentPartPr>
+              <p14:cNvPr id="49" name="잉크 48">
+                <a:extLst>
+                  <a:ext uri="{FF2B5EF4-FFF2-40B4-BE49-F238E27FC236}">
+                    <a16:creationId xmlns:a16="http://schemas.microsoft.com/office/drawing/2014/main" id="{02146772-5F39-0FAB-0440-29E6C0E00792}"/>
+                  </a:ext>
+                </a:extLst>
+              </p14:cNvPr>
+              <p14:cNvContentPartPr/>
+              <p14:nvPr/>
+            </p14:nvContentPartPr>
+            <p14:xfrm>
+              <a:off x="4936466" y="1661799"/>
+              <a:ext cx="360" cy="360"/>
+            </p14:xfrm>
+          </p:contentPart>
+        </mc:Choice>
+        <mc:Fallback>
+          <p:pic>
+            <p:nvPicPr>
+              <p:cNvPr id="49" name="잉크 48">
+                <a:extLst>
+                  <a:ext uri="{FF2B5EF4-FFF2-40B4-BE49-F238E27FC236}">
+                    <a16:creationId xmlns:a16="http://schemas.microsoft.com/office/drawing/2014/main" id="{02146772-5F39-0FAB-0440-29E6C0E00792}"/>
+                  </a:ext>
+                </a:extLst>
+              </p:cNvPr>
+              <p:cNvPicPr/>
+              <p:nvPr/>
+            </p:nvPicPr>
+            <p:blipFill>
+              <a:blip r:embed="rId4"/>
+              <a:stretch>
+                <a:fillRect/>
+              </a:stretch>
+            </p:blipFill>
+            <p:spPr>
+              <a:xfrm>
+                <a:off x="4927466" y="1653159"/>
+                <a:ext cx="18000" cy="18000"/>
+              </a:xfrm>
+              <a:prstGeom prst="rect">
+                <a:avLst/>
+              </a:prstGeom>
+            </p:spPr>
+          </p:pic>
+        </mc:Fallback>
+      </mc:AlternateContent>
+      <mc:AlternateContent xmlns:mc="http://schemas.openxmlformats.org/markup-compatibility/2006">
+        <mc:Choice xmlns:p14="http://schemas.microsoft.com/office/powerpoint/2010/main" Requires="p14">
+          <p:contentPart p14:bwMode="auto" r:id="rId66">
+            <p14:nvContentPartPr>
+              <p14:cNvPr id="50" name="잉크 49">
+                <a:extLst>
+                  <a:ext uri="{FF2B5EF4-FFF2-40B4-BE49-F238E27FC236}">
+                    <a16:creationId xmlns:a16="http://schemas.microsoft.com/office/drawing/2014/main" id="{CD3E2529-BC2D-BAD9-E2AF-31B89C1434E3}"/>
+                  </a:ext>
+                </a:extLst>
+              </p14:cNvPr>
+              <p14:cNvContentPartPr/>
+              <p14:nvPr/>
+            </p14:nvContentPartPr>
+            <p14:xfrm>
+              <a:off x="5041226" y="1624719"/>
+              <a:ext cx="360" cy="360"/>
+            </p14:xfrm>
+          </p:contentPart>
+        </mc:Choice>
+        <mc:Fallback>
+          <p:pic>
+            <p:nvPicPr>
+              <p:cNvPr id="50" name="잉크 49">
+                <a:extLst>
+                  <a:ext uri="{FF2B5EF4-FFF2-40B4-BE49-F238E27FC236}">
+                    <a16:creationId xmlns:a16="http://schemas.microsoft.com/office/drawing/2014/main" id="{CD3E2529-BC2D-BAD9-E2AF-31B89C1434E3}"/>
+                  </a:ext>
+                </a:extLst>
+              </p:cNvPr>
+              <p:cNvPicPr/>
+              <p:nvPr/>
+            </p:nvPicPr>
+            <p:blipFill>
+              <a:blip r:embed="rId4"/>
+              <a:stretch>
+                <a:fillRect/>
+              </a:stretch>
+            </p:blipFill>
+            <p:spPr>
+              <a:xfrm>
+                <a:off x="5032586" y="1616079"/>
+                <a:ext cx="18000" cy="18000"/>
+              </a:xfrm>
+              <a:prstGeom prst="rect">
+                <a:avLst/>
+              </a:prstGeom>
+            </p:spPr>
+          </p:pic>
+        </mc:Fallback>
+      </mc:AlternateContent>
+      <mc:AlternateContent xmlns:mc="http://schemas.openxmlformats.org/markup-compatibility/2006">
+        <mc:Choice xmlns:p14="http://schemas.microsoft.com/office/powerpoint/2010/main" Requires="p14">
+          <p:contentPart p14:bwMode="auto" r:id="rId67">
+            <p14:nvContentPartPr>
+              <p14:cNvPr id="51" name="잉크 50">
+                <a:extLst>
+                  <a:ext uri="{FF2B5EF4-FFF2-40B4-BE49-F238E27FC236}">
+                    <a16:creationId xmlns:a16="http://schemas.microsoft.com/office/drawing/2014/main" id="{9621EE69-E907-EEF4-85C3-07A8D8560518}"/>
+                  </a:ext>
+                </a:extLst>
+              </p14:cNvPr>
+              <p14:cNvContentPartPr/>
+              <p14:nvPr/>
+            </p14:nvContentPartPr>
+            <p14:xfrm>
+              <a:off x="5177306" y="1624719"/>
+              <a:ext cx="360" cy="360"/>
+            </p14:xfrm>
+          </p:contentPart>
+        </mc:Choice>
+        <mc:Fallback>
+          <p:pic>
+            <p:nvPicPr>
+              <p:cNvPr id="51" name="잉크 50">
+                <a:extLst>
+                  <a:ext uri="{FF2B5EF4-FFF2-40B4-BE49-F238E27FC236}">
+                    <a16:creationId xmlns:a16="http://schemas.microsoft.com/office/drawing/2014/main" id="{9621EE69-E907-EEF4-85C3-07A8D8560518}"/>
+                  </a:ext>
+                </a:extLst>
+              </p:cNvPr>
+              <p:cNvPicPr/>
+              <p:nvPr/>
+            </p:nvPicPr>
+            <p:blipFill>
+              <a:blip r:embed="rId4"/>
+              <a:stretch>
+                <a:fillRect/>
+              </a:stretch>
+            </p:blipFill>
+            <p:spPr>
+              <a:xfrm>
+                <a:off x="5168306" y="1616079"/>
+                <a:ext cx="18000" cy="18000"/>
+              </a:xfrm>
+              <a:prstGeom prst="rect">
+                <a:avLst/>
+              </a:prstGeom>
+            </p:spPr>
+          </p:pic>
+        </mc:Fallback>
+      </mc:AlternateContent>
+      <mc:AlternateContent xmlns:mc="http://schemas.openxmlformats.org/markup-compatibility/2006">
+        <mc:Choice xmlns:p14="http://schemas.microsoft.com/office/powerpoint/2010/main" Requires="p14">
+          <p:contentPart p14:bwMode="auto" r:id="rId68">
+            <p14:nvContentPartPr>
+              <p14:cNvPr id="52" name="잉크 51">
+                <a:extLst>
+                  <a:ext uri="{FF2B5EF4-FFF2-40B4-BE49-F238E27FC236}">
+                    <a16:creationId xmlns:a16="http://schemas.microsoft.com/office/drawing/2014/main" id="{7DCD09E5-BF5D-345F-9CE8-6211D1144D00}"/>
+                  </a:ext>
+                </a:extLst>
+              </p14:cNvPr>
+              <p14:cNvContentPartPr/>
+              <p14:nvPr/>
+            </p14:nvContentPartPr>
+            <p14:xfrm>
+              <a:off x="5269826" y="1593759"/>
+              <a:ext cx="360" cy="360"/>
+            </p14:xfrm>
+          </p:contentPart>
+        </mc:Choice>
+        <mc:Fallback>
+          <p:pic>
+            <p:nvPicPr>
+              <p:cNvPr id="52" name="잉크 51">
+                <a:extLst>
+                  <a:ext uri="{FF2B5EF4-FFF2-40B4-BE49-F238E27FC236}">
+                    <a16:creationId xmlns:a16="http://schemas.microsoft.com/office/drawing/2014/main" id="{7DCD09E5-BF5D-345F-9CE8-6211D1144D00}"/>
+                  </a:ext>
+                </a:extLst>
+              </p:cNvPr>
+              <p:cNvPicPr/>
+              <p:nvPr/>
+            </p:nvPicPr>
+            <p:blipFill>
+              <a:blip r:embed="rId4"/>
+              <a:stretch>
+                <a:fillRect/>
+              </a:stretch>
+            </p:blipFill>
+            <p:spPr>
+              <a:xfrm>
+                <a:off x="5261186" y="1585119"/>
+                <a:ext cx="18000" cy="18000"/>
+              </a:xfrm>
+              <a:prstGeom prst="rect">
+                <a:avLst/>
+              </a:prstGeom>
+            </p:spPr>
+          </p:pic>
+        </mc:Fallback>
+      </mc:AlternateContent>
+      <mc:AlternateContent xmlns:mc="http://schemas.openxmlformats.org/markup-compatibility/2006">
+        <mc:Choice xmlns:p14="http://schemas.microsoft.com/office/powerpoint/2010/main" Requires="p14">
+          <p:contentPart p14:bwMode="auto" r:id="rId69">
+            <p14:nvContentPartPr>
+              <p14:cNvPr id="53" name="잉크 52">
+                <a:extLst>
+                  <a:ext uri="{FF2B5EF4-FFF2-40B4-BE49-F238E27FC236}">
+                    <a16:creationId xmlns:a16="http://schemas.microsoft.com/office/drawing/2014/main" id="{795DD019-5826-D0D1-8836-A1515ABFA48F}"/>
+                  </a:ext>
+                </a:extLst>
+              </p14:cNvPr>
+              <p14:cNvContentPartPr/>
+              <p14:nvPr/>
+            </p14:nvContentPartPr>
+            <p14:xfrm>
+              <a:off x="5399786" y="1593759"/>
+              <a:ext cx="360" cy="360"/>
+            </p14:xfrm>
+          </p:contentPart>
+        </mc:Choice>
+        <mc:Fallback>
+          <p:pic>
+            <p:nvPicPr>
+              <p:cNvPr id="53" name="잉크 52">
+                <a:extLst>
+                  <a:ext uri="{FF2B5EF4-FFF2-40B4-BE49-F238E27FC236}">
+                    <a16:creationId xmlns:a16="http://schemas.microsoft.com/office/drawing/2014/main" id="{795DD019-5826-D0D1-8836-A1515ABFA48F}"/>
+                  </a:ext>
+                </a:extLst>
+              </p:cNvPr>
+              <p:cNvPicPr/>
+              <p:nvPr/>
+            </p:nvPicPr>
+            <p:blipFill>
+              <a:blip r:embed="rId4"/>
+              <a:stretch>
+                <a:fillRect/>
+              </a:stretch>
+            </p:blipFill>
+            <p:spPr>
+              <a:xfrm>
+                <a:off x="5390786" y="1585119"/>
+                <a:ext cx="18000" cy="18000"/>
+              </a:xfrm>
+              <a:prstGeom prst="rect">
+                <a:avLst/>
+              </a:prstGeom>
+            </p:spPr>
+          </p:pic>
+        </mc:Fallback>
+      </mc:AlternateContent>
+      <mc:AlternateContent xmlns:mc="http://schemas.openxmlformats.org/markup-compatibility/2006">
+        <mc:Choice xmlns:p14="http://schemas.microsoft.com/office/powerpoint/2010/main" Requires="p14">
+          <p:contentPart p14:bwMode="auto" r:id="rId70">
+            <p14:nvContentPartPr>
+              <p14:cNvPr id="54" name="잉크 53">
+                <a:extLst>
+                  <a:ext uri="{FF2B5EF4-FFF2-40B4-BE49-F238E27FC236}">
+                    <a16:creationId xmlns:a16="http://schemas.microsoft.com/office/drawing/2014/main" id="{6262B7E1-7FF5-D9E5-ACD9-7037ECDA1552}"/>
+                  </a:ext>
+                </a:extLst>
+              </p14:cNvPr>
+              <p14:cNvContentPartPr/>
+              <p14:nvPr/>
+            </p14:nvContentPartPr>
+            <p14:xfrm>
+              <a:off x="5486186" y="1587639"/>
+              <a:ext cx="360" cy="360"/>
+            </p14:xfrm>
+          </p:contentPart>
+        </mc:Choice>
+        <mc:Fallback>
+          <p:pic>
+            <p:nvPicPr>
+              <p:cNvPr id="54" name="잉크 53">
+                <a:extLst>
+                  <a:ext uri="{FF2B5EF4-FFF2-40B4-BE49-F238E27FC236}">
+                    <a16:creationId xmlns:a16="http://schemas.microsoft.com/office/drawing/2014/main" id="{6262B7E1-7FF5-D9E5-ACD9-7037ECDA1552}"/>
+                  </a:ext>
+                </a:extLst>
+              </p:cNvPr>
+              <p:cNvPicPr/>
+              <p:nvPr/>
+            </p:nvPicPr>
+            <p:blipFill>
+              <a:blip r:embed="rId4"/>
+              <a:stretch>
+                <a:fillRect/>
+              </a:stretch>
+            </p:blipFill>
+            <p:spPr>
+              <a:xfrm>
+                <a:off x="5477186" y="1578639"/>
+                <a:ext cx="18000" cy="18000"/>
+              </a:xfrm>
+              <a:prstGeom prst="rect">
+                <a:avLst/>
+              </a:prstGeom>
+            </p:spPr>
+          </p:pic>
+        </mc:Fallback>
+      </mc:AlternateContent>
+      <mc:AlternateContent xmlns:mc="http://schemas.openxmlformats.org/markup-compatibility/2006">
+        <mc:Choice xmlns:p14="http://schemas.microsoft.com/office/powerpoint/2010/main" Requires="p14">
+          <p:contentPart p14:bwMode="auto" r:id="rId71">
+            <p14:nvContentPartPr>
+              <p14:cNvPr id="55" name="잉크 54">
+                <a:extLst>
+                  <a:ext uri="{FF2B5EF4-FFF2-40B4-BE49-F238E27FC236}">
+                    <a16:creationId xmlns:a16="http://schemas.microsoft.com/office/drawing/2014/main" id="{0DEF3260-CA50-263D-519A-9DD0D18CC392}"/>
+                  </a:ext>
+                </a:extLst>
+              </p14:cNvPr>
+              <p14:cNvContentPartPr/>
+              <p14:nvPr/>
+            </p14:nvContentPartPr>
+            <p14:xfrm>
+              <a:off x="5603546" y="1575399"/>
+              <a:ext cx="360" cy="360"/>
+            </p14:xfrm>
+          </p:contentPart>
+        </mc:Choice>
+        <mc:Fallback>
+          <p:pic>
+            <p:nvPicPr>
+              <p:cNvPr id="55" name="잉크 54">
+                <a:extLst>
+                  <a:ext uri="{FF2B5EF4-FFF2-40B4-BE49-F238E27FC236}">
+                    <a16:creationId xmlns:a16="http://schemas.microsoft.com/office/drawing/2014/main" id="{0DEF3260-CA50-263D-519A-9DD0D18CC392}"/>
+                  </a:ext>
+                </a:extLst>
+              </p:cNvPr>
+              <p:cNvPicPr/>
+              <p:nvPr/>
+            </p:nvPicPr>
+            <p:blipFill>
+              <a:blip r:embed="rId4"/>
+              <a:stretch>
+                <a:fillRect/>
+              </a:stretch>
+            </p:blipFill>
+            <p:spPr>
+              <a:xfrm>
+                <a:off x="5594906" y="1566399"/>
+                <a:ext cx="18000" cy="18000"/>
+              </a:xfrm>
+              <a:prstGeom prst="rect">
+                <a:avLst/>
+              </a:prstGeom>
+            </p:spPr>
+          </p:pic>
+        </mc:Fallback>
+      </mc:AlternateContent>
+      <mc:AlternateContent xmlns:mc="http://schemas.openxmlformats.org/markup-compatibility/2006">
+        <mc:Choice xmlns:p14="http://schemas.microsoft.com/office/powerpoint/2010/main" Requires="p14">
+          <p:contentPart p14:bwMode="auto" r:id="rId72">
+            <p14:nvContentPartPr>
+              <p14:cNvPr id="56" name="잉크 55">
+                <a:extLst>
+                  <a:ext uri="{FF2B5EF4-FFF2-40B4-BE49-F238E27FC236}">
+                    <a16:creationId xmlns:a16="http://schemas.microsoft.com/office/drawing/2014/main" id="{1267F167-3675-62DE-8938-4CBE1E3427B1}"/>
+                  </a:ext>
+                </a:extLst>
+              </p14:cNvPr>
+              <p14:cNvContentPartPr/>
+              <p14:nvPr/>
+            </p14:nvContentPartPr>
+            <p14:xfrm>
+              <a:off x="5751866" y="1593759"/>
+              <a:ext cx="360" cy="360"/>
+            </p14:xfrm>
+          </p:contentPart>
+        </mc:Choice>
+        <mc:Fallback>
+          <p:pic>
+            <p:nvPicPr>
+              <p:cNvPr id="56" name="잉크 55">
+                <a:extLst>
+                  <a:ext uri="{FF2B5EF4-FFF2-40B4-BE49-F238E27FC236}">
+                    <a16:creationId xmlns:a16="http://schemas.microsoft.com/office/drawing/2014/main" id="{1267F167-3675-62DE-8938-4CBE1E3427B1}"/>
+                  </a:ext>
+                </a:extLst>
+              </p:cNvPr>
+              <p:cNvPicPr/>
+              <p:nvPr/>
+            </p:nvPicPr>
+            <p:blipFill>
+              <a:blip r:embed="rId4"/>
+              <a:stretch>
+                <a:fillRect/>
+              </a:stretch>
+            </p:blipFill>
+            <p:spPr>
+              <a:xfrm>
+                <a:off x="5743226" y="1585119"/>
+                <a:ext cx="18000" cy="18000"/>
+              </a:xfrm>
+              <a:prstGeom prst="rect">
+                <a:avLst/>
+              </a:prstGeom>
+            </p:spPr>
+          </p:pic>
+        </mc:Fallback>
+      </mc:AlternateContent>
+      <mc:AlternateContent xmlns:mc="http://schemas.openxmlformats.org/markup-compatibility/2006">
+        <mc:Choice xmlns:p14="http://schemas.microsoft.com/office/powerpoint/2010/main" Requires="p14">
+          <p:contentPart p14:bwMode="auto" r:id="rId73">
+            <p14:nvContentPartPr>
+              <p14:cNvPr id="57" name="잉크 56">
+                <a:extLst>
+                  <a:ext uri="{FF2B5EF4-FFF2-40B4-BE49-F238E27FC236}">
+                    <a16:creationId xmlns:a16="http://schemas.microsoft.com/office/drawing/2014/main" id="{DA836FF3-32FD-6A44-CD76-B22D96391F22}"/>
+                  </a:ext>
+                </a:extLst>
+              </p14:cNvPr>
+              <p14:cNvContentPartPr/>
+              <p14:nvPr/>
+            </p14:nvContentPartPr>
+            <p14:xfrm>
+              <a:off x="5838266" y="1587639"/>
+              <a:ext cx="360" cy="360"/>
+            </p14:xfrm>
+          </p:contentPart>
+        </mc:Choice>
+        <mc:Fallback>
+          <p:pic>
+            <p:nvPicPr>
+              <p:cNvPr id="57" name="잉크 56">
+                <a:extLst>
+                  <a:ext uri="{FF2B5EF4-FFF2-40B4-BE49-F238E27FC236}">
+                    <a16:creationId xmlns:a16="http://schemas.microsoft.com/office/drawing/2014/main" id="{DA836FF3-32FD-6A44-CD76-B22D96391F22}"/>
+                  </a:ext>
+                </a:extLst>
+              </p:cNvPr>
+              <p:cNvPicPr/>
+              <p:nvPr/>
+            </p:nvPicPr>
+            <p:blipFill>
+              <a:blip r:embed="rId4"/>
+              <a:stretch>
+                <a:fillRect/>
+              </a:stretch>
+            </p:blipFill>
+            <p:spPr>
+              <a:xfrm>
+                <a:off x="5829626" y="1578639"/>
+                <a:ext cx="18000" cy="18000"/>
+              </a:xfrm>
+              <a:prstGeom prst="rect">
+                <a:avLst/>
+              </a:prstGeom>
+            </p:spPr>
+          </p:pic>
+        </mc:Fallback>
+      </mc:AlternateContent>
+      <mc:AlternateContent xmlns:mc="http://schemas.openxmlformats.org/markup-compatibility/2006">
+        <mc:Choice xmlns:p14="http://schemas.microsoft.com/office/powerpoint/2010/main" xmlns:aink="http://schemas.microsoft.com/office/drawing/2016/ink" Requires="p14 aink">
+          <p:contentPart p14:bwMode="auto" r:id="rId74">
+            <p14:nvContentPartPr>
+              <p14:cNvPr id="58" name="잉크 57">
+                <a:extLst>
+                  <a:ext uri="{FF2B5EF4-FFF2-40B4-BE49-F238E27FC236}">
+                    <a16:creationId xmlns:a16="http://schemas.microsoft.com/office/drawing/2014/main" id="{C4C0F31E-79E6-1E1C-78F5-279E69809660}"/>
+                  </a:ext>
+                </a:extLst>
+              </p14:cNvPr>
+              <p14:cNvContentPartPr/>
+              <p14:nvPr/>
+            </p14:nvContentPartPr>
+            <p14:xfrm>
+              <a:off x="5986586" y="1562799"/>
+              <a:ext cx="360" cy="360"/>
+            </p14:xfrm>
+          </p:contentPart>
+        </mc:Choice>
+        <mc:Fallback>
+          <p:pic>
+            <p:nvPicPr>
+              <p:cNvPr id="58" name="잉크 57">
+                <a:extLst>
+                  <a:ext uri="{FF2B5EF4-FFF2-40B4-BE49-F238E27FC236}">
+                    <a16:creationId xmlns:a16="http://schemas.microsoft.com/office/drawing/2014/main" id="{C4C0F31E-79E6-1E1C-78F5-279E69809660}"/>
+                  </a:ext>
+                </a:extLst>
+              </p:cNvPr>
+              <p:cNvPicPr/>
+              <p:nvPr/>
+            </p:nvPicPr>
+            <p:blipFill>
+              <a:blip r:embed="rId75"/>
+              <a:stretch>
+                <a:fillRect/>
+              </a:stretch>
+            </p:blipFill>
+            <p:spPr>
+              <a:xfrm>
+                <a:off x="5968586" y="1545159"/>
+                <a:ext cx="36000" cy="36000"/>
+              </a:xfrm>
+              <a:prstGeom prst="rect">
+                <a:avLst/>
+              </a:prstGeom>
+            </p:spPr>
+          </p:pic>
+        </mc:Fallback>
+      </mc:AlternateContent>
+      <mc:AlternateContent xmlns:mc="http://schemas.openxmlformats.org/markup-compatibility/2006">
+        <mc:Choice xmlns:p14="http://schemas.microsoft.com/office/powerpoint/2010/main" xmlns:aink="http://schemas.microsoft.com/office/drawing/2016/ink" Requires="p14 aink">
+          <p:contentPart p14:bwMode="auto" r:id="rId76">
+            <p14:nvContentPartPr>
+              <p14:cNvPr id="59" name="잉크 58">
+                <a:extLst>
+                  <a:ext uri="{FF2B5EF4-FFF2-40B4-BE49-F238E27FC236}">
+                    <a16:creationId xmlns:a16="http://schemas.microsoft.com/office/drawing/2014/main" id="{F91347E2-8A65-745B-D82D-CEEB483EE447}"/>
+                  </a:ext>
+                </a:extLst>
+              </p14:cNvPr>
+              <p14:cNvContentPartPr/>
+              <p14:nvPr/>
+            </p14:nvContentPartPr>
+            <p14:xfrm>
+              <a:off x="6091706" y="1575399"/>
+              <a:ext cx="360" cy="360"/>
+            </p14:xfrm>
+          </p:contentPart>
+        </mc:Choice>
+        <mc:Fallback>
+          <p:pic>
+            <p:nvPicPr>
+              <p:cNvPr id="59" name="잉크 58">
+                <a:extLst>
+                  <a:ext uri="{FF2B5EF4-FFF2-40B4-BE49-F238E27FC236}">
+                    <a16:creationId xmlns:a16="http://schemas.microsoft.com/office/drawing/2014/main" id="{F91347E2-8A65-745B-D82D-CEEB483EE447}"/>
+                  </a:ext>
+                </a:extLst>
+              </p:cNvPr>
+              <p:cNvPicPr/>
+              <p:nvPr/>
+            </p:nvPicPr>
+            <p:blipFill>
+              <a:blip r:embed="rId77"/>
+              <a:stretch>
+                <a:fillRect/>
+              </a:stretch>
+            </p:blipFill>
+            <p:spPr>
+              <a:xfrm>
+                <a:off x="6073706" y="1557399"/>
+                <a:ext cx="36000" cy="36000"/>
+              </a:xfrm>
+              <a:prstGeom prst="rect">
+                <a:avLst/>
+              </a:prstGeom>
+            </p:spPr>
+          </p:pic>
+        </mc:Fallback>
+      </mc:AlternateContent>
+      <mc:AlternateContent xmlns:mc="http://schemas.openxmlformats.org/markup-compatibility/2006">
+        <mc:Choice xmlns:p14="http://schemas.microsoft.com/office/powerpoint/2010/main" xmlns:aink="http://schemas.microsoft.com/office/drawing/2016/ink" Requires="p14 aink">
+          <p:contentPart p14:bwMode="auto" r:id="rId78">
+            <p14:nvContentPartPr>
+              <p14:cNvPr id="60" name="잉크 59">
+                <a:extLst>
+                  <a:ext uri="{FF2B5EF4-FFF2-40B4-BE49-F238E27FC236}">
+                    <a16:creationId xmlns:a16="http://schemas.microsoft.com/office/drawing/2014/main" id="{1A95236E-8C32-2F93-342F-664FFE8482D3}"/>
+                  </a:ext>
+                </a:extLst>
+              </p14:cNvPr>
+              <p14:cNvContentPartPr/>
+              <p14:nvPr/>
+            </p14:nvContentPartPr>
+            <p14:xfrm>
+              <a:off x="6190706" y="1606359"/>
+              <a:ext cx="360" cy="360"/>
+            </p14:xfrm>
+          </p:contentPart>
+        </mc:Choice>
+        <mc:Fallback>
+          <p:pic>
+            <p:nvPicPr>
+              <p:cNvPr id="60" name="잉크 59">
+                <a:extLst>
+                  <a:ext uri="{FF2B5EF4-FFF2-40B4-BE49-F238E27FC236}">
+                    <a16:creationId xmlns:a16="http://schemas.microsoft.com/office/drawing/2014/main" id="{1A95236E-8C32-2F93-342F-664FFE8482D3}"/>
+                  </a:ext>
+                </a:extLst>
+              </p:cNvPr>
+              <p:cNvPicPr/>
+              <p:nvPr/>
+            </p:nvPicPr>
+            <p:blipFill>
+              <a:blip r:embed="rId79"/>
+              <a:stretch>
+                <a:fillRect/>
+              </a:stretch>
+            </p:blipFill>
+            <p:spPr>
+              <a:xfrm>
+                <a:off x="6172706" y="1588359"/>
+                <a:ext cx="36000" cy="36000"/>
+              </a:xfrm>
+              <a:prstGeom prst="rect">
+                <a:avLst/>
+              </a:prstGeom>
+            </p:spPr>
+          </p:pic>
+        </mc:Fallback>
+      </mc:AlternateContent>
+      <mc:AlternateContent xmlns:mc="http://schemas.openxmlformats.org/markup-compatibility/2006">
+        <mc:Choice xmlns:p14="http://schemas.microsoft.com/office/powerpoint/2010/main" xmlns:aink="http://schemas.microsoft.com/office/drawing/2016/ink" Requires="p14 aink">
+          <p:contentPart p14:bwMode="auto" r:id="rId80">
+            <p14:nvContentPartPr>
+              <p14:cNvPr id="61" name="잉크 60">
+                <a:extLst>
+                  <a:ext uri="{FF2B5EF4-FFF2-40B4-BE49-F238E27FC236}">
+                    <a16:creationId xmlns:a16="http://schemas.microsoft.com/office/drawing/2014/main" id="{56489ADC-C6BE-9ACF-53E0-7B0925993E6F}"/>
+                  </a:ext>
+                </a:extLst>
+              </p14:cNvPr>
+              <p14:cNvContentPartPr/>
+              <p14:nvPr/>
+            </p14:nvContentPartPr>
+            <p14:xfrm>
+              <a:off x="6339026" y="1593759"/>
+              <a:ext cx="360" cy="360"/>
+            </p14:xfrm>
+          </p:contentPart>
+        </mc:Choice>
+        <mc:Fallback>
+          <p:pic>
+            <p:nvPicPr>
+              <p:cNvPr id="61" name="잉크 60">
+                <a:extLst>
+                  <a:ext uri="{FF2B5EF4-FFF2-40B4-BE49-F238E27FC236}">
+                    <a16:creationId xmlns:a16="http://schemas.microsoft.com/office/drawing/2014/main" id="{56489ADC-C6BE-9ACF-53E0-7B0925993E6F}"/>
+                  </a:ext>
+                </a:extLst>
+              </p:cNvPr>
+              <p:cNvPicPr/>
+              <p:nvPr/>
+            </p:nvPicPr>
+            <p:blipFill>
+              <a:blip r:embed="rId81"/>
+              <a:stretch>
+                <a:fillRect/>
+              </a:stretch>
+            </p:blipFill>
+            <p:spPr>
+              <a:xfrm>
+                <a:off x="6321026" y="1576119"/>
+                <a:ext cx="36000" cy="36000"/>
+              </a:xfrm>
+              <a:prstGeom prst="rect">
+                <a:avLst/>
+              </a:prstGeom>
+            </p:spPr>
+          </p:pic>
+        </mc:Fallback>
+      </mc:AlternateContent>
+      <mc:AlternateContent xmlns:mc="http://schemas.openxmlformats.org/markup-compatibility/2006">
+        <mc:Choice xmlns:p14="http://schemas.microsoft.com/office/powerpoint/2010/main" xmlns:aink="http://schemas.microsoft.com/office/drawing/2016/ink" Requires="p14 aink">
+          <p:contentPart p14:bwMode="auto" r:id="rId82">
+            <p14:nvContentPartPr>
+              <p14:cNvPr id="62" name="잉크 61">
+                <a:extLst>
+                  <a:ext uri="{FF2B5EF4-FFF2-40B4-BE49-F238E27FC236}">
+                    <a16:creationId xmlns:a16="http://schemas.microsoft.com/office/drawing/2014/main" id="{5BC8B999-50A6-61D4-C4BD-595C75177021}"/>
+                  </a:ext>
+                </a:extLst>
+              </p14:cNvPr>
+              <p14:cNvContentPartPr/>
+              <p14:nvPr/>
+            </p14:nvContentPartPr>
+            <p14:xfrm>
+              <a:off x="6425426" y="1606359"/>
+              <a:ext cx="360" cy="360"/>
+            </p14:xfrm>
+          </p:contentPart>
+        </mc:Choice>
+        <mc:Fallback>
+          <p:pic>
+            <p:nvPicPr>
+              <p:cNvPr id="62" name="잉크 61">
+                <a:extLst>
+                  <a:ext uri="{FF2B5EF4-FFF2-40B4-BE49-F238E27FC236}">
+                    <a16:creationId xmlns:a16="http://schemas.microsoft.com/office/drawing/2014/main" id="{5BC8B999-50A6-61D4-C4BD-595C75177021}"/>
+                  </a:ext>
+                </a:extLst>
+              </p:cNvPr>
+              <p:cNvPicPr/>
+              <p:nvPr/>
+            </p:nvPicPr>
+            <p:blipFill>
+              <a:blip r:embed="rId83"/>
+              <a:stretch>
+                <a:fillRect/>
+              </a:stretch>
+            </p:blipFill>
+            <p:spPr>
+              <a:xfrm>
+                <a:off x="6407426" y="1588359"/>
+                <a:ext cx="36000" cy="36000"/>
+              </a:xfrm>
+              <a:prstGeom prst="rect">
+                <a:avLst/>
+              </a:prstGeom>
+            </p:spPr>
+          </p:pic>
+        </mc:Fallback>
+      </mc:AlternateContent>
+      <mc:AlternateContent xmlns:mc="http://schemas.openxmlformats.org/markup-compatibility/2006">
+        <mc:Choice xmlns:p14="http://schemas.microsoft.com/office/powerpoint/2010/main" xmlns:aink="http://schemas.microsoft.com/office/drawing/2016/ink" Requires="p14 aink">
+          <p:contentPart p14:bwMode="auto" r:id="rId84">
+            <p14:nvContentPartPr>
+              <p14:cNvPr id="63" name="잉크 62">
+                <a:extLst>
+                  <a:ext uri="{FF2B5EF4-FFF2-40B4-BE49-F238E27FC236}">
+                    <a16:creationId xmlns:a16="http://schemas.microsoft.com/office/drawing/2014/main" id="{0A2F0EDB-E36B-3E26-6528-18854E786E9D}"/>
+                  </a:ext>
+                </a:extLst>
+              </p14:cNvPr>
+              <p14:cNvContentPartPr/>
+              <p14:nvPr/>
+            </p14:nvContentPartPr>
+            <p14:xfrm>
+              <a:off x="6517946" y="1618599"/>
+              <a:ext cx="360" cy="360"/>
+            </p14:xfrm>
+          </p:contentPart>
+        </mc:Choice>
+        <mc:Fallback>
+          <p:pic>
+            <p:nvPicPr>
+              <p:cNvPr id="63" name="잉크 62">
+                <a:extLst>
+                  <a:ext uri="{FF2B5EF4-FFF2-40B4-BE49-F238E27FC236}">
+                    <a16:creationId xmlns:a16="http://schemas.microsoft.com/office/drawing/2014/main" id="{0A2F0EDB-E36B-3E26-6528-18854E786E9D}"/>
+                  </a:ext>
+                </a:extLst>
+              </p:cNvPr>
+              <p:cNvPicPr/>
+              <p:nvPr/>
+            </p:nvPicPr>
+            <p:blipFill>
+              <a:blip r:embed="rId85"/>
+              <a:stretch>
+                <a:fillRect/>
+              </a:stretch>
+            </p:blipFill>
+            <p:spPr>
+              <a:xfrm>
+                <a:off x="6500306" y="1600959"/>
+                <a:ext cx="36000" cy="36000"/>
+              </a:xfrm>
+              <a:prstGeom prst="rect">
+                <a:avLst/>
+              </a:prstGeom>
+            </p:spPr>
+          </p:pic>
+        </mc:Fallback>
+      </mc:AlternateContent>
+      <mc:AlternateContent xmlns:mc="http://schemas.openxmlformats.org/markup-compatibility/2006">
+        <mc:Choice xmlns:p14="http://schemas.microsoft.com/office/powerpoint/2010/main" xmlns:aink="http://schemas.microsoft.com/office/drawing/2016/ink" Requires="p14 aink">
+          <p:contentPart p14:bwMode="auto" r:id="rId86">
+            <p14:nvContentPartPr>
+              <p14:cNvPr id="64" name="잉크 63">
+                <a:extLst>
+                  <a:ext uri="{FF2B5EF4-FFF2-40B4-BE49-F238E27FC236}">
+                    <a16:creationId xmlns:a16="http://schemas.microsoft.com/office/drawing/2014/main" id="{BB85D56C-1678-A49B-4C36-89752141BB6D}"/>
+                  </a:ext>
+                </a:extLst>
+              </p14:cNvPr>
+              <p14:cNvContentPartPr/>
+              <p14:nvPr/>
+            </p14:nvContentPartPr>
+            <p14:xfrm>
+              <a:off x="6654026" y="1630839"/>
+              <a:ext cx="360" cy="360"/>
+            </p14:xfrm>
+          </p:contentPart>
+        </mc:Choice>
+        <mc:Fallback>
+          <p:pic>
+            <p:nvPicPr>
+              <p:cNvPr id="64" name="잉크 63">
+                <a:extLst>
+                  <a:ext uri="{FF2B5EF4-FFF2-40B4-BE49-F238E27FC236}">
+                    <a16:creationId xmlns:a16="http://schemas.microsoft.com/office/drawing/2014/main" id="{BB85D56C-1678-A49B-4C36-89752141BB6D}"/>
+                  </a:ext>
+                </a:extLst>
+              </p:cNvPr>
+              <p:cNvPicPr/>
+              <p:nvPr/>
+            </p:nvPicPr>
+            <p:blipFill>
+              <a:blip r:embed="rId87"/>
+              <a:stretch>
+                <a:fillRect/>
+              </a:stretch>
+            </p:blipFill>
+            <p:spPr>
+              <a:xfrm>
+                <a:off x="6636026" y="1612839"/>
+                <a:ext cx="36000" cy="36000"/>
+              </a:xfrm>
+              <a:prstGeom prst="rect">
+                <a:avLst/>
+              </a:prstGeom>
+            </p:spPr>
+          </p:pic>
+        </mc:Fallback>
+      </mc:AlternateContent>
+      <mc:AlternateContent xmlns:mc="http://schemas.openxmlformats.org/markup-compatibility/2006">
+        <mc:Choice xmlns:p14="http://schemas.microsoft.com/office/powerpoint/2010/main" xmlns:aink="http://schemas.microsoft.com/office/drawing/2016/ink" Requires="p14 aink">
+          <p:contentPart p14:bwMode="auto" r:id="rId88">
+            <p14:nvContentPartPr>
+              <p14:cNvPr id="65" name="잉크 64">
+                <a:extLst>
+                  <a:ext uri="{FF2B5EF4-FFF2-40B4-BE49-F238E27FC236}">
+                    <a16:creationId xmlns:a16="http://schemas.microsoft.com/office/drawing/2014/main" id="{DE7A73F3-D3BD-40DB-E9D7-B8279B0DB5AB}"/>
+                  </a:ext>
+                </a:extLst>
+              </p14:cNvPr>
+              <p14:cNvContentPartPr/>
+              <p14:nvPr/>
+            </p14:nvContentPartPr>
+            <p14:xfrm>
+              <a:off x="6765266" y="1643079"/>
+              <a:ext cx="360" cy="360"/>
+            </p14:xfrm>
+          </p:contentPart>
+        </mc:Choice>
+        <mc:Fallback>
+          <p:pic>
+            <p:nvPicPr>
+              <p:cNvPr id="65" name="잉크 64">
+                <a:extLst>
+                  <a:ext uri="{FF2B5EF4-FFF2-40B4-BE49-F238E27FC236}">
+                    <a16:creationId xmlns:a16="http://schemas.microsoft.com/office/drawing/2014/main" id="{DE7A73F3-D3BD-40DB-E9D7-B8279B0DB5AB}"/>
+                  </a:ext>
+                </a:extLst>
+              </p:cNvPr>
+              <p:cNvPicPr/>
+              <p:nvPr/>
+            </p:nvPicPr>
+            <p:blipFill>
+              <a:blip r:embed="rId89"/>
+              <a:stretch>
+                <a:fillRect/>
+              </a:stretch>
+            </p:blipFill>
+            <p:spPr>
+              <a:xfrm>
+                <a:off x="6747266" y="1625439"/>
+                <a:ext cx="36000" cy="36000"/>
+              </a:xfrm>
+              <a:prstGeom prst="rect">
+                <a:avLst/>
+              </a:prstGeom>
+            </p:spPr>
+          </p:pic>
+        </mc:Fallback>
+      </mc:AlternateContent>
+      <mc:AlternateContent xmlns:mc="http://schemas.openxmlformats.org/markup-compatibility/2006">
+        <mc:Choice xmlns:p14="http://schemas.microsoft.com/office/powerpoint/2010/main" xmlns:aink="http://schemas.microsoft.com/office/drawing/2016/ink" Requires="p14 aink">
+          <p:contentPart p14:bwMode="auto" r:id="rId90">
+            <p14:nvContentPartPr>
+              <p14:cNvPr id="66" name="잉크 65">
+                <a:extLst>
+                  <a:ext uri="{FF2B5EF4-FFF2-40B4-BE49-F238E27FC236}">
+                    <a16:creationId xmlns:a16="http://schemas.microsoft.com/office/drawing/2014/main" id="{91255124-48B8-AC9B-84DF-9CAC357F296D}"/>
+                  </a:ext>
+                </a:extLst>
+              </p14:cNvPr>
+              <p14:cNvContentPartPr/>
+              <p14:nvPr/>
+            </p14:nvContentPartPr>
+            <p14:xfrm>
+              <a:off x="6907466" y="1655679"/>
+              <a:ext cx="360" cy="360"/>
+            </p14:xfrm>
+          </p:contentPart>
+        </mc:Choice>
+        <mc:Fallback>
+          <p:pic>
+            <p:nvPicPr>
+              <p:cNvPr id="66" name="잉크 65">
+                <a:extLst>
+                  <a:ext uri="{FF2B5EF4-FFF2-40B4-BE49-F238E27FC236}">
+                    <a16:creationId xmlns:a16="http://schemas.microsoft.com/office/drawing/2014/main" id="{91255124-48B8-AC9B-84DF-9CAC357F296D}"/>
+                  </a:ext>
+                </a:extLst>
+              </p:cNvPr>
+              <p:cNvPicPr/>
+              <p:nvPr/>
+            </p:nvPicPr>
+            <p:blipFill>
+              <a:blip r:embed="rId91"/>
+              <a:stretch>
+                <a:fillRect/>
+              </a:stretch>
+            </p:blipFill>
+            <p:spPr>
+              <a:xfrm>
+                <a:off x="6889466" y="1637679"/>
+                <a:ext cx="36000" cy="36000"/>
+              </a:xfrm>
+              <a:prstGeom prst="rect">
+                <a:avLst/>
+              </a:prstGeom>
+            </p:spPr>
+          </p:pic>
+        </mc:Fallback>
+      </mc:AlternateContent>
+      <mc:AlternateContent xmlns:mc="http://schemas.openxmlformats.org/markup-compatibility/2006">
+        <mc:Choice xmlns:p14="http://schemas.microsoft.com/office/powerpoint/2010/main" xmlns:aink="http://schemas.microsoft.com/office/drawing/2016/ink" Requires="p14 aink">
+          <p:contentPart p14:bwMode="auto" r:id="rId92">
+            <p14:nvContentPartPr>
+              <p14:cNvPr id="67" name="잉크 66">
+                <a:extLst>
+                  <a:ext uri="{FF2B5EF4-FFF2-40B4-BE49-F238E27FC236}">
+                    <a16:creationId xmlns:a16="http://schemas.microsoft.com/office/drawing/2014/main" id="{A6841B17-4134-5C3E-ABE0-D72CB503F280}"/>
+                  </a:ext>
+                </a:extLst>
+              </p14:cNvPr>
+              <p14:cNvContentPartPr/>
+              <p14:nvPr/>
+            </p14:nvContentPartPr>
+            <p14:xfrm>
+              <a:off x="6987746" y="1674399"/>
+              <a:ext cx="360" cy="360"/>
+            </p14:xfrm>
+          </p:contentPart>
+        </mc:Choice>
+        <mc:Fallback>
+          <p:pic>
+            <p:nvPicPr>
+              <p:cNvPr id="67" name="잉크 66">
+                <a:extLst>
+                  <a:ext uri="{FF2B5EF4-FFF2-40B4-BE49-F238E27FC236}">
+                    <a16:creationId xmlns:a16="http://schemas.microsoft.com/office/drawing/2014/main" id="{A6841B17-4134-5C3E-ABE0-D72CB503F280}"/>
+                  </a:ext>
+                </a:extLst>
+              </p:cNvPr>
+              <p:cNvPicPr/>
+              <p:nvPr/>
+            </p:nvPicPr>
+            <p:blipFill>
+              <a:blip r:embed="rId93"/>
+              <a:stretch>
+                <a:fillRect/>
+              </a:stretch>
+            </p:blipFill>
+            <p:spPr>
+              <a:xfrm>
+                <a:off x="6969746" y="1656399"/>
+                <a:ext cx="36000" cy="36000"/>
+              </a:xfrm>
+              <a:prstGeom prst="rect">
+                <a:avLst/>
+              </a:prstGeom>
+            </p:spPr>
+          </p:pic>
+        </mc:Fallback>
+      </mc:AlternateContent>
+      <mc:AlternateContent xmlns:mc="http://schemas.openxmlformats.org/markup-compatibility/2006">
+        <mc:Choice xmlns:p14="http://schemas.microsoft.com/office/powerpoint/2010/main" Requires="p14">
+          <p:contentPart p14:bwMode="auto" r:id="rId94">
+            <p14:nvContentPartPr>
+              <p14:cNvPr id="68" name="잉크 67">
+                <a:extLst>
+                  <a:ext uri="{FF2B5EF4-FFF2-40B4-BE49-F238E27FC236}">
+                    <a16:creationId xmlns:a16="http://schemas.microsoft.com/office/drawing/2014/main" id="{9C45133F-641B-C3BA-45B6-48818A2E2CA0}"/>
+                  </a:ext>
+                </a:extLst>
+              </p14:cNvPr>
+              <p14:cNvContentPartPr/>
+              <p14:nvPr/>
+            </p14:nvContentPartPr>
+            <p14:xfrm>
+              <a:off x="7117346" y="1692759"/>
+              <a:ext cx="360" cy="360"/>
+            </p14:xfrm>
+          </p:contentPart>
+        </mc:Choice>
+        <mc:Fallback>
+          <p:pic>
+            <p:nvPicPr>
+              <p:cNvPr id="68" name="잉크 67">
+                <a:extLst>
+                  <a:ext uri="{FF2B5EF4-FFF2-40B4-BE49-F238E27FC236}">
+                    <a16:creationId xmlns:a16="http://schemas.microsoft.com/office/drawing/2014/main" id="{9C45133F-641B-C3BA-45B6-48818A2E2CA0}"/>
+                  </a:ext>
+                </a:extLst>
+              </p:cNvPr>
+              <p:cNvPicPr/>
+              <p:nvPr/>
+            </p:nvPicPr>
+            <p:blipFill>
+              <a:blip r:embed="rId4"/>
+              <a:stretch>
+                <a:fillRect/>
+              </a:stretch>
+            </p:blipFill>
+            <p:spPr>
+              <a:xfrm>
+                <a:off x="7108346" y="1683759"/>
+                <a:ext cx="18000" cy="18000"/>
+              </a:xfrm>
+              <a:prstGeom prst="rect">
+                <a:avLst/>
+              </a:prstGeom>
+            </p:spPr>
+          </p:pic>
+        </mc:Fallback>
+      </mc:AlternateContent>
+      <mc:AlternateContent xmlns:mc="http://schemas.openxmlformats.org/markup-compatibility/2006">
+        <mc:Choice xmlns:p14="http://schemas.microsoft.com/office/powerpoint/2010/main" Requires="p14">
+          <p:contentPart p14:bwMode="auto" r:id="rId95">
+            <p14:nvContentPartPr>
+              <p14:cNvPr id="69" name="잉크 68">
+                <a:extLst>
+                  <a:ext uri="{FF2B5EF4-FFF2-40B4-BE49-F238E27FC236}">
+                    <a16:creationId xmlns:a16="http://schemas.microsoft.com/office/drawing/2014/main" id="{676DDA1A-9507-77FF-C350-1F577E9FBDE0}"/>
+                  </a:ext>
+                </a:extLst>
+              </p14:cNvPr>
+              <p14:cNvContentPartPr/>
+              <p14:nvPr/>
+            </p14:nvContentPartPr>
+            <p14:xfrm>
+              <a:off x="7228586" y="1742079"/>
+              <a:ext cx="360" cy="360"/>
+            </p14:xfrm>
+          </p:contentPart>
+        </mc:Choice>
+        <mc:Fallback>
+          <p:pic>
+            <p:nvPicPr>
+              <p:cNvPr id="69" name="잉크 68">
+                <a:extLst>
+                  <a:ext uri="{FF2B5EF4-FFF2-40B4-BE49-F238E27FC236}">
+                    <a16:creationId xmlns:a16="http://schemas.microsoft.com/office/drawing/2014/main" id="{676DDA1A-9507-77FF-C350-1F577E9FBDE0}"/>
+                  </a:ext>
+                </a:extLst>
+              </p:cNvPr>
+              <p:cNvPicPr/>
+              <p:nvPr/>
+            </p:nvPicPr>
+            <p:blipFill>
+              <a:blip r:embed="rId4"/>
+              <a:stretch>
+                <a:fillRect/>
+              </a:stretch>
+            </p:blipFill>
+            <p:spPr>
+              <a:xfrm>
+                <a:off x="7219946" y="1733439"/>
+                <a:ext cx="18000" cy="18000"/>
+              </a:xfrm>
+              <a:prstGeom prst="rect">
+                <a:avLst/>
+              </a:prstGeom>
+            </p:spPr>
+          </p:pic>
+        </mc:Fallback>
+      </mc:AlternateContent>
+      <mc:AlternateContent xmlns:mc="http://schemas.openxmlformats.org/markup-compatibility/2006">
+        <mc:Choice xmlns:p14="http://schemas.microsoft.com/office/powerpoint/2010/main" Requires="p14">
+          <p:contentPart p14:bwMode="auto" r:id="rId96">
+            <p14:nvContentPartPr>
+              <p14:cNvPr id="70" name="잉크 69">
+                <a:extLst>
+                  <a:ext uri="{FF2B5EF4-FFF2-40B4-BE49-F238E27FC236}">
+                    <a16:creationId xmlns:a16="http://schemas.microsoft.com/office/drawing/2014/main" id="{215688EC-8DF6-72E0-D929-4805C33ECEE5}"/>
+                  </a:ext>
+                </a:extLst>
+              </p14:cNvPr>
+              <p14:cNvContentPartPr/>
+              <p14:nvPr/>
+            </p14:nvContentPartPr>
+            <p14:xfrm>
+              <a:off x="7364666" y="1779159"/>
+              <a:ext cx="360" cy="360"/>
+            </p14:xfrm>
+          </p:contentPart>
+        </mc:Choice>
+        <mc:Fallback>
+          <p:pic>
+            <p:nvPicPr>
+              <p:cNvPr id="70" name="잉크 69">
+                <a:extLst>
+                  <a:ext uri="{FF2B5EF4-FFF2-40B4-BE49-F238E27FC236}">
+                    <a16:creationId xmlns:a16="http://schemas.microsoft.com/office/drawing/2014/main" id="{215688EC-8DF6-72E0-D929-4805C33ECEE5}"/>
+                  </a:ext>
+                </a:extLst>
+              </p:cNvPr>
+              <p:cNvPicPr/>
+              <p:nvPr/>
+            </p:nvPicPr>
+            <p:blipFill>
+              <a:blip r:embed="rId4"/>
+              <a:stretch>
+                <a:fillRect/>
+              </a:stretch>
+            </p:blipFill>
+            <p:spPr>
+              <a:xfrm>
+                <a:off x="7355666" y="1770159"/>
+                <a:ext cx="18000" cy="18000"/>
+              </a:xfrm>
+              <a:prstGeom prst="rect">
+                <a:avLst/>
+              </a:prstGeom>
+            </p:spPr>
+          </p:pic>
+        </mc:Fallback>
+      </mc:AlternateContent>
+      <mc:AlternateContent xmlns:mc="http://schemas.openxmlformats.org/markup-compatibility/2006">
+        <mc:Choice xmlns:p14="http://schemas.microsoft.com/office/powerpoint/2010/main" Requires="p14">
+          <p:contentPart p14:bwMode="auto" r:id="rId97">
+            <p14:nvContentPartPr>
+              <p14:cNvPr id="71" name="잉크 70">
+                <a:extLst>
+                  <a:ext uri="{FF2B5EF4-FFF2-40B4-BE49-F238E27FC236}">
+                    <a16:creationId xmlns:a16="http://schemas.microsoft.com/office/drawing/2014/main" id="{3F97A520-1572-39CB-278F-523AFB706160}"/>
+                  </a:ext>
+                </a:extLst>
+              </p14:cNvPr>
+              <p14:cNvContentPartPr/>
+              <p14:nvPr/>
+            </p14:nvContentPartPr>
+            <p14:xfrm>
+              <a:off x="7432346" y="1822359"/>
+              <a:ext cx="360" cy="360"/>
+            </p14:xfrm>
+          </p:contentPart>
+        </mc:Choice>
+        <mc:Fallback>
+          <p:pic>
+            <p:nvPicPr>
+              <p:cNvPr id="71" name="잉크 70">
+                <a:extLst>
+                  <a:ext uri="{FF2B5EF4-FFF2-40B4-BE49-F238E27FC236}">
+                    <a16:creationId xmlns:a16="http://schemas.microsoft.com/office/drawing/2014/main" id="{3F97A520-1572-39CB-278F-523AFB706160}"/>
+                  </a:ext>
+                </a:extLst>
+              </p:cNvPr>
+              <p:cNvPicPr/>
+              <p:nvPr/>
+            </p:nvPicPr>
+            <p:blipFill>
+              <a:blip r:embed="rId4"/>
+              <a:stretch>
+                <a:fillRect/>
+              </a:stretch>
+            </p:blipFill>
+            <p:spPr>
+              <a:xfrm>
+                <a:off x="7423706" y="1813719"/>
+                <a:ext cx="18000" cy="18000"/>
+              </a:xfrm>
+              <a:prstGeom prst="rect">
+                <a:avLst/>
+              </a:prstGeom>
+            </p:spPr>
+          </p:pic>
+        </mc:Fallback>
+      </mc:AlternateContent>
+      <mc:AlternateContent xmlns:mc="http://schemas.openxmlformats.org/markup-compatibility/2006">
+        <mc:Choice xmlns:p14="http://schemas.microsoft.com/office/powerpoint/2010/main" Requires="p14">
+          <p:contentPart p14:bwMode="auto" r:id="rId98">
+            <p14:nvContentPartPr>
+              <p14:cNvPr id="72" name="잉크 71">
+                <a:extLst>
+                  <a:ext uri="{FF2B5EF4-FFF2-40B4-BE49-F238E27FC236}">
+                    <a16:creationId xmlns:a16="http://schemas.microsoft.com/office/drawing/2014/main" id="{80FBD213-237C-4820-85D7-4AF1E06FB10F}"/>
+                  </a:ext>
+                </a:extLst>
+              </p14:cNvPr>
+              <p14:cNvContentPartPr/>
+              <p14:nvPr/>
+            </p14:nvContentPartPr>
+            <p14:xfrm>
+              <a:off x="7556186" y="1859439"/>
+              <a:ext cx="360" cy="360"/>
+            </p14:xfrm>
+          </p:contentPart>
+        </mc:Choice>
+        <mc:Fallback>
+          <p:pic>
+            <p:nvPicPr>
+              <p:cNvPr id="72" name="잉크 71">
+                <a:extLst>
+                  <a:ext uri="{FF2B5EF4-FFF2-40B4-BE49-F238E27FC236}">
+                    <a16:creationId xmlns:a16="http://schemas.microsoft.com/office/drawing/2014/main" id="{80FBD213-237C-4820-85D7-4AF1E06FB10F}"/>
+                  </a:ext>
+                </a:extLst>
+              </p:cNvPr>
+              <p:cNvPicPr/>
+              <p:nvPr/>
+            </p:nvPicPr>
+            <p:blipFill>
+              <a:blip r:embed="rId4"/>
+              <a:stretch>
+                <a:fillRect/>
+              </a:stretch>
+            </p:blipFill>
+            <p:spPr>
+              <a:xfrm>
+                <a:off x="7547186" y="1850439"/>
+                <a:ext cx="18000" cy="18000"/>
+              </a:xfrm>
+              <a:prstGeom prst="rect">
+                <a:avLst/>
+              </a:prstGeom>
+            </p:spPr>
+          </p:pic>
+        </mc:Fallback>
+      </mc:AlternateContent>
+      <mc:AlternateContent xmlns:mc="http://schemas.openxmlformats.org/markup-compatibility/2006">
+        <mc:Choice xmlns:p14="http://schemas.microsoft.com/office/powerpoint/2010/main" Requires="p14">
+          <p:contentPart p14:bwMode="auto" r:id="rId99">
+            <p14:nvContentPartPr>
+              <p14:cNvPr id="73" name="잉크 72">
+                <a:extLst>
+                  <a:ext uri="{FF2B5EF4-FFF2-40B4-BE49-F238E27FC236}">
+                    <a16:creationId xmlns:a16="http://schemas.microsoft.com/office/drawing/2014/main" id="{2D513604-02D7-8267-EC0B-F2C800694CDD}"/>
+                  </a:ext>
+                </a:extLst>
+              </p14:cNvPr>
+              <p14:cNvContentPartPr/>
+              <p14:nvPr/>
+            </p14:nvContentPartPr>
+            <p14:xfrm>
+              <a:off x="7642586" y="1884279"/>
+              <a:ext cx="360" cy="360"/>
+            </p14:xfrm>
+          </p:contentPart>
+        </mc:Choice>
+        <mc:Fallback>
+          <p:pic>
+            <p:nvPicPr>
+              <p:cNvPr id="73" name="잉크 72">
+                <a:extLst>
+                  <a:ext uri="{FF2B5EF4-FFF2-40B4-BE49-F238E27FC236}">
+                    <a16:creationId xmlns:a16="http://schemas.microsoft.com/office/drawing/2014/main" id="{2D513604-02D7-8267-EC0B-F2C800694CDD}"/>
+                  </a:ext>
+                </a:extLst>
+              </p:cNvPr>
+              <p:cNvPicPr/>
+              <p:nvPr/>
+            </p:nvPicPr>
+            <p:blipFill>
+              <a:blip r:embed="rId4"/>
+              <a:stretch>
+                <a:fillRect/>
+              </a:stretch>
+            </p:blipFill>
+            <p:spPr>
+              <a:xfrm>
+                <a:off x="7633586" y="1875279"/>
+                <a:ext cx="18000" cy="18000"/>
+              </a:xfrm>
+              <a:prstGeom prst="rect">
+                <a:avLst/>
+              </a:prstGeom>
+            </p:spPr>
+          </p:pic>
+        </mc:Fallback>
+      </mc:AlternateContent>
+      <mc:AlternateContent xmlns:mc="http://schemas.openxmlformats.org/markup-compatibility/2006">
+        <mc:Choice xmlns:p14="http://schemas.microsoft.com/office/powerpoint/2010/main" Requires="p14">
+          <p:contentPart p14:bwMode="auto" r:id="rId100">
+            <p14:nvContentPartPr>
+              <p14:cNvPr id="74" name="잉크 73">
+                <a:extLst>
+                  <a:ext uri="{FF2B5EF4-FFF2-40B4-BE49-F238E27FC236}">
+                    <a16:creationId xmlns:a16="http://schemas.microsoft.com/office/drawing/2014/main" id="{662C0809-4ECA-A556-68AF-D30B133128F4}"/>
+                  </a:ext>
+                </a:extLst>
+              </p14:cNvPr>
+              <p14:cNvContentPartPr/>
+              <p14:nvPr/>
+            </p14:nvContentPartPr>
+            <p14:xfrm>
+              <a:off x="7766066" y="1921359"/>
+              <a:ext cx="360" cy="360"/>
+            </p14:xfrm>
+          </p:contentPart>
+        </mc:Choice>
+        <mc:Fallback>
+          <p:pic>
+            <p:nvPicPr>
+              <p:cNvPr id="74" name="잉크 73">
+                <a:extLst>
+                  <a:ext uri="{FF2B5EF4-FFF2-40B4-BE49-F238E27FC236}">
+                    <a16:creationId xmlns:a16="http://schemas.microsoft.com/office/drawing/2014/main" id="{662C0809-4ECA-A556-68AF-D30B133128F4}"/>
+                  </a:ext>
+                </a:extLst>
+              </p:cNvPr>
+              <p:cNvPicPr/>
+              <p:nvPr/>
+            </p:nvPicPr>
+            <p:blipFill>
+              <a:blip r:embed="rId4"/>
+              <a:stretch>
+                <a:fillRect/>
+              </a:stretch>
+            </p:blipFill>
+            <p:spPr>
+              <a:xfrm>
+                <a:off x="7757066" y="1912359"/>
+                <a:ext cx="18000" cy="18000"/>
+              </a:xfrm>
+              <a:prstGeom prst="rect">
+                <a:avLst/>
+              </a:prstGeom>
+            </p:spPr>
+          </p:pic>
+        </mc:Fallback>
+      </mc:AlternateContent>
+      <mc:AlternateContent xmlns:mc="http://schemas.openxmlformats.org/markup-compatibility/2006">
+        <mc:Choice xmlns:p14="http://schemas.microsoft.com/office/powerpoint/2010/main" Requires="p14">
+          <p:contentPart p14:bwMode="auto" r:id="rId101">
+            <p14:nvContentPartPr>
+              <p14:cNvPr id="75" name="잉크 74">
+                <a:extLst>
+                  <a:ext uri="{FF2B5EF4-FFF2-40B4-BE49-F238E27FC236}">
+                    <a16:creationId xmlns:a16="http://schemas.microsoft.com/office/drawing/2014/main" id="{AAFB97CB-14DE-30B6-22F8-768E7338E325}"/>
+                  </a:ext>
+                </a:extLst>
+              </p14:cNvPr>
+              <p14:cNvContentPartPr/>
+              <p14:nvPr/>
+            </p14:nvContentPartPr>
+            <p14:xfrm>
+              <a:off x="7920506" y="1995159"/>
+              <a:ext cx="360" cy="360"/>
+            </p14:xfrm>
+          </p:contentPart>
+        </mc:Choice>
+        <mc:Fallback>
+          <p:pic>
+            <p:nvPicPr>
+              <p:cNvPr id="75" name="잉크 74">
+                <a:extLst>
+                  <a:ext uri="{FF2B5EF4-FFF2-40B4-BE49-F238E27FC236}">
+                    <a16:creationId xmlns:a16="http://schemas.microsoft.com/office/drawing/2014/main" id="{AAFB97CB-14DE-30B6-22F8-768E7338E325}"/>
+                  </a:ext>
+                </a:extLst>
+              </p:cNvPr>
+              <p:cNvPicPr/>
+              <p:nvPr/>
+            </p:nvPicPr>
+            <p:blipFill>
+              <a:blip r:embed="rId4"/>
+              <a:stretch>
+                <a:fillRect/>
+              </a:stretch>
+            </p:blipFill>
+            <p:spPr>
+              <a:xfrm>
+                <a:off x="7911866" y="1986519"/>
+                <a:ext cx="18000" cy="18000"/>
+              </a:xfrm>
+              <a:prstGeom prst="rect">
+                <a:avLst/>
+              </a:prstGeom>
+            </p:spPr>
+          </p:pic>
+        </mc:Fallback>
+      </mc:AlternateContent>
+      <mc:AlternateContent xmlns:mc="http://schemas.openxmlformats.org/markup-compatibility/2006">
+        <mc:Choice xmlns:p14="http://schemas.microsoft.com/office/powerpoint/2010/main" Requires="p14">
+          <p:contentPart p14:bwMode="auto" r:id="rId102">
+            <p14:nvContentPartPr>
+              <p14:cNvPr id="76" name="잉크 75">
+                <a:extLst>
+                  <a:ext uri="{FF2B5EF4-FFF2-40B4-BE49-F238E27FC236}">
+                    <a16:creationId xmlns:a16="http://schemas.microsoft.com/office/drawing/2014/main" id="{24074F82-5D89-9AD1-3E96-195E71751ACC}"/>
+                  </a:ext>
+                </a:extLst>
+              </p14:cNvPr>
+              <p14:cNvContentPartPr/>
+              <p14:nvPr/>
+            </p14:nvContentPartPr>
+            <p14:xfrm>
+              <a:off x="8019146" y="2032599"/>
+              <a:ext cx="360" cy="360"/>
+            </p14:xfrm>
+          </p:contentPart>
+        </mc:Choice>
+        <mc:Fallback>
+          <p:pic>
+            <p:nvPicPr>
+              <p:cNvPr id="76" name="잉크 75">
+                <a:extLst>
+                  <a:ext uri="{FF2B5EF4-FFF2-40B4-BE49-F238E27FC236}">
+                    <a16:creationId xmlns:a16="http://schemas.microsoft.com/office/drawing/2014/main" id="{24074F82-5D89-9AD1-3E96-195E71751ACC}"/>
+                  </a:ext>
+                </a:extLst>
+              </p:cNvPr>
+              <p:cNvPicPr/>
+              <p:nvPr/>
+            </p:nvPicPr>
+            <p:blipFill>
+              <a:blip r:embed="rId4"/>
+              <a:stretch>
+                <a:fillRect/>
+              </a:stretch>
+            </p:blipFill>
+            <p:spPr>
+              <a:xfrm>
+                <a:off x="8010506" y="2023599"/>
+                <a:ext cx="18000" cy="18000"/>
+              </a:xfrm>
+              <a:prstGeom prst="rect">
+                <a:avLst/>
+              </a:prstGeom>
+            </p:spPr>
+          </p:pic>
+        </mc:Fallback>
+      </mc:AlternateContent>
+      <mc:AlternateContent xmlns:mc="http://schemas.openxmlformats.org/markup-compatibility/2006">
+        <mc:Choice xmlns:p14="http://schemas.microsoft.com/office/powerpoint/2010/main" Requires="p14">
+          <p:contentPart p14:bwMode="auto" r:id="rId103">
+            <p14:nvContentPartPr>
+              <p14:cNvPr id="77" name="잉크 76">
+                <a:extLst>
+                  <a:ext uri="{FF2B5EF4-FFF2-40B4-BE49-F238E27FC236}">
+                    <a16:creationId xmlns:a16="http://schemas.microsoft.com/office/drawing/2014/main" id="{161FB624-A8EF-3B20-CD73-71513AFB034C}"/>
+                  </a:ext>
+                </a:extLst>
+              </p14:cNvPr>
+              <p14:cNvContentPartPr/>
+              <p14:nvPr/>
+            </p14:nvContentPartPr>
+            <p14:xfrm>
+              <a:off x="8130386" y="2081919"/>
+              <a:ext cx="360" cy="360"/>
+            </p14:xfrm>
+          </p:contentPart>
+        </mc:Choice>
+        <mc:Fallback>
+          <p:pic>
+            <p:nvPicPr>
+              <p:cNvPr id="77" name="잉크 76">
+                <a:extLst>
+                  <a:ext uri="{FF2B5EF4-FFF2-40B4-BE49-F238E27FC236}">
+                    <a16:creationId xmlns:a16="http://schemas.microsoft.com/office/drawing/2014/main" id="{161FB624-A8EF-3B20-CD73-71513AFB034C}"/>
+                  </a:ext>
+                </a:extLst>
+              </p:cNvPr>
+              <p:cNvPicPr/>
+              <p:nvPr/>
+            </p:nvPicPr>
+            <p:blipFill>
+              <a:blip r:embed="rId4"/>
+              <a:stretch>
+                <a:fillRect/>
+              </a:stretch>
+            </p:blipFill>
+            <p:spPr>
+              <a:xfrm>
+                <a:off x="8121746" y="2073279"/>
+                <a:ext cx="18000" cy="18000"/>
+              </a:xfrm>
+              <a:prstGeom prst="rect">
+                <a:avLst/>
+              </a:prstGeom>
+            </p:spPr>
+          </p:pic>
+        </mc:Fallback>
+      </mc:AlternateContent>
+      <mc:AlternateContent xmlns:mc="http://schemas.openxmlformats.org/markup-compatibility/2006">
+        <mc:Choice xmlns:p14="http://schemas.microsoft.com/office/powerpoint/2010/main" xmlns:aink="http://schemas.microsoft.com/office/drawing/2016/ink" Requires="p14 aink">
+          <p:contentPart p14:bwMode="auto" r:id="rId104">
+            <p14:nvContentPartPr>
+              <p14:cNvPr id="78" name="잉크 77">
+                <a:extLst>
+                  <a:ext uri="{FF2B5EF4-FFF2-40B4-BE49-F238E27FC236}">
+                    <a16:creationId xmlns:a16="http://schemas.microsoft.com/office/drawing/2014/main" id="{48A15097-37FA-9C0E-4516-26D405C14C4B}"/>
+                  </a:ext>
+                </a:extLst>
+              </p14:cNvPr>
+              <p14:cNvContentPartPr/>
+              <p14:nvPr/>
+            </p14:nvContentPartPr>
+            <p14:xfrm>
+              <a:off x="8223266" y="2118999"/>
+              <a:ext cx="360" cy="360"/>
+            </p14:xfrm>
+          </p:contentPart>
+        </mc:Choice>
+        <mc:Fallback>
+          <p:pic>
+            <p:nvPicPr>
+              <p:cNvPr id="78" name="잉크 77">
+                <a:extLst>
+                  <a:ext uri="{FF2B5EF4-FFF2-40B4-BE49-F238E27FC236}">
+                    <a16:creationId xmlns:a16="http://schemas.microsoft.com/office/drawing/2014/main" id="{48A15097-37FA-9C0E-4516-26D405C14C4B}"/>
+                  </a:ext>
+                </a:extLst>
+              </p:cNvPr>
+              <p:cNvPicPr/>
+              <p:nvPr/>
+            </p:nvPicPr>
+            <p:blipFill>
+              <a:blip r:embed="rId105"/>
+              <a:stretch>
+                <a:fillRect/>
+              </a:stretch>
+            </p:blipFill>
+            <p:spPr>
+              <a:xfrm>
+                <a:off x="8205266" y="2101359"/>
+                <a:ext cx="36000" cy="36000"/>
+              </a:xfrm>
+              <a:prstGeom prst="rect">
+                <a:avLst/>
+              </a:prstGeom>
+            </p:spPr>
+          </p:pic>
+        </mc:Fallback>
+      </mc:AlternateContent>
+      <mc:AlternateContent xmlns:mc="http://schemas.openxmlformats.org/markup-compatibility/2006">
+        <mc:Choice xmlns:p14="http://schemas.microsoft.com/office/powerpoint/2010/main" xmlns:aink="http://schemas.microsoft.com/office/drawing/2016/ink" Requires="p14 aink">
+          <p:contentPart p14:bwMode="auto" r:id="rId106">
+            <p14:nvContentPartPr>
+              <p14:cNvPr id="79" name="잉크 78">
+                <a:extLst>
+                  <a:ext uri="{FF2B5EF4-FFF2-40B4-BE49-F238E27FC236}">
+                    <a16:creationId xmlns:a16="http://schemas.microsoft.com/office/drawing/2014/main" id="{01BE3ED3-9625-0DAB-D3DD-E837C6AB574A}"/>
+                  </a:ext>
+                </a:extLst>
+              </p14:cNvPr>
+              <p14:cNvContentPartPr/>
+              <p14:nvPr/>
+            </p14:nvContentPartPr>
+            <p14:xfrm>
+              <a:off x="8358986" y="2205399"/>
+              <a:ext cx="360" cy="360"/>
+            </p14:xfrm>
+          </p:contentPart>
+        </mc:Choice>
+        <mc:Fallback>
+          <p:pic>
+            <p:nvPicPr>
+              <p:cNvPr id="79" name="잉크 78">
+                <a:extLst>
+                  <a:ext uri="{FF2B5EF4-FFF2-40B4-BE49-F238E27FC236}">
+                    <a16:creationId xmlns:a16="http://schemas.microsoft.com/office/drawing/2014/main" id="{01BE3ED3-9625-0DAB-D3DD-E837C6AB574A}"/>
+                  </a:ext>
+                </a:extLst>
+              </p:cNvPr>
+              <p:cNvPicPr/>
+              <p:nvPr/>
+            </p:nvPicPr>
+            <p:blipFill>
+              <a:blip r:embed="rId107"/>
+              <a:stretch>
+                <a:fillRect/>
+              </a:stretch>
+            </p:blipFill>
+            <p:spPr>
+              <a:xfrm>
+                <a:off x="8341346" y="2187759"/>
+                <a:ext cx="36000" cy="36000"/>
+              </a:xfrm>
+              <a:prstGeom prst="rect">
+                <a:avLst/>
+              </a:prstGeom>
+            </p:spPr>
+          </p:pic>
+        </mc:Fallback>
+      </mc:AlternateContent>
+      <mc:AlternateContent xmlns:mc="http://schemas.openxmlformats.org/markup-compatibility/2006">
+        <mc:Choice xmlns:p14="http://schemas.microsoft.com/office/powerpoint/2010/main" xmlns:aink="http://schemas.microsoft.com/office/drawing/2016/ink" Requires="p14 aink">
+          <p:contentPart p14:bwMode="auto" r:id="rId108">
+            <p14:nvContentPartPr>
+              <p14:cNvPr id="80" name="잉크 79">
+                <a:extLst>
+                  <a:ext uri="{FF2B5EF4-FFF2-40B4-BE49-F238E27FC236}">
+                    <a16:creationId xmlns:a16="http://schemas.microsoft.com/office/drawing/2014/main" id="{4223B147-DCF0-C670-9146-DBA73852B7C6}"/>
+                  </a:ext>
+                </a:extLst>
+              </p14:cNvPr>
+              <p14:cNvContentPartPr/>
+              <p14:nvPr/>
+            </p14:nvContentPartPr>
+            <p14:xfrm>
+              <a:off x="8470586" y="2248599"/>
+              <a:ext cx="360" cy="360"/>
+            </p14:xfrm>
+          </p:contentPart>
+        </mc:Choice>
+        <mc:Fallback>
+          <p:pic>
+            <p:nvPicPr>
+              <p:cNvPr id="80" name="잉크 79">
+                <a:extLst>
+                  <a:ext uri="{FF2B5EF4-FFF2-40B4-BE49-F238E27FC236}">
+                    <a16:creationId xmlns:a16="http://schemas.microsoft.com/office/drawing/2014/main" id="{4223B147-DCF0-C670-9146-DBA73852B7C6}"/>
+                  </a:ext>
+                </a:extLst>
+              </p:cNvPr>
+              <p:cNvPicPr/>
+              <p:nvPr/>
+            </p:nvPicPr>
+            <p:blipFill>
+              <a:blip r:embed="rId109"/>
+              <a:stretch>
+                <a:fillRect/>
+              </a:stretch>
+            </p:blipFill>
+            <p:spPr>
+              <a:xfrm>
+                <a:off x="8452586" y="2230959"/>
+                <a:ext cx="36000" cy="36000"/>
+              </a:xfrm>
+              <a:prstGeom prst="rect">
+                <a:avLst/>
+              </a:prstGeom>
+            </p:spPr>
+          </p:pic>
+        </mc:Fallback>
+      </mc:AlternateContent>
+      <mc:AlternateContent xmlns:mc="http://schemas.openxmlformats.org/markup-compatibility/2006">
+        <mc:Choice xmlns:p14="http://schemas.microsoft.com/office/powerpoint/2010/main" xmlns:aink="http://schemas.microsoft.com/office/drawing/2016/ink" Requires="p14 aink">
+          <p:contentPart p14:bwMode="auto" r:id="rId110">
+            <p14:nvContentPartPr>
+              <p14:cNvPr id="81" name="잉크 80">
+                <a:extLst>
+                  <a:ext uri="{FF2B5EF4-FFF2-40B4-BE49-F238E27FC236}">
+                    <a16:creationId xmlns:a16="http://schemas.microsoft.com/office/drawing/2014/main" id="{E7D58349-584C-821F-A761-2119AC1E0202}"/>
+                  </a:ext>
+                </a:extLst>
+              </p14:cNvPr>
+              <p14:cNvContentPartPr/>
+              <p14:nvPr/>
+            </p14:nvContentPartPr>
+            <p14:xfrm>
+              <a:off x="8581466" y="2316639"/>
+              <a:ext cx="360" cy="360"/>
+            </p14:xfrm>
+          </p:contentPart>
+        </mc:Choice>
+        <mc:Fallback>
+          <p:pic>
+            <p:nvPicPr>
+              <p:cNvPr id="81" name="잉크 80">
+                <a:extLst>
+                  <a:ext uri="{FF2B5EF4-FFF2-40B4-BE49-F238E27FC236}">
+                    <a16:creationId xmlns:a16="http://schemas.microsoft.com/office/drawing/2014/main" id="{E7D58349-584C-821F-A761-2119AC1E0202}"/>
+                  </a:ext>
+                </a:extLst>
+              </p:cNvPr>
+              <p:cNvPicPr/>
+              <p:nvPr/>
+            </p:nvPicPr>
+            <p:blipFill>
+              <a:blip r:embed="rId111"/>
+              <a:stretch>
+                <a:fillRect/>
+              </a:stretch>
+            </p:blipFill>
+            <p:spPr>
+              <a:xfrm>
+                <a:off x="8563826" y="2298999"/>
+                <a:ext cx="36000" cy="36000"/>
+              </a:xfrm>
+              <a:prstGeom prst="rect">
+                <a:avLst/>
+              </a:prstGeom>
+            </p:spPr>
+          </p:pic>
+        </mc:Fallback>
+      </mc:AlternateContent>
+      <mc:AlternateContent xmlns:mc="http://schemas.openxmlformats.org/markup-compatibility/2006">
+        <mc:Choice xmlns:p14="http://schemas.microsoft.com/office/powerpoint/2010/main" xmlns:aink="http://schemas.microsoft.com/office/drawing/2016/ink" Requires="p14 aink">
+          <p:contentPart p14:bwMode="auto" r:id="rId112">
+            <p14:nvContentPartPr>
+              <p14:cNvPr id="82" name="잉크 81">
+                <a:extLst>
+                  <a:ext uri="{FF2B5EF4-FFF2-40B4-BE49-F238E27FC236}">
+                    <a16:creationId xmlns:a16="http://schemas.microsoft.com/office/drawing/2014/main" id="{8C52E97C-59A9-70C4-3A36-E42E3C155D3E}"/>
+                  </a:ext>
+                </a:extLst>
+              </p14:cNvPr>
+              <p14:cNvContentPartPr/>
+              <p14:nvPr/>
+            </p14:nvContentPartPr>
+            <p14:xfrm>
+              <a:off x="8729786" y="2390799"/>
+              <a:ext cx="360" cy="360"/>
+            </p14:xfrm>
+          </p:contentPart>
+        </mc:Choice>
+        <mc:Fallback>
+          <p:pic>
+            <p:nvPicPr>
+              <p:cNvPr id="82" name="잉크 81">
+                <a:extLst>
+                  <a:ext uri="{FF2B5EF4-FFF2-40B4-BE49-F238E27FC236}">
+                    <a16:creationId xmlns:a16="http://schemas.microsoft.com/office/drawing/2014/main" id="{8C52E97C-59A9-70C4-3A36-E42E3C155D3E}"/>
+                  </a:ext>
+                </a:extLst>
+              </p:cNvPr>
+              <p:cNvPicPr/>
+              <p:nvPr/>
+            </p:nvPicPr>
+            <p:blipFill>
+              <a:blip r:embed="rId113"/>
+              <a:stretch>
+                <a:fillRect/>
+              </a:stretch>
+            </p:blipFill>
+            <p:spPr>
+              <a:xfrm>
+                <a:off x="8712146" y="2373159"/>
+                <a:ext cx="36000" cy="36000"/>
+              </a:xfrm>
+              <a:prstGeom prst="rect">
+                <a:avLst/>
+              </a:prstGeom>
+            </p:spPr>
+          </p:pic>
+        </mc:Fallback>
+      </mc:AlternateContent>
+      <mc:AlternateContent xmlns:mc="http://schemas.openxmlformats.org/markup-compatibility/2006">
+        <mc:Choice xmlns:p14="http://schemas.microsoft.com/office/powerpoint/2010/main" xmlns:aink="http://schemas.microsoft.com/office/drawing/2016/ink" Requires="p14 aink">
+          <p:contentPart p14:bwMode="auto" r:id="rId114">
+            <p14:nvContentPartPr>
+              <p14:cNvPr id="83" name="잉크 82">
+                <a:extLst>
+                  <a:ext uri="{FF2B5EF4-FFF2-40B4-BE49-F238E27FC236}">
+                    <a16:creationId xmlns:a16="http://schemas.microsoft.com/office/drawing/2014/main" id="{D9945C30-8A64-BECF-6FA6-A9C93E2F2861}"/>
+                  </a:ext>
+                </a:extLst>
+              </p14:cNvPr>
+              <p14:cNvContentPartPr/>
+              <p14:nvPr/>
+            </p14:nvContentPartPr>
+            <p14:xfrm>
+              <a:off x="8822666" y="2440119"/>
+              <a:ext cx="360" cy="360"/>
+            </p14:xfrm>
+          </p:contentPart>
+        </mc:Choice>
+        <mc:Fallback>
+          <p:pic>
+            <p:nvPicPr>
+              <p:cNvPr id="83" name="잉크 82">
+                <a:extLst>
+                  <a:ext uri="{FF2B5EF4-FFF2-40B4-BE49-F238E27FC236}">
+                    <a16:creationId xmlns:a16="http://schemas.microsoft.com/office/drawing/2014/main" id="{D9945C30-8A64-BECF-6FA6-A9C93E2F2861}"/>
+                  </a:ext>
+                </a:extLst>
+              </p:cNvPr>
+              <p:cNvPicPr/>
+              <p:nvPr/>
+            </p:nvPicPr>
+            <p:blipFill>
+              <a:blip r:embed="rId115"/>
+              <a:stretch>
+                <a:fillRect/>
+              </a:stretch>
+            </p:blipFill>
+            <p:spPr>
+              <a:xfrm>
+                <a:off x="8804666" y="2422479"/>
+                <a:ext cx="36000" cy="36000"/>
+              </a:xfrm>
+              <a:prstGeom prst="rect">
+                <a:avLst/>
+              </a:prstGeom>
+            </p:spPr>
+          </p:pic>
+        </mc:Fallback>
+      </mc:AlternateContent>
+      <mc:AlternateContent xmlns:mc="http://schemas.openxmlformats.org/markup-compatibility/2006">
+        <mc:Choice xmlns:p14="http://schemas.microsoft.com/office/powerpoint/2010/main" xmlns:aink="http://schemas.microsoft.com/office/drawing/2016/ink" Requires="p14 aink">
+          <p:contentPart p14:bwMode="auto" r:id="rId116">
+            <p14:nvContentPartPr>
+              <p14:cNvPr id="84" name="잉크 83">
+                <a:extLst>
+                  <a:ext uri="{FF2B5EF4-FFF2-40B4-BE49-F238E27FC236}">
+                    <a16:creationId xmlns:a16="http://schemas.microsoft.com/office/drawing/2014/main" id="{AB2A70F6-58B4-354A-FE16-177DA8EA4AFE}"/>
+                  </a:ext>
+                </a:extLst>
+              </p14:cNvPr>
+              <p14:cNvContentPartPr/>
+              <p14:nvPr/>
+            </p14:nvContentPartPr>
+            <p14:xfrm>
+              <a:off x="8921306" y="2495919"/>
+              <a:ext cx="360" cy="360"/>
+            </p14:xfrm>
+          </p:contentPart>
+        </mc:Choice>
+        <mc:Fallback>
+          <p:pic>
+            <p:nvPicPr>
+              <p:cNvPr id="84" name="잉크 83">
+                <a:extLst>
+                  <a:ext uri="{FF2B5EF4-FFF2-40B4-BE49-F238E27FC236}">
+                    <a16:creationId xmlns:a16="http://schemas.microsoft.com/office/drawing/2014/main" id="{AB2A70F6-58B4-354A-FE16-177DA8EA4AFE}"/>
+                  </a:ext>
+                </a:extLst>
+              </p:cNvPr>
+              <p:cNvPicPr/>
+              <p:nvPr/>
+            </p:nvPicPr>
+            <p:blipFill>
+              <a:blip r:embed="rId117"/>
+              <a:stretch>
+                <a:fillRect/>
+              </a:stretch>
+            </p:blipFill>
+            <p:spPr>
+              <a:xfrm>
+                <a:off x="8903666" y="2478279"/>
+                <a:ext cx="36000" cy="36000"/>
+              </a:xfrm>
+              <a:prstGeom prst="rect">
+                <a:avLst/>
+              </a:prstGeom>
+            </p:spPr>
+          </p:pic>
+        </mc:Fallback>
+      </mc:AlternateContent>
+      <mc:AlternateContent xmlns:mc="http://schemas.openxmlformats.org/markup-compatibility/2006">
+        <mc:Choice xmlns:p14="http://schemas.microsoft.com/office/powerpoint/2010/main" xmlns:aink="http://schemas.microsoft.com/office/drawing/2016/ink" Requires="p14 aink">
+          <p:contentPart p14:bwMode="auto" r:id="rId118">
+            <p14:nvContentPartPr>
+              <p14:cNvPr id="85" name="잉크 84">
+                <a:extLst>
+                  <a:ext uri="{FF2B5EF4-FFF2-40B4-BE49-F238E27FC236}">
+                    <a16:creationId xmlns:a16="http://schemas.microsoft.com/office/drawing/2014/main" id="{560EB1A9-0788-1966-47E8-DD435139CD16}"/>
+                  </a:ext>
+                </a:extLst>
+              </p14:cNvPr>
+              <p14:cNvContentPartPr/>
+              <p14:nvPr/>
+            </p14:nvContentPartPr>
+            <p14:xfrm>
+              <a:off x="9051266" y="2594919"/>
+              <a:ext cx="360" cy="360"/>
+            </p14:xfrm>
+          </p:contentPart>
+        </mc:Choice>
+        <mc:Fallback>
+          <p:pic>
+            <p:nvPicPr>
+              <p:cNvPr id="85" name="잉크 84">
+                <a:extLst>
+                  <a:ext uri="{FF2B5EF4-FFF2-40B4-BE49-F238E27FC236}">
+                    <a16:creationId xmlns:a16="http://schemas.microsoft.com/office/drawing/2014/main" id="{560EB1A9-0788-1966-47E8-DD435139CD16}"/>
+                  </a:ext>
+                </a:extLst>
+              </p:cNvPr>
+              <p:cNvPicPr/>
+              <p:nvPr/>
+            </p:nvPicPr>
+            <p:blipFill>
+              <a:blip r:embed="rId119"/>
+              <a:stretch>
+                <a:fillRect/>
+              </a:stretch>
+            </p:blipFill>
+            <p:spPr>
+              <a:xfrm>
+                <a:off x="9033266" y="2576919"/>
+                <a:ext cx="36000" cy="36000"/>
+              </a:xfrm>
+              <a:prstGeom prst="rect">
+                <a:avLst/>
+              </a:prstGeom>
+            </p:spPr>
+          </p:pic>
+        </mc:Fallback>
+      </mc:AlternateContent>
+      <mc:AlternateContent xmlns:mc="http://schemas.openxmlformats.org/markup-compatibility/2006">
+        <mc:Choice xmlns:p14="http://schemas.microsoft.com/office/powerpoint/2010/main" xmlns:aink="http://schemas.microsoft.com/office/drawing/2016/ink" Requires="p14 aink">
+          <p:contentPart p14:bwMode="auto" r:id="rId120">
+            <p14:nvContentPartPr>
+              <p14:cNvPr id="86" name="잉크 85">
+                <a:extLst>
+                  <a:ext uri="{FF2B5EF4-FFF2-40B4-BE49-F238E27FC236}">
+                    <a16:creationId xmlns:a16="http://schemas.microsoft.com/office/drawing/2014/main" id="{52E7A089-7A78-B4F5-3BEA-EB84FFB8EE00}"/>
+                  </a:ext>
+                </a:extLst>
+              </p14:cNvPr>
+              <p14:cNvContentPartPr/>
+              <p14:nvPr/>
+            </p14:nvContentPartPr>
+            <p14:xfrm>
+              <a:off x="9162506" y="2693559"/>
+              <a:ext cx="360" cy="360"/>
+            </p14:xfrm>
+          </p:contentPart>
+        </mc:Choice>
+        <mc:Fallback>
+          <p:pic>
+            <p:nvPicPr>
+              <p:cNvPr id="86" name="잉크 85">
+                <a:extLst>
+                  <a:ext uri="{FF2B5EF4-FFF2-40B4-BE49-F238E27FC236}">
+                    <a16:creationId xmlns:a16="http://schemas.microsoft.com/office/drawing/2014/main" id="{52E7A089-7A78-B4F5-3BEA-EB84FFB8EE00}"/>
+                  </a:ext>
+                </a:extLst>
+              </p:cNvPr>
+              <p:cNvPicPr/>
+              <p:nvPr/>
+            </p:nvPicPr>
+            <p:blipFill>
+              <a:blip r:embed="rId121"/>
+              <a:stretch>
+                <a:fillRect/>
+              </a:stretch>
+            </p:blipFill>
+            <p:spPr>
+              <a:xfrm>
+                <a:off x="9144506" y="2675559"/>
+                <a:ext cx="36000" cy="36000"/>
+              </a:xfrm>
+              <a:prstGeom prst="rect">
+                <a:avLst/>
+              </a:prstGeom>
+            </p:spPr>
+          </p:pic>
+        </mc:Fallback>
+      </mc:AlternateContent>
+      <mc:AlternateContent xmlns:mc="http://schemas.openxmlformats.org/markup-compatibility/2006">
+        <mc:Choice xmlns:p14="http://schemas.microsoft.com/office/powerpoint/2010/main" xmlns:aink="http://schemas.microsoft.com/office/drawing/2016/ink" Requires="p14 aink">
+          <p:contentPart p14:bwMode="auto" r:id="rId122">
+            <p14:nvContentPartPr>
+              <p14:cNvPr id="87" name="잉크 86">
+                <a:extLst>
+                  <a:ext uri="{FF2B5EF4-FFF2-40B4-BE49-F238E27FC236}">
+                    <a16:creationId xmlns:a16="http://schemas.microsoft.com/office/drawing/2014/main" id="{361A6680-C558-E10C-1631-8B7C11BFF7FD}"/>
+                  </a:ext>
+                </a:extLst>
+              </p14:cNvPr>
+              <p14:cNvContentPartPr/>
+              <p14:nvPr/>
+            </p14:nvContentPartPr>
+            <p14:xfrm>
+              <a:off x="9298226" y="2786079"/>
+              <a:ext cx="360" cy="360"/>
+            </p14:xfrm>
+          </p:contentPart>
+        </mc:Choice>
+        <mc:Fallback>
+          <p:pic>
+            <p:nvPicPr>
+              <p:cNvPr id="87" name="잉크 86">
+                <a:extLst>
+                  <a:ext uri="{FF2B5EF4-FFF2-40B4-BE49-F238E27FC236}">
+                    <a16:creationId xmlns:a16="http://schemas.microsoft.com/office/drawing/2014/main" id="{361A6680-C558-E10C-1631-8B7C11BFF7FD}"/>
+                  </a:ext>
+                </a:extLst>
+              </p:cNvPr>
+              <p:cNvPicPr/>
+              <p:nvPr/>
+            </p:nvPicPr>
+            <p:blipFill>
+              <a:blip r:embed="rId123"/>
+              <a:stretch>
+                <a:fillRect/>
+              </a:stretch>
+            </p:blipFill>
+            <p:spPr>
+              <a:xfrm>
+                <a:off x="9280586" y="2768439"/>
+                <a:ext cx="36000" cy="36000"/>
+              </a:xfrm>
+              <a:prstGeom prst="rect">
+                <a:avLst/>
+              </a:prstGeom>
+            </p:spPr>
+          </p:pic>
+        </mc:Fallback>
+      </mc:AlternateContent>
+      <mc:AlternateContent xmlns:mc="http://schemas.openxmlformats.org/markup-compatibility/2006">
+        <mc:Choice xmlns:p14="http://schemas.microsoft.com/office/powerpoint/2010/main" Requires="p14">
+          <p:contentPart p14:bwMode="auto" r:id="rId124">
+            <p14:nvContentPartPr>
+              <p14:cNvPr id="89" name="잉크 88">
+                <a:extLst>
+                  <a:ext uri="{FF2B5EF4-FFF2-40B4-BE49-F238E27FC236}">
+                    <a16:creationId xmlns:a16="http://schemas.microsoft.com/office/drawing/2014/main" id="{17BED143-4FFB-546E-391D-1864419D212B}"/>
+                  </a:ext>
+                </a:extLst>
+              </p14:cNvPr>
+              <p14:cNvContentPartPr/>
+              <p14:nvPr/>
+            </p14:nvContentPartPr>
+            <p14:xfrm>
+              <a:off x="9421706" y="2854119"/>
+              <a:ext cx="360" cy="360"/>
+            </p14:xfrm>
+          </p:contentPart>
+        </mc:Choice>
+        <mc:Fallback>
+          <p:pic>
+            <p:nvPicPr>
+              <p:cNvPr id="89" name="잉크 88">
+                <a:extLst>
+                  <a:ext uri="{FF2B5EF4-FFF2-40B4-BE49-F238E27FC236}">
+                    <a16:creationId xmlns:a16="http://schemas.microsoft.com/office/drawing/2014/main" id="{17BED143-4FFB-546E-391D-1864419D212B}"/>
+                  </a:ext>
+                </a:extLst>
+              </p:cNvPr>
+              <p:cNvPicPr/>
+              <p:nvPr/>
+            </p:nvPicPr>
+            <p:blipFill>
+              <a:blip r:embed="rId4"/>
+              <a:stretch>
+                <a:fillRect/>
+              </a:stretch>
+            </p:blipFill>
+            <p:spPr>
+              <a:xfrm>
+                <a:off x="9413066" y="2845479"/>
+                <a:ext cx="18000" cy="18000"/>
+              </a:xfrm>
+              <a:prstGeom prst="rect">
+                <a:avLst/>
+              </a:prstGeom>
+            </p:spPr>
+          </p:pic>
+        </mc:Fallback>
+      </mc:AlternateContent>
+      <mc:AlternateContent xmlns:mc="http://schemas.openxmlformats.org/markup-compatibility/2006">
+        <mc:Choice xmlns:p14="http://schemas.microsoft.com/office/powerpoint/2010/main" Requires="p14">
+          <p:contentPart p14:bwMode="auto" r:id="rId125">
+            <p14:nvContentPartPr>
+              <p14:cNvPr id="90" name="잉크 89">
+                <a:extLst>
+                  <a:ext uri="{FF2B5EF4-FFF2-40B4-BE49-F238E27FC236}">
+                    <a16:creationId xmlns:a16="http://schemas.microsoft.com/office/drawing/2014/main" id="{30C8A916-2163-B656-5FA1-E9EBEE25DF0A}"/>
+                  </a:ext>
+                </a:extLst>
+              </p14:cNvPr>
+              <p14:cNvContentPartPr/>
+              <p14:nvPr/>
+            </p14:nvContentPartPr>
+            <p14:xfrm>
+              <a:off x="9496226" y="2928279"/>
+              <a:ext cx="1440" cy="360"/>
+            </p14:xfrm>
+          </p:contentPart>
+        </mc:Choice>
+        <mc:Fallback>
+          <p:pic>
+            <p:nvPicPr>
+              <p:cNvPr id="90" name="잉크 89">
+                <a:extLst>
+                  <a:ext uri="{FF2B5EF4-FFF2-40B4-BE49-F238E27FC236}">
+                    <a16:creationId xmlns:a16="http://schemas.microsoft.com/office/drawing/2014/main" id="{30C8A916-2163-B656-5FA1-E9EBEE25DF0A}"/>
+                  </a:ext>
+                </a:extLst>
+              </p:cNvPr>
+              <p:cNvPicPr/>
+              <p:nvPr/>
+            </p:nvPicPr>
+            <p:blipFill>
+              <a:blip r:embed="rId126"/>
+              <a:stretch>
+                <a:fillRect/>
+              </a:stretch>
+            </p:blipFill>
+            <p:spPr>
+              <a:xfrm>
+                <a:off x="9487226" y="2919639"/>
+                <a:ext cx="19080" cy="18000"/>
+              </a:xfrm>
+              <a:prstGeom prst="rect">
+                <a:avLst/>
+              </a:prstGeom>
+            </p:spPr>
+          </p:pic>
+        </mc:Fallback>
+      </mc:AlternateContent>
+      <mc:AlternateContent xmlns:mc="http://schemas.openxmlformats.org/markup-compatibility/2006">
+        <mc:Choice xmlns:p14="http://schemas.microsoft.com/office/powerpoint/2010/main" Requires="p14">
+          <p:contentPart p14:bwMode="auto" r:id="rId127">
+            <p14:nvContentPartPr>
+              <p14:cNvPr id="91" name="잉크 90">
+                <a:extLst>
+                  <a:ext uri="{FF2B5EF4-FFF2-40B4-BE49-F238E27FC236}">
+                    <a16:creationId xmlns:a16="http://schemas.microsoft.com/office/drawing/2014/main" id="{C0307EEB-8A06-A628-7365-D617E738AE98}"/>
+                  </a:ext>
+                </a:extLst>
+              </p14:cNvPr>
+              <p14:cNvContentPartPr/>
+              <p14:nvPr/>
+            </p14:nvContentPartPr>
+            <p14:xfrm>
+              <a:off x="9631946" y="3052119"/>
+              <a:ext cx="1440" cy="360"/>
+            </p14:xfrm>
+          </p:contentPart>
+        </mc:Choice>
+        <mc:Fallback>
+          <p:pic>
+            <p:nvPicPr>
+              <p:cNvPr id="91" name="잉크 90">
+                <a:extLst>
+                  <a:ext uri="{FF2B5EF4-FFF2-40B4-BE49-F238E27FC236}">
+                    <a16:creationId xmlns:a16="http://schemas.microsoft.com/office/drawing/2014/main" id="{C0307EEB-8A06-A628-7365-D617E738AE98}"/>
+                  </a:ext>
+                </a:extLst>
+              </p:cNvPr>
+              <p:cNvPicPr/>
+              <p:nvPr/>
+            </p:nvPicPr>
+            <p:blipFill>
+              <a:blip r:embed="rId128"/>
+              <a:stretch>
+                <a:fillRect/>
+              </a:stretch>
+            </p:blipFill>
+            <p:spPr>
+              <a:xfrm>
+                <a:off x="9623306" y="3043119"/>
+                <a:ext cx="19080" cy="18000"/>
+              </a:xfrm>
+              <a:prstGeom prst="rect">
+                <a:avLst/>
+              </a:prstGeom>
+            </p:spPr>
+          </p:pic>
+        </mc:Fallback>
+      </mc:AlternateContent>
+      <mc:AlternateContent xmlns:mc="http://schemas.openxmlformats.org/markup-compatibility/2006">
+        <mc:Choice xmlns:p14="http://schemas.microsoft.com/office/powerpoint/2010/main" Requires="p14">
+          <p:contentPart p14:bwMode="auto" r:id="rId129">
+            <p14:nvContentPartPr>
+              <p14:cNvPr id="92" name="잉크 91">
+                <a:extLst>
+                  <a:ext uri="{FF2B5EF4-FFF2-40B4-BE49-F238E27FC236}">
+                    <a16:creationId xmlns:a16="http://schemas.microsoft.com/office/drawing/2014/main" id="{38CE8BAF-5318-325E-FE98-688CC4FC7ECB}"/>
+                  </a:ext>
+                </a:extLst>
+              </p14:cNvPr>
+              <p14:cNvContentPartPr/>
+              <p14:nvPr/>
+            </p14:nvContentPartPr>
+            <p14:xfrm>
+              <a:off x="9743186" y="3150759"/>
+              <a:ext cx="360" cy="360"/>
+            </p14:xfrm>
+          </p:contentPart>
+        </mc:Choice>
+        <mc:Fallback>
+          <p:pic>
+            <p:nvPicPr>
+              <p:cNvPr id="92" name="잉크 91">
+                <a:extLst>
+                  <a:ext uri="{FF2B5EF4-FFF2-40B4-BE49-F238E27FC236}">
+                    <a16:creationId xmlns:a16="http://schemas.microsoft.com/office/drawing/2014/main" id="{38CE8BAF-5318-325E-FE98-688CC4FC7ECB}"/>
+                  </a:ext>
+                </a:extLst>
+              </p:cNvPr>
+              <p:cNvPicPr/>
+              <p:nvPr/>
+            </p:nvPicPr>
+            <p:blipFill>
+              <a:blip r:embed="rId4"/>
+              <a:stretch>
+                <a:fillRect/>
+              </a:stretch>
+            </p:blipFill>
+            <p:spPr>
+              <a:xfrm>
+                <a:off x="9734186" y="3141759"/>
+                <a:ext cx="18000" cy="18000"/>
+              </a:xfrm>
+              <a:prstGeom prst="rect">
+                <a:avLst/>
+              </a:prstGeom>
+            </p:spPr>
+          </p:pic>
+        </mc:Fallback>
+      </mc:AlternateContent>
+      <mc:AlternateContent xmlns:mc="http://schemas.openxmlformats.org/markup-compatibility/2006">
+        <mc:Choice xmlns:p14="http://schemas.microsoft.com/office/powerpoint/2010/main" Requires="p14">
+          <p:contentPart p14:bwMode="auto" r:id="rId130">
+            <p14:nvContentPartPr>
+              <p14:cNvPr id="93" name="잉크 92">
+                <a:extLst>
+                  <a:ext uri="{FF2B5EF4-FFF2-40B4-BE49-F238E27FC236}">
+                    <a16:creationId xmlns:a16="http://schemas.microsoft.com/office/drawing/2014/main" id="{CAACEAAC-435A-65C1-0A70-FE72C9CF890A}"/>
+                  </a:ext>
+                </a:extLst>
+              </p14:cNvPr>
+              <p14:cNvContentPartPr/>
+              <p14:nvPr/>
+            </p14:nvContentPartPr>
+            <p14:xfrm>
+              <a:off x="9848306" y="3255879"/>
+              <a:ext cx="360" cy="360"/>
+            </p14:xfrm>
+          </p:contentPart>
+        </mc:Choice>
+        <mc:Fallback>
+          <p:pic>
+            <p:nvPicPr>
+              <p:cNvPr id="93" name="잉크 92">
+                <a:extLst>
+                  <a:ext uri="{FF2B5EF4-FFF2-40B4-BE49-F238E27FC236}">
+                    <a16:creationId xmlns:a16="http://schemas.microsoft.com/office/drawing/2014/main" id="{CAACEAAC-435A-65C1-0A70-FE72C9CF890A}"/>
+                  </a:ext>
+                </a:extLst>
+              </p:cNvPr>
+              <p:cNvPicPr/>
+              <p:nvPr/>
+            </p:nvPicPr>
+            <p:blipFill>
+              <a:blip r:embed="rId4"/>
+              <a:stretch>
+                <a:fillRect/>
+              </a:stretch>
+            </p:blipFill>
+            <p:spPr>
+              <a:xfrm>
+                <a:off x="9839306" y="3246879"/>
+                <a:ext cx="18000" cy="18000"/>
+              </a:xfrm>
+              <a:prstGeom prst="rect">
+                <a:avLst/>
+              </a:prstGeom>
+            </p:spPr>
+          </p:pic>
+        </mc:Fallback>
+      </mc:AlternateContent>
+      <mc:AlternateContent xmlns:mc="http://schemas.openxmlformats.org/markup-compatibility/2006">
+        <mc:Choice xmlns:p14="http://schemas.microsoft.com/office/powerpoint/2010/main" Requires="p14">
+          <p:contentPart p14:bwMode="auto" r:id="rId131">
+            <p14:nvContentPartPr>
+              <p14:cNvPr id="94" name="잉크 93">
+                <a:extLst>
+                  <a:ext uri="{FF2B5EF4-FFF2-40B4-BE49-F238E27FC236}">
+                    <a16:creationId xmlns:a16="http://schemas.microsoft.com/office/drawing/2014/main" id="{FF831E23-07A9-B39C-7BA4-3C765324E9D2}"/>
+                  </a:ext>
+                </a:extLst>
+              </p14:cNvPr>
+              <p14:cNvContentPartPr/>
+              <p14:nvPr/>
+            </p14:nvContentPartPr>
+            <p14:xfrm>
+              <a:off x="9959186" y="3348399"/>
+              <a:ext cx="360" cy="360"/>
+            </p14:xfrm>
+          </p:contentPart>
+        </mc:Choice>
+        <mc:Fallback>
+          <p:pic>
+            <p:nvPicPr>
+              <p:cNvPr id="94" name="잉크 93">
+                <a:extLst>
+                  <a:ext uri="{FF2B5EF4-FFF2-40B4-BE49-F238E27FC236}">
+                    <a16:creationId xmlns:a16="http://schemas.microsoft.com/office/drawing/2014/main" id="{FF831E23-07A9-B39C-7BA4-3C765324E9D2}"/>
+                  </a:ext>
+                </a:extLst>
+              </p:cNvPr>
+              <p:cNvPicPr/>
+              <p:nvPr/>
+            </p:nvPicPr>
+            <p:blipFill>
+              <a:blip r:embed="rId4"/>
+              <a:stretch>
+                <a:fillRect/>
+              </a:stretch>
+            </p:blipFill>
+            <p:spPr>
+              <a:xfrm>
+                <a:off x="9950546" y="3339759"/>
+                <a:ext cx="18000" cy="18000"/>
+              </a:xfrm>
+              <a:prstGeom prst="rect">
+                <a:avLst/>
+              </a:prstGeom>
+            </p:spPr>
+          </p:pic>
+        </mc:Fallback>
+      </mc:AlternateContent>
+      <mc:AlternateContent xmlns:mc="http://schemas.openxmlformats.org/markup-compatibility/2006">
+        <mc:Choice xmlns:p14="http://schemas.microsoft.com/office/powerpoint/2010/main" Requires="p14">
+          <p:contentPart p14:bwMode="auto" r:id="rId132">
+            <p14:nvContentPartPr>
+              <p14:cNvPr id="95" name="잉크 94">
+                <a:extLst>
+                  <a:ext uri="{FF2B5EF4-FFF2-40B4-BE49-F238E27FC236}">
+                    <a16:creationId xmlns:a16="http://schemas.microsoft.com/office/drawing/2014/main" id="{2F6E1B9D-2CED-AE0B-F5B9-1D49A2C9E2EE}"/>
+                  </a:ext>
+                </a:extLst>
+              </p14:cNvPr>
+              <p14:cNvContentPartPr/>
+              <p14:nvPr/>
+            </p14:nvContentPartPr>
+            <p14:xfrm>
+              <a:off x="10064306" y="3447399"/>
+              <a:ext cx="360" cy="360"/>
+            </p14:xfrm>
+          </p:contentPart>
+        </mc:Choice>
+        <mc:Fallback>
+          <p:pic>
+            <p:nvPicPr>
+              <p:cNvPr id="95" name="잉크 94">
+                <a:extLst>
+                  <a:ext uri="{FF2B5EF4-FFF2-40B4-BE49-F238E27FC236}">
+                    <a16:creationId xmlns:a16="http://schemas.microsoft.com/office/drawing/2014/main" id="{2F6E1B9D-2CED-AE0B-F5B9-1D49A2C9E2EE}"/>
+                  </a:ext>
+                </a:extLst>
+              </p:cNvPr>
+              <p:cNvPicPr/>
+              <p:nvPr/>
+            </p:nvPicPr>
+            <p:blipFill>
+              <a:blip r:embed="rId4"/>
+              <a:stretch>
+                <a:fillRect/>
+              </a:stretch>
+            </p:blipFill>
+            <p:spPr>
+              <a:xfrm>
+                <a:off x="10055666" y="3438399"/>
+                <a:ext cx="18000" cy="18000"/>
+              </a:xfrm>
+              <a:prstGeom prst="rect">
+                <a:avLst/>
+              </a:prstGeom>
+            </p:spPr>
+          </p:pic>
+        </mc:Fallback>
+      </mc:AlternateContent>
+      <mc:AlternateContent xmlns:mc="http://schemas.openxmlformats.org/markup-compatibility/2006">
+        <mc:Choice xmlns:p14="http://schemas.microsoft.com/office/powerpoint/2010/main" Requires="p14">
+          <p:contentPart p14:bwMode="auto" r:id="rId133">
+            <p14:nvContentPartPr>
+              <p14:cNvPr id="96" name="잉크 95">
+                <a:extLst>
+                  <a:ext uri="{FF2B5EF4-FFF2-40B4-BE49-F238E27FC236}">
+                    <a16:creationId xmlns:a16="http://schemas.microsoft.com/office/drawing/2014/main" id="{507CBD2E-3D24-40D9-8782-00BF2BB682EA}"/>
+                  </a:ext>
+                </a:extLst>
+              </p14:cNvPr>
+              <p14:cNvContentPartPr/>
+              <p14:nvPr/>
+            </p14:nvContentPartPr>
+            <p14:xfrm>
+              <a:off x="10169426" y="3564759"/>
+              <a:ext cx="360" cy="360"/>
+            </p14:xfrm>
+          </p:contentPart>
+        </mc:Choice>
+        <mc:Fallback>
+          <p:pic>
+            <p:nvPicPr>
+              <p:cNvPr id="96" name="잉크 95">
+                <a:extLst>
+                  <a:ext uri="{FF2B5EF4-FFF2-40B4-BE49-F238E27FC236}">
+                    <a16:creationId xmlns:a16="http://schemas.microsoft.com/office/drawing/2014/main" id="{507CBD2E-3D24-40D9-8782-00BF2BB682EA}"/>
+                  </a:ext>
+                </a:extLst>
+              </p:cNvPr>
+              <p:cNvPicPr/>
+              <p:nvPr/>
+            </p:nvPicPr>
+            <p:blipFill>
+              <a:blip r:embed="rId4"/>
+              <a:stretch>
+                <a:fillRect/>
+              </a:stretch>
+            </p:blipFill>
+            <p:spPr>
+              <a:xfrm>
+                <a:off x="10160786" y="3556119"/>
+                <a:ext cx="18000" cy="18000"/>
+              </a:xfrm>
+              <a:prstGeom prst="rect">
+                <a:avLst/>
+              </a:prstGeom>
+            </p:spPr>
+          </p:pic>
+        </mc:Fallback>
+      </mc:AlternateContent>
+      <mc:AlternateContent xmlns:mc="http://schemas.openxmlformats.org/markup-compatibility/2006">
+        <mc:Choice xmlns:p14="http://schemas.microsoft.com/office/powerpoint/2010/main" Requires="p14">
+          <p:contentPart p14:bwMode="auto" r:id="rId134">
+            <p14:nvContentPartPr>
+              <p14:cNvPr id="99" name="잉크 98">
+                <a:extLst>
+                  <a:ext uri="{FF2B5EF4-FFF2-40B4-BE49-F238E27FC236}">
+                    <a16:creationId xmlns:a16="http://schemas.microsoft.com/office/drawing/2014/main" id="{5002EEEB-15D1-211B-AC83-9DDAD31639D8}"/>
+                  </a:ext>
+                </a:extLst>
+              </p14:cNvPr>
+              <p14:cNvContentPartPr/>
+              <p14:nvPr/>
+            </p14:nvContentPartPr>
+            <p14:xfrm>
+              <a:off x="10286786" y="3688239"/>
+              <a:ext cx="360" cy="360"/>
+            </p14:xfrm>
+          </p:contentPart>
+        </mc:Choice>
+        <mc:Fallback>
+          <p:pic>
+            <p:nvPicPr>
+              <p:cNvPr id="99" name="잉크 98">
+                <a:extLst>
+                  <a:ext uri="{FF2B5EF4-FFF2-40B4-BE49-F238E27FC236}">
+                    <a16:creationId xmlns:a16="http://schemas.microsoft.com/office/drawing/2014/main" id="{5002EEEB-15D1-211B-AC83-9DDAD31639D8}"/>
+                  </a:ext>
+                </a:extLst>
+              </p:cNvPr>
+              <p:cNvPicPr/>
+              <p:nvPr/>
+            </p:nvPicPr>
+            <p:blipFill>
+              <a:blip r:embed="rId4"/>
+              <a:stretch>
+                <a:fillRect/>
+              </a:stretch>
+            </p:blipFill>
+            <p:spPr>
+              <a:xfrm>
+                <a:off x="10277786" y="3679599"/>
+                <a:ext cx="18000" cy="18000"/>
+              </a:xfrm>
+              <a:prstGeom prst="rect">
+                <a:avLst/>
+              </a:prstGeom>
+            </p:spPr>
+          </p:pic>
+        </mc:Fallback>
+      </mc:AlternateContent>
+      <mc:AlternateContent xmlns:mc="http://schemas.openxmlformats.org/markup-compatibility/2006">
+        <mc:Choice xmlns:p14="http://schemas.microsoft.com/office/powerpoint/2010/main" Requires="p14">
+          <p:contentPart p14:bwMode="auto" r:id="rId135">
+            <p14:nvContentPartPr>
+              <p14:cNvPr id="100" name="잉크 99">
+                <a:extLst>
+                  <a:ext uri="{FF2B5EF4-FFF2-40B4-BE49-F238E27FC236}">
+                    <a16:creationId xmlns:a16="http://schemas.microsoft.com/office/drawing/2014/main" id="{40FDB225-E968-283F-30D8-F5122F15EFAC}"/>
+                  </a:ext>
+                </a:extLst>
+              </p14:cNvPr>
+              <p14:cNvContentPartPr/>
+              <p14:nvPr/>
+            </p14:nvContentPartPr>
+            <p14:xfrm>
+              <a:off x="10435106" y="3848799"/>
+              <a:ext cx="360" cy="360"/>
+            </p14:xfrm>
+          </p:contentPart>
+        </mc:Choice>
+        <mc:Fallback>
+          <p:pic>
+            <p:nvPicPr>
+              <p:cNvPr id="100" name="잉크 99">
+                <a:extLst>
+                  <a:ext uri="{FF2B5EF4-FFF2-40B4-BE49-F238E27FC236}">
+                    <a16:creationId xmlns:a16="http://schemas.microsoft.com/office/drawing/2014/main" id="{40FDB225-E968-283F-30D8-F5122F15EFAC}"/>
+                  </a:ext>
+                </a:extLst>
+              </p:cNvPr>
+              <p:cNvPicPr/>
+              <p:nvPr/>
+            </p:nvPicPr>
+            <p:blipFill>
+              <a:blip r:embed="rId4"/>
+              <a:stretch>
+                <a:fillRect/>
+              </a:stretch>
+            </p:blipFill>
+            <p:spPr>
+              <a:xfrm>
+                <a:off x="10426106" y="3840159"/>
+                <a:ext cx="18000" cy="18000"/>
+              </a:xfrm>
+              <a:prstGeom prst="rect">
+                <a:avLst/>
+              </a:prstGeom>
+            </p:spPr>
+          </p:pic>
+        </mc:Fallback>
+      </mc:AlternateContent>
+      <mc:AlternateContent xmlns:mc="http://schemas.openxmlformats.org/markup-compatibility/2006">
+        <mc:Choice xmlns:p14="http://schemas.microsoft.com/office/powerpoint/2010/main" xmlns:aink="http://schemas.microsoft.com/office/drawing/2016/ink" Requires="p14 aink">
+          <p:contentPart p14:bwMode="auto" r:id="rId136">
+            <p14:nvContentPartPr>
+              <p14:cNvPr id="101" name="잉크 100">
+                <a:extLst>
+                  <a:ext uri="{FF2B5EF4-FFF2-40B4-BE49-F238E27FC236}">
+                    <a16:creationId xmlns:a16="http://schemas.microsoft.com/office/drawing/2014/main" id="{FE71982B-E314-C5A6-2635-D025B787D569}"/>
+                  </a:ext>
+                </a:extLst>
+              </p14:cNvPr>
+              <p14:cNvContentPartPr/>
+              <p14:nvPr/>
+            </p14:nvContentPartPr>
+            <p14:xfrm>
+              <a:off x="10564706" y="3978759"/>
+              <a:ext cx="360" cy="360"/>
+            </p14:xfrm>
+          </p:contentPart>
+        </mc:Choice>
+        <mc:Fallback>
+          <p:pic>
+            <p:nvPicPr>
+              <p:cNvPr id="101" name="잉크 100">
+                <a:extLst>
+                  <a:ext uri="{FF2B5EF4-FFF2-40B4-BE49-F238E27FC236}">
+                    <a16:creationId xmlns:a16="http://schemas.microsoft.com/office/drawing/2014/main" id="{FE71982B-E314-C5A6-2635-D025B787D569}"/>
+                  </a:ext>
+                </a:extLst>
+              </p:cNvPr>
+              <p:cNvPicPr/>
+              <p:nvPr/>
+            </p:nvPicPr>
+            <p:blipFill>
+              <a:blip r:embed="rId137"/>
+              <a:stretch>
+                <a:fillRect/>
+              </a:stretch>
+            </p:blipFill>
+            <p:spPr>
+              <a:xfrm>
+                <a:off x="10547066" y="3961119"/>
+                <a:ext cx="36000" cy="36000"/>
+              </a:xfrm>
+              <a:prstGeom prst="rect">
+                <a:avLst/>
+              </a:prstGeom>
+            </p:spPr>
+          </p:pic>
+        </mc:Fallback>
+      </mc:AlternateContent>
+      <mc:AlternateContent xmlns:mc="http://schemas.openxmlformats.org/markup-compatibility/2006">
+        <mc:Choice xmlns:p14="http://schemas.microsoft.com/office/powerpoint/2010/main" xmlns:aink="http://schemas.microsoft.com/office/drawing/2016/ink" Requires="p14 aink">
+          <p:contentPart p14:bwMode="auto" r:id="rId138">
+            <p14:nvContentPartPr>
+              <p14:cNvPr id="102" name="잉크 101">
+                <a:extLst>
+                  <a:ext uri="{FF2B5EF4-FFF2-40B4-BE49-F238E27FC236}">
+                    <a16:creationId xmlns:a16="http://schemas.microsoft.com/office/drawing/2014/main" id="{774F6B90-B25A-3757-6880-B11F85A4BAF5}"/>
+                  </a:ext>
+                </a:extLst>
+              </p14:cNvPr>
+              <p14:cNvContentPartPr/>
+              <p14:nvPr/>
+            </p14:nvContentPartPr>
+            <p14:xfrm>
+              <a:off x="10663706" y="4151559"/>
+              <a:ext cx="360" cy="360"/>
+            </p14:xfrm>
+          </p:contentPart>
+        </mc:Choice>
+        <mc:Fallback>
+          <p:pic>
+            <p:nvPicPr>
+              <p:cNvPr id="102" name="잉크 101">
+                <a:extLst>
+                  <a:ext uri="{FF2B5EF4-FFF2-40B4-BE49-F238E27FC236}">
+                    <a16:creationId xmlns:a16="http://schemas.microsoft.com/office/drawing/2014/main" id="{774F6B90-B25A-3757-6880-B11F85A4BAF5}"/>
+                  </a:ext>
+                </a:extLst>
+              </p:cNvPr>
+              <p:cNvPicPr/>
+              <p:nvPr/>
+            </p:nvPicPr>
+            <p:blipFill>
+              <a:blip r:embed="rId139"/>
+              <a:stretch>
+                <a:fillRect/>
+              </a:stretch>
+            </p:blipFill>
+            <p:spPr>
+              <a:xfrm>
+                <a:off x="10645706" y="4133919"/>
+                <a:ext cx="36000" cy="36000"/>
+              </a:xfrm>
+              <a:prstGeom prst="rect">
+                <a:avLst/>
+              </a:prstGeom>
+            </p:spPr>
+          </p:pic>
+        </mc:Fallback>
+      </mc:AlternateContent>
+      <mc:AlternateContent xmlns:mc="http://schemas.openxmlformats.org/markup-compatibility/2006">
+        <mc:Choice xmlns:p14="http://schemas.microsoft.com/office/powerpoint/2010/main" xmlns:aink="http://schemas.microsoft.com/office/drawing/2016/ink" Requires="p14 aink">
+          <p:contentPart p14:bwMode="auto" r:id="rId140">
+            <p14:nvContentPartPr>
+              <p14:cNvPr id="103" name="잉크 102">
+                <a:extLst>
+                  <a:ext uri="{FF2B5EF4-FFF2-40B4-BE49-F238E27FC236}">
+                    <a16:creationId xmlns:a16="http://schemas.microsoft.com/office/drawing/2014/main" id="{4DAE4F61-63D1-F7FE-9FEF-C02CA1733874}"/>
+                  </a:ext>
+                </a:extLst>
+              </p14:cNvPr>
+              <p14:cNvContentPartPr/>
+              <p14:nvPr/>
+            </p14:nvContentPartPr>
+            <p14:xfrm>
+              <a:off x="10762706" y="4275399"/>
+              <a:ext cx="3960" cy="2880"/>
+            </p14:xfrm>
+          </p:contentPart>
+        </mc:Choice>
+        <mc:Fallback>
+          <p:pic>
+            <p:nvPicPr>
+              <p:cNvPr id="103" name="잉크 102">
+                <a:extLst>
+                  <a:ext uri="{FF2B5EF4-FFF2-40B4-BE49-F238E27FC236}">
+                    <a16:creationId xmlns:a16="http://schemas.microsoft.com/office/drawing/2014/main" id="{4DAE4F61-63D1-F7FE-9FEF-C02CA1733874}"/>
+                  </a:ext>
+                </a:extLst>
+              </p:cNvPr>
+              <p:cNvPicPr/>
+              <p:nvPr/>
+            </p:nvPicPr>
+            <p:blipFill>
+              <a:blip r:embed="rId141"/>
+              <a:stretch>
+                <a:fillRect/>
+              </a:stretch>
+            </p:blipFill>
+            <p:spPr>
+              <a:xfrm>
+                <a:off x="10744706" y="4257399"/>
+                <a:ext cx="39600" cy="38520"/>
+              </a:xfrm>
+              <a:prstGeom prst="rect">
+                <a:avLst/>
+              </a:prstGeom>
+            </p:spPr>
+          </p:pic>
+        </mc:Fallback>
+      </mc:AlternateContent>
+      <mc:AlternateContent xmlns:mc="http://schemas.openxmlformats.org/markup-compatibility/2006">
+        <mc:Choice xmlns:p14="http://schemas.microsoft.com/office/powerpoint/2010/main" xmlns:aink="http://schemas.microsoft.com/office/drawing/2016/ink" Requires="p14 aink">
+          <p:contentPart p14:bwMode="auto" r:id="rId142">
+            <p14:nvContentPartPr>
+              <p14:cNvPr id="104" name="잉크 103">
+                <a:extLst>
+                  <a:ext uri="{FF2B5EF4-FFF2-40B4-BE49-F238E27FC236}">
+                    <a16:creationId xmlns:a16="http://schemas.microsoft.com/office/drawing/2014/main" id="{631B82EC-3237-30D4-C717-CC87D646444D}"/>
+                  </a:ext>
+                </a:extLst>
+              </p14:cNvPr>
+              <p14:cNvContentPartPr/>
+              <p14:nvPr/>
+            </p14:nvContentPartPr>
+            <p14:xfrm>
+              <a:off x="10917146" y="4466919"/>
+              <a:ext cx="360" cy="360"/>
+            </p14:xfrm>
+          </p:contentPart>
+        </mc:Choice>
+        <mc:Fallback>
+          <p:pic>
+            <p:nvPicPr>
+              <p:cNvPr id="104" name="잉크 103">
+                <a:extLst>
+                  <a:ext uri="{FF2B5EF4-FFF2-40B4-BE49-F238E27FC236}">
+                    <a16:creationId xmlns:a16="http://schemas.microsoft.com/office/drawing/2014/main" id="{631B82EC-3237-30D4-C717-CC87D646444D}"/>
+                  </a:ext>
+                </a:extLst>
+              </p:cNvPr>
+              <p:cNvPicPr/>
+              <p:nvPr/>
+            </p:nvPicPr>
+            <p:blipFill>
+              <a:blip r:embed="rId143"/>
+              <a:stretch>
+                <a:fillRect/>
+              </a:stretch>
+            </p:blipFill>
+            <p:spPr>
+              <a:xfrm>
+                <a:off x="10899146" y="4448919"/>
+                <a:ext cx="36000" cy="36000"/>
+              </a:xfrm>
+              <a:prstGeom prst="rect">
+                <a:avLst/>
+              </a:prstGeom>
+            </p:spPr>
+          </p:pic>
+        </mc:Fallback>
+      </mc:AlternateContent>
+      <mc:AlternateContent xmlns:mc="http://schemas.openxmlformats.org/markup-compatibility/2006">
+        <mc:Choice xmlns:p14="http://schemas.microsoft.com/office/powerpoint/2010/main" xmlns:aink="http://schemas.microsoft.com/office/drawing/2016/ink" Requires="p14 aink">
+          <p:contentPart p14:bwMode="auto" r:id="rId144">
+            <p14:nvContentPartPr>
+              <p14:cNvPr id="105" name="잉크 104">
+                <a:extLst>
+                  <a:ext uri="{FF2B5EF4-FFF2-40B4-BE49-F238E27FC236}">
+                    <a16:creationId xmlns:a16="http://schemas.microsoft.com/office/drawing/2014/main" id="{14F53654-BE84-D9F8-BE5D-E5C37C7C0895}"/>
+                  </a:ext>
+                </a:extLst>
+              </p14:cNvPr>
+              <p14:cNvContentPartPr/>
+              <p14:nvPr/>
+            </p14:nvContentPartPr>
+            <p14:xfrm>
+              <a:off x="11021906" y="4608759"/>
+              <a:ext cx="11520" cy="6840"/>
+            </p14:xfrm>
+          </p:contentPart>
+        </mc:Choice>
+        <mc:Fallback>
+          <p:pic>
+            <p:nvPicPr>
+              <p:cNvPr id="105" name="잉크 104">
+                <a:extLst>
+                  <a:ext uri="{FF2B5EF4-FFF2-40B4-BE49-F238E27FC236}">
+                    <a16:creationId xmlns:a16="http://schemas.microsoft.com/office/drawing/2014/main" id="{14F53654-BE84-D9F8-BE5D-E5C37C7C0895}"/>
+                  </a:ext>
+                </a:extLst>
+              </p:cNvPr>
+              <p:cNvPicPr/>
+              <p:nvPr/>
+            </p:nvPicPr>
+            <p:blipFill>
+              <a:blip r:embed="rId145"/>
+              <a:stretch>
+                <a:fillRect/>
+              </a:stretch>
+            </p:blipFill>
+            <p:spPr>
+              <a:xfrm>
+                <a:off x="11004266" y="4591119"/>
+                <a:ext cx="47160" cy="42480"/>
+              </a:xfrm>
+              <a:prstGeom prst="rect">
+                <a:avLst/>
+              </a:prstGeom>
+            </p:spPr>
+          </p:pic>
+        </mc:Fallback>
+      </mc:AlternateContent>
+      <mc:AlternateContent xmlns:mc="http://schemas.openxmlformats.org/markup-compatibility/2006">
+        <mc:Choice xmlns:p14="http://schemas.microsoft.com/office/powerpoint/2010/main" xmlns:aink="http://schemas.microsoft.com/office/drawing/2016/ink" Requires="p14 aink">
+          <p:contentPart p14:bwMode="auto" r:id="rId146">
+            <p14:nvContentPartPr>
+              <p14:cNvPr id="106" name="잉크 105">
+                <a:extLst>
+                  <a:ext uri="{FF2B5EF4-FFF2-40B4-BE49-F238E27FC236}">
+                    <a16:creationId xmlns:a16="http://schemas.microsoft.com/office/drawing/2014/main" id="{AB217CCC-43B0-A376-6795-5334A00E8663}"/>
+                  </a:ext>
+                </a:extLst>
+              </p14:cNvPr>
+              <p14:cNvContentPartPr/>
+              <p14:nvPr/>
+            </p14:nvContentPartPr>
+            <p14:xfrm>
+              <a:off x="11151506" y="4806759"/>
+              <a:ext cx="360" cy="360"/>
+            </p14:xfrm>
+          </p:contentPart>
+        </mc:Choice>
+        <mc:Fallback>
+          <p:pic>
+            <p:nvPicPr>
+              <p:cNvPr id="106" name="잉크 105">
+                <a:extLst>
+                  <a:ext uri="{FF2B5EF4-FFF2-40B4-BE49-F238E27FC236}">
+                    <a16:creationId xmlns:a16="http://schemas.microsoft.com/office/drawing/2014/main" id="{AB217CCC-43B0-A376-6795-5334A00E8663}"/>
+                  </a:ext>
+                </a:extLst>
+              </p:cNvPr>
+              <p:cNvPicPr/>
+              <p:nvPr/>
+            </p:nvPicPr>
+            <p:blipFill>
+              <a:blip r:embed="rId147"/>
+              <a:stretch>
+                <a:fillRect/>
+              </a:stretch>
+            </p:blipFill>
+            <p:spPr>
+              <a:xfrm>
+                <a:off x="11133866" y="4788759"/>
+                <a:ext cx="36000" cy="36000"/>
+              </a:xfrm>
+              <a:prstGeom prst="rect">
+                <a:avLst/>
+              </a:prstGeom>
+            </p:spPr>
+          </p:pic>
+        </mc:Fallback>
+      </mc:AlternateContent>
+      <mc:AlternateContent xmlns:mc="http://schemas.openxmlformats.org/markup-compatibility/2006">
+        <mc:Choice xmlns:p14="http://schemas.microsoft.com/office/powerpoint/2010/main" xmlns:aink="http://schemas.microsoft.com/office/drawing/2016/ink" Requires="p14 aink">
+          <p:contentPart p14:bwMode="auto" r:id="rId148">
+            <p14:nvContentPartPr>
+              <p14:cNvPr id="107" name="잉크 106">
+                <a:extLst>
+                  <a:ext uri="{FF2B5EF4-FFF2-40B4-BE49-F238E27FC236}">
+                    <a16:creationId xmlns:a16="http://schemas.microsoft.com/office/drawing/2014/main" id="{A434C8EF-1501-1C36-B52C-3FAA301FA0CE}"/>
+                  </a:ext>
+                </a:extLst>
+              </p14:cNvPr>
+              <p14:cNvContentPartPr/>
+              <p14:nvPr/>
+            </p14:nvContentPartPr>
+            <p14:xfrm>
+              <a:off x="11244386" y="4936359"/>
+              <a:ext cx="360" cy="360"/>
+            </p14:xfrm>
+          </p:contentPart>
+        </mc:Choice>
+        <mc:Fallback>
+          <p:pic>
+            <p:nvPicPr>
+              <p:cNvPr id="107" name="잉크 106">
+                <a:extLst>
+                  <a:ext uri="{FF2B5EF4-FFF2-40B4-BE49-F238E27FC236}">
+                    <a16:creationId xmlns:a16="http://schemas.microsoft.com/office/drawing/2014/main" id="{A434C8EF-1501-1C36-B52C-3FAA301FA0CE}"/>
+                  </a:ext>
+                </a:extLst>
+              </p:cNvPr>
+              <p:cNvPicPr/>
+              <p:nvPr/>
+            </p:nvPicPr>
+            <p:blipFill>
+              <a:blip r:embed="rId149"/>
+              <a:stretch>
+                <a:fillRect/>
+              </a:stretch>
+            </p:blipFill>
+            <p:spPr>
+              <a:xfrm>
+                <a:off x="11226386" y="4918719"/>
+                <a:ext cx="36000" cy="36000"/>
+              </a:xfrm>
+              <a:prstGeom prst="rect">
+                <a:avLst/>
+              </a:prstGeom>
+            </p:spPr>
+          </p:pic>
+        </mc:Fallback>
+      </mc:AlternateContent>
+      <mc:AlternateContent xmlns:mc="http://schemas.openxmlformats.org/markup-compatibility/2006">
+        <mc:Choice xmlns:p14="http://schemas.microsoft.com/office/powerpoint/2010/main" xmlns:aink="http://schemas.microsoft.com/office/drawing/2016/ink" Requires="p14 aink">
+          <p:contentPart p14:bwMode="auto" r:id="rId150">
+            <p14:nvContentPartPr>
+              <p14:cNvPr id="108" name="잉크 107">
+                <a:extLst>
+                  <a:ext uri="{FF2B5EF4-FFF2-40B4-BE49-F238E27FC236}">
+                    <a16:creationId xmlns:a16="http://schemas.microsoft.com/office/drawing/2014/main" id="{22687A66-7A77-350E-20D9-17721E638EB7}"/>
+                  </a:ext>
+                </a:extLst>
+              </p14:cNvPr>
+              <p14:cNvContentPartPr/>
+              <p14:nvPr/>
+            </p14:nvContentPartPr>
+            <p14:xfrm>
+              <a:off x="11374346" y="5171079"/>
+              <a:ext cx="360" cy="360"/>
+            </p14:xfrm>
+          </p:contentPart>
+        </mc:Choice>
+        <mc:Fallback>
+          <p:pic>
+            <p:nvPicPr>
+              <p:cNvPr id="108" name="잉크 107">
+                <a:extLst>
+                  <a:ext uri="{FF2B5EF4-FFF2-40B4-BE49-F238E27FC236}">
+                    <a16:creationId xmlns:a16="http://schemas.microsoft.com/office/drawing/2014/main" id="{22687A66-7A77-350E-20D9-17721E638EB7}"/>
+                  </a:ext>
+                </a:extLst>
+              </p:cNvPr>
+              <p:cNvPicPr/>
+              <p:nvPr/>
+            </p:nvPicPr>
+            <p:blipFill>
+              <a:blip r:embed="rId151"/>
+              <a:stretch>
+                <a:fillRect/>
+              </a:stretch>
+            </p:blipFill>
+            <p:spPr>
+              <a:xfrm>
+                <a:off x="11356346" y="5153439"/>
+                <a:ext cx="36000" cy="36000"/>
+              </a:xfrm>
+              <a:prstGeom prst="rect">
+                <a:avLst/>
+              </a:prstGeom>
+            </p:spPr>
+          </p:pic>
+        </mc:Fallback>
+      </mc:AlternateContent>
+      <mc:AlternateContent xmlns:mc="http://schemas.openxmlformats.org/markup-compatibility/2006">
+        <mc:Choice xmlns:p14="http://schemas.microsoft.com/office/powerpoint/2010/main" xmlns:aink="http://schemas.microsoft.com/office/drawing/2016/ink" Requires="p14 aink">
+          <p:contentPart p14:bwMode="auto" r:id="rId152">
+            <p14:nvContentPartPr>
+              <p14:cNvPr id="109" name="잉크 108">
+                <a:extLst>
+                  <a:ext uri="{FF2B5EF4-FFF2-40B4-BE49-F238E27FC236}">
+                    <a16:creationId xmlns:a16="http://schemas.microsoft.com/office/drawing/2014/main" id="{FC125046-6670-8785-181B-DF4F68CFC430}"/>
+                  </a:ext>
+                </a:extLst>
+              </p14:cNvPr>
+              <p14:cNvContentPartPr/>
+              <p14:nvPr/>
+            </p14:nvContentPartPr>
+            <p14:xfrm>
+              <a:off x="11510066" y="5436759"/>
+              <a:ext cx="360" cy="360"/>
+            </p14:xfrm>
+          </p:contentPart>
+        </mc:Choice>
+        <mc:Fallback>
+          <p:pic>
+            <p:nvPicPr>
+              <p:cNvPr id="109" name="잉크 108">
+                <a:extLst>
+                  <a:ext uri="{FF2B5EF4-FFF2-40B4-BE49-F238E27FC236}">
+                    <a16:creationId xmlns:a16="http://schemas.microsoft.com/office/drawing/2014/main" id="{FC125046-6670-8785-181B-DF4F68CFC430}"/>
+                  </a:ext>
+                </a:extLst>
+              </p:cNvPr>
+              <p:cNvPicPr/>
+              <p:nvPr/>
+            </p:nvPicPr>
+            <p:blipFill>
+              <a:blip r:embed="rId153"/>
+              <a:stretch>
+                <a:fillRect/>
+              </a:stretch>
+            </p:blipFill>
+            <p:spPr>
+              <a:xfrm>
+                <a:off x="11492426" y="5419119"/>
+                <a:ext cx="36000" cy="36000"/>
+              </a:xfrm>
+              <a:prstGeom prst="rect">
+                <a:avLst/>
+              </a:prstGeom>
+            </p:spPr>
+          </p:pic>
+        </mc:Fallback>
+      </mc:AlternateContent>
+      <mc:AlternateContent xmlns:mc="http://schemas.openxmlformats.org/markup-compatibility/2006">
+        <mc:Choice xmlns:p14="http://schemas.microsoft.com/office/powerpoint/2010/main" xmlns:aink="http://schemas.microsoft.com/office/drawing/2016/ink" Requires="p14 aink">
+          <p:contentPart p14:bwMode="auto" r:id="rId154">
+            <p14:nvContentPartPr>
+              <p14:cNvPr id="110" name="잉크 109">
+                <a:extLst>
+                  <a:ext uri="{FF2B5EF4-FFF2-40B4-BE49-F238E27FC236}">
+                    <a16:creationId xmlns:a16="http://schemas.microsoft.com/office/drawing/2014/main" id="{03D2356B-2226-6D90-78CC-3B0C0EF68E16}"/>
+                  </a:ext>
+                </a:extLst>
+              </p14:cNvPr>
+              <p14:cNvContentPartPr/>
+              <p14:nvPr/>
+            </p14:nvContentPartPr>
+            <p14:xfrm>
+              <a:off x="11658386" y="5668959"/>
+              <a:ext cx="360" cy="2880"/>
+            </p14:xfrm>
+          </p:contentPart>
+        </mc:Choice>
+        <mc:Fallback>
+          <p:pic>
+            <p:nvPicPr>
+              <p:cNvPr id="110" name="잉크 109">
+                <a:extLst>
+                  <a:ext uri="{FF2B5EF4-FFF2-40B4-BE49-F238E27FC236}">
+                    <a16:creationId xmlns:a16="http://schemas.microsoft.com/office/drawing/2014/main" id="{03D2356B-2226-6D90-78CC-3B0C0EF68E16}"/>
+                  </a:ext>
+                </a:extLst>
+              </p:cNvPr>
+              <p:cNvPicPr/>
+              <p:nvPr/>
+            </p:nvPicPr>
+            <p:blipFill>
+              <a:blip r:embed="rId155"/>
+              <a:stretch>
+                <a:fillRect/>
+              </a:stretch>
+            </p:blipFill>
+            <p:spPr>
+              <a:xfrm>
+                <a:off x="11640746" y="5651319"/>
+                <a:ext cx="36000" cy="38520"/>
+              </a:xfrm>
+              <a:prstGeom prst="rect">
+                <a:avLst/>
+              </a:prstGeom>
+            </p:spPr>
+          </p:pic>
+        </mc:Fallback>
+      </mc:AlternateContent>
+      <mc:AlternateContent xmlns:mc="http://schemas.openxmlformats.org/markup-compatibility/2006">
+        <mc:Choice xmlns:p14="http://schemas.microsoft.com/office/powerpoint/2010/main" Requires="p14">
+          <p:contentPart p14:bwMode="auto" r:id="rId156">
+            <p14:nvContentPartPr>
+              <p14:cNvPr id="111" name="잉크 110">
+                <a:extLst>
+                  <a:ext uri="{FF2B5EF4-FFF2-40B4-BE49-F238E27FC236}">
+                    <a16:creationId xmlns:a16="http://schemas.microsoft.com/office/drawing/2014/main" id="{F2ABBF73-0D48-5AB6-98B9-8220778D325B}"/>
+                  </a:ext>
+                </a:extLst>
+              </p14:cNvPr>
+              <p14:cNvContentPartPr/>
+              <p14:nvPr/>
+            </p14:nvContentPartPr>
+            <p14:xfrm>
+              <a:off x="1198226" y="3867519"/>
+              <a:ext cx="360" cy="360"/>
+            </p14:xfrm>
+          </p:contentPart>
+        </mc:Choice>
+        <mc:Fallback>
+          <p:pic>
+            <p:nvPicPr>
+              <p:cNvPr id="111" name="잉크 110">
+                <a:extLst>
+                  <a:ext uri="{FF2B5EF4-FFF2-40B4-BE49-F238E27FC236}">
+                    <a16:creationId xmlns:a16="http://schemas.microsoft.com/office/drawing/2014/main" id="{F2ABBF73-0D48-5AB6-98B9-8220778D325B}"/>
+                  </a:ext>
+                </a:extLst>
+              </p:cNvPr>
+              <p:cNvPicPr/>
+              <p:nvPr/>
+            </p:nvPicPr>
+            <p:blipFill>
+              <a:blip r:embed="rId157"/>
+              <a:stretch>
+                <a:fillRect/>
+              </a:stretch>
+            </p:blipFill>
+            <p:spPr>
+              <a:xfrm>
+                <a:off x="1144586" y="3759519"/>
+                <a:ext cx="108000" cy="216000"/>
+              </a:xfrm>
+              <a:prstGeom prst="rect">
+                <a:avLst/>
+              </a:prstGeom>
+            </p:spPr>
+          </p:pic>
+        </mc:Fallback>
+      </mc:AlternateContent>
+      <mc:AlternateContent xmlns:mc="http://schemas.openxmlformats.org/markup-compatibility/2006">
+        <mc:Choice xmlns:p14="http://schemas.microsoft.com/office/powerpoint/2010/main" Requires="p14">
+          <p:contentPart p14:bwMode="auto" r:id="rId158">
+            <p14:nvContentPartPr>
+              <p14:cNvPr id="112" name="잉크 111">
+                <a:extLst>
+                  <a:ext uri="{FF2B5EF4-FFF2-40B4-BE49-F238E27FC236}">
+                    <a16:creationId xmlns:a16="http://schemas.microsoft.com/office/drawing/2014/main" id="{6E1DF7F7-B804-54C7-1A21-BE1AA9CD35DD}"/>
+                  </a:ext>
+                </a:extLst>
+              </p14:cNvPr>
+              <p14:cNvContentPartPr/>
+              <p14:nvPr/>
+            </p14:nvContentPartPr>
+            <p14:xfrm>
+              <a:off x="2347706" y="2573679"/>
+              <a:ext cx="360" cy="2880"/>
+            </p14:xfrm>
+          </p:contentPart>
+        </mc:Choice>
+        <mc:Fallback>
+          <p:pic>
+            <p:nvPicPr>
+              <p:cNvPr id="112" name="잉크 111">
+                <a:extLst>
+                  <a:ext uri="{FF2B5EF4-FFF2-40B4-BE49-F238E27FC236}">
+                    <a16:creationId xmlns:a16="http://schemas.microsoft.com/office/drawing/2014/main" id="{6E1DF7F7-B804-54C7-1A21-BE1AA9CD35DD}"/>
+                  </a:ext>
+                </a:extLst>
+              </p:cNvPr>
+              <p:cNvPicPr/>
+              <p:nvPr/>
+            </p:nvPicPr>
+            <p:blipFill>
+              <a:blip r:embed="rId159"/>
+              <a:stretch>
+                <a:fillRect/>
+              </a:stretch>
+            </p:blipFill>
+            <p:spPr>
+              <a:xfrm>
+                <a:off x="2293706" y="2466039"/>
+                <a:ext cx="108000" cy="218520"/>
+              </a:xfrm>
+              <a:prstGeom prst="rect">
+                <a:avLst/>
+              </a:prstGeom>
+            </p:spPr>
+          </p:pic>
+        </mc:Fallback>
+      </mc:AlternateContent>
+      <mc:AlternateContent xmlns:mc="http://schemas.openxmlformats.org/markup-compatibility/2006">
+        <mc:Choice xmlns:p14="http://schemas.microsoft.com/office/powerpoint/2010/main" Requires="p14">
+          <p:contentPart p14:bwMode="auto" r:id="rId160">
+            <p14:nvContentPartPr>
+              <p14:cNvPr id="113" name="잉크 112">
+                <a:extLst>
+                  <a:ext uri="{FF2B5EF4-FFF2-40B4-BE49-F238E27FC236}">
+                    <a16:creationId xmlns:a16="http://schemas.microsoft.com/office/drawing/2014/main" id="{79273257-9EE1-863B-BCC6-20931113932F}"/>
+                  </a:ext>
+                </a:extLst>
+              </p14:cNvPr>
+              <p14:cNvContentPartPr/>
+              <p14:nvPr/>
+            </p14:nvContentPartPr>
+            <p14:xfrm>
+              <a:off x="3515186" y="1933599"/>
+              <a:ext cx="360" cy="360"/>
+            </p14:xfrm>
+          </p:contentPart>
+        </mc:Choice>
+        <mc:Fallback>
+          <p:pic>
+            <p:nvPicPr>
+              <p:cNvPr id="113" name="잉크 112">
+                <a:extLst>
+                  <a:ext uri="{FF2B5EF4-FFF2-40B4-BE49-F238E27FC236}">
+                    <a16:creationId xmlns:a16="http://schemas.microsoft.com/office/drawing/2014/main" id="{79273257-9EE1-863B-BCC6-20931113932F}"/>
+                  </a:ext>
+                </a:extLst>
+              </p:cNvPr>
+              <p:cNvPicPr/>
+              <p:nvPr/>
+            </p:nvPicPr>
+            <p:blipFill>
+              <a:blip r:embed="rId157"/>
+              <a:stretch>
+                <a:fillRect/>
+              </a:stretch>
+            </p:blipFill>
+            <p:spPr>
+              <a:xfrm>
+                <a:off x="3461546" y="1825959"/>
+                <a:ext cx="108000" cy="216000"/>
+              </a:xfrm>
+              <a:prstGeom prst="rect">
+                <a:avLst/>
+              </a:prstGeom>
+            </p:spPr>
+          </p:pic>
+        </mc:Fallback>
+      </mc:AlternateContent>
+      <mc:AlternateContent xmlns:mc="http://schemas.openxmlformats.org/markup-compatibility/2006">
+        <mc:Choice xmlns:p14="http://schemas.microsoft.com/office/powerpoint/2010/main" Requires="p14">
+          <p:contentPart p14:bwMode="auto" r:id="rId161">
+            <p14:nvContentPartPr>
+              <p14:cNvPr id="114" name="잉크 113">
+                <a:extLst>
+                  <a:ext uri="{FF2B5EF4-FFF2-40B4-BE49-F238E27FC236}">
+                    <a16:creationId xmlns:a16="http://schemas.microsoft.com/office/drawing/2014/main" id="{8BAADF58-D12A-1253-DDEF-2307CA0E0340}"/>
+                  </a:ext>
+                </a:extLst>
+              </p14:cNvPr>
+              <p14:cNvContentPartPr/>
+              <p14:nvPr/>
+            </p14:nvContentPartPr>
+            <p14:xfrm>
+              <a:off x="4676906" y="1526079"/>
+              <a:ext cx="360" cy="360"/>
+            </p14:xfrm>
+          </p:contentPart>
+        </mc:Choice>
+        <mc:Fallback>
+          <p:pic>
+            <p:nvPicPr>
+              <p:cNvPr id="114" name="잉크 113">
+                <a:extLst>
+                  <a:ext uri="{FF2B5EF4-FFF2-40B4-BE49-F238E27FC236}">
+                    <a16:creationId xmlns:a16="http://schemas.microsoft.com/office/drawing/2014/main" id="{8BAADF58-D12A-1253-DDEF-2307CA0E0340}"/>
+                  </a:ext>
+                </a:extLst>
+              </p:cNvPr>
+              <p:cNvPicPr/>
+              <p:nvPr/>
+            </p:nvPicPr>
+            <p:blipFill>
+              <a:blip r:embed="rId157"/>
+              <a:stretch>
+                <a:fillRect/>
+              </a:stretch>
+            </p:blipFill>
+            <p:spPr>
+              <a:xfrm>
+                <a:off x="4622906" y="1418079"/>
+                <a:ext cx="108000" cy="216000"/>
+              </a:xfrm>
+              <a:prstGeom prst="rect">
+                <a:avLst/>
+              </a:prstGeom>
+            </p:spPr>
+          </p:pic>
+        </mc:Fallback>
+      </mc:AlternateContent>
+      <mc:AlternateContent xmlns:mc="http://schemas.openxmlformats.org/markup-compatibility/2006">
+        <mc:Choice xmlns:p14="http://schemas.microsoft.com/office/powerpoint/2010/main" Requires="p14">
+          <p:contentPart p14:bwMode="auto" r:id="rId162">
+            <p14:nvContentPartPr>
+              <p14:cNvPr id="115" name="잉크 114">
+                <a:extLst>
+                  <a:ext uri="{FF2B5EF4-FFF2-40B4-BE49-F238E27FC236}">
+                    <a16:creationId xmlns:a16="http://schemas.microsoft.com/office/drawing/2014/main" id="{6A42B052-2CDE-337A-8C26-919456413113}"/>
+                  </a:ext>
+                </a:extLst>
+              </p14:cNvPr>
+              <p14:cNvContentPartPr/>
+              <p14:nvPr/>
+            </p14:nvContentPartPr>
+            <p14:xfrm>
+              <a:off x="5832146" y="1396119"/>
+              <a:ext cx="2880" cy="2880"/>
+            </p14:xfrm>
+          </p:contentPart>
+        </mc:Choice>
+        <mc:Fallback>
+          <p:pic>
+            <p:nvPicPr>
+              <p:cNvPr id="115" name="잉크 114">
+                <a:extLst>
+                  <a:ext uri="{FF2B5EF4-FFF2-40B4-BE49-F238E27FC236}">
+                    <a16:creationId xmlns:a16="http://schemas.microsoft.com/office/drawing/2014/main" id="{6A42B052-2CDE-337A-8C26-919456413113}"/>
+                  </a:ext>
+                </a:extLst>
+              </p:cNvPr>
+              <p:cNvPicPr/>
+              <p:nvPr/>
+            </p:nvPicPr>
+            <p:blipFill>
+              <a:blip r:embed="rId163"/>
+              <a:stretch>
+                <a:fillRect/>
+              </a:stretch>
+            </p:blipFill>
+            <p:spPr>
+              <a:xfrm>
+                <a:off x="5778506" y="1288479"/>
+                <a:ext cx="110520" cy="218520"/>
+              </a:xfrm>
+              <a:prstGeom prst="rect">
+                <a:avLst/>
+              </a:prstGeom>
+            </p:spPr>
+          </p:pic>
+        </mc:Fallback>
+      </mc:AlternateContent>
+      <mc:AlternateContent xmlns:mc="http://schemas.openxmlformats.org/markup-compatibility/2006">
+        <mc:Choice xmlns:p14="http://schemas.microsoft.com/office/powerpoint/2010/main" Requires="p14">
+          <p:contentPart p14:bwMode="auto" r:id="rId164">
+            <p14:nvContentPartPr>
+              <p14:cNvPr id="116" name="잉크 115">
+                <a:extLst>
+                  <a:ext uri="{FF2B5EF4-FFF2-40B4-BE49-F238E27FC236}">
+                    <a16:creationId xmlns:a16="http://schemas.microsoft.com/office/drawing/2014/main" id="{0D4263F6-0D0A-9A70-EA7C-804C73F82DEE}"/>
+                  </a:ext>
+                </a:extLst>
+              </p14:cNvPr>
+              <p14:cNvContentPartPr/>
+              <p14:nvPr/>
+            </p14:nvContentPartPr>
+            <p14:xfrm>
+              <a:off x="7037066" y="1494759"/>
+              <a:ext cx="360" cy="360"/>
+            </p14:xfrm>
+          </p:contentPart>
+        </mc:Choice>
+        <mc:Fallback>
+          <p:pic>
+            <p:nvPicPr>
+              <p:cNvPr id="116" name="잉크 115">
+                <a:extLst>
+                  <a:ext uri="{FF2B5EF4-FFF2-40B4-BE49-F238E27FC236}">
+                    <a16:creationId xmlns:a16="http://schemas.microsoft.com/office/drawing/2014/main" id="{0D4263F6-0D0A-9A70-EA7C-804C73F82DEE}"/>
+                  </a:ext>
+                </a:extLst>
+              </p:cNvPr>
+              <p:cNvPicPr/>
+              <p:nvPr/>
+            </p:nvPicPr>
+            <p:blipFill>
+              <a:blip r:embed="rId157"/>
+              <a:stretch>
+                <a:fillRect/>
+              </a:stretch>
+            </p:blipFill>
+            <p:spPr>
+              <a:xfrm>
+                <a:off x="6983066" y="1387119"/>
+                <a:ext cx="108000" cy="216000"/>
+              </a:xfrm>
+              <a:prstGeom prst="rect">
+                <a:avLst/>
+              </a:prstGeom>
+            </p:spPr>
+          </p:pic>
+        </mc:Fallback>
+      </mc:AlternateContent>
+      <mc:AlternateContent xmlns:mc="http://schemas.openxmlformats.org/markup-compatibility/2006">
+        <mc:Choice xmlns:p14="http://schemas.microsoft.com/office/powerpoint/2010/main" Requires="p14">
+          <p:contentPart p14:bwMode="auto" r:id="rId165">
+            <p14:nvContentPartPr>
+              <p14:cNvPr id="117" name="잉크 116">
+                <a:extLst>
+                  <a:ext uri="{FF2B5EF4-FFF2-40B4-BE49-F238E27FC236}">
+                    <a16:creationId xmlns:a16="http://schemas.microsoft.com/office/drawing/2014/main" id="{E9B57CAC-D8C0-2FB5-5996-EE375CB00087}"/>
+                  </a:ext>
+                </a:extLst>
+              </p14:cNvPr>
+              <p14:cNvContentPartPr/>
+              <p14:nvPr/>
+            </p14:nvContentPartPr>
+            <p14:xfrm>
+              <a:off x="8229386" y="1896519"/>
+              <a:ext cx="360" cy="360"/>
+            </p14:xfrm>
+          </p:contentPart>
+        </mc:Choice>
+        <mc:Fallback>
+          <p:pic>
+            <p:nvPicPr>
+              <p:cNvPr id="117" name="잉크 116">
+                <a:extLst>
+                  <a:ext uri="{FF2B5EF4-FFF2-40B4-BE49-F238E27FC236}">
+                    <a16:creationId xmlns:a16="http://schemas.microsoft.com/office/drawing/2014/main" id="{E9B57CAC-D8C0-2FB5-5996-EE375CB00087}"/>
+                  </a:ext>
+                </a:extLst>
+              </p:cNvPr>
+              <p:cNvPicPr/>
+              <p:nvPr/>
+            </p:nvPicPr>
+            <p:blipFill>
+              <a:blip r:embed="rId157"/>
+              <a:stretch>
+                <a:fillRect/>
+              </a:stretch>
+            </p:blipFill>
+            <p:spPr>
+              <a:xfrm>
+                <a:off x="8175746" y="1788879"/>
+                <a:ext cx="108000" cy="216000"/>
+              </a:xfrm>
+              <a:prstGeom prst="rect">
+                <a:avLst/>
+              </a:prstGeom>
+            </p:spPr>
+          </p:pic>
+        </mc:Fallback>
+      </mc:AlternateContent>
+      <mc:AlternateContent xmlns:mc="http://schemas.openxmlformats.org/markup-compatibility/2006">
+        <mc:Choice xmlns:p14="http://schemas.microsoft.com/office/powerpoint/2010/main" Requires="p14">
+          <p:contentPart p14:bwMode="auto" r:id="rId166">
+            <p14:nvContentPartPr>
+              <p14:cNvPr id="118" name="잉크 117">
+                <a:extLst>
+                  <a:ext uri="{FF2B5EF4-FFF2-40B4-BE49-F238E27FC236}">
+                    <a16:creationId xmlns:a16="http://schemas.microsoft.com/office/drawing/2014/main" id="{7AC8E25D-A810-0A9E-A2E9-6F805C2E3A91}"/>
+                  </a:ext>
+                </a:extLst>
+              </p14:cNvPr>
+              <p14:cNvContentPartPr/>
+              <p14:nvPr/>
+            </p14:nvContentPartPr>
+            <p14:xfrm>
+              <a:off x="9421706" y="2613279"/>
+              <a:ext cx="360" cy="360"/>
+            </p14:xfrm>
+          </p:contentPart>
+        </mc:Choice>
+        <mc:Fallback>
+          <p:pic>
+            <p:nvPicPr>
+              <p:cNvPr id="118" name="잉크 117">
+                <a:extLst>
+                  <a:ext uri="{FF2B5EF4-FFF2-40B4-BE49-F238E27FC236}">
+                    <a16:creationId xmlns:a16="http://schemas.microsoft.com/office/drawing/2014/main" id="{7AC8E25D-A810-0A9E-A2E9-6F805C2E3A91}"/>
+                  </a:ext>
+                </a:extLst>
+              </p:cNvPr>
+              <p:cNvPicPr/>
+              <p:nvPr/>
+            </p:nvPicPr>
+            <p:blipFill>
+              <a:blip r:embed="rId157"/>
+              <a:stretch>
+                <a:fillRect/>
+              </a:stretch>
+            </p:blipFill>
+            <p:spPr>
+              <a:xfrm>
+                <a:off x="9368066" y="2505279"/>
+                <a:ext cx="108000" cy="216000"/>
+              </a:xfrm>
+              <a:prstGeom prst="rect">
+                <a:avLst/>
+              </a:prstGeom>
+            </p:spPr>
+          </p:pic>
+        </mc:Fallback>
+      </mc:AlternateContent>
+      <mc:AlternateContent xmlns:mc="http://schemas.openxmlformats.org/markup-compatibility/2006">
+        <mc:Choice xmlns:p14="http://schemas.microsoft.com/office/powerpoint/2010/main" Requires="p14">
+          <p:contentPart p14:bwMode="auto" r:id="rId167">
+            <p14:nvContentPartPr>
+              <p14:cNvPr id="119" name="잉크 118">
+                <a:extLst>
+                  <a:ext uri="{FF2B5EF4-FFF2-40B4-BE49-F238E27FC236}">
+                    <a16:creationId xmlns:a16="http://schemas.microsoft.com/office/drawing/2014/main" id="{7E2255F1-7E31-9EE2-BBE3-7C8358A3E523}"/>
+                  </a:ext>
+                </a:extLst>
+              </p14:cNvPr>
+              <p14:cNvContentPartPr/>
+              <p14:nvPr/>
+            </p14:nvContentPartPr>
+            <p14:xfrm>
+              <a:off x="10552466" y="3737919"/>
+              <a:ext cx="360" cy="360"/>
+            </p14:xfrm>
+          </p:contentPart>
+        </mc:Choice>
+        <mc:Fallback>
+          <p:pic>
+            <p:nvPicPr>
+              <p:cNvPr id="119" name="잉크 118">
+                <a:extLst>
+                  <a:ext uri="{FF2B5EF4-FFF2-40B4-BE49-F238E27FC236}">
+                    <a16:creationId xmlns:a16="http://schemas.microsoft.com/office/drawing/2014/main" id="{7E2255F1-7E31-9EE2-BBE3-7C8358A3E523}"/>
+                  </a:ext>
+                </a:extLst>
+              </p:cNvPr>
+              <p:cNvPicPr/>
+              <p:nvPr/>
+            </p:nvPicPr>
+            <p:blipFill>
+              <a:blip r:embed="rId157"/>
+              <a:stretch>
+                <a:fillRect/>
+              </a:stretch>
+            </p:blipFill>
+            <p:spPr>
+              <a:xfrm>
+                <a:off x="10498826" y="3629919"/>
+                <a:ext cx="108000" cy="216000"/>
+              </a:xfrm>
+              <a:prstGeom prst="rect">
+                <a:avLst/>
+              </a:prstGeom>
+            </p:spPr>
+          </p:pic>
+        </mc:Fallback>
+      </mc:AlternateContent>
+      <mc:AlternateContent xmlns:mc="http://schemas.openxmlformats.org/markup-compatibility/2006">
+        <mc:Choice xmlns:p14="http://schemas.microsoft.com/office/powerpoint/2010/main" Requires="p14">
+          <p:contentPart p14:bwMode="auto" r:id="rId168">
+            <p14:nvContentPartPr>
+              <p14:cNvPr id="120" name="잉크 119">
+                <a:extLst>
+                  <a:ext uri="{FF2B5EF4-FFF2-40B4-BE49-F238E27FC236}">
+                    <a16:creationId xmlns:a16="http://schemas.microsoft.com/office/drawing/2014/main" id="{235BDE3C-3AB4-3811-9596-136F0E47BCD1}"/>
+                  </a:ext>
+                </a:extLst>
+              </p14:cNvPr>
+              <p14:cNvContentPartPr/>
+              <p14:nvPr/>
+            </p14:nvContentPartPr>
+            <p14:xfrm>
+              <a:off x="11788346" y="5634399"/>
+              <a:ext cx="14040" cy="18720"/>
+            </p14:xfrm>
+          </p:contentPart>
+        </mc:Choice>
+        <mc:Fallback>
+          <p:pic>
+            <p:nvPicPr>
+              <p:cNvPr id="120" name="잉크 119">
+                <a:extLst>
+                  <a:ext uri="{FF2B5EF4-FFF2-40B4-BE49-F238E27FC236}">
+                    <a16:creationId xmlns:a16="http://schemas.microsoft.com/office/drawing/2014/main" id="{235BDE3C-3AB4-3811-9596-136F0E47BCD1}"/>
+                  </a:ext>
+                </a:extLst>
+              </p:cNvPr>
+              <p:cNvPicPr/>
+              <p:nvPr/>
+            </p:nvPicPr>
+            <p:blipFill>
+              <a:blip r:embed="rId169"/>
+              <a:stretch>
+                <a:fillRect/>
+              </a:stretch>
+            </p:blipFill>
+            <p:spPr>
+              <a:xfrm>
+                <a:off x="11734346" y="5526759"/>
+                <a:ext cx="121680" cy="234360"/>
+              </a:xfrm>
+              <a:prstGeom prst="rect">
+                <a:avLst/>
+              </a:prstGeom>
+            </p:spPr>
+          </p:pic>
+        </mc:Fallback>
+      </mc:AlternateContent>
+    </p:spTree>
+    <p:extLst>
+      <p:ext uri="{BB962C8B-B14F-4D97-AF65-F5344CB8AC3E}">
+        <p14:creationId xmlns:p14="http://schemas.microsoft.com/office/powerpoint/2010/main" val="3965239872"/>
+      </p:ext>
+    </p:extLst>
+  </p:cSld>
+  <p:clrMapOvr>
+    <a:masterClrMapping/>
+  </p:clrMapOvr>
+</p:sld>
+</file>
+
+<file path=ppt/slides/slide6.xml><?xml version="1.0" encoding="utf-8"?>
+<p:sld xmlns:a="http://schemas.openxmlformats.org/drawingml/2006/main" xmlns:r="http://schemas.openxmlformats.org/officeDocument/2006/relationships" xmlns:p="http://schemas.openxmlformats.org/presentationml/2006/main">
+  <p:cSld>
+    <p:spTree>
+      <p:nvGrpSpPr>
+        <p:cNvPr id="1" name=""/>
+        <p:cNvGrpSpPr/>
+        <p:nvPr/>
+      </p:nvGrpSpPr>
+      <p:grpSpPr>
+        <a:xfrm>
+          <a:off x="0" y="0"/>
+          <a:ext cx="0" cy="0"/>
+          <a:chOff x="0" y="0"/>
+          <a:chExt cx="0" cy="0"/>
+        </a:xfrm>
+      </p:grpSpPr>
+      <p:grpSp>
+        <p:nvGrpSpPr>
+          <p:cNvPr id="8" name="그룹 7">
+            <a:extLst>
+              <a:ext uri="{FF2B5EF4-FFF2-40B4-BE49-F238E27FC236}">
+                <a16:creationId xmlns:a16="http://schemas.microsoft.com/office/drawing/2014/main" id="{89316BFB-AB1A-629D-7C8A-987A4F8DE946}"/>
+              </a:ext>
+            </a:extLst>
+          </p:cNvPr>
+          <p:cNvGrpSpPr/>
+          <p:nvPr/>
+        </p:nvGrpSpPr>
+        <p:grpSpPr>
+          <a:xfrm>
+            <a:off x="-117389" y="1394836"/>
+            <a:ext cx="12192000" cy="1745260"/>
+            <a:chOff x="0" y="1061203"/>
+            <a:chExt cx="12192000" cy="1745260"/>
+          </a:xfrm>
+        </p:grpSpPr>
+        <p:pic>
+          <p:nvPicPr>
+            <p:cNvPr id="6" name="그림 5">
+              <a:extLst>
+                <a:ext uri="{FF2B5EF4-FFF2-40B4-BE49-F238E27FC236}">
+                  <a16:creationId xmlns:a16="http://schemas.microsoft.com/office/drawing/2014/main" id="{8A264F74-345B-FD05-3DCB-289A8A8B956A}"/>
+                </a:ext>
+              </a:extLst>
+            </p:cNvPr>
+            <p:cNvPicPr>
+              <a:picLocks noChangeAspect="1"/>
+            </p:cNvPicPr>
+            <p:nvPr/>
+          </p:nvPicPr>
+          <p:blipFill>
+            <a:blip r:embed="rId2"/>
+            <a:stretch>
+              <a:fillRect/>
+            </a:stretch>
+          </p:blipFill>
+          <p:spPr>
+            <a:xfrm>
+              <a:off x="0" y="1061203"/>
+              <a:ext cx="12192000" cy="1745260"/>
+            </a:xfrm>
+            <a:prstGeom prst="rect">
+              <a:avLst/>
+            </a:prstGeom>
+          </p:spPr>
+        </p:pic>
+        <p:sp>
+          <p:nvSpPr>
+            <p:cNvPr id="7" name="직사각형 6">
+              <a:extLst>
+                <a:ext uri="{FF2B5EF4-FFF2-40B4-BE49-F238E27FC236}">
+                  <a16:creationId xmlns:a16="http://schemas.microsoft.com/office/drawing/2014/main" id="{1F8FA18A-F97D-CB2B-9536-87002646A839}"/>
+                </a:ext>
+              </a:extLst>
+            </p:cNvPr>
+            <p:cNvSpPr/>
+            <p:nvPr/>
+          </p:nvSpPr>
+          <p:spPr>
+            <a:xfrm>
+              <a:off x="203886" y="2415746"/>
+              <a:ext cx="11677136" cy="345989"/>
+            </a:xfrm>
+            <a:prstGeom prst="rect">
+              <a:avLst/>
+            </a:prstGeom>
+            <a:noFill/>
+            <a:ln w="38100">
+              <a:solidFill>
+                <a:srgbClr val="FF0000"/>
+              </a:solidFill>
+            </a:ln>
+          </p:spPr>
+          <p:style>
+            <a:lnRef idx="2">
+              <a:schemeClr val="accent1">
+                <a:shade val="50000"/>
+              </a:schemeClr>
+            </a:lnRef>
+            <a:fillRef idx="1">
+              <a:schemeClr val="accent1"/>
+            </a:fillRef>
+            <a:effectRef idx="0">
+              <a:schemeClr val="accent1"/>
+            </a:effectRef>
+            <a:fontRef idx="minor">
+              <a:schemeClr val="lt1"/>
+            </a:fontRef>
+          </p:style>
+          <p:txBody>
+            <a:bodyPr rtlCol="0" anchor="ctr"/>
+            <a:lstStyle/>
+            <a:p>
+              <a:pPr algn="ctr"/>
+              <a:endParaRPr lang="ko-KR" altLang="en-US"/>
+            </a:p>
+          </p:txBody>
+        </p:sp>
+      </p:grpSp>
+    </p:spTree>
+    <p:extLst>
+      <p:ext uri="{BB962C8B-B14F-4D97-AF65-F5344CB8AC3E}">
+        <p14:creationId xmlns:p14="http://schemas.microsoft.com/office/powerpoint/2010/main" val="1978626441"/>
+      </p:ext>
+    </p:extLst>
+  </p:cSld>
+  <p:clrMapOvr>
+    <a:masterClrMapping/>
+  </p:clrMapOvr>
+</p:sld>
+</file>
+
+<file path=ppt/slides/slide7.xml><?xml version="1.0" encoding="utf-8"?>
+<p:sld xmlns:a="http://schemas.openxmlformats.org/drawingml/2006/main" xmlns:r="http://schemas.openxmlformats.org/officeDocument/2006/relationships" xmlns:p="http://schemas.openxmlformats.org/presentationml/2006/main">
+  <p:cSld>
+    <p:spTree>
+      <p:nvGrpSpPr>
+        <p:cNvPr id="1" name=""/>
+        <p:cNvGrpSpPr/>
+        <p:nvPr/>
+      </p:nvGrpSpPr>
+      <p:grpSpPr>
+        <a:xfrm>
+          <a:off x="0" y="0"/>
+          <a:ext cx="0" cy="0"/>
+          <a:chOff x="0" y="0"/>
+          <a:chExt cx="0" cy="0"/>
+        </a:xfrm>
+      </p:grpSpPr>
+      <p:grpSp>
+        <p:nvGrpSpPr>
+          <p:cNvPr id="8" name="그룹 7">
+            <a:extLst>
+              <a:ext uri="{FF2B5EF4-FFF2-40B4-BE49-F238E27FC236}">
+                <a16:creationId xmlns:a16="http://schemas.microsoft.com/office/drawing/2014/main" id="{F120C529-0B7B-E5E1-1C3D-7ABBE1A5E6D0}"/>
+              </a:ext>
+            </a:extLst>
+          </p:cNvPr>
+          <p:cNvGrpSpPr/>
+          <p:nvPr/>
+        </p:nvGrpSpPr>
+        <p:grpSpPr>
+          <a:xfrm>
+            <a:off x="0" y="-692801"/>
+            <a:ext cx="11801950" cy="8717602"/>
+            <a:chOff x="0" y="373999"/>
+            <a:chExt cx="11801950" cy="8717602"/>
+          </a:xfrm>
+        </p:grpSpPr>
+        <p:pic>
+          <p:nvPicPr>
+            <p:cNvPr id="5" name="그림 4">
+              <a:extLst>
+                <a:ext uri="{FF2B5EF4-FFF2-40B4-BE49-F238E27FC236}">
+                  <a16:creationId xmlns:a16="http://schemas.microsoft.com/office/drawing/2014/main" id="{FF96E7BD-C6DB-7161-13D0-7B9C7DF53F88}"/>
+                </a:ext>
+              </a:extLst>
+            </p:cNvPr>
+            <p:cNvPicPr>
+              <a:picLocks noChangeAspect="1"/>
+            </p:cNvPicPr>
+            <p:nvPr/>
+          </p:nvPicPr>
+          <p:blipFill>
+            <a:blip r:embed="rId2"/>
+            <a:stretch>
+              <a:fillRect/>
+            </a:stretch>
+          </p:blipFill>
+          <p:spPr>
+            <a:xfrm>
+              <a:off x="0" y="373999"/>
+              <a:ext cx="11801950" cy="1859602"/>
+            </a:xfrm>
+            <a:prstGeom prst="rect">
+              <a:avLst/>
+            </a:prstGeom>
+          </p:spPr>
+        </p:pic>
+        <p:pic>
+          <p:nvPicPr>
+            <p:cNvPr id="7" name="그림 6">
+              <a:extLst>
+                <a:ext uri="{FF2B5EF4-FFF2-40B4-BE49-F238E27FC236}">
+                  <a16:creationId xmlns:a16="http://schemas.microsoft.com/office/drawing/2014/main" id="{A0C75700-CE88-764B-005F-43467B970DC9}"/>
+                </a:ext>
+              </a:extLst>
+            </p:cNvPr>
+            <p:cNvPicPr>
+              <a:picLocks noChangeAspect="1"/>
+            </p:cNvPicPr>
+            <p:nvPr/>
+          </p:nvPicPr>
+          <p:blipFill>
+            <a:blip r:embed="rId3"/>
+            <a:stretch>
+              <a:fillRect/>
+            </a:stretch>
+          </p:blipFill>
+          <p:spPr>
+            <a:xfrm>
+              <a:off x="0" y="2233601"/>
+              <a:ext cx="11801950" cy="6858000"/>
+            </a:xfrm>
+            <a:prstGeom prst="rect">
+              <a:avLst/>
+            </a:prstGeom>
+          </p:spPr>
+        </p:pic>
+      </p:grpSp>
+    </p:spTree>
+    <p:extLst>
+      <p:ext uri="{BB962C8B-B14F-4D97-AF65-F5344CB8AC3E}">
+        <p14:creationId xmlns:p14="http://schemas.microsoft.com/office/powerpoint/2010/main" val="3335173427"/>
+      </p:ext>
+    </p:extLst>
+  </p:cSld>
+  <p:clrMapOvr>
+    <a:masterClrMapping/>
+  </p:clrMapOvr>
+</p:sld>
+</file>
+
+<file path=ppt/slides/slide8.xml><?xml version="1.0" encoding="utf-8"?>
+<p:sld xmlns:a="http://schemas.openxmlformats.org/drawingml/2006/main" xmlns:r="http://schemas.openxmlformats.org/officeDocument/2006/relationships" xmlns:p="http://schemas.openxmlformats.org/presentationml/2006/main">
+  <p:cSld>
+    <p:spTree>
+      <p:nvGrpSpPr>
+        <p:cNvPr id="1" name=""/>
+        <p:cNvGrpSpPr/>
+        <p:nvPr/>
+      </p:nvGrpSpPr>
+      <p:grpSpPr>
+        <a:xfrm>
+          <a:off x="0" y="0"/>
+          <a:ext cx="0" cy="0"/>
+          <a:chOff x="0" y="0"/>
+          <a:chExt cx="0" cy="0"/>
+        </a:xfrm>
+      </p:grpSpPr>
+      <p:grpSp>
+        <p:nvGrpSpPr>
+          <p:cNvPr id="8" name="그룹 7">
+            <a:extLst>
+              <a:ext uri="{FF2B5EF4-FFF2-40B4-BE49-F238E27FC236}">
+                <a16:creationId xmlns:a16="http://schemas.microsoft.com/office/drawing/2014/main" id="{F5F68190-FE02-A4FB-D4FB-B05229EACADF}"/>
+              </a:ext>
+            </a:extLst>
+          </p:cNvPr>
+          <p:cNvGrpSpPr/>
+          <p:nvPr/>
+        </p:nvGrpSpPr>
+        <p:grpSpPr>
+          <a:xfrm>
+            <a:off x="0" y="-501441"/>
+            <a:ext cx="12192000" cy="9303273"/>
+            <a:chOff x="0" y="355809"/>
+            <a:chExt cx="12192000" cy="9303273"/>
+          </a:xfrm>
+        </p:grpSpPr>
+        <p:pic>
+          <p:nvPicPr>
+            <p:cNvPr id="5" name="그림 4">
+              <a:extLst>
+                <a:ext uri="{FF2B5EF4-FFF2-40B4-BE49-F238E27FC236}">
+                  <a16:creationId xmlns:a16="http://schemas.microsoft.com/office/drawing/2014/main" id="{624A2152-5AF7-AAB2-35D5-F579A1B62981}"/>
+                </a:ext>
+              </a:extLst>
+            </p:cNvPr>
+            <p:cNvPicPr>
+              <a:picLocks noChangeAspect="1"/>
+            </p:cNvPicPr>
+            <p:nvPr/>
+          </p:nvPicPr>
+          <p:blipFill>
+            <a:blip r:embed="rId2"/>
+            <a:stretch>
+              <a:fillRect/>
+            </a:stretch>
+          </p:blipFill>
+          <p:spPr>
+            <a:xfrm>
+              <a:off x="0" y="355809"/>
+              <a:ext cx="12192000" cy="3073191"/>
+            </a:xfrm>
+            <a:prstGeom prst="rect">
+              <a:avLst/>
+            </a:prstGeom>
+          </p:spPr>
+        </p:pic>
+        <p:pic>
+          <p:nvPicPr>
+            <p:cNvPr id="7" name="그림 6">
+              <a:extLst>
+                <a:ext uri="{FF2B5EF4-FFF2-40B4-BE49-F238E27FC236}">
+                  <a16:creationId xmlns:a16="http://schemas.microsoft.com/office/drawing/2014/main" id="{C11A4FBD-33E1-2BCA-746D-9AFA4539FA75}"/>
+                </a:ext>
+              </a:extLst>
+            </p:cNvPr>
+            <p:cNvPicPr>
+              <a:picLocks noChangeAspect="1"/>
+            </p:cNvPicPr>
+            <p:nvPr/>
+          </p:nvPicPr>
+          <p:blipFill>
+            <a:blip r:embed="rId3"/>
+            <a:stretch>
+              <a:fillRect/>
+            </a:stretch>
+          </p:blipFill>
+          <p:spPr>
+            <a:xfrm>
+              <a:off x="0" y="3504467"/>
+              <a:ext cx="12192000" cy="6154615"/>
+            </a:xfrm>
+            <a:prstGeom prst="rect">
+              <a:avLst/>
+            </a:prstGeom>
+          </p:spPr>
+        </p:pic>
+      </p:grpSp>
+    </p:spTree>
+    <p:extLst>
+      <p:ext uri="{BB962C8B-B14F-4D97-AF65-F5344CB8AC3E}">
+        <p14:creationId xmlns:p14="http://schemas.microsoft.com/office/powerpoint/2010/main" val="1958064072"/>
+      </p:ext>
+    </p:extLst>
+  </p:cSld>
+  <p:clrMapOvr>
+    <a:masterClrMapping/>
+  </p:clrMapOvr>
+</p:sld>
+</file>
+
+<file path=ppt/slides/slide9.xml><?xml version="1.0" encoding="utf-8"?>
+<p:sld xmlns:a="http://schemas.openxmlformats.org/drawingml/2006/main" xmlns:r="http://schemas.openxmlformats.org/officeDocument/2006/relationships" xmlns:p="http://schemas.openxmlformats.org/presentationml/2006/main">
+  <p:cSld>
+    <p:spTree>
+      <p:nvGrpSpPr>
+        <p:cNvPr id="1" name=""/>
+        <p:cNvGrpSpPr/>
+        <p:nvPr/>
+      </p:nvGrpSpPr>
+      <p:grpSpPr>
+        <a:xfrm>
+          <a:off x="0" y="0"/>
+          <a:ext cx="0" cy="0"/>
+          <a:chOff x="0" y="0"/>
+          <a:chExt cx="0" cy="0"/>
+        </a:xfrm>
+      </p:grpSpPr>
+      <p:grpSp>
+        <p:nvGrpSpPr>
+          <p:cNvPr id="8" name="그룹 7">
+            <a:extLst>
+              <a:ext uri="{FF2B5EF4-FFF2-40B4-BE49-F238E27FC236}">
+                <a16:creationId xmlns:a16="http://schemas.microsoft.com/office/drawing/2014/main" id="{7D6C4413-12A0-E7B7-E1E4-7C1E753675B0}"/>
+              </a:ext>
+            </a:extLst>
+          </p:cNvPr>
+          <p:cNvGrpSpPr/>
+          <p:nvPr/>
+        </p:nvGrpSpPr>
+        <p:grpSpPr>
+          <a:xfrm>
+            <a:off x="-123825" y="-1068536"/>
+            <a:ext cx="12192000" cy="8183837"/>
+            <a:chOff x="0" y="503089"/>
+            <a:chExt cx="12192000" cy="8183837"/>
+          </a:xfrm>
+        </p:grpSpPr>
+        <p:pic>
+          <p:nvPicPr>
+            <p:cNvPr id="5" name="그림 4">
+              <a:extLst>
+                <a:ext uri="{FF2B5EF4-FFF2-40B4-BE49-F238E27FC236}">
+                  <a16:creationId xmlns:a16="http://schemas.microsoft.com/office/drawing/2014/main" id="{95B7FC72-6F82-49E3-8D90-A0C0FACEBDFB}"/>
+                </a:ext>
+              </a:extLst>
+            </p:cNvPr>
+            <p:cNvPicPr>
+              <a:picLocks noChangeAspect="1"/>
+            </p:cNvPicPr>
+            <p:nvPr/>
+          </p:nvPicPr>
+          <p:blipFill>
+            <a:blip r:embed="rId2"/>
+            <a:stretch>
+              <a:fillRect/>
+            </a:stretch>
+          </p:blipFill>
+          <p:spPr>
+            <a:xfrm>
+              <a:off x="0" y="503089"/>
+              <a:ext cx="12192000" cy="3413422"/>
+            </a:xfrm>
+            <a:prstGeom prst="rect">
+              <a:avLst/>
+            </a:prstGeom>
+          </p:spPr>
+        </p:pic>
+        <p:pic>
+          <p:nvPicPr>
+            <p:cNvPr id="7" name="그림 6">
+              <a:extLst>
+                <a:ext uri="{FF2B5EF4-FFF2-40B4-BE49-F238E27FC236}">
+                  <a16:creationId xmlns:a16="http://schemas.microsoft.com/office/drawing/2014/main" id="{3178141E-3C4D-1413-B3E6-833F65036AC2}"/>
+                </a:ext>
+              </a:extLst>
+            </p:cNvPr>
+            <p:cNvPicPr>
+              <a:picLocks noChangeAspect="1"/>
+            </p:cNvPicPr>
+            <p:nvPr/>
+          </p:nvPicPr>
+          <p:blipFill>
+            <a:blip r:embed="rId3"/>
+            <a:stretch>
+              <a:fillRect/>
+            </a:stretch>
+          </p:blipFill>
+          <p:spPr>
+            <a:xfrm>
+              <a:off x="0" y="3916511"/>
+              <a:ext cx="12192000" cy="4770415"/>
+            </a:xfrm>
+            <a:prstGeom prst="rect">
+              <a:avLst/>
+            </a:prstGeom>
+          </p:spPr>
+        </p:pic>
+      </p:grpSp>
+    </p:spTree>
+    <p:extLst>
+      <p:ext uri="{BB962C8B-B14F-4D97-AF65-F5344CB8AC3E}">
+        <p14:creationId xmlns:p14="http://schemas.microsoft.com/office/powerpoint/2010/main" val="194051356"/>
       </p:ext>
     </p:extLst>
   </p:cSld>
